--- a/Presentation/Lunar_Secondary_Ejecta_Model.pptx
+++ b/Presentation/Lunar_Secondary_Ejecta_Model.pptx
@@ -5,7 +5,7 @@
     <p:sldMasterId id="2147483648" r:id="rId1"/>
   </p:sldMasterIdLst>
   <p:notesMasterIdLst>
-    <p:notesMasterId r:id="rId12"/>
+    <p:notesMasterId r:id="rId14"/>
   </p:notesMasterIdLst>
   <p:sldIdLst>
     <p:sldId id="256" r:id="rId2"/>
@@ -15,9 +15,11 @@
     <p:sldId id="261" r:id="rId6"/>
     <p:sldId id="259" r:id="rId7"/>
     <p:sldId id="265" r:id="rId8"/>
-    <p:sldId id="262" r:id="rId9"/>
-    <p:sldId id="263" r:id="rId10"/>
-    <p:sldId id="264" r:id="rId11"/>
+    <p:sldId id="266" r:id="rId9"/>
+    <p:sldId id="267" r:id="rId10"/>
+    <p:sldId id="262" r:id="rId11"/>
+    <p:sldId id="263" r:id="rId12"/>
+    <p:sldId id="264" r:id="rId13"/>
   </p:sldIdLst>
   <p:sldSz cx="12192000" cy="6858000"/>
   <p:notesSz cx="6858000" cy="9144000"/>
@@ -116,6 +118,11 @@
       </a:defRPr>
     </a:lvl9pPr>
   </p:defaultTextStyle>
+  <p:extLst>
+    <p:ext uri="{EFAFB233-063F-42B5-8137-9DF3F51BA10A}">
+      <p15:sldGuideLst xmlns:p15="http://schemas.microsoft.com/office/powerpoint/2012/main"/>
+    </p:ext>
+  </p:extLst>
 </p:presentation>
 </file>
 
@@ -201,7 +208,7 @@
           <a:p>
             <a:fld id="{D66CE0FA-CF16-48E5-A3CD-CEE8A404D375}" type="datetimeFigureOut">
               <a:rPr lang="en-US" smtClean="0"/>
-              <a:t>10/14/2020</a:t>
+              <a:t>10/16/2020</a:t>
             </a:fld>
             <a:endParaRPr lang="en-US"/>
           </a:p>
@@ -637,7 +644,7 @@
           <a:p>
             <a:fld id="{D64564BF-43B0-4E03-AB56-1E6EEBBB0E66}" type="datetime1">
               <a:rPr lang="en-US" smtClean="0"/>
-              <a:t>10/14/2020</a:t>
+              <a:t>10/16/2020</a:t>
             </a:fld>
             <a:endParaRPr lang="en-US" dirty="0"/>
           </a:p>
@@ -967,7 +974,7 @@
           <a:p>
             <a:fld id="{20ED8515-596C-4429-A5E3-60C19FEE9349}" type="datetime1">
               <a:rPr lang="en-US" smtClean="0"/>
-              <a:t>10/14/2020</a:t>
+              <a:t>10/16/2020</a:t>
             </a:fld>
             <a:endParaRPr lang="en-US" dirty="0"/>
           </a:p>
@@ -1146,7 +1153,7 @@
           <a:p>
             <a:fld id="{96ECA619-1251-4FE5-A008-8D6867A4E27F}" type="datetime1">
               <a:rPr lang="en-US" smtClean="0"/>
-              <a:t>10/14/2020</a:t>
+              <a:t>10/16/2020</a:t>
             </a:fld>
             <a:endParaRPr lang="en-US" dirty="0"/>
           </a:p>
@@ -1315,7 +1322,7 @@
           <a:p>
             <a:fld id="{2C03F969-3CA1-4329-80D4-97FA07558DE8}" type="datetime1">
               <a:rPr lang="en-US" smtClean="0"/>
-              <a:t>10/14/2020</a:t>
+              <a:t>10/16/2020</a:t>
             </a:fld>
             <a:endParaRPr lang="en-US" dirty="0"/>
           </a:p>
@@ -1591,7 +1598,7 @@
           <a:p>
             <a:fld id="{A472D5E3-86C3-4840-AEED-CEA38199AB51}" type="datetime1">
               <a:rPr lang="en-US" smtClean="0"/>
-              <a:t>10/14/2020</a:t>
+              <a:t>10/16/2020</a:t>
             </a:fld>
             <a:endParaRPr lang="en-US" dirty="0"/>
           </a:p>
@@ -1985,7 +1992,7 @@
           <a:p>
             <a:fld id="{39C7A0C8-05A4-4A3F-93B6-191D315A29CF}" type="datetime1">
               <a:rPr lang="en-US" smtClean="0"/>
-              <a:t>10/14/2020</a:t>
+              <a:t>10/16/2020</a:t>
             </a:fld>
             <a:endParaRPr lang="en-US" dirty="0"/>
           </a:p>
@@ -2461,7 +2468,7 @@
           <a:p>
             <a:fld id="{62B385BD-5A39-4BA1-BEFD-27F2E78E317D}" type="datetime1">
               <a:rPr lang="en-US" smtClean="0"/>
-              <a:t>10/14/2020</a:t>
+              <a:t>10/16/2020</a:t>
             </a:fld>
             <a:endParaRPr lang="en-US" dirty="0"/>
           </a:p>
@@ -2578,7 +2585,7 @@
           <a:p>
             <a:fld id="{6BB82FE9-0D29-4DFB-BC55-0FDD897EF4F1}" type="datetime1">
               <a:rPr lang="en-US" smtClean="0"/>
-              <a:t>10/14/2020</a:t>
+              <a:t>10/16/2020</a:t>
             </a:fld>
             <a:endParaRPr lang="en-US" dirty="0"/>
           </a:p>
@@ -2672,7 +2679,7 @@
           <a:p>
             <a:fld id="{679DFD58-5AB4-47EF-AC44-AAF5927F92AE}" type="datetime1">
               <a:rPr lang="en-US" smtClean="0"/>
-              <a:t>10/14/2020</a:t>
+              <a:t>10/16/2020</a:t>
             </a:fld>
             <a:endParaRPr lang="en-US" dirty="0"/>
           </a:p>
@@ -3017,7 +3024,7 @@
           <a:p>
             <a:fld id="{7BA31D8D-74D3-4DCD-ACC1-7C89FC10331C}" type="datetime1">
               <a:rPr lang="en-US" smtClean="0"/>
-              <a:t>10/14/2020</a:t>
+              <a:t>10/16/2020</a:t>
             </a:fld>
             <a:endParaRPr lang="en-US" dirty="0"/>
           </a:p>
@@ -3405,7 +3412,7 @@
           <a:p>
             <a:fld id="{7CE62E6B-D0F8-4013-9E1C-FD398708E4B5}" type="datetime1">
               <a:rPr lang="en-US" smtClean="0"/>
-              <a:t>10/14/2020</a:t>
+              <a:t>10/16/2020</a:t>
             </a:fld>
             <a:endParaRPr lang="en-US" dirty="0"/>
           </a:p>
@@ -3683,7 +3690,7 @@
           <a:p>
             <a:fld id="{31E3BC98-00F5-4D3F-8412-54ED942AE7BA}" type="datetime1">
               <a:rPr lang="en-US" smtClean="0"/>
-              <a:t>10/14/2020</a:t>
+              <a:t>10/16/2020</a:t>
             </a:fld>
             <a:endParaRPr lang="en-US" dirty="0"/>
           </a:p>
@@ -4299,7 +4306,7 @@
           <a:p>
             <a:fld id="{2D0411A3-5602-45C2-B4C5-DE9BA003B67D}" type="datetime1">
               <a:rPr lang="en-US" smtClean="0"/>
-              <a:t>10/14/2020</a:t>
+              <a:t>10/16/2020</a:t>
             </a:fld>
             <a:endParaRPr lang="en-US" dirty="0"/>
           </a:p>
@@ -4572,275 +4579,45 @@
           </a:p>
           <a:p>
             <a:r>
-              <a:rPr lang="en-US" dirty="0">
-                <a:solidFill>
-                  <a:schemeClr val="bg1">
-                    <a:lumMod val="65000"/>
-                  </a:schemeClr>
-                </a:solidFill>
-              </a:rPr>
+              <a:rPr lang="en-US" dirty="0"/>
               <a:t>Proposed New DSNE Model -- Lunar Meteoroid Ejecta Model (</a:t>
-            </a:r>
-            <a:r>
-              <a:rPr lang="en-US" dirty="0" err="1">
-                <a:solidFill>
-                  <a:schemeClr val="bg1">
-                    <a:lumMod val="65000"/>
-                  </a:schemeClr>
-                </a:solidFill>
-              </a:rPr>
-              <a:t>LuMEM</a:t>
-            </a:r>
-            <a:r>
-              <a:rPr lang="en-US" dirty="0">
-                <a:solidFill>
-                  <a:schemeClr val="bg1">
-                    <a:lumMod val="65000"/>
-                  </a:schemeClr>
-                </a:solidFill>
-              </a:rPr>
-              <a:t>)</a:t>
-            </a:r>
-          </a:p>
-          <a:p>
-            <a:pPr lvl="1"/>
-            <a:r>
-              <a:rPr lang="en-US" i="0" dirty="0">
-                <a:solidFill>
-                  <a:schemeClr val="bg1">
-                    <a:lumMod val="65000"/>
-                  </a:schemeClr>
-                </a:solidFill>
-              </a:rPr>
-              <a:t>Sporadic meteoroid flux (</a:t>
-            </a:r>
-            <a:r>
-              <a:rPr lang="en-US" i="0" dirty="0" err="1">
-                <a:solidFill>
-                  <a:schemeClr val="bg1">
-                    <a:lumMod val="65000"/>
-                  </a:schemeClr>
-                </a:solidFill>
-              </a:rPr>
-              <a:t>Grun</a:t>
-            </a:r>
-            <a:r>
-              <a:rPr lang="en-US" i="0" dirty="0">
-                <a:solidFill>
-                  <a:schemeClr val="bg1">
-                    <a:lumMod val="65000"/>
-                  </a:schemeClr>
-                </a:solidFill>
-              </a:rPr>
-              <a:t> et al 1985)</a:t>
-            </a:r>
-          </a:p>
-          <a:p>
-            <a:pPr lvl="1"/>
-            <a:r>
-              <a:rPr lang="en-US" i="0" dirty="0">
-                <a:solidFill>
-                  <a:schemeClr val="bg1">
-                    <a:lumMod val="65000"/>
-                  </a:schemeClr>
-                </a:solidFill>
-              </a:rPr>
-              <a:t>Near Earth Object (NEO) flux (Brown et al 2002)</a:t>
-            </a:r>
-          </a:p>
-          <a:p>
-            <a:pPr lvl="1"/>
-            <a:r>
-              <a:rPr lang="en-US" i="0" dirty="0">
-                <a:solidFill>
-                  <a:schemeClr val="bg1">
-                    <a:lumMod val="65000"/>
-                  </a:schemeClr>
-                </a:solidFill>
-              </a:rPr>
-              <a:t>Impact-ejecta scaling model (</a:t>
-            </a:r>
-            <a:r>
-              <a:rPr lang="en-US" i="0" dirty="0" err="1">
-                <a:solidFill>
-                  <a:schemeClr val="bg1">
-                    <a:lumMod val="65000"/>
-                  </a:schemeClr>
-                </a:solidFill>
-              </a:rPr>
-              <a:t>Housen</a:t>
-            </a:r>
-            <a:r>
-              <a:rPr lang="en-US" i="0" dirty="0">
-                <a:solidFill>
-                  <a:schemeClr val="bg1">
-                    <a:lumMod val="65000"/>
-                  </a:schemeClr>
-                </a:solidFill>
-              </a:rPr>
-              <a:t> &amp; </a:t>
-            </a:r>
-            <a:r>
-              <a:rPr lang="en-US" i="0" dirty="0" err="1">
-                <a:solidFill>
-                  <a:schemeClr val="bg1">
-                    <a:lumMod val="65000"/>
-                  </a:schemeClr>
-                </a:solidFill>
-              </a:rPr>
-              <a:t>Holsapple</a:t>
-            </a:r>
-            <a:r>
-              <a:rPr lang="en-US" i="0" dirty="0">
-                <a:solidFill>
-                  <a:schemeClr val="bg1">
-                    <a:lumMod val="65000"/>
-                  </a:schemeClr>
-                </a:solidFill>
-              </a:rPr>
-              <a:t> 2011)</a:t>
-            </a:r>
-          </a:p>
-          <a:p>
-            <a:pPr lvl="1"/>
-            <a:r>
-              <a:rPr lang="en-US" i="0" dirty="0">
-                <a:solidFill>
-                  <a:schemeClr val="bg1">
-                    <a:lumMod val="65000"/>
-                  </a:schemeClr>
-                </a:solidFill>
-              </a:rPr>
-              <a:t>Ejecta particle size distribution (Carrier 2003)</a:t>
-            </a:r>
-          </a:p>
-          <a:p>
-            <a:pPr lvl="1"/>
-            <a:r>
-              <a:rPr lang="en-US" i="0" dirty="0">
-                <a:solidFill>
-                  <a:schemeClr val="bg1">
-                    <a:lumMod val="65000"/>
-                  </a:schemeClr>
-                </a:solidFill>
-              </a:rPr>
-              <a:t>Ejecta zenith angle distribution (empirically from Gault &amp; </a:t>
-            </a:r>
-            <a:r>
-              <a:rPr lang="en-US" i="0" dirty="0" err="1">
-                <a:solidFill>
-                  <a:schemeClr val="bg1">
-                    <a:lumMod val="65000"/>
-                  </a:schemeClr>
-                </a:solidFill>
-              </a:rPr>
-              <a:t>Wedekind</a:t>
-            </a:r>
-            <a:r>
-              <a:rPr lang="en-US" i="0" dirty="0">
-                <a:solidFill>
-                  <a:schemeClr val="bg1">
-                    <a:lumMod val="65000"/>
-                  </a:schemeClr>
-                </a:solidFill>
-              </a:rPr>
-              <a:t> 1978)</a:t>
-            </a:r>
-          </a:p>
-          <a:p>
-            <a:pPr lvl="1"/>
-            <a:r>
-              <a:rPr lang="en-US" i="0" dirty="0">
-                <a:solidFill>
-                  <a:schemeClr val="bg1">
-                    <a:lumMod val="65000"/>
-                  </a:schemeClr>
-                </a:solidFill>
-              </a:rPr>
-              <a:t>Ejecta azimuth angle distribution (modified from Rival &amp; Mandeville 1999)</a:t>
-            </a:r>
-          </a:p>
-          <a:p>
-            <a:r>
-              <a:rPr lang="en-US" dirty="0">
-                <a:solidFill>
-                  <a:schemeClr val="bg1">
-                    <a:lumMod val="65000"/>
-                  </a:schemeClr>
-                </a:solidFill>
-              </a:rPr>
-              <a:t>Analytic model of lunar ejecta</a:t>
-            </a:r>
-          </a:p>
-          <a:p>
-            <a:pPr lvl="1"/>
-            <a:r>
-              <a:rPr lang="en-US" i="0" dirty="0">
-                <a:solidFill>
-                  <a:schemeClr val="bg1">
-                    <a:lumMod val="65000"/>
-                  </a:schemeClr>
-                </a:solidFill>
-              </a:rPr>
-              <a:t>Speed distribution as a function of distance</a:t>
-            </a:r>
-          </a:p>
-          <a:p>
-            <a:pPr lvl="1"/>
-            <a:r>
-              <a:rPr lang="en-US" i="0" dirty="0">
-                <a:solidFill>
-                  <a:schemeClr val="bg1">
-                    <a:lumMod val="65000"/>
-                  </a:schemeClr>
-                </a:solidFill>
-              </a:rPr>
-              <a:t>Secondary flux as a function of distance</a:t>
-            </a:r>
-          </a:p>
-          <a:p>
-            <a:pPr lvl="1"/>
-            <a:r>
-              <a:rPr lang="en-US" i="0" dirty="0">
-                <a:solidFill>
-                  <a:schemeClr val="bg1">
-                    <a:lumMod val="65000"/>
-                  </a:schemeClr>
-                </a:solidFill>
-              </a:rPr>
-              <a:t>Secondary flux in terms of primary flux</a:t>
-            </a:r>
-          </a:p>
-          <a:p>
-            <a:r>
-              <a:rPr lang="en-US" dirty="0"/>
-              <a:t>Results of </a:t>
             </a:r>
             <a:r>
               <a:rPr lang="en-US" dirty="0" err="1"/>
               <a:t>LuMEM</a:t>
             </a:r>
-            <a:endParaRPr lang="en-US" dirty="0"/>
+            <a:r>
+              <a:rPr lang="en-US" dirty="0"/>
+              <a:t>)</a:t>
+            </a:r>
           </a:p>
           <a:p>
             <a:pPr lvl="1"/>
             <a:r>
               <a:rPr lang="en-US" i="0" dirty="0"/>
-              <a:t>Igloo number flux distribution (based on MEM3, see Moorhead et al 2019)</a:t>
+              <a:t>Sporadic meteoroid flux (</a:t>
+            </a:r>
+            <a:r>
+              <a:rPr lang="en-US" i="0" dirty="0" err="1"/>
+              <a:t>Grun</a:t>
+            </a:r>
+            <a:r>
+              <a:rPr lang="en-US" i="0" dirty="0"/>
+              <a:t> et al 1985)</a:t>
             </a:r>
           </a:p>
           <a:p>
             <a:pPr lvl="1"/>
             <a:r>
               <a:rPr lang="en-US" i="0" dirty="0"/>
-              <a:t>Ejecta size scaling (derived from Carrier 2003)</a:t>
+              <a:t>Near Earth Object (NEO) flux (Brown et al 2002)</a:t>
             </a:r>
           </a:p>
           <a:p>
             <a:pPr lvl="1"/>
             <a:r>
               <a:rPr lang="en-US" i="0" dirty="0"/>
-              <a:t>Ejecta speed scaling (</a:t>
+              <a:t>Impact-ejecta scaling model (</a:t>
             </a:r>
             <a:r>
               <a:rPr lang="en-US" i="0" dirty="0" err="1"/>
@@ -4856,6 +4633,194 @@
             </a:r>
             <a:r>
               <a:rPr lang="en-US" i="0" dirty="0"/>
+              <a:t> 2011)</a:t>
+            </a:r>
+          </a:p>
+          <a:p>
+            <a:pPr lvl="1"/>
+            <a:r>
+              <a:rPr lang="en-US" i="0" dirty="0"/>
+              <a:t>Ejecta particle size distribution (Carrier 2003)</a:t>
+            </a:r>
+          </a:p>
+          <a:p>
+            <a:pPr lvl="1"/>
+            <a:r>
+              <a:rPr lang="en-US" i="0" dirty="0"/>
+              <a:t>Ejecta zenith angle distribution (empirically from Gault &amp; </a:t>
+            </a:r>
+            <a:r>
+              <a:rPr lang="en-US" i="0" dirty="0" err="1"/>
+              <a:t>Wedekind</a:t>
+            </a:r>
+            <a:r>
+              <a:rPr lang="en-US" i="0" dirty="0"/>
+              <a:t> 1978)</a:t>
+            </a:r>
+          </a:p>
+          <a:p>
+            <a:pPr lvl="1"/>
+            <a:r>
+              <a:rPr lang="en-US" i="0" dirty="0"/>
+              <a:t>Ejecta azimuth angle distribution (modified from Rival &amp; Mandeville 1999)</a:t>
+            </a:r>
+          </a:p>
+          <a:p>
+            <a:r>
+              <a:rPr lang="en-US" dirty="0">
+                <a:solidFill>
+                  <a:schemeClr val="bg1">
+                    <a:lumMod val="65000"/>
+                  </a:schemeClr>
+                </a:solidFill>
+              </a:rPr>
+              <a:t>Analytic model of lunar ejecta</a:t>
+            </a:r>
+          </a:p>
+          <a:p>
+            <a:pPr lvl="1"/>
+            <a:r>
+              <a:rPr lang="en-US" i="0" dirty="0">
+                <a:solidFill>
+                  <a:schemeClr val="bg1">
+                    <a:lumMod val="65000"/>
+                  </a:schemeClr>
+                </a:solidFill>
+              </a:rPr>
+              <a:t>Speed distribution as a function of distance</a:t>
+            </a:r>
+          </a:p>
+          <a:p>
+            <a:pPr lvl="1"/>
+            <a:r>
+              <a:rPr lang="en-US" i="0" dirty="0">
+                <a:solidFill>
+                  <a:schemeClr val="bg1">
+                    <a:lumMod val="65000"/>
+                  </a:schemeClr>
+                </a:solidFill>
+              </a:rPr>
+              <a:t>Secondary flux as a function of distance</a:t>
+            </a:r>
+          </a:p>
+          <a:p>
+            <a:pPr lvl="1"/>
+            <a:r>
+              <a:rPr lang="en-US" i="0" dirty="0">
+                <a:solidFill>
+                  <a:schemeClr val="bg1">
+                    <a:lumMod val="65000"/>
+                  </a:schemeClr>
+                </a:solidFill>
+              </a:rPr>
+              <a:t>Secondary flux in terms of primary flux</a:t>
+            </a:r>
+          </a:p>
+          <a:p>
+            <a:r>
+              <a:rPr lang="en-US" dirty="0">
+                <a:solidFill>
+                  <a:schemeClr val="bg1">
+                    <a:lumMod val="65000"/>
+                  </a:schemeClr>
+                </a:solidFill>
+              </a:rPr>
+              <a:t>Results of </a:t>
+            </a:r>
+            <a:r>
+              <a:rPr lang="en-US" dirty="0" err="1">
+                <a:solidFill>
+                  <a:schemeClr val="bg1">
+                    <a:lumMod val="65000"/>
+                  </a:schemeClr>
+                </a:solidFill>
+              </a:rPr>
+              <a:t>LuMEM</a:t>
+            </a:r>
+            <a:endParaRPr lang="en-US" dirty="0">
+              <a:solidFill>
+                <a:schemeClr val="bg1">
+                  <a:lumMod val="65000"/>
+                </a:schemeClr>
+              </a:solidFill>
+            </a:endParaRPr>
+          </a:p>
+          <a:p>
+            <a:pPr lvl="1"/>
+            <a:r>
+              <a:rPr lang="en-US" i="0" dirty="0">
+                <a:solidFill>
+                  <a:schemeClr val="bg1">
+                    <a:lumMod val="65000"/>
+                  </a:schemeClr>
+                </a:solidFill>
+              </a:rPr>
+              <a:t>Igloo number flux distribution (based on MEM3, see Moorhead et al 2019)</a:t>
+            </a:r>
+          </a:p>
+          <a:p>
+            <a:pPr lvl="1"/>
+            <a:r>
+              <a:rPr lang="en-US" i="0" dirty="0">
+                <a:solidFill>
+                  <a:schemeClr val="bg1">
+                    <a:lumMod val="65000"/>
+                  </a:schemeClr>
+                </a:solidFill>
+              </a:rPr>
+              <a:t>Ejecta size scaling (derived from Carrier 2003)</a:t>
+            </a:r>
+          </a:p>
+          <a:p>
+            <a:pPr lvl="1"/>
+            <a:r>
+              <a:rPr lang="en-US" i="0" dirty="0">
+                <a:solidFill>
+                  <a:schemeClr val="bg1">
+                    <a:lumMod val="65000"/>
+                  </a:schemeClr>
+                </a:solidFill>
+              </a:rPr>
+              <a:t>Ejecta speed scaling (</a:t>
+            </a:r>
+            <a:r>
+              <a:rPr lang="en-US" i="0" dirty="0" err="1">
+                <a:solidFill>
+                  <a:schemeClr val="bg1">
+                    <a:lumMod val="65000"/>
+                  </a:schemeClr>
+                </a:solidFill>
+              </a:rPr>
+              <a:t>Housen</a:t>
+            </a:r>
+            <a:r>
+              <a:rPr lang="en-US" i="0" dirty="0">
+                <a:solidFill>
+                  <a:schemeClr val="bg1">
+                    <a:lumMod val="65000"/>
+                  </a:schemeClr>
+                </a:solidFill>
+              </a:rPr>
+              <a:t> &amp; </a:t>
+            </a:r>
+            <a:r>
+              <a:rPr lang="en-US" i="0" dirty="0" err="1">
+                <a:solidFill>
+                  <a:schemeClr val="bg1">
+                    <a:lumMod val="65000"/>
+                  </a:schemeClr>
+                </a:solidFill>
+              </a:rPr>
+              <a:t>Holsapple</a:t>
+            </a:r>
+            <a:r>
+              <a:rPr lang="en-US" i="0" dirty="0">
+                <a:solidFill>
+                  <a:schemeClr val="bg1">
+                    <a:lumMod val="65000"/>
+                  </a:schemeClr>
+                </a:solidFill>
+              </a:rPr>
               <a:t> 2011)</a:t>
             </a:r>
           </a:p>
@@ -4882,9 +4847,9 @@
           <a:bodyPr/>
           <a:lstStyle/>
           <a:p>
-            <a:fld id="{F5D59A6E-ABEC-4B48-91F6-6D0798166395}" type="datetime1">
+            <a:fld id="{B89D2A76-87D9-450F-B52E-05F4138BDCAE}" type="datetime1">
               <a:rPr lang="en-US" smtClean="0"/>
-              <a:t>10/14/2020</a:t>
+              <a:t>10/16/2020</a:t>
             </a:fld>
             <a:endParaRPr lang="en-US" dirty="0"/>
           </a:p>
@@ -4914,6 +4879,1210 @@
             <a:fld id="{69E57DC2-970A-4B3E-BB1C-7A09969E49DF}" type="slidenum">
               <a:rPr lang="en-US" smtClean="0"/>
               <a:t>10</a:t>
+            </a:fld>
+            <a:endParaRPr lang="en-US" dirty="0"/>
+          </a:p>
+        </p:txBody>
+      </p:sp>
+      <p:sp>
+        <p:nvSpPr>
+          <p:cNvPr id="6" name="Footer Placeholder 5">
+            <a:extLst>
+              <a:ext uri="{FF2B5EF4-FFF2-40B4-BE49-F238E27FC236}">
+                <a16:creationId xmlns:a16="http://schemas.microsoft.com/office/drawing/2014/main" id="{6A7349FC-9051-4374-A306-58FE52B21FD1}"/>
+              </a:ext>
+            </a:extLst>
+          </p:cNvPr>
+          <p:cNvSpPr>
+            <a:spLocks noGrp="1"/>
+          </p:cNvSpPr>
+          <p:nvPr>
+            <p:ph type="ftr" sz="quarter" idx="11"/>
+          </p:nvPr>
+        </p:nvSpPr>
+        <p:spPr/>
+        <p:txBody>
+          <a:bodyPr/>
+          <a:lstStyle/>
+          <a:p>
+            <a:r>
+              <a:rPr lang="en-US"/>
+              <a:t>Lunar Meteoroid Ejecta Model (LuMEM) -- DeStefano</a:t>
+            </a:r>
+            <a:endParaRPr lang="en-US" dirty="0"/>
+          </a:p>
+        </p:txBody>
+      </p:sp>
+    </p:spTree>
+    <p:extLst>
+      <p:ext uri="{BB962C8B-B14F-4D97-AF65-F5344CB8AC3E}">
+        <p14:creationId xmlns:p14="http://schemas.microsoft.com/office/powerpoint/2010/main" val="3587355568"/>
+      </p:ext>
+    </p:extLst>
+  </p:cSld>
+  <p:clrMapOvr>
+    <a:masterClrMapping/>
+  </p:clrMapOvr>
+</p:sld>
+</file>
+
+<file path=ppt/slides/slide11.xml><?xml version="1.0" encoding="utf-8"?>
+<p:sld xmlns:a="http://schemas.openxmlformats.org/drawingml/2006/main" xmlns:r="http://schemas.openxmlformats.org/officeDocument/2006/relationships" xmlns:p="http://schemas.openxmlformats.org/presentationml/2006/main">
+  <p:cSld>
+    <p:spTree>
+      <p:nvGrpSpPr>
+        <p:cNvPr id="1" name=""/>
+        <p:cNvGrpSpPr/>
+        <p:nvPr/>
+      </p:nvGrpSpPr>
+      <p:grpSpPr>
+        <a:xfrm>
+          <a:off x="0" y="0"/>
+          <a:ext cx="0" cy="0"/>
+          <a:chOff x="0" y="0"/>
+          <a:chExt cx="0" cy="0"/>
+        </a:xfrm>
+      </p:grpSpPr>
+      <p:sp>
+        <p:nvSpPr>
+          <p:cNvPr id="2" name="Title 1">
+            <a:extLst>
+              <a:ext uri="{FF2B5EF4-FFF2-40B4-BE49-F238E27FC236}">
+                <a16:creationId xmlns:a16="http://schemas.microsoft.com/office/drawing/2014/main" id="{61785327-57CA-43A2-B8BD-89B204308B40}"/>
+              </a:ext>
+            </a:extLst>
+          </p:cNvPr>
+          <p:cNvSpPr>
+            <a:spLocks noGrp="1"/>
+          </p:cNvSpPr>
+          <p:nvPr>
+            <p:ph type="title"/>
+          </p:nvPr>
+        </p:nvSpPr>
+        <p:spPr>
+          <a:xfrm>
+            <a:off x="1295400" y="115957"/>
+            <a:ext cx="9601200" cy="1485900"/>
+          </a:xfrm>
+        </p:spPr>
+        <p:txBody>
+          <a:bodyPr/>
+          <a:lstStyle/>
+          <a:p>
+            <a:r>
+              <a:rPr lang="en-US" dirty="0"/>
+              <a:t>Overview</a:t>
+            </a:r>
+          </a:p>
+        </p:txBody>
+      </p:sp>
+      <p:sp>
+        <p:nvSpPr>
+          <p:cNvPr id="3" name="Content Placeholder 2">
+            <a:extLst>
+              <a:ext uri="{FF2B5EF4-FFF2-40B4-BE49-F238E27FC236}">
+                <a16:creationId xmlns:a16="http://schemas.microsoft.com/office/drawing/2014/main" id="{57DBFB6B-E09C-48D4-A040-1D2A2EE7A9A2}"/>
+              </a:ext>
+            </a:extLst>
+          </p:cNvPr>
+          <p:cNvSpPr>
+            <a:spLocks noGrp="1"/>
+          </p:cNvSpPr>
+          <p:nvPr>
+            <p:ph idx="1"/>
+          </p:nvPr>
+        </p:nvSpPr>
+        <p:spPr>
+          <a:xfrm>
+            <a:off x="1388446" y="858906"/>
+            <a:ext cx="9601200" cy="5594479"/>
+          </a:xfrm>
+        </p:spPr>
+        <p:txBody>
+          <a:bodyPr>
+            <a:normAutofit fontScale="70000" lnSpcReduction="20000"/>
+          </a:bodyPr>
+          <a:lstStyle/>
+          <a:p>
+            <a:r>
+              <a:rPr lang="en-US" dirty="0">
+                <a:solidFill>
+                  <a:schemeClr val="bg1">
+                    <a:lumMod val="65000"/>
+                  </a:schemeClr>
+                </a:solidFill>
+              </a:rPr>
+              <a:t>DSNE Rev H Lunar Ejecta Model – NASA SP-8013 (1969)</a:t>
+            </a:r>
+          </a:p>
+          <a:p>
+            <a:pPr lvl="1"/>
+            <a:r>
+              <a:rPr lang="en-US" i="0" dirty="0">
+                <a:solidFill>
+                  <a:schemeClr val="bg1">
+                    <a:lumMod val="65000"/>
+                  </a:schemeClr>
+                </a:solidFill>
+              </a:rPr>
+              <a:t>Based on Zook 1967</a:t>
+            </a:r>
+          </a:p>
+          <a:p>
+            <a:r>
+              <a:rPr lang="en-US" dirty="0">
+                <a:solidFill>
+                  <a:schemeClr val="bg1">
+                    <a:lumMod val="65000"/>
+                  </a:schemeClr>
+                </a:solidFill>
+              </a:rPr>
+              <a:t>Brief (non-exhaustive) Review of Impact-Ejecta Scaling Models</a:t>
+            </a:r>
+          </a:p>
+          <a:p>
+            <a:pPr lvl="1"/>
+            <a:r>
+              <a:rPr lang="en-US" i="0" dirty="0">
+                <a:solidFill>
+                  <a:schemeClr val="bg1">
+                    <a:lumMod val="65000"/>
+                  </a:schemeClr>
+                </a:solidFill>
+              </a:rPr>
+              <a:t>Zook 1967</a:t>
+            </a:r>
+          </a:p>
+          <a:p>
+            <a:pPr lvl="1"/>
+            <a:r>
+              <a:rPr lang="en-US" i="0" dirty="0" err="1">
+                <a:solidFill>
+                  <a:schemeClr val="bg1">
+                    <a:lumMod val="65000"/>
+                  </a:schemeClr>
+                </a:solidFill>
+              </a:rPr>
+              <a:t>Krivov</a:t>
+            </a:r>
+            <a:r>
+              <a:rPr lang="en-US" i="0" dirty="0">
+                <a:solidFill>
+                  <a:schemeClr val="bg1">
+                    <a:lumMod val="65000"/>
+                  </a:schemeClr>
+                </a:solidFill>
+              </a:rPr>
+              <a:t> et al. 2003</a:t>
+            </a:r>
+          </a:p>
+          <a:p>
+            <a:pPr lvl="1"/>
+            <a:r>
+              <a:rPr lang="en-US" i="0" dirty="0" err="1">
+                <a:solidFill>
+                  <a:schemeClr val="bg1">
+                    <a:lumMod val="65000"/>
+                  </a:schemeClr>
+                </a:solidFill>
+              </a:rPr>
+              <a:t>Housen</a:t>
+            </a:r>
+            <a:r>
+              <a:rPr lang="en-US" i="0" dirty="0">
+                <a:solidFill>
+                  <a:schemeClr val="bg1">
+                    <a:lumMod val="65000"/>
+                  </a:schemeClr>
+                </a:solidFill>
+              </a:rPr>
+              <a:t> &amp; </a:t>
+            </a:r>
+            <a:r>
+              <a:rPr lang="en-US" i="0" dirty="0" err="1">
+                <a:solidFill>
+                  <a:schemeClr val="bg1">
+                    <a:lumMod val="65000"/>
+                  </a:schemeClr>
+                </a:solidFill>
+              </a:rPr>
+              <a:t>Holsapple</a:t>
+            </a:r>
+            <a:r>
+              <a:rPr lang="en-US" i="0" dirty="0">
+                <a:solidFill>
+                  <a:schemeClr val="bg1">
+                    <a:lumMod val="65000"/>
+                  </a:schemeClr>
+                </a:solidFill>
+              </a:rPr>
+              <a:t> 2011</a:t>
+            </a:r>
+          </a:p>
+          <a:p>
+            <a:r>
+              <a:rPr lang="en-US" dirty="0">
+                <a:solidFill>
+                  <a:schemeClr val="bg1">
+                    <a:lumMod val="65000"/>
+                  </a:schemeClr>
+                </a:solidFill>
+              </a:rPr>
+              <a:t>Proposed New DSNE Model -- Lunar Meteoroid Ejecta Model (</a:t>
+            </a:r>
+            <a:r>
+              <a:rPr lang="en-US" dirty="0" err="1">
+                <a:solidFill>
+                  <a:schemeClr val="bg1">
+                    <a:lumMod val="65000"/>
+                  </a:schemeClr>
+                </a:solidFill>
+              </a:rPr>
+              <a:t>LuMEM</a:t>
+            </a:r>
+            <a:r>
+              <a:rPr lang="en-US" dirty="0">
+                <a:solidFill>
+                  <a:schemeClr val="bg1">
+                    <a:lumMod val="65000"/>
+                  </a:schemeClr>
+                </a:solidFill>
+              </a:rPr>
+              <a:t>)</a:t>
+            </a:r>
+          </a:p>
+          <a:p>
+            <a:pPr lvl="1"/>
+            <a:r>
+              <a:rPr lang="en-US" i="0" dirty="0">
+                <a:solidFill>
+                  <a:schemeClr val="bg1">
+                    <a:lumMod val="65000"/>
+                  </a:schemeClr>
+                </a:solidFill>
+              </a:rPr>
+              <a:t>Sporadic meteoroid flux (</a:t>
+            </a:r>
+            <a:r>
+              <a:rPr lang="en-US" i="0" dirty="0" err="1">
+                <a:solidFill>
+                  <a:schemeClr val="bg1">
+                    <a:lumMod val="65000"/>
+                  </a:schemeClr>
+                </a:solidFill>
+              </a:rPr>
+              <a:t>Grun</a:t>
+            </a:r>
+            <a:r>
+              <a:rPr lang="en-US" i="0" dirty="0">
+                <a:solidFill>
+                  <a:schemeClr val="bg1">
+                    <a:lumMod val="65000"/>
+                  </a:schemeClr>
+                </a:solidFill>
+              </a:rPr>
+              <a:t> et al 1985)</a:t>
+            </a:r>
+          </a:p>
+          <a:p>
+            <a:pPr lvl="1"/>
+            <a:r>
+              <a:rPr lang="en-US" i="0" dirty="0">
+                <a:solidFill>
+                  <a:schemeClr val="bg1">
+                    <a:lumMod val="65000"/>
+                  </a:schemeClr>
+                </a:solidFill>
+              </a:rPr>
+              <a:t>Near Earth Object (NEO) flux (Brown et al 2002)</a:t>
+            </a:r>
+          </a:p>
+          <a:p>
+            <a:pPr lvl="1"/>
+            <a:r>
+              <a:rPr lang="en-US" i="0" dirty="0">
+                <a:solidFill>
+                  <a:schemeClr val="bg1">
+                    <a:lumMod val="65000"/>
+                  </a:schemeClr>
+                </a:solidFill>
+              </a:rPr>
+              <a:t>Impact-ejecta scaling model (</a:t>
+            </a:r>
+            <a:r>
+              <a:rPr lang="en-US" i="0" dirty="0" err="1">
+                <a:solidFill>
+                  <a:schemeClr val="bg1">
+                    <a:lumMod val="65000"/>
+                  </a:schemeClr>
+                </a:solidFill>
+              </a:rPr>
+              <a:t>Housen</a:t>
+            </a:r>
+            <a:r>
+              <a:rPr lang="en-US" i="0" dirty="0">
+                <a:solidFill>
+                  <a:schemeClr val="bg1">
+                    <a:lumMod val="65000"/>
+                  </a:schemeClr>
+                </a:solidFill>
+              </a:rPr>
+              <a:t> &amp; </a:t>
+            </a:r>
+            <a:r>
+              <a:rPr lang="en-US" i="0" dirty="0" err="1">
+                <a:solidFill>
+                  <a:schemeClr val="bg1">
+                    <a:lumMod val="65000"/>
+                  </a:schemeClr>
+                </a:solidFill>
+              </a:rPr>
+              <a:t>Holsapple</a:t>
+            </a:r>
+            <a:r>
+              <a:rPr lang="en-US" i="0" dirty="0">
+                <a:solidFill>
+                  <a:schemeClr val="bg1">
+                    <a:lumMod val="65000"/>
+                  </a:schemeClr>
+                </a:solidFill>
+              </a:rPr>
+              <a:t> 2011)</a:t>
+            </a:r>
+          </a:p>
+          <a:p>
+            <a:pPr lvl="1"/>
+            <a:r>
+              <a:rPr lang="en-US" i="0" dirty="0">
+                <a:solidFill>
+                  <a:schemeClr val="bg1">
+                    <a:lumMod val="65000"/>
+                  </a:schemeClr>
+                </a:solidFill>
+              </a:rPr>
+              <a:t>Ejecta particle size distribution (Carrier 2003)</a:t>
+            </a:r>
+          </a:p>
+          <a:p>
+            <a:pPr lvl="1"/>
+            <a:r>
+              <a:rPr lang="en-US" i="0" dirty="0">
+                <a:solidFill>
+                  <a:schemeClr val="bg1">
+                    <a:lumMod val="65000"/>
+                  </a:schemeClr>
+                </a:solidFill>
+              </a:rPr>
+              <a:t>Ejecta zenith angle distribution (empirically from Gault &amp; </a:t>
+            </a:r>
+            <a:r>
+              <a:rPr lang="en-US" i="0" dirty="0" err="1">
+                <a:solidFill>
+                  <a:schemeClr val="bg1">
+                    <a:lumMod val="65000"/>
+                  </a:schemeClr>
+                </a:solidFill>
+              </a:rPr>
+              <a:t>Wedekind</a:t>
+            </a:r>
+            <a:r>
+              <a:rPr lang="en-US" i="0" dirty="0">
+                <a:solidFill>
+                  <a:schemeClr val="bg1">
+                    <a:lumMod val="65000"/>
+                  </a:schemeClr>
+                </a:solidFill>
+              </a:rPr>
+              <a:t> 1978)</a:t>
+            </a:r>
+          </a:p>
+          <a:p>
+            <a:pPr lvl="1"/>
+            <a:r>
+              <a:rPr lang="en-US" i="0" dirty="0">
+                <a:solidFill>
+                  <a:schemeClr val="bg1">
+                    <a:lumMod val="65000"/>
+                  </a:schemeClr>
+                </a:solidFill>
+              </a:rPr>
+              <a:t>Ejecta azimuth angle distribution (modified from Rival &amp; Mandeville 1999)</a:t>
+            </a:r>
+          </a:p>
+          <a:p>
+            <a:r>
+              <a:rPr lang="en-US" dirty="0"/>
+              <a:t>Analytic model of lunar ejecta</a:t>
+            </a:r>
+          </a:p>
+          <a:p>
+            <a:pPr lvl="1"/>
+            <a:r>
+              <a:rPr lang="en-US" i="0" dirty="0"/>
+              <a:t>Speed distribution as a function of distance</a:t>
+            </a:r>
+          </a:p>
+          <a:p>
+            <a:pPr lvl="1"/>
+            <a:r>
+              <a:rPr lang="en-US" i="0" dirty="0"/>
+              <a:t>Secondary flux as a function of distance</a:t>
+            </a:r>
+          </a:p>
+          <a:p>
+            <a:pPr lvl="1"/>
+            <a:r>
+              <a:rPr lang="en-US" i="0" dirty="0"/>
+              <a:t>Secondary flux in terms of primary flux</a:t>
+            </a:r>
+          </a:p>
+          <a:p>
+            <a:r>
+              <a:rPr lang="en-US" dirty="0">
+                <a:solidFill>
+                  <a:schemeClr val="bg1">
+                    <a:lumMod val="65000"/>
+                  </a:schemeClr>
+                </a:solidFill>
+              </a:rPr>
+              <a:t>Results of </a:t>
+            </a:r>
+            <a:r>
+              <a:rPr lang="en-US" dirty="0" err="1">
+                <a:solidFill>
+                  <a:schemeClr val="bg1">
+                    <a:lumMod val="65000"/>
+                  </a:schemeClr>
+                </a:solidFill>
+              </a:rPr>
+              <a:t>LuMEM</a:t>
+            </a:r>
+            <a:endParaRPr lang="en-US" dirty="0">
+              <a:solidFill>
+                <a:schemeClr val="bg1">
+                  <a:lumMod val="65000"/>
+                </a:schemeClr>
+              </a:solidFill>
+            </a:endParaRPr>
+          </a:p>
+          <a:p>
+            <a:pPr lvl="1"/>
+            <a:r>
+              <a:rPr lang="en-US" i="0" dirty="0">
+                <a:solidFill>
+                  <a:schemeClr val="bg1">
+                    <a:lumMod val="65000"/>
+                  </a:schemeClr>
+                </a:solidFill>
+              </a:rPr>
+              <a:t>Igloo number flux distribution (based on MEM3, see Moorhead et al 2019)</a:t>
+            </a:r>
+          </a:p>
+          <a:p>
+            <a:pPr lvl="1"/>
+            <a:r>
+              <a:rPr lang="en-US" i="0" dirty="0">
+                <a:solidFill>
+                  <a:schemeClr val="bg1">
+                    <a:lumMod val="65000"/>
+                  </a:schemeClr>
+                </a:solidFill>
+              </a:rPr>
+              <a:t>Ejecta size scaling (derived from Carrier 2003)</a:t>
+            </a:r>
+          </a:p>
+          <a:p>
+            <a:pPr lvl="1"/>
+            <a:r>
+              <a:rPr lang="en-US" i="0" dirty="0">
+                <a:solidFill>
+                  <a:schemeClr val="bg1">
+                    <a:lumMod val="65000"/>
+                  </a:schemeClr>
+                </a:solidFill>
+              </a:rPr>
+              <a:t>Ejecta speed scaling (</a:t>
+            </a:r>
+            <a:r>
+              <a:rPr lang="en-US" i="0" dirty="0" err="1">
+                <a:solidFill>
+                  <a:schemeClr val="bg1">
+                    <a:lumMod val="65000"/>
+                  </a:schemeClr>
+                </a:solidFill>
+              </a:rPr>
+              <a:t>Housen</a:t>
+            </a:r>
+            <a:r>
+              <a:rPr lang="en-US" i="0" dirty="0">
+                <a:solidFill>
+                  <a:schemeClr val="bg1">
+                    <a:lumMod val="65000"/>
+                  </a:schemeClr>
+                </a:solidFill>
+              </a:rPr>
+              <a:t> &amp; </a:t>
+            </a:r>
+            <a:r>
+              <a:rPr lang="en-US" i="0" dirty="0" err="1">
+                <a:solidFill>
+                  <a:schemeClr val="bg1">
+                    <a:lumMod val="65000"/>
+                  </a:schemeClr>
+                </a:solidFill>
+              </a:rPr>
+              <a:t>Holsapple</a:t>
+            </a:r>
+            <a:r>
+              <a:rPr lang="en-US" i="0" dirty="0">
+                <a:solidFill>
+                  <a:schemeClr val="bg1">
+                    <a:lumMod val="65000"/>
+                  </a:schemeClr>
+                </a:solidFill>
+              </a:rPr>
+              <a:t> 2011)</a:t>
+            </a:r>
+          </a:p>
+        </p:txBody>
+      </p:sp>
+      <p:sp>
+        <p:nvSpPr>
+          <p:cNvPr id="4" name="Date Placeholder 3">
+            <a:extLst>
+              <a:ext uri="{FF2B5EF4-FFF2-40B4-BE49-F238E27FC236}">
+                <a16:creationId xmlns:a16="http://schemas.microsoft.com/office/drawing/2014/main" id="{02E04A3A-57D0-4485-AE57-B7CD694ECAB1}"/>
+              </a:ext>
+            </a:extLst>
+          </p:cNvPr>
+          <p:cNvSpPr>
+            <a:spLocks noGrp="1"/>
+          </p:cNvSpPr>
+          <p:nvPr>
+            <p:ph type="dt" sz="half" idx="10"/>
+          </p:nvPr>
+        </p:nvSpPr>
+        <p:spPr/>
+        <p:txBody>
+          <a:bodyPr/>
+          <a:lstStyle/>
+          <a:p>
+            <a:fld id="{D5B96D59-8BD3-47D1-A6B5-FA48D0A60242}" type="datetime1">
+              <a:rPr lang="en-US" smtClean="0"/>
+              <a:t>10/16/2020</a:t>
+            </a:fld>
+            <a:endParaRPr lang="en-US" dirty="0"/>
+          </a:p>
+        </p:txBody>
+      </p:sp>
+      <p:sp>
+        <p:nvSpPr>
+          <p:cNvPr id="5" name="Slide Number Placeholder 4">
+            <a:extLst>
+              <a:ext uri="{FF2B5EF4-FFF2-40B4-BE49-F238E27FC236}">
+                <a16:creationId xmlns:a16="http://schemas.microsoft.com/office/drawing/2014/main" id="{2EF95866-BD7A-4B57-BA57-4E8E3664A5B3}"/>
+              </a:ext>
+            </a:extLst>
+          </p:cNvPr>
+          <p:cNvSpPr>
+            <a:spLocks noGrp="1"/>
+          </p:cNvSpPr>
+          <p:nvPr>
+            <p:ph type="sldNum" sz="quarter" idx="12"/>
+          </p:nvPr>
+        </p:nvSpPr>
+        <p:spPr/>
+        <p:txBody>
+          <a:bodyPr/>
+          <a:lstStyle/>
+          <a:p>
+            <a:fld id="{69E57DC2-970A-4B3E-BB1C-7A09969E49DF}" type="slidenum">
+              <a:rPr lang="en-US" smtClean="0"/>
+              <a:t>11</a:t>
+            </a:fld>
+            <a:endParaRPr lang="en-US" dirty="0"/>
+          </a:p>
+        </p:txBody>
+      </p:sp>
+      <p:sp>
+        <p:nvSpPr>
+          <p:cNvPr id="6" name="Footer Placeholder 5">
+            <a:extLst>
+              <a:ext uri="{FF2B5EF4-FFF2-40B4-BE49-F238E27FC236}">
+                <a16:creationId xmlns:a16="http://schemas.microsoft.com/office/drawing/2014/main" id="{6A7349FC-9051-4374-A306-58FE52B21FD1}"/>
+              </a:ext>
+            </a:extLst>
+          </p:cNvPr>
+          <p:cNvSpPr>
+            <a:spLocks noGrp="1"/>
+          </p:cNvSpPr>
+          <p:nvPr>
+            <p:ph type="ftr" sz="quarter" idx="11"/>
+          </p:nvPr>
+        </p:nvSpPr>
+        <p:spPr/>
+        <p:txBody>
+          <a:bodyPr/>
+          <a:lstStyle/>
+          <a:p>
+            <a:r>
+              <a:rPr lang="en-US"/>
+              <a:t>Lunar Meteoroid Ejecta Model (LuMEM) -- DeStefano</a:t>
+            </a:r>
+            <a:endParaRPr lang="en-US" dirty="0"/>
+          </a:p>
+        </p:txBody>
+      </p:sp>
+    </p:spTree>
+    <p:extLst>
+      <p:ext uri="{BB962C8B-B14F-4D97-AF65-F5344CB8AC3E}">
+        <p14:creationId xmlns:p14="http://schemas.microsoft.com/office/powerpoint/2010/main" val="1970518218"/>
+      </p:ext>
+    </p:extLst>
+  </p:cSld>
+  <p:clrMapOvr>
+    <a:masterClrMapping/>
+  </p:clrMapOvr>
+</p:sld>
+</file>
+
+<file path=ppt/slides/slide12.xml><?xml version="1.0" encoding="utf-8"?>
+<p:sld xmlns:a="http://schemas.openxmlformats.org/drawingml/2006/main" xmlns:r="http://schemas.openxmlformats.org/officeDocument/2006/relationships" xmlns:p="http://schemas.openxmlformats.org/presentationml/2006/main">
+  <p:cSld>
+    <p:spTree>
+      <p:nvGrpSpPr>
+        <p:cNvPr id="1" name=""/>
+        <p:cNvGrpSpPr/>
+        <p:nvPr/>
+      </p:nvGrpSpPr>
+      <p:grpSpPr>
+        <a:xfrm>
+          <a:off x="0" y="0"/>
+          <a:ext cx="0" cy="0"/>
+          <a:chOff x="0" y="0"/>
+          <a:chExt cx="0" cy="0"/>
+        </a:xfrm>
+      </p:grpSpPr>
+      <p:sp>
+        <p:nvSpPr>
+          <p:cNvPr id="2" name="Title 1">
+            <a:extLst>
+              <a:ext uri="{FF2B5EF4-FFF2-40B4-BE49-F238E27FC236}">
+                <a16:creationId xmlns:a16="http://schemas.microsoft.com/office/drawing/2014/main" id="{61785327-57CA-43A2-B8BD-89B204308B40}"/>
+              </a:ext>
+            </a:extLst>
+          </p:cNvPr>
+          <p:cNvSpPr>
+            <a:spLocks noGrp="1"/>
+          </p:cNvSpPr>
+          <p:nvPr>
+            <p:ph type="title"/>
+          </p:nvPr>
+        </p:nvSpPr>
+        <p:spPr>
+          <a:xfrm>
+            <a:off x="1295400" y="115957"/>
+            <a:ext cx="9601200" cy="1485900"/>
+          </a:xfrm>
+        </p:spPr>
+        <p:txBody>
+          <a:bodyPr/>
+          <a:lstStyle/>
+          <a:p>
+            <a:r>
+              <a:rPr lang="en-US" dirty="0"/>
+              <a:t>Overview</a:t>
+            </a:r>
+          </a:p>
+        </p:txBody>
+      </p:sp>
+      <p:sp>
+        <p:nvSpPr>
+          <p:cNvPr id="3" name="Content Placeholder 2">
+            <a:extLst>
+              <a:ext uri="{FF2B5EF4-FFF2-40B4-BE49-F238E27FC236}">
+                <a16:creationId xmlns:a16="http://schemas.microsoft.com/office/drawing/2014/main" id="{57DBFB6B-E09C-48D4-A040-1D2A2EE7A9A2}"/>
+              </a:ext>
+            </a:extLst>
+          </p:cNvPr>
+          <p:cNvSpPr>
+            <a:spLocks noGrp="1"/>
+          </p:cNvSpPr>
+          <p:nvPr>
+            <p:ph idx="1"/>
+          </p:nvPr>
+        </p:nvSpPr>
+        <p:spPr>
+          <a:xfrm>
+            <a:off x="1388446" y="858906"/>
+            <a:ext cx="9601200" cy="5594479"/>
+          </a:xfrm>
+        </p:spPr>
+        <p:txBody>
+          <a:bodyPr>
+            <a:normAutofit fontScale="70000" lnSpcReduction="20000"/>
+          </a:bodyPr>
+          <a:lstStyle/>
+          <a:p>
+            <a:r>
+              <a:rPr lang="en-US" dirty="0">
+                <a:solidFill>
+                  <a:schemeClr val="bg1">
+                    <a:lumMod val="65000"/>
+                  </a:schemeClr>
+                </a:solidFill>
+              </a:rPr>
+              <a:t>DSNE Rev H Lunar Ejecta Model – NASA SP-8013 (1969)</a:t>
+            </a:r>
+          </a:p>
+          <a:p>
+            <a:pPr lvl="1"/>
+            <a:r>
+              <a:rPr lang="en-US" i="0" dirty="0">
+                <a:solidFill>
+                  <a:schemeClr val="bg1">
+                    <a:lumMod val="65000"/>
+                  </a:schemeClr>
+                </a:solidFill>
+              </a:rPr>
+              <a:t>Based on Zook 1967</a:t>
+            </a:r>
+          </a:p>
+          <a:p>
+            <a:r>
+              <a:rPr lang="en-US" dirty="0">
+                <a:solidFill>
+                  <a:schemeClr val="bg1">
+                    <a:lumMod val="65000"/>
+                  </a:schemeClr>
+                </a:solidFill>
+              </a:rPr>
+              <a:t>Brief (non-exhaustive) Review of Impact-Ejecta Scaling Models</a:t>
+            </a:r>
+          </a:p>
+          <a:p>
+            <a:pPr lvl="1"/>
+            <a:r>
+              <a:rPr lang="en-US" i="0" dirty="0">
+                <a:solidFill>
+                  <a:schemeClr val="bg1">
+                    <a:lumMod val="65000"/>
+                  </a:schemeClr>
+                </a:solidFill>
+              </a:rPr>
+              <a:t>Zook 1967</a:t>
+            </a:r>
+          </a:p>
+          <a:p>
+            <a:pPr lvl="1"/>
+            <a:r>
+              <a:rPr lang="en-US" i="0" dirty="0" err="1">
+                <a:solidFill>
+                  <a:schemeClr val="bg1">
+                    <a:lumMod val="65000"/>
+                  </a:schemeClr>
+                </a:solidFill>
+              </a:rPr>
+              <a:t>Krivov</a:t>
+            </a:r>
+            <a:r>
+              <a:rPr lang="en-US" i="0" dirty="0">
+                <a:solidFill>
+                  <a:schemeClr val="bg1">
+                    <a:lumMod val="65000"/>
+                  </a:schemeClr>
+                </a:solidFill>
+              </a:rPr>
+              <a:t> et al. 2003</a:t>
+            </a:r>
+          </a:p>
+          <a:p>
+            <a:pPr lvl="1"/>
+            <a:r>
+              <a:rPr lang="en-US" i="0" dirty="0" err="1">
+                <a:solidFill>
+                  <a:schemeClr val="bg1">
+                    <a:lumMod val="65000"/>
+                  </a:schemeClr>
+                </a:solidFill>
+              </a:rPr>
+              <a:t>Housen</a:t>
+            </a:r>
+            <a:r>
+              <a:rPr lang="en-US" i="0" dirty="0">
+                <a:solidFill>
+                  <a:schemeClr val="bg1">
+                    <a:lumMod val="65000"/>
+                  </a:schemeClr>
+                </a:solidFill>
+              </a:rPr>
+              <a:t> &amp; </a:t>
+            </a:r>
+            <a:r>
+              <a:rPr lang="en-US" i="0" dirty="0" err="1">
+                <a:solidFill>
+                  <a:schemeClr val="bg1">
+                    <a:lumMod val="65000"/>
+                  </a:schemeClr>
+                </a:solidFill>
+              </a:rPr>
+              <a:t>Holsapple</a:t>
+            </a:r>
+            <a:r>
+              <a:rPr lang="en-US" i="0" dirty="0">
+                <a:solidFill>
+                  <a:schemeClr val="bg1">
+                    <a:lumMod val="65000"/>
+                  </a:schemeClr>
+                </a:solidFill>
+              </a:rPr>
+              <a:t> 2011</a:t>
+            </a:r>
+          </a:p>
+          <a:p>
+            <a:r>
+              <a:rPr lang="en-US" dirty="0">
+                <a:solidFill>
+                  <a:schemeClr val="bg1">
+                    <a:lumMod val="65000"/>
+                  </a:schemeClr>
+                </a:solidFill>
+              </a:rPr>
+              <a:t>Proposed New DSNE Model -- Lunar Meteoroid Ejecta Model (</a:t>
+            </a:r>
+            <a:r>
+              <a:rPr lang="en-US" dirty="0" err="1">
+                <a:solidFill>
+                  <a:schemeClr val="bg1">
+                    <a:lumMod val="65000"/>
+                  </a:schemeClr>
+                </a:solidFill>
+              </a:rPr>
+              <a:t>LuMEM</a:t>
+            </a:r>
+            <a:r>
+              <a:rPr lang="en-US" dirty="0">
+                <a:solidFill>
+                  <a:schemeClr val="bg1">
+                    <a:lumMod val="65000"/>
+                  </a:schemeClr>
+                </a:solidFill>
+              </a:rPr>
+              <a:t>)</a:t>
+            </a:r>
+          </a:p>
+          <a:p>
+            <a:pPr lvl="1"/>
+            <a:r>
+              <a:rPr lang="en-US" i="0" dirty="0">
+                <a:solidFill>
+                  <a:schemeClr val="bg1">
+                    <a:lumMod val="65000"/>
+                  </a:schemeClr>
+                </a:solidFill>
+              </a:rPr>
+              <a:t>Sporadic meteoroid flux (</a:t>
+            </a:r>
+            <a:r>
+              <a:rPr lang="en-US" i="0" dirty="0" err="1">
+                <a:solidFill>
+                  <a:schemeClr val="bg1">
+                    <a:lumMod val="65000"/>
+                  </a:schemeClr>
+                </a:solidFill>
+              </a:rPr>
+              <a:t>Grun</a:t>
+            </a:r>
+            <a:r>
+              <a:rPr lang="en-US" i="0" dirty="0">
+                <a:solidFill>
+                  <a:schemeClr val="bg1">
+                    <a:lumMod val="65000"/>
+                  </a:schemeClr>
+                </a:solidFill>
+              </a:rPr>
+              <a:t> et al 1985)</a:t>
+            </a:r>
+          </a:p>
+          <a:p>
+            <a:pPr lvl="1"/>
+            <a:r>
+              <a:rPr lang="en-US" i="0" dirty="0">
+                <a:solidFill>
+                  <a:schemeClr val="bg1">
+                    <a:lumMod val="65000"/>
+                  </a:schemeClr>
+                </a:solidFill>
+              </a:rPr>
+              <a:t>Near Earth Object (NEO) flux (Brown et al 2002)</a:t>
+            </a:r>
+          </a:p>
+          <a:p>
+            <a:pPr lvl="1"/>
+            <a:r>
+              <a:rPr lang="en-US" i="0" dirty="0">
+                <a:solidFill>
+                  <a:schemeClr val="bg1">
+                    <a:lumMod val="65000"/>
+                  </a:schemeClr>
+                </a:solidFill>
+              </a:rPr>
+              <a:t>Impact-ejecta scaling model (</a:t>
+            </a:r>
+            <a:r>
+              <a:rPr lang="en-US" i="0" dirty="0" err="1">
+                <a:solidFill>
+                  <a:schemeClr val="bg1">
+                    <a:lumMod val="65000"/>
+                  </a:schemeClr>
+                </a:solidFill>
+              </a:rPr>
+              <a:t>Housen</a:t>
+            </a:r>
+            <a:r>
+              <a:rPr lang="en-US" i="0" dirty="0">
+                <a:solidFill>
+                  <a:schemeClr val="bg1">
+                    <a:lumMod val="65000"/>
+                  </a:schemeClr>
+                </a:solidFill>
+              </a:rPr>
+              <a:t> &amp; </a:t>
+            </a:r>
+            <a:r>
+              <a:rPr lang="en-US" i="0" dirty="0" err="1">
+                <a:solidFill>
+                  <a:schemeClr val="bg1">
+                    <a:lumMod val="65000"/>
+                  </a:schemeClr>
+                </a:solidFill>
+              </a:rPr>
+              <a:t>Holsapple</a:t>
+            </a:r>
+            <a:r>
+              <a:rPr lang="en-US" i="0" dirty="0">
+                <a:solidFill>
+                  <a:schemeClr val="bg1">
+                    <a:lumMod val="65000"/>
+                  </a:schemeClr>
+                </a:solidFill>
+              </a:rPr>
+              <a:t> 2011)</a:t>
+            </a:r>
+          </a:p>
+          <a:p>
+            <a:pPr lvl="1"/>
+            <a:r>
+              <a:rPr lang="en-US" i="0" dirty="0">
+                <a:solidFill>
+                  <a:schemeClr val="bg1">
+                    <a:lumMod val="65000"/>
+                  </a:schemeClr>
+                </a:solidFill>
+              </a:rPr>
+              <a:t>Ejecta particle size distribution (Carrier 2003)</a:t>
+            </a:r>
+          </a:p>
+          <a:p>
+            <a:pPr lvl="1"/>
+            <a:r>
+              <a:rPr lang="en-US" i="0" dirty="0">
+                <a:solidFill>
+                  <a:schemeClr val="bg1">
+                    <a:lumMod val="65000"/>
+                  </a:schemeClr>
+                </a:solidFill>
+              </a:rPr>
+              <a:t>Ejecta zenith angle distribution (empirically from Gault &amp; </a:t>
+            </a:r>
+            <a:r>
+              <a:rPr lang="en-US" i="0" dirty="0" err="1">
+                <a:solidFill>
+                  <a:schemeClr val="bg1">
+                    <a:lumMod val="65000"/>
+                  </a:schemeClr>
+                </a:solidFill>
+              </a:rPr>
+              <a:t>Wedekind</a:t>
+            </a:r>
+            <a:r>
+              <a:rPr lang="en-US" i="0" dirty="0">
+                <a:solidFill>
+                  <a:schemeClr val="bg1">
+                    <a:lumMod val="65000"/>
+                  </a:schemeClr>
+                </a:solidFill>
+              </a:rPr>
+              <a:t> 1978)</a:t>
+            </a:r>
+          </a:p>
+          <a:p>
+            <a:pPr lvl="1"/>
+            <a:r>
+              <a:rPr lang="en-US" i="0" dirty="0">
+                <a:solidFill>
+                  <a:schemeClr val="bg1">
+                    <a:lumMod val="65000"/>
+                  </a:schemeClr>
+                </a:solidFill>
+              </a:rPr>
+              <a:t>Ejecta azimuth angle distribution (modified from Rival &amp; Mandeville 1999)</a:t>
+            </a:r>
+          </a:p>
+          <a:p>
+            <a:r>
+              <a:rPr lang="en-US" dirty="0">
+                <a:solidFill>
+                  <a:schemeClr val="bg1">
+                    <a:lumMod val="65000"/>
+                  </a:schemeClr>
+                </a:solidFill>
+              </a:rPr>
+              <a:t>Analytic model of lunar ejecta</a:t>
+            </a:r>
+          </a:p>
+          <a:p>
+            <a:pPr lvl="1"/>
+            <a:r>
+              <a:rPr lang="en-US" i="0" dirty="0">
+                <a:solidFill>
+                  <a:schemeClr val="bg1">
+                    <a:lumMod val="65000"/>
+                  </a:schemeClr>
+                </a:solidFill>
+              </a:rPr>
+              <a:t>Speed distribution as a function of distance</a:t>
+            </a:r>
+          </a:p>
+          <a:p>
+            <a:pPr lvl="1"/>
+            <a:r>
+              <a:rPr lang="en-US" i="0" dirty="0">
+                <a:solidFill>
+                  <a:schemeClr val="bg1">
+                    <a:lumMod val="65000"/>
+                  </a:schemeClr>
+                </a:solidFill>
+              </a:rPr>
+              <a:t>Secondary flux as a function of distance</a:t>
+            </a:r>
+          </a:p>
+          <a:p>
+            <a:pPr lvl="1"/>
+            <a:r>
+              <a:rPr lang="en-US" i="0" dirty="0">
+                <a:solidFill>
+                  <a:schemeClr val="bg1">
+                    <a:lumMod val="65000"/>
+                  </a:schemeClr>
+                </a:solidFill>
+              </a:rPr>
+              <a:t>Secondary flux in terms of primary flux</a:t>
+            </a:r>
+          </a:p>
+          <a:p>
+            <a:r>
+              <a:rPr lang="en-US" dirty="0"/>
+              <a:t>Results of </a:t>
+            </a:r>
+            <a:r>
+              <a:rPr lang="en-US" dirty="0" err="1"/>
+              <a:t>LuMEM</a:t>
+            </a:r>
+            <a:endParaRPr lang="en-US" dirty="0"/>
+          </a:p>
+          <a:p>
+            <a:pPr lvl="1"/>
+            <a:r>
+              <a:rPr lang="en-US" i="0" dirty="0"/>
+              <a:t>Igloo number flux distribution (based on MEM3, see Moorhead et al 2019)</a:t>
+            </a:r>
+          </a:p>
+          <a:p>
+            <a:pPr lvl="1"/>
+            <a:r>
+              <a:rPr lang="en-US" i="0" dirty="0"/>
+              <a:t>Ejecta size scaling (derived from Carrier 2003)</a:t>
+            </a:r>
+          </a:p>
+          <a:p>
+            <a:pPr lvl="1"/>
+            <a:r>
+              <a:rPr lang="en-US" i="0" dirty="0"/>
+              <a:t>Ejecta speed scaling (</a:t>
+            </a:r>
+            <a:r>
+              <a:rPr lang="en-US" i="0" dirty="0" err="1"/>
+              <a:t>Housen</a:t>
+            </a:r>
+            <a:r>
+              <a:rPr lang="en-US" i="0" dirty="0"/>
+              <a:t> &amp; </a:t>
+            </a:r>
+            <a:r>
+              <a:rPr lang="en-US" i="0" dirty="0" err="1"/>
+              <a:t>Holsapple</a:t>
+            </a:r>
+            <a:r>
+              <a:rPr lang="en-US" i="0" dirty="0"/>
+              <a:t> 2011)</a:t>
+            </a:r>
+          </a:p>
+        </p:txBody>
+      </p:sp>
+      <p:sp>
+        <p:nvSpPr>
+          <p:cNvPr id="4" name="Date Placeholder 3">
+            <a:extLst>
+              <a:ext uri="{FF2B5EF4-FFF2-40B4-BE49-F238E27FC236}">
+                <a16:creationId xmlns:a16="http://schemas.microsoft.com/office/drawing/2014/main" id="{02E04A3A-57D0-4485-AE57-B7CD694ECAB1}"/>
+              </a:ext>
+            </a:extLst>
+          </p:cNvPr>
+          <p:cNvSpPr>
+            <a:spLocks noGrp="1"/>
+          </p:cNvSpPr>
+          <p:nvPr>
+            <p:ph type="dt" sz="half" idx="10"/>
+          </p:nvPr>
+        </p:nvSpPr>
+        <p:spPr/>
+        <p:txBody>
+          <a:bodyPr/>
+          <a:lstStyle/>
+          <a:p>
+            <a:fld id="{F5D59A6E-ABEC-4B48-91F6-6D0798166395}" type="datetime1">
+              <a:rPr lang="en-US" smtClean="0"/>
+              <a:t>10/16/2020</a:t>
+            </a:fld>
+            <a:endParaRPr lang="en-US" dirty="0"/>
+          </a:p>
+        </p:txBody>
+      </p:sp>
+      <p:sp>
+        <p:nvSpPr>
+          <p:cNvPr id="5" name="Slide Number Placeholder 4">
+            <a:extLst>
+              <a:ext uri="{FF2B5EF4-FFF2-40B4-BE49-F238E27FC236}">
+                <a16:creationId xmlns:a16="http://schemas.microsoft.com/office/drawing/2014/main" id="{2EF95866-BD7A-4B57-BA57-4E8E3664A5B3}"/>
+              </a:ext>
+            </a:extLst>
+          </p:cNvPr>
+          <p:cNvSpPr>
+            <a:spLocks noGrp="1"/>
+          </p:cNvSpPr>
+          <p:nvPr>
+            <p:ph type="sldNum" sz="quarter" idx="12"/>
+          </p:nvPr>
+        </p:nvSpPr>
+        <p:spPr/>
+        <p:txBody>
+          <a:bodyPr/>
+          <a:lstStyle/>
+          <a:p>
+            <a:fld id="{69E57DC2-970A-4B3E-BB1C-7A09969E49DF}" type="slidenum">
+              <a:rPr lang="en-US" smtClean="0"/>
+              <a:t>12</a:t>
             </a:fld>
             <a:endParaRPr lang="en-US" dirty="0"/>
           </a:p>
@@ -5282,7 +6451,7 @@
           <a:p>
             <a:fld id="{A952CE28-3BBD-4E63-98C1-32CE6D05C1AF}" type="datetime1">
               <a:rPr lang="en-US" smtClean="0"/>
-              <a:t>10/14/2020</a:t>
+              <a:t>10/16/2020</a:t>
             </a:fld>
             <a:endParaRPr lang="en-US" dirty="0"/>
           </a:p>
@@ -5914,7 +7083,7 @@
           <a:p>
             <a:fld id="{38E5E391-21C4-4D75-8816-07FDD7A433E6}" type="datetime1">
               <a:rPr lang="en-US" smtClean="0"/>
-              <a:t>10/14/2020</a:t>
+              <a:t>10/16/2020</a:t>
             </a:fld>
             <a:endParaRPr lang="en-US" dirty="0"/>
           </a:p>
@@ -6107,7 +7276,7 @@
           <a:p>
             <a:fld id="{668BDF01-66E7-498E-BCE9-62F68E49614E}" type="datetime1">
               <a:rPr lang="en-US" smtClean="0"/>
-              <a:t>10/14/2020</a:t>
+              <a:t>10/16/2020</a:t>
             </a:fld>
             <a:endParaRPr lang="en-US" dirty="0"/>
           </a:p>
@@ -6823,7 +7992,7 @@
           <a:p>
             <a:fld id="{667586B9-AC17-406A-8F1A-D664DC9B45B5}" type="datetime1">
               <a:rPr lang="en-US" smtClean="0"/>
-              <a:t>10/14/2020</a:t>
+              <a:t>10/16/2020</a:t>
             </a:fld>
             <a:endParaRPr lang="en-US" dirty="0"/>
           </a:p>
@@ -6957,8 +8126,8 @@
           </a:p>
         </p:txBody>
       </p:sp>
-      <mc:AlternateContent xmlns:mc="http://schemas.openxmlformats.org/markup-compatibility/2006">
-        <mc:Choice xmlns:a14="http://schemas.microsoft.com/office/drawing/2010/main" Requires="a14">
+      <mc:AlternateContent xmlns:mc="http://schemas.openxmlformats.org/markup-compatibility/2006" xmlns:a14="http://schemas.microsoft.com/office/drawing/2010/main">
+        <mc:Choice Requires="a14">
           <p:sp>
             <p:nvSpPr>
               <p:cNvPr id="3" name="Content Placeholder 2">
@@ -7001,7 +8170,7 @@
                     <m:d>
                       <m:dPr>
                         <m:ctrlPr>
-                          <a:rPr lang="en-US" b="0" smtClean="0">
+                          <a:rPr lang="en-US" b="0" i="1" smtClean="0">
                             <a:latin typeface="Cambria Math" panose="02040503050406030204" pitchFamily="18" charset="0"/>
                           </a:rPr>
                         </m:ctrlPr>
@@ -7016,7 +8185,7 @@
                         <m:sSub>
                           <m:sSubPr>
                             <m:ctrlPr>
-                              <a:rPr lang="en-US" b="0" smtClean="0">
+                              <a:rPr lang="en-US" b="0" i="1" smtClean="0">
                                 <a:latin typeface="Cambria Math" panose="02040503050406030204" pitchFamily="18" charset="0"/>
                               </a:rPr>
                             </m:ctrlPr>
@@ -7053,7 +8222,7 @@
                         <m:sSub>
                           <m:sSubPr>
                             <m:ctrlPr>
-                              <a:rPr lang="en-US" b="0" smtClean="0">
+                              <a:rPr lang="en-US" b="0" i="1" smtClean="0">
                                 <a:latin typeface="Cambria Math" panose="02040503050406030204" pitchFamily="18" charset="0"/>
                               </a:rPr>
                             </m:ctrlPr>
@@ -7092,7 +8261,7 @@
                     <m:sSubSup>
                       <m:sSubSupPr>
                         <m:ctrlPr>
-                          <a:rPr lang="en-US" b="0" smtClean="0">
+                          <a:rPr lang="en-US" b="0" i="1" smtClean="0">
                             <a:latin typeface="Cambria Math" panose="02040503050406030204" pitchFamily="18" charset="0"/>
                           </a:rPr>
                         </m:ctrlPr>
@@ -7137,7 +8306,7 @@
                     <m:sSub>
                       <m:sSubPr>
                         <m:ctrlPr>
-                          <a:rPr lang="en-US" b="0" smtClean="0">
+                          <a:rPr lang="en-US" b="0" i="1" smtClean="0">
                             <a:latin typeface="Cambria Math" panose="02040503050406030204" pitchFamily="18" charset="0"/>
                           </a:rPr>
                         </m:ctrlPr>
@@ -7165,7 +8334,7 @@
                     <m:sSubSup>
                       <m:sSubSupPr>
                         <m:ctrlPr>
-                          <a:rPr lang="en-US" b="0" smtClean="0">
+                          <a:rPr lang="en-US" b="0" i="1" smtClean="0">
                             <a:latin typeface="Cambria Math" panose="02040503050406030204" pitchFamily="18" charset="0"/>
                           </a:rPr>
                         </m:ctrlPr>
@@ -7216,7 +8385,7 @@
                     <m:d>
                       <m:dPr>
                         <m:ctrlPr>
-                          <a:rPr lang="en-US" b="0" smtClean="0">
+                          <a:rPr lang="en-US" b="0" i="1" smtClean="0">
                             <a:latin typeface="Cambria Math" panose="02040503050406030204" pitchFamily="18" charset="0"/>
                           </a:rPr>
                         </m:ctrlPr>
@@ -7225,7 +8394,7 @@
                         <m:f>
                           <m:fPr>
                             <m:ctrlPr>
-                              <a:rPr lang="en-US" b="0" smtClean="0">
+                              <a:rPr lang="en-US" b="0" i="1" smtClean="0">
                                 <a:latin typeface="Cambria Math" panose="02040503050406030204" pitchFamily="18" charset="0"/>
                               </a:rPr>
                             </m:ctrlPr>
@@ -7248,7 +8417,7 @@
                             <m:f>
                               <m:fPr>
                                 <m:ctrlPr>
-                                  <a:rPr lang="en-US" b="0" smtClean="0">
+                                  <a:rPr lang="en-US" b="0" i="1" smtClean="0">
                                     <a:latin typeface="Cambria Math" panose="02040503050406030204" pitchFamily="18" charset="0"/>
                                   </a:rPr>
                                 </m:ctrlPr>
@@ -7282,7 +8451,7 @@
                             <m:f>
                               <m:fPr>
                                 <m:ctrlPr>
-                                  <a:rPr lang="en-US" b="0" smtClean="0">
+                                  <a:rPr lang="en-US" b="0" i="1" smtClean="0">
                                     <a:latin typeface="Cambria Math" panose="02040503050406030204" pitchFamily="18" charset="0"/>
                                   </a:rPr>
                                 </m:ctrlPr>
@@ -7323,7 +8492,7 @@
                     <m:sSubSup>
                       <m:sSubSupPr>
                         <m:ctrlPr>
-                          <a:rPr lang="en-US" b="0" smtClean="0">
+                          <a:rPr lang="en-US" b="0" i="1" smtClean="0">
                             <a:latin typeface="Cambria Math" panose="02040503050406030204" pitchFamily="18" charset="0"/>
                           </a:rPr>
                         </m:ctrlPr>
@@ -7365,7 +8534,7 @@
                     <m:sSup>
                       <m:sSupPr>
                         <m:ctrlPr>
-                          <a:rPr lang="en-US" b="0" smtClean="0">
+                          <a:rPr lang="en-US" b="0" i="1" smtClean="0">
                             <a:latin typeface="Cambria Math" panose="02040503050406030204" pitchFamily="18" charset="0"/>
                           </a:rPr>
                         </m:ctrlPr>
@@ -7374,7 +8543,7 @@
                         <m:d>
                           <m:dPr>
                             <m:ctrlPr>
-                              <a:rPr lang="en-US">
+                              <a:rPr lang="en-US" i="1">
                                 <a:latin typeface="Cambria Math" panose="02040503050406030204" pitchFamily="18" charset="0"/>
                               </a:rPr>
                             </m:ctrlPr>
@@ -7383,7 +8552,7 @@
                             <m:f>
                               <m:fPr>
                                 <m:ctrlPr>
-                                  <a:rPr lang="en-US">
+                                  <a:rPr lang="en-US" i="1">
                                     <a:latin typeface="Cambria Math" panose="02040503050406030204" pitchFamily="18" charset="0"/>
                                   </a:rPr>
                                 </m:ctrlPr>
@@ -7408,7 +8577,7 @@
                             <m:sSubSup>
                               <m:sSubSupPr>
                                 <m:ctrlPr>
-                                  <a:rPr lang="en-US">
+                                  <a:rPr lang="en-US" i="1">
                                     <a:latin typeface="Cambria Math" panose="02040503050406030204" pitchFamily="18" charset="0"/>
                                   </a:rPr>
                                 </m:ctrlPr>
@@ -7468,7 +8637,7 @@
                     <m:sSup>
                       <m:sSupPr>
                         <m:ctrlPr>
-                          <a:rPr lang="en-US" b="0" smtClean="0">
+                          <a:rPr lang="en-US" b="0" i="1" smtClean="0">
                             <a:latin typeface="Cambria Math" panose="02040503050406030204" pitchFamily="18" charset="0"/>
                           </a:rPr>
                         </m:ctrlPr>
@@ -7479,7 +8648,7 @@
                             <m:begChr m:val="["/>
                             <m:endChr m:val="]"/>
                             <m:ctrlPr>
-                              <a:rPr lang="en-US" b="0" smtClean="0">
+                              <a:rPr lang="en-US" b="0" i="1" smtClean="0">
                                 <a:latin typeface="Cambria Math" panose="02040503050406030204" pitchFamily="18" charset="0"/>
                               </a:rPr>
                             </m:ctrlPr>
@@ -7497,7 +8666,7 @@
                             <m:d>
                               <m:dPr>
                                 <m:ctrlPr>
-                                  <a:rPr lang="en-US" b="0" smtClean="0">
+                                  <a:rPr lang="en-US" b="0" i="1" smtClean="0">
                                     <a:latin typeface="Cambria Math" panose="02040503050406030204" pitchFamily="18" charset="0"/>
                                   </a:rPr>
                                 </m:ctrlPr>
@@ -7506,7 +8675,7 @@
                                 <m:sSub>
                                   <m:sSubPr>
                                     <m:ctrlPr>
-                                      <a:rPr lang="en-US" b="0" smtClean="0">
+                                      <a:rPr lang="en-US" b="0" i="1" smtClean="0">
                                         <a:latin typeface="Cambria Math" panose="02040503050406030204" pitchFamily="18" charset="0"/>
                                       </a:rPr>
                                     </m:ctrlPr>
@@ -7549,7 +8718,7 @@
                         <m:f>
                           <m:fPr>
                             <m:ctrlPr>
-                              <a:rPr lang="en-US" b="0" smtClean="0">
+                              <a:rPr lang="en-US" b="0" i="1" smtClean="0">
                                 <a:latin typeface="Cambria Math" panose="02040503050406030204" pitchFamily="18" charset="0"/>
                               </a:rPr>
                             </m:ctrlPr>
@@ -7577,7 +8746,7 @@
                         <m:d>
                           <m:dPr>
                             <m:ctrlPr>
-                              <a:rPr lang="en-US" b="0" smtClean="0">
+                              <a:rPr lang="en-US" b="0" i="1" smtClean="0">
                                 <a:latin typeface="Cambria Math" panose="02040503050406030204" pitchFamily="18" charset="0"/>
                               </a:rPr>
                             </m:ctrlPr>
@@ -7626,7 +8795,7 @@
                     <m:d>
                       <m:dPr>
                         <m:ctrlPr>
-                          <a:rPr lang="en-US" b="0" i="0" smtClean="0">
+                          <a:rPr lang="en-US" b="0" i="1" smtClean="0">
                             <a:latin typeface="Cambria Math" panose="02040503050406030204" pitchFamily="18" charset="0"/>
                           </a:rPr>
                         </m:ctrlPr>
@@ -7635,7 +8804,7 @@
                         <m:sSub>
                           <m:sSubPr>
                             <m:ctrlPr>
-                              <a:rPr lang="en-US" b="0" i="0" smtClean="0">
+                              <a:rPr lang="en-US" b="0" i="1" smtClean="0">
                                 <a:latin typeface="Cambria Math" panose="02040503050406030204" pitchFamily="18" charset="0"/>
                               </a:rPr>
                             </m:ctrlPr>
@@ -7674,7 +8843,7 @@
                     <m:sSubSup>
                       <m:sSubSupPr>
                         <m:ctrlPr>
-                          <a:rPr lang="en-US" b="0" i="0" smtClean="0">
+                          <a:rPr lang="en-US" b="0" i="1" smtClean="0">
                             <a:latin typeface="Cambria Math" panose="02040503050406030204" pitchFamily="18" charset="0"/>
                           </a:rPr>
                         </m:ctrlPr>
@@ -7721,7 +8890,7 @@
                     <m:sSub>
                       <m:sSubPr>
                         <m:ctrlPr>
-                          <a:rPr lang="en-US" b="0" i="0" smtClean="0">
+                          <a:rPr lang="en-US" b="0" i="1" smtClean="0">
                             <a:latin typeface="Cambria Math" panose="02040503050406030204" pitchFamily="18" charset="0"/>
                           </a:rPr>
                         </m:ctrlPr>
@@ -7803,7 +8972,7 @@
                     <m:sSub>
                       <m:sSubPr>
                         <m:ctrlPr>
-                          <a:rPr lang="en-US" b="0" i="0" smtClean="0">
+                          <a:rPr lang="en-US" b="0" i="1" smtClean="0">
                             <a:latin typeface="Cambria Math" panose="02040503050406030204" pitchFamily="18" charset="0"/>
                           </a:rPr>
                         </m:ctrlPr>
@@ -7878,7 +9047,7 @@
                 </a:r>
               </a:p>
               <a:p>
-                <a:pPr lvl="1"/>
+                <a:pPr lvl="2"/>
                 <a:r>
                   <a:rPr lang="en-US" i="0" dirty="0"/>
                   <a:t>In general, </a:t>
@@ -7926,7 +9095,7 @@
                     <m:sSub>
                       <m:sSubPr>
                         <m:ctrlPr>
-                          <a:rPr lang="en-US" b="0" smtClean="0">
+                          <a:rPr lang="en-US" b="0" i="1" smtClean="0">
                             <a:latin typeface="Cambria Math" panose="02040503050406030204" pitchFamily="18" charset="0"/>
                           </a:rPr>
                         </m:ctrlPr>
@@ -7963,7 +9132,7 @@
                     <m:f>
                       <m:fPr>
                         <m:ctrlPr>
-                          <a:rPr lang="en-US" b="0" smtClean="0">
+                          <a:rPr lang="en-US" b="0" i="1" smtClean="0">
                             <a:latin typeface="Cambria Math" panose="02040503050406030204" pitchFamily="18" charset="0"/>
                           </a:rPr>
                         </m:ctrlPr>
@@ -7972,7 +9141,7 @@
                         <m:sSub>
                           <m:sSubPr>
                             <m:ctrlPr>
-                              <a:rPr lang="en-US" b="0" smtClean="0">
+                              <a:rPr lang="en-US" b="0" i="1" smtClean="0">
                                 <a:latin typeface="Cambria Math" panose="02040503050406030204" pitchFamily="18" charset="0"/>
                               </a:rPr>
                             </m:ctrlPr>
@@ -8005,7 +9174,7 @@
                         <m:sSub>
                           <m:sSubPr>
                             <m:ctrlPr>
-                              <a:rPr lang="en-US" b="0" smtClean="0">
+                              <a:rPr lang="en-US" b="0" i="1" smtClean="0">
                                 <a:latin typeface="Cambria Math" panose="02040503050406030204" pitchFamily="18" charset="0"/>
                               </a:rPr>
                             </m:ctrlPr>
@@ -8033,7 +9202,7 @@
                         <m:sSub>
                           <m:sSubPr>
                             <m:ctrlPr>
-                              <a:rPr lang="en-US" b="0" smtClean="0">
+                              <a:rPr lang="en-US" b="0" i="1" smtClean="0">
                                 <a:latin typeface="Cambria Math" panose="02040503050406030204" pitchFamily="18" charset="0"/>
                               </a:rPr>
                             </m:ctrlPr>
@@ -8061,7 +9230,7 @@
                         <m:d>
                           <m:dPr>
                             <m:ctrlPr>
-                              <a:rPr lang="en-US" b="0" smtClean="0">
+                              <a:rPr lang="en-US" b="0" i="1" smtClean="0">
                                 <a:latin typeface="Cambria Math" panose="02040503050406030204" pitchFamily="18" charset="0"/>
                               </a:rPr>
                             </m:ctrlPr>
@@ -8070,7 +9239,7 @@
                             <m:f>
                               <m:fPr>
                                 <m:ctrlPr>
-                                  <a:rPr lang="en-US" b="0" smtClean="0">
+                                  <a:rPr lang="en-US" b="0" i="1" smtClean="0">
                                     <a:latin typeface="Cambria Math" panose="02040503050406030204" pitchFamily="18" charset="0"/>
                                   </a:rPr>
                                 </m:ctrlPr>
@@ -8095,7 +9264,7 @@
                             <m:sSubSup>
                               <m:sSubSupPr>
                                 <m:ctrlPr>
-                                  <a:rPr lang="en-US" b="0" smtClean="0">
+                                  <a:rPr lang="en-US" b="0" i="1" smtClean="0">
                                     <a:latin typeface="Cambria Math" panose="02040503050406030204" pitchFamily="18" charset="0"/>
                                   </a:rPr>
                                 </m:ctrlPr>
@@ -8136,7 +9305,7 @@
                         <m:sSup>
                           <m:sSupPr>
                             <m:ctrlPr>
-                              <a:rPr lang="en-US">
+                              <a:rPr lang="en-US" i="1">
                                 <a:latin typeface="Cambria Math" panose="02040503050406030204" pitchFamily="18" charset="0"/>
                               </a:rPr>
                             </m:ctrlPr>
@@ -8147,7 +9316,7 @@
                                 <m:begChr m:val="["/>
                                 <m:endChr m:val="]"/>
                                 <m:ctrlPr>
-                                  <a:rPr lang="en-US">
+                                  <a:rPr lang="en-US" i="1">
                                     <a:latin typeface="Cambria Math" panose="02040503050406030204" pitchFamily="18" charset="0"/>
                                   </a:rPr>
                                 </m:ctrlPr>
@@ -8165,7 +9334,7 @@
                                 <m:d>
                                   <m:dPr>
                                     <m:ctrlPr>
-                                      <a:rPr lang="en-US">
+                                      <a:rPr lang="en-US" i="1">
                                         <a:latin typeface="Cambria Math" panose="02040503050406030204" pitchFamily="18" charset="0"/>
                                       </a:rPr>
                                     </m:ctrlPr>
@@ -8174,7 +9343,7 @@
                                     <m:sSub>
                                       <m:sSubPr>
                                         <m:ctrlPr>
-                                          <a:rPr lang="en-US">
+                                          <a:rPr lang="en-US" i="1">
                                             <a:latin typeface="Cambria Math" panose="02040503050406030204" pitchFamily="18" charset="0"/>
                                           </a:rPr>
                                         </m:ctrlPr>
@@ -8211,7 +9380,7 @@
                             <m:f>
                               <m:fPr>
                                 <m:ctrlPr>
-                                  <a:rPr lang="en-US" b="0" smtClean="0">
+                                  <a:rPr lang="en-US" b="0" i="1" smtClean="0">
                                     <a:latin typeface="Cambria Math" panose="02040503050406030204" pitchFamily="18" charset="0"/>
                                   </a:rPr>
                                 </m:ctrlPr>
@@ -8274,7 +9443,7 @@
                     <m:sSub>
                       <m:sSubPr>
                         <m:ctrlPr>
-                          <a:rPr lang="en-US" b="0" smtClean="0">
+                          <a:rPr lang="en-US" b="0" i="1" smtClean="0">
                             <a:latin typeface="Cambria Math" panose="02040503050406030204" pitchFamily="18" charset="0"/>
                           </a:rPr>
                         </m:ctrlPr>
@@ -8311,7 +9480,7 @@
                     <m:sSub>
                       <m:sSubPr>
                         <m:ctrlPr>
-                          <a:rPr lang="en-US" b="0" smtClean="0">
+                          <a:rPr lang="en-US" b="0" i="1" smtClean="0">
                             <a:latin typeface="Cambria Math" panose="02040503050406030204" pitchFamily="18" charset="0"/>
                           </a:rPr>
                         </m:ctrlPr>
@@ -8356,7 +9525,7 @@
                     <m:sSub>
                       <m:sSubPr>
                         <m:ctrlPr>
-                          <a:rPr lang="en-US" b="0" smtClean="0">
+                          <a:rPr lang="en-US" b="0" i="1" smtClean="0">
                             <a:latin typeface="Cambria Math" panose="02040503050406030204" pitchFamily="18" charset="0"/>
                           </a:rPr>
                         </m:ctrlPr>
@@ -8391,7 +9560,7 @@
             </p:txBody>
           </p:sp>
         </mc:Choice>
-        <mc:Fallback>
+        <mc:Fallback xmlns="">
           <p:sp>
             <p:nvSpPr>
               <p:cNvPr id="3" name="Content Placeholder 2">
@@ -8458,7 +9627,7 @@
           <a:p>
             <a:fld id="{98AA1882-8BA2-4C85-8806-12D70CB7D77A}" type="datetime1">
               <a:rPr lang="en-US" smtClean="0"/>
-              <a:t>10/14/2020</a:t>
+              <a:t>10/16/2020</a:t>
             </a:fld>
             <a:endParaRPr lang="en-US" dirty="0"/>
           </a:p>
@@ -8628,38 +9797,6 @@
       </p:sp>
       <p:sp>
         <p:nvSpPr>
-          <p:cNvPr id="3" name="Content Placeholder 2">
-            <a:extLst>
-              <a:ext uri="{FF2B5EF4-FFF2-40B4-BE49-F238E27FC236}">
-                <a16:creationId xmlns:a16="http://schemas.microsoft.com/office/drawing/2014/main" id="{477D04C5-8065-433C-8472-A569135CC6F3}"/>
-              </a:ext>
-            </a:extLst>
-          </p:cNvPr>
-          <p:cNvSpPr>
-            <a:spLocks noGrp="1"/>
-          </p:cNvSpPr>
-          <p:nvPr>
-            <p:ph idx="1"/>
-          </p:nvPr>
-        </p:nvSpPr>
-        <p:spPr>
-          <a:xfrm>
-            <a:off x="820807" y="1638299"/>
-            <a:ext cx="9601200" cy="4086639"/>
-          </a:xfrm>
-        </p:spPr>
-        <p:txBody>
-          <a:bodyPr>
-            <a:normAutofit/>
-          </a:bodyPr>
-          <a:lstStyle/>
-          <a:p>
-            <a:endParaRPr lang="en-US" dirty="0"/>
-          </a:p>
-        </p:txBody>
-      </p:sp>
-      <p:sp>
-        <p:nvSpPr>
           <p:cNvPr id="4" name="Date Placeholder 3">
             <a:extLst>
               <a:ext uri="{FF2B5EF4-FFF2-40B4-BE49-F238E27FC236}">
@@ -8681,7 +9818,7 @@
           <a:p>
             <a:fld id="{98AA1882-8BA2-4C85-8806-12D70CB7D77A}" type="datetime1">
               <a:rPr lang="en-US" smtClean="0"/>
-              <a:t>10/14/2020</a:t>
+              <a:t>10/16/2020</a:t>
             </a:fld>
             <a:endParaRPr lang="en-US" dirty="0"/>
           </a:p>
@@ -8745,6 +9882,1303 @@
           </a:p>
         </p:txBody>
       </p:sp>
+      <mc:AlternateContent xmlns:mc="http://schemas.openxmlformats.org/markup-compatibility/2006" xmlns:a14="http://schemas.microsoft.com/office/drawing/2010/main">
+        <mc:Choice Requires="a14">
+          <p:sp>
+            <p:nvSpPr>
+              <p:cNvPr id="7" name="Content Placeholder 2">
+                <a:extLst>
+                  <a:ext uri="{FF2B5EF4-FFF2-40B4-BE49-F238E27FC236}">
+                    <a16:creationId xmlns:a16="http://schemas.microsoft.com/office/drawing/2014/main" id="{260532AD-DF50-4D59-8DC9-6C3FF448A2A9}"/>
+                  </a:ext>
+                </a:extLst>
+              </p:cNvPr>
+              <p:cNvSpPr txBox="1">
+                <a:spLocks/>
+              </p:cNvSpPr>
+              <p:nvPr/>
+            </p:nvSpPr>
+            <p:spPr>
+              <a:xfrm>
+                <a:off x="973207" y="1711186"/>
+                <a:ext cx="9601200" cy="4086639"/>
+              </a:xfrm>
+              <a:prstGeom prst="rect">
+                <a:avLst/>
+              </a:prstGeom>
+            </p:spPr>
+            <p:txBody>
+              <a:bodyPr vert="horz" lIns="91440" tIns="45720" rIns="91440" bIns="45720" rtlCol="0">
+                <a:normAutofit lnSpcReduction="10000"/>
+              </a:bodyPr>
+              <a:lstStyle>
+                <a:lvl1pPr marL="384048" indent="-384048" algn="l" defTabSz="914400" rtl="0" eaLnBrk="1" latinLnBrk="0" hangingPunct="1">
+                  <a:lnSpc>
+                    <a:spcPct val="94000"/>
+                  </a:lnSpc>
+                  <a:spcBef>
+                    <a:spcPts val="1000"/>
+                  </a:spcBef>
+                  <a:spcAft>
+                    <a:spcPts val="200"/>
+                  </a:spcAft>
+                  <a:buFont typeface="Franklin Gothic Book" panose="020B0503020102020204" pitchFamily="34" charset="0"/>
+                  <a:buChar char="■"/>
+                  <a:defRPr sz="2000" kern="1200" baseline="0">
+                    <a:solidFill>
+                      <a:schemeClr val="tx2"/>
+                    </a:solidFill>
+                    <a:latin typeface="+mn-lt"/>
+                    <a:ea typeface="+mn-ea"/>
+                    <a:cs typeface="+mn-cs"/>
+                  </a:defRPr>
+                </a:lvl1pPr>
+                <a:lvl2pPr marL="914400" indent="-384048" algn="l" defTabSz="914400" rtl="0" eaLnBrk="1" latinLnBrk="0" hangingPunct="1">
+                  <a:lnSpc>
+                    <a:spcPct val="94000"/>
+                  </a:lnSpc>
+                  <a:spcBef>
+                    <a:spcPts val="500"/>
+                  </a:spcBef>
+                  <a:spcAft>
+                    <a:spcPts val="200"/>
+                  </a:spcAft>
+                  <a:buFont typeface="Franklin Gothic Book" panose="020B0503020102020204" pitchFamily="34" charset="0"/>
+                  <a:buChar char="–"/>
+                  <a:defRPr sz="2000" i="1" kern="1200" baseline="0">
+                    <a:solidFill>
+                      <a:schemeClr val="tx2"/>
+                    </a:solidFill>
+                    <a:latin typeface="+mn-lt"/>
+                    <a:ea typeface="+mn-ea"/>
+                    <a:cs typeface="+mn-cs"/>
+                  </a:defRPr>
+                </a:lvl2pPr>
+                <a:lvl3pPr marL="1371600" indent="-384048" algn="l" defTabSz="914400" rtl="0" eaLnBrk="1" latinLnBrk="0" hangingPunct="1">
+                  <a:lnSpc>
+                    <a:spcPct val="94000"/>
+                  </a:lnSpc>
+                  <a:spcBef>
+                    <a:spcPts val="500"/>
+                  </a:spcBef>
+                  <a:spcAft>
+                    <a:spcPts val="200"/>
+                  </a:spcAft>
+                  <a:buFont typeface="Franklin Gothic Book" panose="020B0503020102020204" pitchFamily="34" charset="0"/>
+                  <a:buChar char="■"/>
+                  <a:defRPr sz="1800" kern="1200" baseline="0">
+                    <a:solidFill>
+                      <a:schemeClr val="tx2"/>
+                    </a:solidFill>
+                    <a:latin typeface="+mn-lt"/>
+                    <a:ea typeface="+mn-ea"/>
+                    <a:cs typeface="+mn-cs"/>
+                  </a:defRPr>
+                </a:lvl3pPr>
+                <a:lvl4pPr marL="1828800" indent="-384048" algn="l" defTabSz="914400" rtl="0" eaLnBrk="1" latinLnBrk="0" hangingPunct="1">
+                  <a:lnSpc>
+                    <a:spcPct val="94000"/>
+                  </a:lnSpc>
+                  <a:spcBef>
+                    <a:spcPts val="500"/>
+                  </a:spcBef>
+                  <a:spcAft>
+                    <a:spcPts val="200"/>
+                  </a:spcAft>
+                  <a:buFont typeface="Franklin Gothic Book" panose="020B0503020102020204" pitchFamily="34" charset="0"/>
+                  <a:buChar char="–"/>
+                  <a:defRPr sz="1800" i="1" kern="1200" baseline="0">
+                    <a:solidFill>
+                      <a:schemeClr val="tx2"/>
+                    </a:solidFill>
+                    <a:latin typeface="+mn-lt"/>
+                    <a:ea typeface="+mn-ea"/>
+                    <a:cs typeface="+mn-cs"/>
+                  </a:defRPr>
+                </a:lvl4pPr>
+                <a:lvl5pPr marL="2286000" indent="-384048" algn="l" defTabSz="914400" rtl="0" eaLnBrk="1" latinLnBrk="0" hangingPunct="1">
+                  <a:lnSpc>
+                    <a:spcPct val="94000"/>
+                  </a:lnSpc>
+                  <a:spcBef>
+                    <a:spcPts val="500"/>
+                  </a:spcBef>
+                  <a:spcAft>
+                    <a:spcPts val="200"/>
+                  </a:spcAft>
+                  <a:buFont typeface="Franklin Gothic Book" panose="020B0503020102020204" pitchFamily="34" charset="0"/>
+                  <a:buChar char="■"/>
+                  <a:defRPr sz="1600" kern="1200" baseline="0">
+                    <a:solidFill>
+                      <a:schemeClr val="tx2"/>
+                    </a:solidFill>
+                    <a:latin typeface="+mn-lt"/>
+                    <a:ea typeface="+mn-ea"/>
+                    <a:cs typeface="+mn-cs"/>
+                  </a:defRPr>
+                </a:lvl5pPr>
+                <a:lvl6pPr marL="2743200" indent="-384048" algn="l" defTabSz="914400" rtl="0" eaLnBrk="1" latinLnBrk="0" hangingPunct="1">
+                  <a:lnSpc>
+                    <a:spcPct val="94000"/>
+                  </a:lnSpc>
+                  <a:spcBef>
+                    <a:spcPts val="500"/>
+                  </a:spcBef>
+                  <a:spcAft>
+                    <a:spcPts val="200"/>
+                  </a:spcAft>
+                  <a:buFont typeface="Franklin Gothic Book" panose="020B0503020102020204" pitchFamily="34" charset="0"/>
+                  <a:buChar char="–"/>
+                  <a:defRPr sz="1600" i="1" kern="1200" baseline="0">
+                    <a:solidFill>
+                      <a:schemeClr val="tx2"/>
+                    </a:solidFill>
+                    <a:latin typeface="+mn-lt"/>
+                    <a:ea typeface="+mn-ea"/>
+                    <a:cs typeface="+mn-cs"/>
+                  </a:defRPr>
+                </a:lvl6pPr>
+                <a:lvl7pPr marL="3200400" indent="-384048" algn="l" defTabSz="914400" rtl="0" eaLnBrk="1" latinLnBrk="0" hangingPunct="1">
+                  <a:lnSpc>
+                    <a:spcPct val="94000"/>
+                  </a:lnSpc>
+                  <a:spcBef>
+                    <a:spcPts val="500"/>
+                  </a:spcBef>
+                  <a:spcAft>
+                    <a:spcPts val="200"/>
+                  </a:spcAft>
+                  <a:buFont typeface="Franklin Gothic Book" panose="020B0503020102020204" pitchFamily="34" charset="0"/>
+                  <a:buChar char="■"/>
+                  <a:defRPr sz="1400" kern="1200" baseline="0">
+                    <a:solidFill>
+                      <a:schemeClr val="tx2"/>
+                    </a:solidFill>
+                    <a:latin typeface="+mn-lt"/>
+                    <a:ea typeface="+mn-ea"/>
+                    <a:cs typeface="+mn-cs"/>
+                  </a:defRPr>
+                </a:lvl7pPr>
+                <a:lvl8pPr marL="3657600" indent="-384048" algn="l" defTabSz="914400" rtl="0" eaLnBrk="1" latinLnBrk="0" hangingPunct="1">
+                  <a:lnSpc>
+                    <a:spcPct val="94000"/>
+                  </a:lnSpc>
+                  <a:spcBef>
+                    <a:spcPts val="500"/>
+                  </a:spcBef>
+                  <a:spcAft>
+                    <a:spcPts val="200"/>
+                  </a:spcAft>
+                  <a:buFont typeface="Franklin Gothic Book" panose="020B0503020102020204" pitchFamily="34" charset="0"/>
+                  <a:buChar char="–"/>
+                  <a:defRPr sz="1400" i="1" kern="1200" baseline="0">
+                    <a:solidFill>
+                      <a:schemeClr val="tx2"/>
+                    </a:solidFill>
+                    <a:latin typeface="+mn-lt"/>
+                    <a:ea typeface="+mn-ea"/>
+                    <a:cs typeface="+mn-cs"/>
+                  </a:defRPr>
+                </a:lvl8pPr>
+                <a:lvl9pPr marL="4114800" indent="-384048" algn="l" defTabSz="914400" rtl="0" eaLnBrk="1" latinLnBrk="0" hangingPunct="1">
+                  <a:lnSpc>
+                    <a:spcPct val="94000"/>
+                  </a:lnSpc>
+                  <a:spcBef>
+                    <a:spcPts val="500"/>
+                  </a:spcBef>
+                  <a:spcAft>
+                    <a:spcPts val="200"/>
+                  </a:spcAft>
+                  <a:buFont typeface="Franklin Gothic Book" panose="020B0503020102020204" pitchFamily="34" charset="0"/>
+                  <a:buChar char="■"/>
+                  <a:defRPr sz="1400" kern="1200" baseline="0">
+                    <a:solidFill>
+                      <a:schemeClr val="tx2"/>
+                    </a:solidFill>
+                    <a:latin typeface="+mn-lt"/>
+                    <a:ea typeface="+mn-ea"/>
+                    <a:cs typeface="+mn-cs"/>
+                  </a:defRPr>
+                </a:lvl9pPr>
+              </a:lstStyle>
+              <a:p>
+                <a14:m>
+                  <m:oMath xmlns:m="http://schemas.openxmlformats.org/officeDocument/2006/math">
+                    <m:r>
+                      <m:rPr>
+                        <m:sty m:val="p"/>
+                      </m:rPr>
+                      <a:rPr lang="en-US" i="0" smtClean="0">
+                        <a:latin typeface="Cambria Math" panose="02040503050406030204" pitchFamily="18" charset="0"/>
+                      </a:rPr>
+                      <m:t>f</m:t>
+                    </m:r>
+                    <m:d>
+                      <m:dPr>
+                        <m:ctrlPr>
+                          <a:rPr lang="en-US" i="1" smtClean="0">
+                            <a:latin typeface="Cambria Math" panose="02040503050406030204" pitchFamily="18" charset="0"/>
+                          </a:rPr>
+                        </m:ctrlPr>
+                      </m:dPr>
+                      <m:e>
+                        <m:r>
+                          <a:rPr lang="en-US" i="0" smtClean="0">
+                            <a:latin typeface="Cambria Math" panose="02040503050406030204" pitchFamily="18" charset="0"/>
+                          </a:rPr>
+                          <m:t>&gt;</m:t>
+                        </m:r>
+                        <m:sSub>
+                          <m:sSubPr>
+                            <m:ctrlPr>
+                              <a:rPr lang="en-US" i="1" smtClean="0">
+                                <a:latin typeface="Cambria Math" panose="02040503050406030204" pitchFamily="18" charset="0"/>
+                              </a:rPr>
+                            </m:ctrlPr>
+                          </m:sSubPr>
+                          <m:e>
+                            <m:r>
+                              <m:rPr>
+                                <m:sty m:val="p"/>
+                              </m:rPr>
+                              <a:rPr lang="en-US" i="0" smtClean="0">
+                                <a:latin typeface="Cambria Math" panose="02040503050406030204" pitchFamily="18" charset="0"/>
+                              </a:rPr>
+                              <m:t>m</m:t>
+                            </m:r>
+                          </m:e>
+                          <m:sub>
+                            <m:r>
+                              <m:rPr>
+                                <m:sty m:val="p"/>
+                              </m:rPr>
+                              <a:rPr lang="en-US" i="0" smtClean="0">
+                                <a:latin typeface="Cambria Math" panose="02040503050406030204" pitchFamily="18" charset="0"/>
+                              </a:rPr>
+                              <m:t>e</m:t>
+                            </m:r>
+                          </m:sub>
+                        </m:sSub>
+                        <m:r>
+                          <a:rPr lang="en-US" i="0" smtClean="0">
+                            <a:latin typeface="Cambria Math" panose="02040503050406030204" pitchFamily="18" charset="0"/>
+                          </a:rPr>
+                          <m:t>, &gt;</m:t>
+                        </m:r>
+                        <m:sSub>
+                          <m:sSubPr>
+                            <m:ctrlPr>
+                              <a:rPr lang="en-US" i="1" smtClean="0">
+                                <a:latin typeface="Cambria Math" panose="02040503050406030204" pitchFamily="18" charset="0"/>
+                              </a:rPr>
+                            </m:ctrlPr>
+                          </m:sSubPr>
+                          <m:e>
+                            <m:r>
+                              <m:rPr>
+                                <m:sty m:val="p"/>
+                              </m:rPr>
+                              <a:rPr lang="en-US" i="0" smtClean="0">
+                                <a:latin typeface="Cambria Math" panose="02040503050406030204" pitchFamily="18" charset="0"/>
+                              </a:rPr>
+                              <m:t>v</m:t>
+                            </m:r>
+                          </m:e>
+                          <m:sub>
+                            <m:r>
+                              <m:rPr>
+                                <m:sty m:val="p"/>
+                              </m:rPr>
+                              <a:rPr lang="en-US" i="0" smtClean="0">
+                                <a:latin typeface="Cambria Math" panose="02040503050406030204" pitchFamily="18" charset="0"/>
+                              </a:rPr>
+                              <m:t>e</m:t>
+                            </m:r>
+                          </m:sub>
+                        </m:sSub>
+                      </m:e>
+                    </m:d>
+                    <m:r>
+                      <a:rPr lang="en-US" i="0" smtClean="0">
+                        <a:latin typeface="Cambria Math" panose="02040503050406030204" pitchFamily="18" charset="0"/>
+                      </a:rPr>
+                      <m:t>=</m:t>
+                    </m:r>
+                    <m:f>
+                      <m:fPr>
+                        <m:ctrlPr>
+                          <a:rPr lang="en-US" b="0" i="1" smtClean="0">
+                            <a:latin typeface="Cambria Math" panose="02040503050406030204" pitchFamily="18" charset="0"/>
+                          </a:rPr>
+                        </m:ctrlPr>
+                      </m:fPr>
+                      <m:num>
+                        <m:sSub>
+                          <m:sSubPr>
+                            <m:ctrlPr>
+                              <a:rPr lang="en-US" b="0" i="1" smtClean="0">
+                                <a:latin typeface="Cambria Math" panose="02040503050406030204" pitchFamily="18" charset="0"/>
+                              </a:rPr>
+                            </m:ctrlPr>
+                          </m:sSubPr>
+                          <m:e>
+                            <m:r>
+                              <m:rPr>
+                                <m:sty m:val="p"/>
+                              </m:rPr>
+                              <a:rPr lang="en-US" b="0" i="0" smtClean="0">
+                                <a:latin typeface="Cambria Math" panose="02040503050406030204" pitchFamily="18" charset="0"/>
+                              </a:rPr>
+                              <m:t>v</m:t>
+                            </m:r>
+                          </m:e>
+                          <m:sub>
+                            <m:r>
+                              <a:rPr lang="en-US" b="0" i="0" smtClean="0">
+                                <a:latin typeface="Cambria Math" panose="02040503050406030204" pitchFamily="18" charset="0"/>
+                              </a:rPr>
+                              <m:t>1,100</m:t>
+                            </m:r>
+                          </m:sub>
+                        </m:sSub>
+                      </m:num>
+                      <m:den>
+                        <m:sSub>
+                          <m:sSubPr>
+                            <m:ctrlPr>
+                              <a:rPr lang="en-US" b="0" i="1" smtClean="0">
+                                <a:latin typeface="Cambria Math" panose="02040503050406030204" pitchFamily="18" charset="0"/>
+                              </a:rPr>
+                            </m:ctrlPr>
+                          </m:sSubPr>
+                          <m:e>
+                            <m:r>
+                              <m:rPr>
+                                <m:sty m:val="p"/>
+                              </m:rPr>
+                              <a:rPr lang="en-US" b="0" i="0" smtClean="0">
+                                <a:latin typeface="Cambria Math" panose="02040503050406030204" pitchFamily="18" charset="0"/>
+                              </a:rPr>
+                              <m:t>ρ</m:t>
+                            </m:r>
+                          </m:e>
+                          <m:sub>
+                            <m:r>
+                              <m:rPr>
+                                <m:sty m:val="p"/>
+                              </m:rPr>
+                              <a:rPr lang="en-US" b="0" i="0" smtClean="0">
+                                <a:latin typeface="Cambria Math" panose="02040503050406030204" pitchFamily="18" charset="0"/>
+                              </a:rPr>
+                              <m:t>sil</m:t>
+                            </m:r>
+                          </m:sub>
+                        </m:sSub>
+                      </m:den>
+                    </m:f>
+                    <m:sSup>
+                      <m:sSupPr>
+                        <m:ctrlPr>
+                          <a:rPr lang="en-US" b="0" i="1" smtClean="0">
+                            <a:latin typeface="Cambria Math" panose="02040503050406030204" pitchFamily="18" charset="0"/>
+                          </a:rPr>
+                        </m:ctrlPr>
+                      </m:sSupPr>
+                      <m:e>
+                        <m:r>
+                          <a:rPr lang="en-US" b="0" i="0" smtClean="0">
+                            <a:latin typeface="Cambria Math" panose="02040503050406030204" pitchFamily="18" charset="0"/>
+                          </a:rPr>
+                          <m:t>2</m:t>
+                        </m:r>
+                      </m:e>
+                      <m:sup>
+                        <m:r>
+                          <a:rPr lang="en-US" b="0" i="0" smtClean="0">
+                            <a:latin typeface="Cambria Math" panose="02040503050406030204" pitchFamily="18" charset="0"/>
+                          </a:rPr>
+                          <m:t>−</m:t>
+                        </m:r>
+                        <m:r>
+                          <m:rPr>
+                            <m:sty m:val="p"/>
+                          </m:rPr>
+                          <a:rPr lang="en-US" b="0" i="0" smtClean="0">
+                            <a:latin typeface="Cambria Math" panose="02040503050406030204" pitchFamily="18" charset="0"/>
+                          </a:rPr>
+                          <m:t>b</m:t>
+                        </m:r>
+                      </m:sup>
+                    </m:sSup>
+                    <m:sSubSup>
+                      <m:sSubSupPr>
+                        <m:ctrlPr>
+                          <a:rPr lang="en-US" b="0" i="1" smtClean="0">
+                            <a:latin typeface="Cambria Math" panose="02040503050406030204" pitchFamily="18" charset="0"/>
+                          </a:rPr>
+                        </m:ctrlPr>
+                      </m:sSubSupPr>
+                      <m:e>
+                        <m:r>
+                          <m:rPr>
+                            <m:sty m:val="p"/>
+                          </m:rPr>
+                          <a:rPr lang="en-US" b="0" i="0" smtClean="0">
+                            <a:latin typeface="Cambria Math" panose="02040503050406030204" pitchFamily="18" charset="0"/>
+                          </a:rPr>
+                          <m:t>m</m:t>
+                        </m:r>
+                      </m:e>
+                      <m:sub>
+                        <m:r>
+                          <m:rPr>
+                            <m:sty m:val="p"/>
+                          </m:rPr>
+                          <a:rPr lang="en-US" b="0" i="0" smtClean="0">
+                            <a:latin typeface="Cambria Math" panose="02040503050406030204" pitchFamily="18" charset="0"/>
+                          </a:rPr>
+                          <m:t>p</m:t>
+                        </m:r>
+                      </m:sub>
+                      <m:sup>
+                        <m:r>
+                          <m:rPr>
+                            <m:sty m:val="p"/>
+                          </m:rPr>
+                          <a:rPr lang="en-US" b="0" i="0" smtClean="0">
+                            <a:latin typeface="Cambria Math" panose="02040503050406030204" pitchFamily="18" charset="0"/>
+                          </a:rPr>
+                          <m:t>b</m:t>
+                        </m:r>
+                      </m:sup>
+                    </m:sSubSup>
+                    <m:sSubSup>
+                      <m:sSubSupPr>
+                        <m:ctrlPr>
+                          <a:rPr lang="en-US" b="0" i="1" smtClean="0">
+                            <a:latin typeface="Cambria Math" panose="02040503050406030204" pitchFamily="18" charset="0"/>
+                          </a:rPr>
+                        </m:ctrlPr>
+                      </m:sSubSupPr>
+                      <m:e>
+                        <m:r>
+                          <m:rPr>
+                            <m:sty m:val="p"/>
+                          </m:rPr>
+                          <a:rPr lang="en-US" b="0" i="0" smtClean="0">
+                            <a:latin typeface="Cambria Math" panose="02040503050406030204" pitchFamily="18" charset="0"/>
+                          </a:rPr>
+                          <m:t>v</m:t>
+                        </m:r>
+                      </m:e>
+                      <m:sub>
+                        <m:r>
+                          <m:rPr>
+                            <m:sty m:val="p"/>
+                          </m:rPr>
+                          <a:rPr lang="en-US" b="0" i="0" smtClean="0">
+                            <a:latin typeface="Cambria Math" panose="02040503050406030204" pitchFamily="18" charset="0"/>
+                          </a:rPr>
+                          <m:t>p</m:t>
+                        </m:r>
+                      </m:sub>
+                      <m:sup>
+                        <m:r>
+                          <a:rPr lang="en-US" b="0" i="0" smtClean="0">
+                            <a:latin typeface="Cambria Math" panose="02040503050406030204" pitchFamily="18" charset="0"/>
+                          </a:rPr>
+                          <m:t>2</m:t>
+                        </m:r>
+                        <m:r>
+                          <m:rPr>
+                            <m:sty m:val="p"/>
+                          </m:rPr>
+                          <a:rPr lang="en-US" b="0" i="0" smtClean="0">
+                            <a:latin typeface="Cambria Math" panose="02040503050406030204" pitchFamily="18" charset="0"/>
+                          </a:rPr>
+                          <m:t>b</m:t>
+                        </m:r>
+                      </m:sup>
+                    </m:sSubSup>
+                    <m:f>
+                      <m:fPr>
+                        <m:ctrlPr>
+                          <a:rPr lang="en-US" b="0" i="1" smtClean="0">
+                            <a:latin typeface="Cambria Math" panose="02040503050406030204" pitchFamily="18" charset="0"/>
+                          </a:rPr>
+                        </m:ctrlPr>
+                      </m:fPr>
+                      <m:num>
+                        <m:r>
+                          <a:rPr lang="en-US" b="0" i="0" smtClean="0">
+                            <a:latin typeface="Cambria Math" panose="02040503050406030204" pitchFamily="18" charset="0"/>
+                          </a:rPr>
+                          <m:t>1−</m:t>
+                        </m:r>
+                        <m:r>
+                          <m:rPr>
+                            <m:sty m:val="p"/>
+                          </m:rPr>
+                          <a:rPr lang="en-US" b="0" i="0" smtClean="0">
+                            <a:latin typeface="Cambria Math" panose="02040503050406030204" pitchFamily="18" charset="0"/>
+                          </a:rPr>
+                          <m:t>α</m:t>
+                        </m:r>
+                      </m:num>
+                      <m:den>
+                        <m:r>
+                          <m:rPr>
+                            <m:sty m:val="p"/>
+                          </m:rPr>
+                          <a:rPr lang="en-US" b="0" i="0" smtClean="0">
+                            <a:latin typeface="Cambria Math" panose="02040503050406030204" pitchFamily="18" charset="0"/>
+                          </a:rPr>
+                          <m:t>α</m:t>
+                        </m:r>
+                      </m:den>
+                    </m:f>
+                    <m:f>
+                      <m:fPr>
+                        <m:ctrlPr>
+                          <a:rPr lang="en-US" b="0" i="1" smtClean="0">
+                            <a:latin typeface="Cambria Math" panose="02040503050406030204" pitchFamily="18" charset="0"/>
+                          </a:rPr>
+                        </m:ctrlPr>
+                      </m:fPr>
+                      <m:num>
+                        <m:r>
+                          <a:rPr lang="en-US" b="0" i="0" smtClean="0">
+                            <a:latin typeface="Cambria Math" panose="02040503050406030204" pitchFamily="18" charset="0"/>
+                          </a:rPr>
+                          <m:t>1</m:t>
+                        </m:r>
+                      </m:num>
+                      <m:den>
+                        <m:sSub>
+                          <m:sSubPr>
+                            <m:ctrlPr>
+                              <a:rPr lang="en-US" b="0" i="1" smtClean="0">
+                                <a:latin typeface="Cambria Math" panose="02040503050406030204" pitchFamily="18" charset="0"/>
+                              </a:rPr>
+                            </m:ctrlPr>
+                          </m:sSubPr>
+                          <m:e>
+                            <m:r>
+                              <m:rPr>
+                                <m:sty m:val="p"/>
+                              </m:rPr>
+                              <a:rPr lang="en-US" b="0" i="0" smtClean="0">
+                                <a:latin typeface="Cambria Math" panose="02040503050406030204" pitchFamily="18" charset="0"/>
+                              </a:rPr>
+                              <m:t>m</m:t>
+                            </m:r>
+                          </m:e>
+                          <m:sub>
+                            <m:r>
+                              <m:rPr>
+                                <m:sty m:val="p"/>
+                              </m:rPr>
+                              <a:rPr lang="en-US" b="0" i="0" smtClean="0">
+                                <a:latin typeface="Cambria Math" panose="02040503050406030204" pitchFamily="18" charset="0"/>
+                              </a:rPr>
+                              <m:t>max</m:t>
+                            </m:r>
+                          </m:sub>
+                        </m:sSub>
+                      </m:den>
+                    </m:f>
+                    <m:sSup>
+                      <m:sSupPr>
+                        <m:ctrlPr>
+                          <a:rPr lang="en-US" b="0" i="1" smtClean="0">
+                            <a:latin typeface="Cambria Math" panose="02040503050406030204" pitchFamily="18" charset="0"/>
+                          </a:rPr>
+                        </m:ctrlPr>
+                      </m:sSupPr>
+                      <m:e>
+                        <m:d>
+                          <m:dPr>
+                            <m:ctrlPr>
+                              <a:rPr lang="en-US" b="0" i="1" smtClean="0">
+                                <a:latin typeface="Cambria Math" panose="02040503050406030204" pitchFamily="18" charset="0"/>
+                              </a:rPr>
+                            </m:ctrlPr>
+                          </m:dPr>
+                          <m:e>
+                            <m:f>
+                              <m:fPr>
+                                <m:ctrlPr>
+                                  <a:rPr lang="en-US" b="0" i="1" smtClean="0">
+                                    <a:latin typeface="Cambria Math" panose="02040503050406030204" pitchFamily="18" charset="0"/>
+                                  </a:rPr>
+                                </m:ctrlPr>
+                              </m:fPr>
+                              <m:num>
+                                <m:sSub>
+                                  <m:sSubPr>
+                                    <m:ctrlPr>
+                                      <a:rPr lang="en-US" b="0" i="1" smtClean="0">
+                                        <a:latin typeface="Cambria Math" panose="02040503050406030204" pitchFamily="18" charset="0"/>
+                                      </a:rPr>
+                                    </m:ctrlPr>
+                                  </m:sSubPr>
+                                  <m:e>
+                                    <m:r>
+                                      <m:rPr>
+                                        <m:sty m:val="p"/>
+                                      </m:rPr>
+                                      <a:rPr lang="en-US" b="0" i="0" smtClean="0">
+                                        <a:latin typeface="Cambria Math" panose="02040503050406030204" pitchFamily="18" charset="0"/>
+                                      </a:rPr>
+                                      <m:t>m</m:t>
+                                    </m:r>
+                                  </m:e>
+                                  <m:sub>
+                                    <m:r>
+                                      <m:rPr>
+                                        <m:sty m:val="p"/>
+                                      </m:rPr>
+                                      <a:rPr lang="en-US" b="0" i="0" smtClean="0">
+                                        <a:latin typeface="Cambria Math" panose="02040503050406030204" pitchFamily="18" charset="0"/>
+                                      </a:rPr>
+                                      <m:t>max</m:t>
+                                    </m:r>
+                                  </m:sub>
+                                </m:sSub>
+                              </m:num>
+                              <m:den>
+                                <m:sSub>
+                                  <m:sSubPr>
+                                    <m:ctrlPr>
+                                      <a:rPr lang="en-US" b="0" i="1" smtClean="0">
+                                        <a:latin typeface="Cambria Math" panose="02040503050406030204" pitchFamily="18" charset="0"/>
+                                      </a:rPr>
+                                    </m:ctrlPr>
+                                  </m:sSubPr>
+                                  <m:e>
+                                    <m:r>
+                                      <m:rPr>
+                                        <m:sty m:val="p"/>
+                                      </m:rPr>
+                                      <a:rPr lang="en-US" b="0" i="0" smtClean="0">
+                                        <a:latin typeface="Cambria Math" panose="02040503050406030204" pitchFamily="18" charset="0"/>
+                                      </a:rPr>
+                                      <m:t>m</m:t>
+                                    </m:r>
+                                  </m:e>
+                                  <m:sub>
+                                    <m:r>
+                                      <m:rPr>
+                                        <m:sty m:val="p"/>
+                                      </m:rPr>
+                                      <a:rPr lang="en-US" b="0" i="0" smtClean="0">
+                                        <a:latin typeface="Cambria Math" panose="02040503050406030204" pitchFamily="18" charset="0"/>
+                                      </a:rPr>
+                                      <m:t>e</m:t>
+                                    </m:r>
+                                  </m:sub>
+                                </m:sSub>
+                              </m:den>
+                            </m:f>
+                          </m:e>
+                        </m:d>
+                      </m:e>
+                      <m:sup>
+                        <m:r>
+                          <m:rPr>
+                            <m:sty m:val="p"/>
+                          </m:rPr>
+                          <a:rPr lang="en-US" b="0" i="0" smtClean="0">
+                            <a:latin typeface="Cambria Math" panose="02040503050406030204" pitchFamily="18" charset="0"/>
+                          </a:rPr>
+                          <m:t>α</m:t>
+                        </m:r>
+                      </m:sup>
+                    </m:sSup>
+                    <m:f>
+                      <m:fPr>
+                        <m:ctrlPr>
+                          <a:rPr lang="en-US" b="0" i="1" smtClean="0">
+                            <a:latin typeface="Cambria Math" panose="02040503050406030204" pitchFamily="18" charset="0"/>
+                          </a:rPr>
+                        </m:ctrlPr>
+                      </m:fPr>
+                      <m:num>
+                        <m:r>
+                          <a:rPr lang="en-US" b="0" i="0" smtClean="0">
+                            <a:latin typeface="Cambria Math" panose="02040503050406030204" pitchFamily="18" charset="0"/>
+                          </a:rPr>
+                          <m:t>1</m:t>
+                        </m:r>
+                      </m:num>
+                      <m:den>
+                        <m:sSub>
+                          <m:sSubPr>
+                            <m:ctrlPr>
+                              <a:rPr lang="en-US" b="0" i="1" smtClean="0">
+                                <a:latin typeface="Cambria Math" panose="02040503050406030204" pitchFamily="18" charset="0"/>
+                              </a:rPr>
+                            </m:ctrlPr>
+                          </m:sSubPr>
+                          <m:e>
+                            <m:r>
+                              <m:rPr>
+                                <m:sty m:val="p"/>
+                              </m:rPr>
+                              <a:rPr lang="en-US" b="0" i="0" smtClean="0">
+                                <a:latin typeface="Cambria Math" panose="02040503050406030204" pitchFamily="18" charset="0"/>
+                              </a:rPr>
+                              <m:t>v</m:t>
+                            </m:r>
+                          </m:e>
+                          <m:sub>
+                            <m:r>
+                              <m:rPr>
+                                <m:sty m:val="p"/>
+                              </m:rPr>
+                              <a:rPr lang="en-US" b="0" i="0" smtClean="0">
+                                <a:latin typeface="Cambria Math" panose="02040503050406030204" pitchFamily="18" charset="0"/>
+                              </a:rPr>
+                              <m:t>e</m:t>
+                            </m:r>
+                            <m:r>
+                              <a:rPr lang="en-US" b="0" i="0" smtClean="0">
+                                <a:latin typeface="Cambria Math" panose="02040503050406030204" pitchFamily="18" charset="0"/>
+                              </a:rPr>
+                              <m:t>,0</m:t>
+                            </m:r>
+                          </m:sub>
+                        </m:sSub>
+                      </m:den>
+                    </m:f>
+                    <m:sSup>
+                      <m:sSupPr>
+                        <m:ctrlPr>
+                          <a:rPr lang="en-US" b="0" i="1" smtClean="0">
+                            <a:latin typeface="Cambria Math" panose="02040503050406030204" pitchFamily="18" charset="0"/>
+                          </a:rPr>
+                        </m:ctrlPr>
+                      </m:sSupPr>
+                      <m:e>
+                        <m:d>
+                          <m:dPr>
+                            <m:ctrlPr>
+                              <a:rPr lang="en-US" b="0" i="1" smtClean="0">
+                                <a:latin typeface="Cambria Math" panose="02040503050406030204" pitchFamily="18" charset="0"/>
+                              </a:rPr>
+                            </m:ctrlPr>
+                          </m:dPr>
+                          <m:e>
+                            <m:f>
+                              <m:fPr>
+                                <m:ctrlPr>
+                                  <a:rPr lang="en-US" b="0" i="1" smtClean="0">
+                                    <a:latin typeface="Cambria Math" panose="02040503050406030204" pitchFamily="18" charset="0"/>
+                                  </a:rPr>
+                                </m:ctrlPr>
+                              </m:fPr>
+                              <m:num>
+                                <m:sSub>
+                                  <m:sSubPr>
+                                    <m:ctrlPr>
+                                      <a:rPr lang="en-US" b="0" i="1" smtClean="0">
+                                        <a:latin typeface="Cambria Math" panose="02040503050406030204" pitchFamily="18" charset="0"/>
+                                      </a:rPr>
+                                    </m:ctrlPr>
+                                  </m:sSubPr>
+                                  <m:e>
+                                    <m:r>
+                                      <m:rPr>
+                                        <m:sty m:val="p"/>
+                                      </m:rPr>
+                                      <a:rPr lang="en-US" b="0" i="0" smtClean="0">
+                                        <a:latin typeface="Cambria Math" panose="02040503050406030204" pitchFamily="18" charset="0"/>
+                                      </a:rPr>
+                                      <m:t>v</m:t>
+                                    </m:r>
+                                  </m:e>
+                                  <m:sub>
+                                    <m:r>
+                                      <m:rPr>
+                                        <m:sty m:val="p"/>
+                                      </m:rPr>
+                                      <a:rPr lang="en-US" b="0" i="0" smtClean="0">
+                                        <a:latin typeface="Cambria Math" panose="02040503050406030204" pitchFamily="18" charset="0"/>
+                                      </a:rPr>
+                                      <m:t>e</m:t>
+                                    </m:r>
+                                  </m:sub>
+                                </m:sSub>
+                              </m:num>
+                              <m:den>
+                                <m:sSub>
+                                  <m:sSubPr>
+                                    <m:ctrlPr>
+                                      <a:rPr lang="en-US" b="0" i="1" smtClean="0">
+                                        <a:latin typeface="Cambria Math" panose="02040503050406030204" pitchFamily="18" charset="0"/>
+                                      </a:rPr>
+                                    </m:ctrlPr>
+                                  </m:sSubPr>
+                                  <m:e>
+                                    <m:r>
+                                      <m:rPr>
+                                        <m:sty m:val="p"/>
+                                      </m:rPr>
+                                      <a:rPr lang="en-US" b="0" i="0" smtClean="0">
+                                        <a:latin typeface="Cambria Math" panose="02040503050406030204" pitchFamily="18" charset="0"/>
+                                      </a:rPr>
+                                      <m:t>v</m:t>
+                                    </m:r>
+                                  </m:e>
+                                  <m:sub>
+                                    <m:r>
+                                      <m:rPr>
+                                        <m:sty m:val="p"/>
+                                      </m:rPr>
+                                      <a:rPr lang="en-US" b="0" i="0" smtClean="0">
+                                        <a:latin typeface="Cambria Math" panose="02040503050406030204" pitchFamily="18" charset="0"/>
+                                      </a:rPr>
+                                      <m:t>e</m:t>
+                                    </m:r>
+                                    <m:r>
+                                      <a:rPr lang="en-US" b="0" i="0" smtClean="0">
+                                        <a:latin typeface="Cambria Math" panose="02040503050406030204" pitchFamily="18" charset="0"/>
+                                      </a:rPr>
+                                      <m:t>,0</m:t>
+                                    </m:r>
+                                  </m:sub>
+                                </m:sSub>
+                              </m:den>
+                            </m:f>
+                          </m:e>
+                        </m:d>
+                      </m:e>
+                      <m:sup>
+                        <m:r>
+                          <a:rPr lang="en-US" b="0" i="0" smtClean="0">
+                            <a:latin typeface="Cambria Math" panose="02040503050406030204" pitchFamily="18" charset="0"/>
+                          </a:rPr>
+                          <m:t>−</m:t>
+                        </m:r>
+                        <m:r>
+                          <m:rPr>
+                            <m:sty m:val="p"/>
+                          </m:rPr>
+                          <a:rPr lang="en-US" b="0" i="0" smtClean="0">
+                            <a:latin typeface="Cambria Math" panose="02040503050406030204" pitchFamily="18" charset="0"/>
+                          </a:rPr>
+                          <m:t>γ</m:t>
+                        </m:r>
+                      </m:sup>
+                    </m:sSup>
+                    <m:r>
+                      <m:rPr>
+                        <m:sty m:val="p"/>
+                      </m:rPr>
+                      <a:rPr lang="en-US" b="0" i="0" smtClean="0">
+                        <a:latin typeface="Cambria Math" panose="02040503050406030204" pitchFamily="18" charset="0"/>
+                      </a:rPr>
+                      <m:t>H</m:t>
+                    </m:r>
+                    <m:d>
+                      <m:dPr>
+                        <m:ctrlPr>
+                          <a:rPr lang="en-US" b="0" i="1" smtClean="0">
+                            <a:latin typeface="Cambria Math" panose="02040503050406030204" pitchFamily="18" charset="0"/>
+                          </a:rPr>
+                        </m:ctrlPr>
+                      </m:dPr>
+                      <m:e>
+                        <m:sSub>
+                          <m:sSubPr>
+                            <m:ctrlPr>
+                              <a:rPr lang="en-US" b="0" i="1" smtClean="0">
+                                <a:latin typeface="Cambria Math" panose="02040503050406030204" pitchFamily="18" charset="0"/>
+                              </a:rPr>
+                            </m:ctrlPr>
+                          </m:sSubPr>
+                          <m:e>
+                            <m:r>
+                              <m:rPr>
+                                <m:sty m:val="p"/>
+                              </m:rPr>
+                              <a:rPr lang="en-US" b="0" i="0" smtClean="0">
+                                <a:latin typeface="Cambria Math" panose="02040503050406030204" pitchFamily="18" charset="0"/>
+                              </a:rPr>
+                              <m:t>v</m:t>
+                            </m:r>
+                          </m:e>
+                          <m:sub>
+                            <m:r>
+                              <m:rPr>
+                                <m:sty m:val="p"/>
+                              </m:rPr>
+                              <a:rPr lang="en-US" b="0" i="0" smtClean="0">
+                                <a:latin typeface="Cambria Math" panose="02040503050406030204" pitchFamily="18" charset="0"/>
+                              </a:rPr>
+                              <m:t>e</m:t>
+                            </m:r>
+                          </m:sub>
+                        </m:sSub>
+                        <m:r>
+                          <a:rPr lang="en-US" b="0" i="0" smtClean="0">
+                            <a:latin typeface="Cambria Math" panose="02040503050406030204" pitchFamily="18" charset="0"/>
+                          </a:rPr>
+                          <m:t>−</m:t>
+                        </m:r>
+                        <m:sSub>
+                          <m:sSubPr>
+                            <m:ctrlPr>
+                              <a:rPr lang="en-US" b="0" i="1" smtClean="0">
+                                <a:latin typeface="Cambria Math" panose="02040503050406030204" pitchFamily="18" charset="0"/>
+                              </a:rPr>
+                            </m:ctrlPr>
+                          </m:sSubPr>
+                          <m:e>
+                            <m:r>
+                              <m:rPr>
+                                <m:sty m:val="p"/>
+                              </m:rPr>
+                              <a:rPr lang="en-US" b="0" i="0" smtClean="0">
+                                <a:latin typeface="Cambria Math" panose="02040503050406030204" pitchFamily="18" charset="0"/>
+                              </a:rPr>
+                              <m:t>v</m:t>
+                            </m:r>
+                          </m:e>
+                          <m:sub>
+                            <m:r>
+                              <m:rPr>
+                                <m:sty m:val="p"/>
+                              </m:rPr>
+                              <a:rPr lang="en-US" b="0" i="0" smtClean="0">
+                                <a:latin typeface="Cambria Math" panose="02040503050406030204" pitchFamily="18" charset="0"/>
+                              </a:rPr>
+                              <m:t>e</m:t>
+                            </m:r>
+                            <m:r>
+                              <a:rPr lang="en-US" b="0" i="0" smtClean="0">
+                                <a:latin typeface="Cambria Math" panose="02040503050406030204" pitchFamily="18" charset="0"/>
+                              </a:rPr>
+                              <m:t>,0</m:t>
+                            </m:r>
+                          </m:sub>
+                        </m:sSub>
+                      </m:e>
+                    </m:d>
+                  </m:oMath>
+                </a14:m>
+                <a:endParaRPr lang="en-US" b="0" dirty="0"/>
+              </a:p>
+              <a:p>
+                <a:pPr lvl="1"/>
+                <a14:m>
+                  <m:oMath xmlns:m="http://schemas.openxmlformats.org/officeDocument/2006/math">
+                    <m:r>
+                      <m:rPr>
+                        <m:sty m:val="p"/>
+                      </m:rPr>
+                      <a:rPr lang="en-US" b="0" i="0" smtClean="0">
+                        <a:latin typeface="Cambria Math" panose="02040503050406030204" pitchFamily="18" charset="0"/>
+                      </a:rPr>
+                      <m:t>b</m:t>
+                    </m:r>
+                  </m:oMath>
+                </a14:m>
+                <a:r>
+                  <a:rPr lang="en-US" i="0" dirty="0"/>
+                  <a:t> is the power-law exponent to the crater volume vs. impact kinetic energy</a:t>
+                </a:r>
+              </a:p>
+              <a:p>
+                <a:pPr lvl="2"/>
+                <a:r>
+                  <a:rPr lang="en-US" dirty="0"/>
+                  <a:t>Figure 7 of </a:t>
+                </a:r>
+                <a:r>
+                  <a:rPr lang="en-US" dirty="0" err="1"/>
+                  <a:t>Koschny</a:t>
+                </a:r>
+                <a:r>
+                  <a:rPr lang="en-US" dirty="0"/>
+                  <a:t> &amp; </a:t>
+                </a:r>
+                <a:r>
+                  <a:rPr lang="en-US" dirty="0" err="1"/>
+                  <a:t>Grun</a:t>
+                </a:r>
+                <a:r>
+                  <a:rPr lang="en-US" dirty="0"/>
+                  <a:t> 2001 show </a:t>
+                </a:r>
+                <a14:m>
+                  <m:oMath xmlns:m="http://schemas.openxmlformats.org/officeDocument/2006/math">
+                    <m:r>
+                      <m:rPr>
+                        <m:sty m:val="p"/>
+                      </m:rPr>
+                      <a:rPr lang="en-US" b="0" i="0" smtClean="0">
+                        <a:latin typeface="Cambria Math" panose="02040503050406030204" pitchFamily="18" charset="0"/>
+                      </a:rPr>
+                      <m:t>b</m:t>
+                    </m:r>
+                    <m:r>
+                      <a:rPr lang="en-US" b="0" i="0" smtClean="0">
+                        <a:latin typeface="Cambria Math" panose="02040503050406030204" pitchFamily="18" charset="0"/>
+                      </a:rPr>
+                      <m:t>=1.23</m:t>
+                    </m:r>
+                  </m:oMath>
+                </a14:m>
+                <a:r>
+                  <a:rPr lang="en-US" dirty="0"/>
+                  <a:t> for ice-silicate targets</a:t>
+                </a:r>
+              </a:p>
+              <a:p>
+                <a:pPr lvl="2"/>
+                <a:r>
+                  <a:rPr lang="en-US" dirty="0"/>
+                  <a:t>Moore et al. 1963 give </a:t>
+                </a:r>
+                <a14:m>
+                  <m:oMath xmlns:m="http://schemas.openxmlformats.org/officeDocument/2006/math">
+                    <m:r>
+                      <m:rPr>
+                        <m:sty m:val="p"/>
+                      </m:rPr>
+                      <a:rPr lang="en-US" b="0" i="0" smtClean="0">
+                        <a:latin typeface="Cambria Math" panose="02040503050406030204" pitchFamily="18" charset="0"/>
+                      </a:rPr>
+                      <m:t>b</m:t>
+                    </m:r>
+                    <m:r>
+                      <a:rPr lang="en-US" b="0" i="0" smtClean="0">
+                        <a:latin typeface="Cambria Math" panose="02040503050406030204" pitchFamily="18" charset="0"/>
+                      </a:rPr>
+                      <m:t>=1.02</m:t>
+                    </m:r>
+                  </m:oMath>
+                </a14:m>
+                <a:r>
+                  <a:rPr lang="en-US" dirty="0"/>
+                  <a:t> for basalt targets</a:t>
+                </a:r>
+              </a:p>
+              <a:p>
+                <a:pPr lvl="1"/>
+                <a14:m>
+                  <m:oMath xmlns:m="http://schemas.openxmlformats.org/officeDocument/2006/math">
+                    <m:r>
+                      <m:rPr>
+                        <m:sty m:val="p"/>
+                      </m:rPr>
+                      <a:rPr lang="en-US" b="0" i="0" smtClean="0">
+                        <a:latin typeface="Cambria Math" panose="02040503050406030204" pitchFamily="18" charset="0"/>
+                      </a:rPr>
+                      <m:t>α</m:t>
+                    </m:r>
+                  </m:oMath>
+                </a14:m>
+                <a:r>
+                  <a:rPr lang="en-US" i="0" dirty="0"/>
+                  <a:t> is the ejecta mass distribution (CDF) slope (akin to our analysis of Carrier 2003)</a:t>
+                </a:r>
+              </a:p>
+              <a:p>
+                <a:pPr lvl="2"/>
+                <a:r>
+                  <a:rPr lang="en-US" dirty="0"/>
+                  <a:t>Plausible slopes range from 0.5 to 1 (see </a:t>
+                </a:r>
+                <a:r>
+                  <a:rPr lang="en-US" dirty="0" err="1"/>
+                  <a:t>Krivov</a:t>
+                </a:r>
+                <a:r>
+                  <a:rPr lang="en-US" dirty="0"/>
+                  <a:t> &amp; </a:t>
+                </a:r>
+                <a:r>
+                  <a:rPr lang="en-US" dirty="0" err="1"/>
+                  <a:t>Jurewicz</a:t>
+                </a:r>
+                <a:r>
+                  <a:rPr lang="en-US" dirty="0"/>
+                  <a:t> 1999)</a:t>
+                </a:r>
+              </a:p>
+              <a:p>
+                <a:pPr lvl="2"/>
+                <a:r>
+                  <a:rPr lang="en-US" dirty="0"/>
+                  <a:t>The most likely slope is ~0.8 (see </a:t>
+                </a:r>
+                <a:r>
+                  <a:rPr lang="en-US" dirty="0" err="1"/>
+                  <a:t>Krivov</a:t>
+                </a:r>
+                <a:r>
+                  <a:rPr lang="en-US" dirty="0"/>
+                  <a:t> et al. 2000)</a:t>
+                </a:r>
+              </a:p>
+              <a:p>
+                <a:pPr lvl="3"/>
+                <a:r>
+                  <a:rPr lang="en-US" i="0" dirty="0"/>
+                  <a:t>Note: </a:t>
+                </a:r>
+                <a14:m>
+                  <m:oMath xmlns:m="http://schemas.openxmlformats.org/officeDocument/2006/math">
+                    <m:r>
+                      <m:rPr>
+                        <m:sty m:val="p"/>
+                      </m:rPr>
+                      <a:rPr lang="en-US" b="0" i="0" smtClean="0">
+                        <a:latin typeface="Cambria Math" panose="02040503050406030204" pitchFamily="18" charset="0"/>
+                      </a:rPr>
+                      <m:t>α</m:t>
+                    </m:r>
+                    <m:r>
+                      <a:rPr lang="en-US" b="0" i="0" smtClean="0">
+                        <a:latin typeface="Cambria Math" panose="02040503050406030204" pitchFamily="18" charset="0"/>
+                      </a:rPr>
+                      <m:t>~0.8</m:t>
+                    </m:r>
+                  </m:oMath>
+                </a14:m>
+                <a:r>
+                  <a:rPr lang="en-US" i="0" dirty="0"/>
+                  <a:t> corresponds to &lt; 7E-5 g particles if using Carrier 2003</a:t>
+                </a:r>
+              </a:p>
+              <a:p>
+                <a:pPr lvl="1"/>
+                <a14:m>
+                  <m:oMath xmlns:m="http://schemas.openxmlformats.org/officeDocument/2006/math">
+                    <m:r>
+                      <m:rPr>
+                        <m:sty m:val="p"/>
+                      </m:rPr>
+                      <a:rPr lang="en-US" b="0" i="0" smtClean="0">
+                        <a:latin typeface="Cambria Math" panose="02040503050406030204" pitchFamily="18" charset="0"/>
+                      </a:rPr>
+                      <m:t>γ</m:t>
+                    </m:r>
+                  </m:oMath>
+                </a14:m>
+                <a:r>
+                  <a:rPr lang="en-US" i="0" dirty="0"/>
+                  <a:t> is the speed CDF slope</a:t>
+                </a:r>
+              </a:p>
+              <a:p>
+                <a:pPr lvl="2"/>
+                <a14:m>
+                  <m:oMath xmlns:m="http://schemas.openxmlformats.org/officeDocument/2006/math">
+                    <m:r>
+                      <m:rPr>
+                        <m:sty m:val="p"/>
+                      </m:rPr>
+                      <a:rPr lang="en-US" b="0" i="0" smtClean="0">
+                        <a:latin typeface="Cambria Math" panose="02040503050406030204" pitchFamily="18" charset="0"/>
+                      </a:rPr>
+                      <m:t>γ</m:t>
+                    </m:r>
+                    <m:r>
+                      <a:rPr lang="en-US" b="0" i="0" smtClean="0">
+                        <a:latin typeface="Cambria Math" panose="02040503050406030204" pitchFamily="18" charset="0"/>
+                      </a:rPr>
+                      <m:t>=2</m:t>
+                    </m:r>
+                  </m:oMath>
+                </a14:m>
+                <a:r>
+                  <a:rPr lang="en-US" dirty="0"/>
+                  <a:t> is for hard-surface targets, and </a:t>
+                </a:r>
+                <a14:m>
+                  <m:oMath xmlns:m="http://schemas.openxmlformats.org/officeDocument/2006/math">
+                    <m:r>
+                      <m:rPr>
+                        <m:sty m:val="p"/>
+                      </m:rPr>
+                      <a:rPr lang="en-US" b="0" i="0" smtClean="0">
+                        <a:latin typeface="Cambria Math" panose="02040503050406030204" pitchFamily="18" charset="0"/>
+                      </a:rPr>
+                      <m:t>γ</m:t>
+                    </m:r>
+                    <m:r>
+                      <a:rPr lang="en-US" b="0" i="0" smtClean="0">
+                        <a:latin typeface="Cambria Math" panose="02040503050406030204" pitchFamily="18" charset="0"/>
+                      </a:rPr>
+                      <m:t>=1.2</m:t>
+                    </m:r>
+                  </m:oMath>
+                </a14:m>
+                <a:r>
+                  <a:rPr lang="en-US" dirty="0"/>
+                  <a:t> is for regolith-like targets (i.e., porous) (see </a:t>
+                </a:r>
+                <a:r>
+                  <a:rPr lang="en-US" dirty="0" err="1"/>
+                  <a:t>Krivov</a:t>
+                </a:r>
+                <a:r>
+                  <a:rPr lang="en-US" dirty="0"/>
+                  <a:t> et al. 2003)</a:t>
+                </a:r>
+              </a:p>
+            </p:txBody>
+          </p:sp>
+        </mc:Choice>
+        <mc:Fallback xmlns="">
+          <p:sp>
+            <p:nvSpPr>
+              <p:cNvPr id="7" name="Content Placeholder 2">
+                <a:extLst>
+                  <a:ext uri="{FF2B5EF4-FFF2-40B4-BE49-F238E27FC236}">
+                    <a16:creationId xmlns:a16="http://schemas.microsoft.com/office/drawing/2014/main" id="{260532AD-DF50-4D59-8DC9-6C3FF448A2A9}"/>
+                  </a:ext>
+                </a:extLst>
+              </p:cNvPr>
+              <p:cNvSpPr txBox="1">
+                <a:spLocks noRot="1" noChangeAspect="1" noMove="1" noResize="1" noEditPoints="1" noAdjustHandles="1" noChangeArrowheads="1" noChangeShapeType="1" noTextEdit="1"/>
+              </p:cNvSpPr>
+              <p:nvPr/>
+            </p:nvSpPr>
+            <p:spPr>
+              <a:xfrm>
+                <a:off x="973207" y="1711186"/>
+                <a:ext cx="9601200" cy="4086639"/>
+              </a:xfrm>
+              <a:prstGeom prst="rect">
+                <a:avLst/>
+              </a:prstGeom>
+              <a:blipFill>
+                <a:blip r:embed="rId2"/>
+                <a:stretch>
+                  <a:fillRect r="-762" b="-2239"/>
+                </a:stretch>
+              </a:blipFill>
+            </p:spPr>
+            <p:txBody>
+              <a:bodyPr/>
+              <a:lstStyle/>
+              <a:p>
+                <a:r>
+                  <a:rPr lang="en-US">
+                    <a:noFill/>
+                  </a:rPr>
+                  <a:t> </a:t>
+                </a:r>
+              </a:p>
+            </p:txBody>
+          </p:sp>
+        </mc:Fallback>
+      </mc:AlternateContent>
     </p:spTree>
     <p:extLst>
       <p:ext uri="{BB962C8B-B14F-4D97-AF65-F5344CB8AC3E}">
@@ -8780,7 +11214,7 @@
           <p:cNvPr id="2" name="Title 1">
             <a:extLst>
               <a:ext uri="{FF2B5EF4-FFF2-40B4-BE49-F238E27FC236}">
-                <a16:creationId xmlns:a16="http://schemas.microsoft.com/office/drawing/2014/main" id="{61785327-57CA-43A2-B8BD-89B204308B40}"/>
+                <a16:creationId xmlns:a16="http://schemas.microsoft.com/office/drawing/2014/main" id="{106CE7DB-8721-4876-86E6-BCBC7A7B7CD6}"/>
               </a:ext>
             </a:extLst>
           </p:cNvPr>
@@ -8793,7 +11227,7 @@
         </p:nvSpPr>
         <p:spPr>
           <a:xfrm>
-            <a:off x="1295400" y="115957"/>
+            <a:off x="1390650" y="344713"/>
             <a:ext cx="9601200" cy="1485900"/>
           </a:xfrm>
         </p:spPr>
@@ -8803,399 +11237,26 @@
           <a:p>
             <a:r>
               <a:rPr lang="en-US" dirty="0"/>
-              <a:t>Overview</a:t>
-            </a:r>
-          </a:p>
-        </p:txBody>
-      </p:sp>
-      <p:sp>
-        <p:nvSpPr>
-          <p:cNvPr id="3" name="Content Placeholder 2">
-            <a:extLst>
-              <a:ext uri="{FF2B5EF4-FFF2-40B4-BE49-F238E27FC236}">
-                <a16:creationId xmlns:a16="http://schemas.microsoft.com/office/drawing/2014/main" id="{57DBFB6B-E09C-48D4-A040-1D2A2EE7A9A2}"/>
-              </a:ext>
-            </a:extLst>
-          </p:cNvPr>
-          <p:cNvSpPr>
-            <a:spLocks noGrp="1"/>
-          </p:cNvSpPr>
-          <p:nvPr>
-            <p:ph idx="1"/>
-          </p:nvPr>
-        </p:nvSpPr>
-        <p:spPr>
-          <a:xfrm>
-            <a:off x="1388446" y="858906"/>
-            <a:ext cx="9601200" cy="5594479"/>
-          </a:xfrm>
-        </p:spPr>
-        <p:txBody>
-          <a:bodyPr>
-            <a:normAutofit fontScale="70000" lnSpcReduction="20000"/>
-          </a:bodyPr>
-          <a:lstStyle/>
-          <a:p>
-            <a:r>
-              <a:rPr lang="en-US" dirty="0">
-                <a:solidFill>
-                  <a:schemeClr val="bg1">
-                    <a:lumMod val="65000"/>
-                  </a:schemeClr>
-                </a:solidFill>
-              </a:rPr>
-              <a:t>DSNE Rev H Lunar Ejecta Model – NASA SP-8013 (1969)</a:t>
-            </a:r>
-          </a:p>
-          <a:p>
-            <a:pPr lvl="1"/>
-            <a:r>
-              <a:rPr lang="en-US" i="0" dirty="0">
-                <a:solidFill>
-                  <a:schemeClr val="bg1">
-                    <a:lumMod val="65000"/>
-                  </a:schemeClr>
-                </a:solidFill>
-              </a:rPr>
-              <a:t>Based on Zook 1967</a:t>
-            </a:r>
-          </a:p>
-          <a:p>
-            <a:r>
-              <a:rPr lang="en-US" dirty="0">
-                <a:solidFill>
-                  <a:schemeClr val="bg1">
-                    <a:lumMod val="65000"/>
-                  </a:schemeClr>
-                </a:solidFill>
-              </a:rPr>
-              <a:t>Brief (non-exhaustive) Review of Impact-Ejecta Scaling Models</a:t>
-            </a:r>
-          </a:p>
-          <a:p>
-            <a:pPr lvl="1"/>
-            <a:r>
-              <a:rPr lang="en-US" i="0" dirty="0">
-                <a:solidFill>
-                  <a:schemeClr val="bg1">
-                    <a:lumMod val="65000"/>
-                  </a:schemeClr>
-                </a:solidFill>
-              </a:rPr>
-              <a:t>Zook 1967</a:t>
-            </a:r>
-          </a:p>
-          <a:p>
-            <a:pPr lvl="1"/>
-            <a:r>
-              <a:rPr lang="en-US" i="0" dirty="0" err="1">
-                <a:solidFill>
-                  <a:schemeClr val="bg1">
-                    <a:lumMod val="65000"/>
-                  </a:schemeClr>
-                </a:solidFill>
-              </a:rPr>
-              <a:t>Krivov</a:t>
-            </a:r>
-            <a:r>
-              <a:rPr lang="en-US" i="0" dirty="0">
-                <a:solidFill>
-                  <a:schemeClr val="bg1">
-                    <a:lumMod val="65000"/>
-                  </a:schemeClr>
-                </a:solidFill>
-              </a:rPr>
-              <a:t> et al. 2003</a:t>
-            </a:r>
-          </a:p>
-          <a:p>
-            <a:pPr lvl="1"/>
-            <a:r>
-              <a:rPr lang="en-US" i="0" dirty="0" err="1">
-                <a:solidFill>
-                  <a:schemeClr val="bg1">
-                    <a:lumMod val="65000"/>
-                  </a:schemeClr>
-                </a:solidFill>
-              </a:rPr>
+              <a:t>Impact-Ejecta Scaling Models</a:t>
+            </a:r>
+            <a:br>
+              <a:rPr lang="en-US" dirty="0"/>
+            </a:br>
+            <a:r>
+              <a:rPr lang="en-US" dirty="0" err="1"/>
               <a:t>Housen</a:t>
             </a:r>
             <a:r>
-              <a:rPr lang="en-US" i="0" dirty="0">
-                <a:solidFill>
-                  <a:schemeClr val="bg1">
-                    <a:lumMod val="65000"/>
-                  </a:schemeClr>
-                </a:solidFill>
-              </a:rPr>
+              <a:rPr lang="en-US" dirty="0"/>
               <a:t> &amp; </a:t>
             </a:r>
             <a:r>
-              <a:rPr lang="en-US" i="0" dirty="0" err="1">
-                <a:solidFill>
-                  <a:schemeClr val="bg1">
-                    <a:lumMod val="65000"/>
-                  </a:schemeClr>
-                </a:solidFill>
-              </a:rPr>
+              <a:rPr lang="en-US" dirty="0" err="1"/>
               <a:t>Holsapple</a:t>
             </a:r>
             <a:r>
-              <a:rPr lang="en-US" i="0" dirty="0">
-                <a:solidFill>
-                  <a:schemeClr val="bg1">
-                    <a:lumMod val="65000"/>
-                  </a:schemeClr>
-                </a:solidFill>
-              </a:rPr>
+              <a:rPr lang="en-US" dirty="0"/>
               <a:t> 2011</a:t>
-            </a:r>
-          </a:p>
-          <a:p>
-            <a:r>
-              <a:rPr lang="en-US" dirty="0"/>
-              <a:t>Proposed New DSNE Model -- Lunar Meteoroid Ejecta Model (</a:t>
-            </a:r>
-            <a:r>
-              <a:rPr lang="en-US" dirty="0" err="1"/>
-              <a:t>LuMEM</a:t>
-            </a:r>
-            <a:r>
-              <a:rPr lang="en-US" dirty="0"/>
-              <a:t>)</a:t>
-            </a:r>
-          </a:p>
-          <a:p>
-            <a:pPr lvl="1"/>
-            <a:r>
-              <a:rPr lang="en-US" i="0" dirty="0"/>
-              <a:t>Sporadic meteoroid flux (</a:t>
-            </a:r>
-            <a:r>
-              <a:rPr lang="en-US" i="0" dirty="0" err="1"/>
-              <a:t>Grun</a:t>
-            </a:r>
-            <a:r>
-              <a:rPr lang="en-US" i="0" dirty="0"/>
-              <a:t> et al 1985)</a:t>
-            </a:r>
-          </a:p>
-          <a:p>
-            <a:pPr lvl="1"/>
-            <a:r>
-              <a:rPr lang="en-US" i="0" dirty="0"/>
-              <a:t>Near Earth Object (NEO) flux (Brown et al 2002)</a:t>
-            </a:r>
-          </a:p>
-          <a:p>
-            <a:pPr lvl="1"/>
-            <a:r>
-              <a:rPr lang="en-US" i="0" dirty="0"/>
-              <a:t>Impact-ejecta scaling model (</a:t>
-            </a:r>
-            <a:r>
-              <a:rPr lang="en-US" i="0" dirty="0" err="1"/>
-              <a:t>Housen</a:t>
-            </a:r>
-            <a:r>
-              <a:rPr lang="en-US" i="0" dirty="0"/>
-              <a:t> &amp; </a:t>
-            </a:r>
-            <a:r>
-              <a:rPr lang="en-US" i="0" dirty="0" err="1"/>
-              <a:t>Holsapple</a:t>
-            </a:r>
-            <a:r>
-              <a:rPr lang="en-US" i="0" dirty="0"/>
-              <a:t> 2011)</a:t>
-            </a:r>
-          </a:p>
-          <a:p>
-            <a:pPr lvl="1"/>
-            <a:r>
-              <a:rPr lang="en-US" i="0" dirty="0"/>
-              <a:t>Ejecta particle size distribution (Carrier 2003)</a:t>
-            </a:r>
-          </a:p>
-          <a:p>
-            <a:pPr lvl="1"/>
-            <a:r>
-              <a:rPr lang="en-US" i="0" dirty="0"/>
-              <a:t>Ejecta zenith angle distribution (empirically from Gault &amp; </a:t>
-            </a:r>
-            <a:r>
-              <a:rPr lang="en-US" i="0" dirty="0" err="1"/>
-              <a:t>Wedekind</a:t>
-            </a:r>
-            <a:r>
-              <a:rPr lang="en-US" i="0" dirty="0"/>
-              <a:t> 1978)</a:t>
-            </a:r>
-          </a:p>
-          <a:p>
-            <a:pPr lvl="1"/>
-            <a:r>
-              <a:rPr lang="en-US" i="0" dirty="0"/>
-              <a:t>Ejecta azimuth angle distribution (modified from Rival &amp; Mandeville 1999)</a:t>
-            </a:r>
-          </a:p>
-          <a:p>
-            <a:r>
-              <a:rPr lang="en-US" dirty="0">
-                <a:solidFill>
-                  <a:schemeClr val="bg1">
-                    <a:lumMod val="65000"/>
-                  </a:schemeClr>
-                </a:solidFill>
-              </a:rPr>
-              <a:t>Analytic model of lunar ejecta</a:t>
-            </a:r>
-          </a:p>
-          <a:p>
-            <a:pPr lvl="1"/>
-            <a:r>
-              <a:rPr lang="en-US" i="0" dirty="0">
-                <a:solidFill>
-                  <a:schemeClr val="bg1">
-                    <a:lumMod val="65000"/>
-                  </a:schemeClr>
-                </a:solidFill>
-              </a:rPr>
-              <a:t>Speed distribution as a function of distance</a:t>
-            </a:r>
-          </a:p>
-          <a:p>
-            <a:pPr lvl="1"/>
-            <a:r>
-              <a:rPr lang="en-US" i="0" dirty="0">
-                <a:solidFill>
-                  <a:schemeClr val="bg1">
-                    <a:lumMod val="65000"/>
-                  </a:schemeClr>
-                </a:solidFill>
-              </a:rPr>
-              <a:t>Secondary flux as a function of distance</a:t>
-            </a:r>
-          </a:p>
-          <a:p>
-            <a:pPr lvl="1"/>
-            <a:r>
-              <a:rPr lang="en-US" i="0" dirty="0">
-                <a:solidFill>
-                  <a:schemeClr val="bg1">
-                    <a:lumMod val="65000"/>
-                  </a:schemeClr>
-                </a:solidFill>
-              </a:rPr>
-              <a:t>Secondary flux in terms of primary flux</a:t>
-            </a:r>
-          </a:p>
-          <a:p>
-            <a:r>
-              <a:rPr lang="en-US" dirty="0">
-                <a:solidFill>
-                  <a:schemeClr val="bg1">
-                    <a:lumMod val="65000"/>
-                  </a:schemeClr>
-                </a:solidFill>
-              </a:rPr>
-              <a:t>Results of </a:t>
-            </a:r>
-            <a:r>
-              <a:rPr lang="en-US" dirty="0" err="1">
-                <a:solidFill>
-                  <a:schemeClr val="bg1">
-                    <a:lumMod val="65000"/>
-                  </a:schemeClr>
-                </a:solidFill>
-              </a:rPr>
-              <a:t>LuMEM</a:t>
-            </a:r>
-            <a:endParaRPr lang="en-US" dirty="0">
-              <a:solidFill>
-                <a:schemeClr val="bg1">
-                  <a:lumMod val="65000"/>
-                </a:schemeClr>
-              </a:solidFill>
-            </a:endParaRPr>
-          </a:p>
-          <a:p>
-            <a:pPr lvl="1"/>
-            <a:r>
-              <a:rPr lang="en-US" i="0" dirty="0">
-                <a:solidFill>
-                  <a:schemeClr val="bg1">
-                    <a:lumMod val="65000"/>
-                  </a:schemeClr>
-                </a:solidFill>
-              </a:rPr>
-              <a:t>Igloo number flux distribution (based on MEM3, see Moorhead et al 2019)</a:t>
-            </a:r>
-          </a:p>
-          <a:p>
-            <a:pPr lvl="1"/>
-            <a:r>
-              <a:rPr lang="en-US" i="0" dirty="0">
-                <a:solidFill>
-                  <a:schemeClr val="bg1">
-                    <a:lumMod val="65000"/>
-                  </a:schemeClr>
-                </a:solidFill>
-              </a:rPr>
-              <a:t>Ejecta size scaling (derived from Carrier 2003)</a:t>
-            </a:r>
-          </a:p>
-          <a:p>
-            <a:pPr lvl="1"/>
-            <a:r>
-              <a:rPr lang="en-US" i="0" dirty="0">
-                <a:solidFill>
-                  <a:schemeClr val="bg1">
-                    <a:lumMod val="65000"/>
-                  </a:schemeClr>
-                </a:solidFill>
-              </a:rPr>
-              <a:t>Ejecta speed scaling (</a:t>
-            </a:r>
-            <a:r>
-              <a:rPr lang="en-US" i="0" dirty="0" err="1">
-                <a:solidFill>
-                  <a:schemeClr val="bg1">
-                    <a:lumMod val="65000"/>
-                  </a:schemeClr>
-                </a:solidFill>
-              </a:rPr>
-              <a:t>Housen</a:t>
-            </a:r>
-            <a:r>
-              <a:rPr lang="en-US" i="0" dirty="0">
-                <a:solidFill>
-                  <a:schemeClr val="bg1">
-                    <a:lumMod val="65000"/>
-                  </a:schemeClr>
-                </a:solidFill>
-              </a:rPr>
-              <a:t> &amp; </a:t>
-            </a:r>
-            <a:r>
-              <a:rPr lang="en-US" i="0" dirty="0" err="1">
-                <a:solidFill>
-                  <a:schemeClr val="bg1">
-                    <a:lumMod val="65000"/>
-                  </a:schemeClr>
-                </a:solidFill>
-              </a:rPr>
-              <a:t>Holsapple</a:t>
-            </a:r>
-            <a:r>
-              <a:rPr lang="en-US" i="0" dirty="0">
-                <a:solidFill>
-                  <a:schemeClr val="bg1">
-                    <a:lumMod val="65000"/>
-                  </a:schemeClr>
-                </a:solidFill>
-              </a:rPr>
-              <a:t> 2011)</a:t>
             </a:r>
           </a:p>
         </p:txBody>
@@ -9205,7 +11266,7 @@
           <p:cNvPr id="4" name="Date Placeholder 3">
             <a:extLst>
               <a:ext uri="{FF2B5EF4-FFF2-40B4-BE49-F238E27FC236}">
-                <a16:creationId xmlns:a16="http://schemas.microsoft.com/office/drawing/2014/main" id="{02E04A3A-57D0-4485-AE57-B7CD694ECAB1}"/>
+                <a16:creationId xmlns:a16="http://schemas.microsoft.com/office/drawing/2014/main" id="{717E0B9D-3272-4802-95A9-48E13F53B4B5}"/>
               </a:ext>
             </a:extLst>
           </p:cNvPr>
@@ -9221,9 +11282,9 @@
           <a:bodyPr/>
           <a:lstStyle/>
           <a:p>
-            <a:fld id="{B89D2A76-87D9-450F-B52E-05F4138BDCAE}" type="datetime1">
+            <a:fld id="{98AA1882-8BA2-4C85-8806-12D70CB7D77A}" type="datetime1">
               <a:rPr lang="en-US" smtClean="0"/>
-              <a:t>10/14/2020</a:t>
+              <a:t>10/16/2020</a:t>
             </a:fld>
             <a:endParaRPr lang="en-US" dirty="0"/>
           </a:p>
@@ -9231,10 +11292,39 @@
       </p:sp>
       <p:sp>
         <p:nvSpPr>
-          <p:cNvPr id="5" name="Slide Number Placeholder 4">
+          <p:cNvPr id="5" name="Footer Placeholder 4">
             <a:extLst>
               <a:ext uri="{FF2B5EF4-FFF2-40B4-BE49-F238E27FC236}">
-                <a16:creationId xmlns:a16="http://schemas.microsoft.com/office/drawing/2014/main" id="{2EF95866-BD7A-4B57-BA57-4E8E3664A5B3}"/>
+                <a16:creationId xmlns:a16="http://schemas.microsoft.com/office/drawing/2014/main" id="{714BB39C-F034-4C40-8ED0-36079211CE80}"/>
+              </a:ext>
+            </a:extLst>
+          </p:cNvPr>
+          <p:cNvSpPr>
+            <a:spLocks noGrp="1"/>
+          </p:cNvSpPr>
+          <p:nvPr>
+            <p:ph type="ftr" sz="quarter" idx="11"/>
+          </p:nvPr>
+        </p:nvSpPr>
+        <p:spPr/>
+        <p:txBody>
+          <a:bodyPr/>
+          <a:lstStyle/>
+          <a:p>
+            <a:r>
+              <a:rPr lang="en-US"/>
+              <a:t>Lunar Meteoroid Ejecta Model (LuMEM) -- DeStefano</a:t>
+            </a:r>
+            <a:endParaRPr lang="en-US" dirty="0"/>
+          </a:p>
+        </p:txBody>
+      </p:sp>
+      <p:sp>
+        <p:nvSpPr>
+          <p:cNvPr id="6" name="Slide Number Placeholder 5">
+            <a:extLst>
+              <a:ext uri="{FF2B5EF4-FFF2-40B4-BE49-F238E27FC236}">
+                <a16:creationId xmlns:a16="http://schemas.microsoft.com/office/drawing/2014/main" id="{FD61E1AA-D884-4C86-ADB2-BF8646B90639}"/>
               </a:ext>
             </a:extLst>
           </p:cNvPr>
@@ -9258,39 +11348,1058 @@
           </a:p>
         </p:txBody>
       </p:sp>
-      <p:sp>
-        <p:nvSpPr>
-          <p:cNvPr id="6" name="Footer Placeholder 5">
+      <mc:AlternateContent xmlns:mc="http://schemas.openxmlformats.org/markup-compatibility/2006" xmlns:a14="http://schemas.microsoft.com/office/drawing/2010/main">
+        <mc:Choice Requires="a14">
+          <p:sp>
+            <p:nvSpPr>
+              <p:cNvPr id="7" name="Content Placeholder 2">
+                <a:extLst>
+                  <a:ext uri="{FF2B5EF4-FFF2-40B4-BE49-F238E27FC236}">
+                    <a16:creationId xmlns:a16="http://schemas.microsoft.com/office/drawing/2014/main" id="{260532AD-DF50-4D59-8DC9-6C3FF448A2A9}"/>
+                  </a:ext>
+                </a:extLst>
+              </p:cNvPr>
+              <p:cNvSpPr txBox="1">
+                <a:spLocks/>
+              </p:cNvSpPr>
+              <p:nvPr/>
+            </p:nvSpPr>
+            <p:spPr>
+              <a:xfrm>
+                <a:off x="973206" y="1711186"/>
+                <a:ext cx="6503919" cy="4086639"/>
+              </a:xfrm>
+              <a:prstGeom prst="rect">
+                <a:avLst/>
+              </a:prstGeom>
+            </p:spPr>
+            <p:txBody>
+              <a:bodyPr vert="horz" lIns="91440" tIns="45720" rIns="91440" bIns="45720" rtlCol="0">
+                <a:normAutofit/>
+              </a:bodyPr>
+              <a:lstStyle>
+                <a:lvl1pPr marL="384048" indent="-384048" algn="l" defTabSz="914400" rtl="0" eaLnBrk="1" latinLnBrk="0" hangingPunct="1">
+                  <a:lnSpc>
+                    <a:spcPct val="94000"/>
+                  </a:lnSpc>
+                  <a:spcBef>
+                    <a:spcPts val="1000"/>
+                  </a:spcBef>
+                  <a:spcAft>
+                    <a:spcPts val="200"/>
+                  </a:spcAft>
+                  <a:buFont typeface="Franklin Gothic Book" panose="020B0503020102020204" pitchFamily="34" charset="0"/>
+                  <a:buChar char="■"/>
+                  <a:defRPr sz="2000" kern="1200" baseline="0">
+                    <a:solidFill>
+                      <a:schemeClr val="tx2"/>
+                    </a:solidFill>
+                    <a:latin typeface="+mn-lt"/>
+                    <a:ea typeface="+mn-ea"/>
+                    <a:cs typeface="+mn-cs"/>
+                  </a:defRPr>
+                </a:lvl1pPr>
+                <a:lvl2pPr marL="914400" indent="-384048" algn="l" defTabSz="914400" rtl="0" eaLnBrk="1" latinLnBrk="0" hangingPunct="1">
+                  <a:lnSpc>
+                    <a:spcPct val="94000"/>
+                  </a:lnSpc>
+                  <a:spcBef>
+                    <a:spcPts val="500"/>
+                  </a:spcBef>
+                  <a:spcAft>
+                    <a:spcPts val="200"/>
+                  </a:spcAft>
+                  <a:buFont typeface="Franklin Gothic Book" panose="020B0503020102020204" pitchFamily="34" charset="0"/>
+                  <a:buChar char="–"/>
+                  <a:defRPr sz="2000" i="1" kern="1200" baseline="0">
+                    <a:solidFill>
+                      <a:schemeClr val="tx2"/>
+                    </a:solidFill>
+                    <a:latin typeface="+mn-lt"/>
+                    <a:ea typeface="+mn-ea"/>
+                    <a:cs typeface="+mn-cs"/>
+                  </a:defRPr>
+                </a:lvl2pPr>
+                <a:lvl3pPr marL="1371600" indent="-384048" algn="l" defTabSz="914400" rtl="0" eaLnBrk="1" latinLnBrk="0" hangingPunct="1">
+                  <a:lnSpc>
+                    <a:spcPct val="94000"/>
+                  </a:lnSpc>
+                  <a:spcBef>
+                    <a:spcPts val="500"/>
+                  </a:spcBef>
+                  <a:spcAft>
+                    <a:spcPts val="200"/>
+                  </a:spcAft>
+                  <a:buFont typeface="Franklin Gothic Book" panose="020B0503020102020204" pitchFamily="34" charset="0"/>
+                  <a:buChar char="■"/>
+                  <a:defRPr sz="1800" kern="1200" baseline="0">
+                    <a:solidFill>
+                      <a:schemeClr val="tx2"/>
+                    </a:solidFill>
+                    <a:latin typeface="+mn-lt"/>
+                    <a:ea typeface="+mn-ea"/>
+                    <a:cs typeface="+mn-cs"/>
+                  </a:defRPr>
+                </a:lvl3pPr>
+                <a:lvl4pPr marL="1828800" indent="-384048" algn="l" defTabSz="914400" rtl="0" eaLnBrk="1" latinLnBrk="0" hangingPunct="1">
+                  <a:lnSpc>
+                    <a:spcPct val="94000"/>
+                  </a:lnSpc>
+                  <a:spcBef>
+                    <a:spcPts val="500"/>
+                  </a:spcBef>
+                  <a:spcAft>
+                    <a:spcPts val="200"/>
+                  </a:spcAft>
+                  <a:buFont typeface="Franklin Gothic Book" panose="020B0503020102020204" pitchFamily="34" charset="0"/>
+                  <a:buChar char="–"/>
+                  <a:defRPr sz="1800" i="1" kern="1200" baseline="0">
+                    <a:solidFill>
+                      <a:schemeClr val="tx2"/>
+                    </a:solidFill>
+                    <a:latin typeface="+mn-lt"/>
+                    <a:ea typeface="+mn-ea"/>
+                    <a:cs typeface="+mn-cs"/>
+                  </a:defRPr>
+                </a:lvl4pPr>
+                <a:lvl5pPr marL="2286000" indent="-384048" algn="l" defTabSz="914400" rtl="0" eaLnBrk="1" latinLnBrk="0" hangingPunct="1">
+                  <a:lnSpc>
+                    <a:spcPct val="94000"/>
+                  </a:lnSpc>
+                  <a:spcBef>
+                    <a:spcPts val="500"/>
+                  </a:spcBef>
+                  <a:spcAft>
+                    <a:spcPts val="200"/>
+                  </a:spcAft>
+                  <a:buFont typeface="Franklin Gothic Book" panose="020B0503020102020204" pitchFamily="34" charset="0"/>
+                  <a:buChar char="■"/>
+                  <a:defRPr sz="1600" kern="1200" baseline="0">
+                    <a:solidFill>
+                      <a:schemeClr val="tx2"/>
+                    </a:solidFill>
+                    <a:latin typeface="+mn-lt"/>
+                    <a:ea typeface="+mn-ea"/>
+                    <a:cs typeface="+mn-cs"/>
+                  </a:defRPr>
+                </a:lvl5pPr>
+                <a:lvl6pPr marL="2743200" indent="-384048" algn="l" defTabSz="914400" rtl="0" eaLnBrk="1" latinLnBrk="0" hangingPunct="1">
+                  <a:lnSpc>
+                    <a:spcPct val="94000"/>
+                  </a:lnSpc>
+                  <a:spcBef>
+                    <a:spcPts val="500"/>
+                  </a:spcBef>
+                  <a:spcAft>
+                    <a:spcPts val="200"/>
+                  </a:spcAft>
+                  <a:buFont typeface="Franklin Gothic Book" panose="020B0503020102020204" pitchFamily="34" charset="0"/>
+                  <a:buChar char="–"/>
+                  <a:defRPr sz="1600" i="1" kern="1200" baseline="0">
+                    <a:solidFill>
+                      <a:schemeClr val="tx2"/>
+                    </a:solidFill>
+                    <a:latin typeface="+mn-lt"/>
+                    <a:ea typeface="+mn-ea"/>
+                    <a:cs typeface="+mn-cs"/>
+                  </a:defRPr>
+                </a:lvl6pPr>
+                <a:lvl7pPr marL="3200400" indent="-384048" algn="l" defTabSz="914400" rtl="0" eaLnBrk="1" latinLnBrk="0" hangingPunct="1">
+                  <a:lnSpc>
+                    <a:spcPct val="94000"/>
+                  </a:lnSpc>
+                  <a:spcBef>
+                    <a:spcPts val="500"/>
+                  </a:spcBef>
+                  <a:spcAft>
+                    <a:spcPts val="200"/>
+                  </a:spcAft>
+                  <a:buFont typeface="Franklin Gothic Book" panose="020B0503020102020204" pitchFamily="34" charset="0"/>
+                  <a:buChar char="■"/>
+                  <a:defRPr sz="1400" kern="1200" baseline="0">
+                    <a:solidFill>
+                      <a:schemeClr val="tx2"/>
+                    </a:solidFill>
+                    <a:latin typeface="+mn-lt"/>
+                    <a:ea typeface="+mn-ea"/>
+                    <a:cs typeface="+mn-cs"/>
+                  </a:defRPr>
+                </a:lvl7pPr>
+                <a:lvl8pPr marL="3657600" indent="-384048" algn="l" defTabSz="914400" rtl="0" eaLnBrk="1" latinLnBrk="0" hangingPunct="1">
+                  <a:lnSpc>
+                    <a:spcPct val="94000"/>
+                  </a:lnSpc>
+                  <a:spcBef>
+                    <a:spcPts val="500"/>
+                  </a:spcBef>
+                  <a:spcAft>
+                    <a:spcPts val="200"/>
+                  </a:spcAft>
+                  <a:buFont typeface="Franklin Gothic Book" panose="020B0503020102020204" pitchFamily="34" charset="0"/>
+                  <a:buChar char="–"/>
+                  <a:defRPr sz="1400" i="1" kern="1200" baseline="0">
+                    <a:solidFill>
+                      <a:schemeClr val="tx2"/>
+                    </a:solidFill>
+                    <a:latin typeface="+mn-lt"/>
+                    <a:ea typeface="+mn-ea"/>
+                    <a:cs typeface="+mn-cs"/>
+                  </a:defRPr>
+                </a:lvl8pPr>
+                <a:lvl9pPr marL="4114800" indent="-384048" algn="l" defTabSz="914400" rtl="0" eaLnBrk="1" latinLnBrk="0" hangingPunct="1">
+                  <a:lnSpc>
+                    <a:spcPct val="94000"/>
+                  </a:lnSpc>
+                  <a:spcBef>
+                    <a:spcPts val="500"/>
+                  </a:spcBef>
+                  <a:spcAft>
+                    <a:spcPts val="200"/>
+                  </a:spcAft>
+                  <a:buFont typeface="Franklin Gothic Book" panose="020B0503020102020204" pitchFamily="34" charset="0"/>
+                  <a:buChar char="■"/>
+                  <a:defRPr sz="1400" kern="1200" baseline="0">
+                    <a:solidFill>
+                      <a:schemeClr val="tx2"/>
+                    </a:solidFill>
+                    <a:latin typeface="+mn-lt"/>
+                    <a:ea typeface="+mn-ea"/>
+                    <a:cs typeface="+mn-cs"/>
+                  </a:defRPr>
+                </a:lvl9pPr>
+              </a:lstStyle>
+              <a:p>
+                <a14:m>
+                  <m:oMath xmlns:m="http://schemas.openxmlformats.org/officeDocument/2006/math">
+                    <m:r>
+                      <m:rPr>
+                        <m:sty m:val="p"/>
+                      </m:rPr>
+                      <a:rPr lang="en-US" i="0" smtClean="0">
+                        <a:latin typeface="Cambria Math" panose="02040503050406030204" pitchFamily="18" charset="0"/>
+                      </a:rPr>
+                      <m:t>f</m:t>
+                    </m:r>
+                    <m:d>
+                      <m:dPr>
+                        <m:ctrlPr>
+                          <a:rPr lang="en-US" i="1" smtClean="0">
+                            <a:latin typeface="Cambria Math" panose="02040503050406030204" pitchFamily="18" charset="0"/>
+                          </a:rPr>
+                        </m:ctrlPr>
+                      </m:dPr>
+                      <m:e>
+                        <m:r>
+                          <a:rPr lang="en-US" i="0" smtClean="0">
+                            <a:latin typeface="Cambria Math" panose="02040503050406030204" pitchFamily="18" charset="0"/>
+                          </a:rPr>
+                          <m:t>&gt;</m:t>
+                        </m:r>
+                        <m:sSub>
+                          <m:sSubPr>
+                            <m:ctrlPr>
+                              <a:rPr lang="en-US" i="1" smtClean="0">
+                                <a:latin typeface="Cambria Math" panose="02040503050406030204" pitchFamily="18" charset="0"/>
+                              </a:rPr>
+                            </m:ctrlPr>
+                          </m:sSubPr>
+                          <m:e>
+                            <m:r>
+                              <m:rPr>
+                                <m:sty m:val="p"/>
+                              </m:rPr>
+                              <a:rPr lang="en-US" i="0" smtClean="0">
+                                <a:latin typeface="Cambria Math" panose="02040503050406030204" pitchFamily="18" charset="0"/>
+                              </a:rPr>
+                              <m:t>m</m:t>
+                            </m:r>
+                          </m:e>
+                          <m:sub>
+                            <m:r>
+                              <m:rPr>
+                                <m:sty m:val="p"/>
+                              </m:rPr>
+                              <a:rPr lang="en-US" i="0" smtClean="0">
+                                <a:latin typeface="Cambria Math" panose="02040503050406030204" pitchFamily="18" charset="0"/>
+                              </a:rPr>
+                              <m:t>e</m:t>
+                            </m:r>
+                          </m:sub>
+                        </m:sSub>
+                        <m:r>
+                          <a:rPr lang="en-US" i="0" smtClean="0">
+                            <a:latin typeface="Cambria Math" panose="02040503050406030204" pitchFamily="18" charset="0"/>
+                          </a:rPr>
+                          <m:t>, &gt;</m:t>
+                        </m:r>
+                        <m:sSub>
+                          <m:sSubPr>
+                            <m:ctrlPr>
+                              <a:rPr lang="en-US" i="1" smtClean="0">
+                                <a:latin typeface="Cambria Math" panose="02040503050406030204" pitchFamily="18" charset="0"/>
+                              </a:rPr>
+                            </m:ctrlPr>
+                          </m:sSubPr>
+                          <m:e>
+                            <m:r>
+                              <m:rPr>
+                                <m:sty m:val="p"/>
+                              </m:rPr>
+                              <a:rPr lang="en-US" i="0" smtClean="0">
+                                <a:latin typeface="Cambria Math" panose="02040503050406030204" pitchFamily="18" charset="0"/>
+                              </a:rPr>
+                              <m:t>v</m:t>
+                            </m:r>
+                          </m:e>
+                          <m:sub>
+                            <m:r>
+                              <m:rPr>
+                                <m:sty m:val="p"/>
+                              </m:rPr>
+                              <a:rPr lang="en-US" i="0" smtClean="0">
+                                <a:latin typeface="Cambria Math" panose="02040503050406030204" pitchFamily="18" charset="0"/>
+                              </a:rPr>
+                              <m:t>e</m:t>
+                            </m:r>
+                          </m:sub>
+                        </m:sSub>
+                      </m:e>
+                    </m:d>
+                    <m:r>
+                      <a:rPr lang="en-US" i="0" smtClean="0">
+                        <a:latin typeface="Cambria Math" panose="02040503050406030204" pitchFamily="18" charset="0"/>
+                      </a:rPr>
+                      <m:t>=</m:t>
+                    </m:r>
+                    <m:sSub>
+                      <m:sSubPr>
+                        <m:ctrlPr>
+                          <a:rPr lang="en-US" b="0" i="1" smtClean="0">
+                            <a:latin typeface="Cambria Math" panose="02040503050406030204" pitchFamily="18" charset="0"/>
+                          </a:rPr>
+                        </m:ctrlPr>
+                      </m:sSubPr>
+                      <m:e>
+                        <m:r>
+                          <m:rPr>
+                            <m:sty m:val="p"/>
+                          </m:rPr>
+                          <a:rPr lang="en-US" b="0" i="0" smtClean="0">
+                            <a:latin typeface="Cambria Math" panose="02040503050406030204" pitchFamily="18" charset="0"/>
+                          </a:rPr>
+                          <m:t>C</m:t>
+                        </m:r>
+                      </m:e>
+                      <m:sub>
+                        <m:r>
+                          <a:rPr lang="en-US" b="0" i="0" smtClean="0">
+                            <a:latin typeface="Cambria Math" panose="02040503050406030204" pitchFamily="18" charset="0"/>
+                          </a:rPr>
+                          <m:t>4</m:t>
+                        </m:r>
+                      </m:sub>
+                    </m:sSub>
+                    <m:sSub>
+                      <m:sSubPr>
+                        <m:ctrlPr>
+                          <a:rPr lang="en-US" b="0" i="1" smtClean="0">
+                            <a:latin typeface="Cambria Math" panose="02040503050406030204" pitchFamily="18" charset="0"/>
+                          </a:rPr>
+                        </m:ctrlPr>
+                      </m:sSubPr>
+                      <m:e>
+                        <m:r>
+                          <m:rPr>
+                            <m:sty m:val="p"/>
+                          </m:rPr>
+                          <a:rPr lang="en-US" b="0" i="0" smtClean="0">
+                            <a:latin typeface="Cambria Math" panose="02040503050406030204" pitchFamily="18" charset="0"/>
+                          </a:rPr>
+                          <m:t>m</m:t>
+                        </m:r>
+                      </m:e>
+                      <m:sub>
+                        <m:r>
+                          <m:rPr>
+                            <m:sty m:val="p"/>
+                          </m:rPr>
+                          <a:rPr lang="en-US" b="0" i="0" smtClean="0">
+                            <a:latin typeface="Cambria Math" panose="02040503050406030204" pitchFamily="18" charset="0"/>
+                          </a:rPr>
+                          <m:t>p</m:t>
+                        </m:r>
+                      </m:sub>
+                    </m:sSub>
+                    <m:sSup>
+                      <m:sSupPr>
+                        <m:ctrlPr>
+                          <a:rPr lang="en-US" b="0" i="1" smtClean="0">
+                            <a:latin typeface="Cambria Math" panose="02040503050406030204" pitchFamily="18" charset="0"/>
+                          </a:rPr>
+                        </m:ctrlPr>
+                      </m:sSupPr>
+                      <m:e>
+                        <m:d>
+                          <m:dPr>
+                            <m:ctrlPr>
+                              <a:rPr lang="en-US" b="0" i="1" smtClean="0">
+                                <a:latin typeface="Cambria Math" panose="02040503050406030204" pitchFamily="18" charset="0"/>
+                              </a:rPr>
+                            </m:ctrlPr>
+                          </m:dPr>
+                          <m:e>
+                            <m:f>
+                              <m:fPr>
+                                <m:ctrlPr>
+                                  <a:rPr lang="en-US" b="0" i="1" smtClean="0">
+                                    <a:latin typeface="Cambria Math" panose="02040503050406030204" pitchFamily="18" charset="0"/>
+                                  </a:rPr>
+                                </m:ctrlPr>
+                              </m:fPr>
+                              <m:num>
+                                <m:sSub>
+                                  <m:sSubPr>
+                                    <m:ctrlPr>
+                                      <a:rPr lang="en-US" b="0" i="1" smtClean="0">
+                                        <a:latin typeface="Cambria Math" panose="02040503050406030204" pitchFamily="18" charset="0"/>
+                                      </a:rPr>
+                                    </m:ctrlPr>
+                                  </m:sSubPr>
+                                  <m:e>
+                                    <m:r>
+                                      <a:rPr lang="en-US" b="0" i="1" smtClean="0">
+                                        <a:latin typeface="Cambria Math" panose="02040503050406030204" pitchFamily="18" charset="0"/>
+                                      </a:rPr>
+                                      <m:t>𝑣</m:t>
+                                    </m:r>
+                                  </m:e>
+                                  <m:sub>
+                                    <m:r>
+                                      <a:rPr lang="en-US" b="0" i="1" smtClean="0">
+                                        <a:latin typeface="Cambria Math" panose="02040503050406030204" pitchFamily="18" charset="0"/>
+                                      </a:rPr>
+                                      <m:t>𝑝</m:t>
+                                    </m:r>
+                                  </m:sub>
+                                </m:sSub>
+                              </m:num>
+                              <m:den>
+                                <m:sSub>
+                                  <m:sSubPr>
+                                    <m:ctrlPr>
+                                      <a:rPr lang="en-US" b="0" i="1" smtClean="0">
+                                        <a:latin typeface="Cambria Math" panose="02040503050406030204" pitchFamily="18" charset="0"/>
+                                      </a:rPr>
+                                    </m:ctrlPr>
+                                  </m:sSubPr>
+                                  <m:e>
+                                    <m:r>
+                                      <a:rPr lang="en-US" b="0" i="1" smtClean="0">
+                                        <a:latin typeface="Cambria Math" panose="02040503050406030204" pitchFamily="18" charset="0"/>
+                                      </a:rPr>
+                                      <m:t>𝑣</m:t>
+                                    </m:r>
+                                  </m:e>
+                                  <m:sub>
+                                    <m:r>
+                                      <a:rPr lang="en-US" b="0" i="1" smtClean="0">
+                                        <a:latin typeface="Cambria Math" panose="02040503050406030204" pitchFamily="18" charset="0"/>
+                                      </a:rPr>
+                                      <m:t>𝑒</m:t>
+                                    </m:r>
+                                  </m:sub>
+                                </m:sSub>
+                              </m:den>
+                            </m:f>
+                          </m:e>
+                        </m:d>
+                      </m:e>
+                      <m:sup>
+                        <m:r>
+                          <a:rPr lang="en-US" b="0" i="1" smtClean="0">
+                            <a:latin typeface="Cambria Math" panose="02040503050406030204" pitchFamily="18" charset="0"/>
+                          </a:rPr>
+                          <m:t>3</m:t>
+                        </m:r>
+                        <m:r>
+                          <a:rPr lang="en-US" b="0" i="1" smtClean="0">
+                            <a:latin typeface="Cambria Math" panose="02040503050406030204" pitchFamily="18" charset="0"/>
+                          </a:rPr>
+                          <m:t>𝜇</m:t>
+                        </m:r>
+                      </m:sup>
+                    </m:sSup>
+                    <m:sSup>
+                      <m:sSupPr>
+                        <m:ctrlPr>
+                          <a:rPr lang="en-US" b="0" i="1" smtClean="0">
+                            <a:latin typeface="Cambria Math" panose="02040503050406030204" pitchFamily="18" charset="0"/>
+                          </a:rPr>
+                        </m:ctrlPr>
+                      </m:sSupPr>
+                      <m:e>
+                        <m:d>
+                          <m:dPr>
+                            <m:ctrlPr>
+                              <a:rPr lang="en-US" b="0" i="1" smtClean="0">
+                                <a:latin typeface="Cambria Math" panose="02040503050406030204" pitchFamily="18" charset="0"/>
+                              </a:rPr>
+                            </m:ctrlPr>
+                          </m:dPr>
+                          <m:e>
+                            <m:f>
+                              <m:fPr>
+                                <m:ctrlPr>
+                                  <a:rPr lang="en-US" b="0" i="1" smtClean="0">
+                                    <a:latin typeface="Cambria Math" panose="02040503050406030204" pitchFamily="18" charset="0"/>
+                                  </a:rPr>
+                                </m:ctrlPr>
+                              </m:fPr>
+                              <m:num>
+                                <m:r>
+                                  <a:rPr lang="en-US" b="0" i="1" smtClean="0">
+                                    <a:latin typeface="Cambria Math" panose="02040503050406030204" pitchFamily="18" charset="0"/>
+                                  </a:rPr>
+                                  <m:t>𝛿</m:t>
+                                </m:r>
+                              </m:num>
+                              <m:den>
+                                <m:r>
+                                  <a:rPr lang="en-US" b="0" i="1" smtClean="0">
+                                    <a:latin typeface="Cambria Math" panose="02040503050406030204" pitchFamily="18" charset="0"/>
+                                  </a:rPr>
+                                  <m:t>𝜌</m:t>
+                                </m:r>
+                              </m:den>
+                            </m:f>
+                          </m:e>
+                        </m:d>
+                      </m:e>
+                      <m:sup>
+                        <m:r>
+                          <a:rPr lang="en-US" b="0" i="1" smtClean="0">
+                            <a:latin typeface="Cambria Math" panose="02040503050406030204" pitchFamily="18" charset="0"/>
+                          </a:rPr>
+                          <m:t>3</m:t>
+                        </m:r>
+                        <m:r>
+                          <a:rPr lang="en-US" b="0" i="1" smtClean="0">
+                            <a:latin typeface="Cambria Math" panose="02040503050406030204" pitchFamily="18" charset="0"/>
+                          </a:rPr>
+                          <m:t>𝜈</m:t>
+                        </m:r>
+                        <m:r>
+                          <a:rPr lang="en-US" b="0" i="1" smtClean="0">
+                            <a:latin typeface="Cambria Math" panose="02040503050406030204" pitchFamily="18" charset="0"/>
+                          </a:rPr>
+                          <m:t>−1</m:t>
+                        </m:r>
+                      </m:sup>
+                    </m:sSup>
+                    <m:f>
+                      <m:fPr>
+                        <m:ctrlPr>
+                          <a:rPr lang="en-US" b="0" i="1" smtClean="0">
+                            <a:latin typeface="Cambria Math" panose="02040503050406030204" pitchFamily="18" charset="0"/>
+                          </a:rPr>
+                        </m:ctrlPr>
+                      </m:fPr>
+                      <m:num>
+                        <m:sSub>
+                          <m:sSubPr>
+                            <m:ctrlPr>
+                              <a:rPr lang="en-US" i="1">
+                                <a:latin typeface="Cambria Math" panose="02040503050406030204" pitchFamily="18" charset="0"/>
+                              </a:rPr>
+                            </m:ctrlPr>
+                          </m:sSubPr>
+                          <m:e>
+                            <m:r>
+                              <a:rPr lang="en-US" i="1">
+                                <a:latin typeface="Cambria Math" panose="02040503050406030204" pitchFamily="18" charset="0"/>
+                              </a:rPr>
+                              <m:t>𝑚</m:t>
+                            </m:r>
+                          </m:e>
+                          <m:sub>
+                            <m:r>
+                              <a:rPr lang="en-US" i="1">
+                                <a:latin typeface="Cambria Math" panose="02040503050406030204" pitchFamily="18" charset="0"/>
+                              </a:rPr>
+                              <m:t>𝑒</m:t>
+                            </m:r>
+                            <m:r>
+                              <a:rPr lang="en-US" i="1">
+                                <a:latin typeface="Cambria Math" panose="02040503050406030204" pitchFamily="18" charset="0"/>
+                              </a:rPr>
+                              <m:t>,0</m:t>
+                            </m:r>
+                          </m:sub>
+                        </m:sSub>
+                      </m:num>
+                      <m:den>
+                        <m:sSup>
+                          <m:sSupPr>
+                            <m:ctrlPr>
+                              <a:rPr lang="en-US" b="0" i="1" smtClean="0">
+                                <a:latin typeface="Cambria Math" panose="02040503050406030204" pitchFamily="18" charset="0"/>
+                              </a:rPr>
+                            </m:ctrlPr>
+                          </m:sSupPr>
+                          <m:e>
+                            <m:d>
+                              <m:dPr>
+                                <m:ctrlPr>
+                                  <a:rPr lang="en-US" b="0" i="1" smtClean="0">
+                                    <a:latin typeface="Cambria Math" panose="02040503050406030204" pitchFamily="18" charset="0"/>
+                                  </a:rPr>
+                                </m:ctrlPr>
+                              </m:dPr>
+                              <m:e>
+                                <m:f>
+                                  <m:fPr>
+                                    <m:ctrlPr>
+                                      <a:rPr lang="en-US" b="0" i="1" smtClean="0">
+                                        <a:latin typeface="Cambria Math" panose="02040503050406030204" pitchFamily="18" charset="0"/>
+                                      </a:rPr>
+                                    </m:ctrlPr>
+                                  </m:fPr>
+                                  <m:num>
+                                    <m:sSub>
+                                      <m:sSubPr>
+                                        <m:ctrlPr>
+                                          <a:rPr lang="en-US" b="0" i="1" smtClean="0">
+                                            <a:latin typeface="Cambria Math" panose="02040503050406030204" pitchFamily="18" charset="0"/>
+                                          </a:rPr>
+                                        </m:ctrlPr>
+                                      </m:sSubPr>
+                                      <m:e>
+                                        <m:r>
+                                          <a:rPr lang="en-US" b="0" i="1" smtClean="0">
+                                            <a:latin typeface="Cambria Math" panose="02040503050406030204" pitchFamily="18" charset="0"/>
+                                          </a:rPr>
+                                          <m:t>𝑚</m:t>
+                                        </m:r>
+                                      </m:e>
+                                      <m:sub>
+                                        <m:r>
+                                          <a:rPr lang="en-US" b="0" i="1" smtClean="0">
+                                            <a:latin typeface="Cambria Math" panose="02040503050406030204" pitchFamily="18" charset="0"/>
+                                          </a:rPr>
+                                          <m:t>𝑒</m:t>
+                                        </m:r>
+                                      </m:sub>
+                                    </m:sSub>
+                                  </m:num>
+                                  <m:den>
+                                    <m:sSup>
+                                      <m:sSupPr>
+                                        <m:ctrlPr>
+                                          <a:rPr lang="en-US" b="0" i="1" smtClean="0">
+                                            <a:latin typeface="Cambria Math" panose="02040503050406030204" pitchFamily="18" charset="0"/>
+                                          </a:rPr>
+                                        </m:ctrlPr>
+                                      </m:sSupPr>
+                                      <m:e>
+                                        <m:r>
+                                          <a:rPr lang="en-US" b="0" i="1" smtClean="0">
+                                            <a:latin typeface="Cambria Math" panose="02040503050406030204" pitchFamily="18" charset="0"/>
+                                          </a:rPr>
+                                          <m:t>𝑎</m:t>
+                                        </m:r>
+                                      </m:e>
+                                      <m:sup>
+                                        <m:r>
+                                          <a:rPr lang="en-US" b="0" i="1" smtClean="0">
+                                            <a:latin typeface="Cambria Math" panose="02040503050406030204" pitchFamily="18" charset="0"/>
+                                          </a:rPr>
+                                          <m:t>3</m:t>
+                                        </m:r>
+                                      </m:sup>
+                                    </m:sSup>
+                                    <m:sSup>
+                                      <m:sSupPr>
+                                        <m:ctrlPr>
+                                          <a:rPr lang="en-US" b="0" i="1" smtClean="0">
+                                            <a:latin typeface="Cambria Math" panose="02040503050406030204" pitchFamily="18" charset="0"/>
+                                          </a:rPr>
+                                        </m:ctrlPr>
+                                      </m:sSupPr>
+                                      <m:e>
+                                        <m:d>
+                                          <m:dPr>
+                                            <m:ctrlPr>
+                                              <a:rPr lang="en-US" b="0" i="1" smtClean="0">
+                                                <a:latin typeface="Cambria Math" panose="02040503050406030204" pitchFamily="18" charset="0"/>
+                                              </a:rPr>
+                                            </m:ctrlPr>
+                                          </m:dPr>
+                                          <m:e>
+                                            <m:f>
+                                              <m:fPr>
+                                                <m:ctrlPr>
+                                                  <a:rPr lang="en-US" b="0" i="1" smtClean="0">
+                                                    <a:latin typeface="Cambria Math" panose="02040503050406030204" pitchFamily="18" charset="0"/>
+                                                  </a:rPr>
+                                                </m:ctrlPr>
+                                              </m:fPr>
+                                              <m:num>
+                                                <m:r>
+                                                  <a:rPr lang="en-US" b="0" i="1" smtClean="0">
+                                                    <a:latin typeface="Cambria Math" panose="02040503050406030204" pitchFamily="18" charset="0"/>
+                                                  </a:rPr>
+                                                  <m:t>6</m:t>
+                                                </m:r>
+                                              </m:num>
+                                              <m:den>
+                                                <m:r>
+                                                  <a:rPr lang="en-US" b="0" i="1" smtClean="0">
+                                                    <a:latin typeface="Cambria Math" panose="02040503050406030204" pitchFamily="18" charset="0"/>
+                                                  </a:rPr>
+                                                  <m:t>𝜋𝜌</m:t>
+                                                </m:r>
+                                              </m:den>
+                                            </m:f>
+                                          </m:e>
+                                        </m:d>
+                                      </m:e>
+                                      <m:sup>
+                                        <m:f>
+                                          <m:fPr>
+                                            <m:ctrlPr>
+                                              <a:rPr lang="en-US" b="0" i="1" smtClean="0">
+                                                <a:latin typeface="Cambria Math" panose="02040503050406030204" pitchFamily="18" charset="0"/>
+                                              </a:rPr>
+                                            </m:ctrlPr>
+                                          </m:fPr>
+                                          <m:num>
+                                            <m:r>
+                                              <a:rPr lang="en-US" b="0" i="1" smtClean="0">
+                                                <a:latin typeface="Cambria Math" panose="02040503050406030204" pitchFamily="18" charset="0"/>
+                                              </a:rPr>
+                                              <m:t>𝑑</m:t>
+                                            </m:r>
+                                          </m:num>
+                                          <m:den>
+                                            <m:r>
+                                              <a:rPr lang="en-US" b="0" i="1" smtClean="0">
+                                                <a:latin typeface="Cambria Math" panose="02040503050406030204" pitchFamily="18" charset="0"/>
+                                              </a:rPr>
+                                              <m:t>𝑏</m:t>
+                                            </m:r>
+                                          </m:den>
+                                        </m:f>
+                                        <m:r>
+                                          <a:rPr lang="en-US" b="0" i="1" smtClean="0">
+                                            <a:latin typeface="Cambria Math" panose="02040503050406030204" pitchFamily="18" charset="0"/>
+                                          </a:rPr>
+                                          <m:t>−1</m:t>
+                                        </m:r>
+                                      </m:sup>
+                                    </m:sSup>
+                                  </m:den>
+                                </m:f>
+                              </m:e>
+                            </m:d>
+                          </m:e>
+                          <m:sup>
+                            <m:f>
+                              <m:fPr>
+                                <m:ctrlPr>
+                                  <a:rPr lang="en-US" b="0" i="1" smtClean="0">
+                                    <a:latin typeface="Cambria Math" panose="02040503050406030204" pitchFamily="18" charset="0"/>
+                                  </a:rPr>
+                                </m:ctrlPr>
+                              </m:fPr>
+                              <m:num>
+                                <m:r>
+                                  <a:rPr lang="en-US" b="0" i="1" smtClean="0">
+                                    <a:latin typeface="Cambria Math" panose="02040503050406030204" pitchFamily="18" charset="0"/>
+                                  </a:rPr>
+                                  <m:t>𝑏</m:t>
+                                </m:r>
+                              </m:num>
+                              <m:den>
+                                <m:r>
+                                  <a:rPr lang="en-US" b="0" i="1" smtClean="0">
+                                    <a:latin typeface="Cambria Math" panose="02040503050406030204" pitchFamily="18" charset="0"/>
+                                  </a:rPr>
+                                  <m:t>3</m:t>
+                                </m:r>
+                              </m:den>
+                            </m:f>
+                          </m:sup>
+                        </m:sSup>
+                        <m:r>
+                          <a:rPr lang="en-US" b="0" i="1" smtClean="0">
+                            <a:latin typeface="Cambria Math" panose="02040503050406030204" pitchFamily="18" charset="0"/>
+                          </a:rPr>
+                          <m:t>+</m:t>
+                        </m:r>
+                        <m:sSubSup>
+                          <m:sSubSupPr>
+                            <m:ctrlPr>
+                              <a:rPr lang="en-US" b="0" i="1" smtClean="0">
+                                <a:latin typeface="Cambria Math" panose="02040503050406030204" pitchFamily="18" charset="0"/>
+                              </a:rPr>
+                            </m:ctrlPr>
+                          </m:sSubSupPr>
+                          <m:e>
+                            <m:r>
+                              <a:rPr lang="en-US" b="0" i="1" smtClean="0">
+                                <a:latin typeface="Cambria Math" panose="02040503050406030204" pitchFamily="18" charset="0"/>
+                              </a:rPr>
+                              <m:t>𝑚</m:t>
+                            </m:r>
+                          </m:e>
+                          <m:sub>
+                            <m:r>
+                              <a:rPr lang="en-US" b="0" i="1" smtClean="0">
+                                <a:latin typeface="Cambria Math" panose="02040503050406030204" pitchFamily="18" charset="0"/>
+                              </a:rPr>
+                              <m:t>𝑒</m:t>
+                            </m:r>
+                          </m:sub>
+                          <m:sup>
+                            <m:f>
+                              <m:fPr>
+                                <m:ctrlPr>
+                                  <a:rPr lang="en-US" b="0" i="1" smtClean="0">
+                                    <a:latin typeface="Cambria Math" panose="02040503050406030204" pitchFamily="18" charset="0"/>
+                                  </a:rPr>
+                                </m:ctrlPr>
+                              </m:fPr>
+                              <m:num>
+                                <m:r>
+                                  <a:rPr lang="en-US" b="0" i="1" smtClean="0">
+                                    <a:latin typeface="Cambria Math" panose="02040503050406030204" pitchFamily="18" charset="0"/>
+                                  </a:rPr>
+                                  <m:t>𝑑</m:t>
+                                </m:r>
+                              </m:num>
+                              <m:den>
+                                <m:r>
+                                  <a:rPr lang="en-US" b="0" i="1" smtClean="0">
+                                    <a:latin typeface="Cambria Math" panose="02040503050406030204" pitchFamily="18" charset="0"/>
+                                  </a:rPr>
+                                  <m:t>3</m:t>
+                                </m:r>
+                              </m:den>
+                            </m:f>
+                          </m:sup>
+                        </m:sSubSup>
+                      </m:den>
+                    </m:f>
+                  </m:oMath>
+                </a14:m>
+                <a:endParaRPr lang="en-US" b="0" dirty="0"/>
+              </a:p>
+              <a:p>
+                <a:pPr lvl="1"/>
+                <a14:m>
+                  <m:oMath xmlns:m="http://schemas.openxmlformats.org/officeDocument/2006/math">
+                    <m:r>
+                      <a:rPr lang="en-US" b="0" i="1" smtClean="0">
+                        <a:latin typeface="Cambria Math" panose="02040503050406030204" pitchFamily="18" charset="0"/>
+                      </a:rPr>
+                      <m:t>𝜇</m:t>
+                    </m:r>
+                  </m:oMath>
+                </a14:m>
+                <a:r>
+                  <a:rPr lang="en-US" b="0" dirty="0"/>
+                  <a:t> and </a:t>
+                </a:r>
+                <a14:m>
+                  <m:oMath xmlns:m="http://schemas.openxmlformats.org/officeDocument/2006/math">
+                    <m:r>
+                      <a:rPr lang="en-US" b="0" i="1" smtClean="0">
+                        <a:latin typeface="Cambria Math" panose="02040503050406030204" pitchFamily="18" charset="0"/>
+                      </a:rPr>
+                      <m:t>𝜈</m:t>
+                    </m:r>
+                  </m:oMath>
+                </a14:m>
+                <a:r>
+                  <a:rPr lang="en-US" b="0" dirty="0"/>
+                  <a:t> are determined by the target properties. For all cases studied, </a:t>
+                </a:r>
+                <a14:m>
+                  <m:oMath xmlns:m="http://schemas.openxmlformats.org/officeDocument/2006/math">
+                    <m:r>
+                      <a:rPr lang="en-US" b="0" i="1" smtClean="0">
+                        <a:latin typeface="Cambria Math" panose="02040503050406030204" pitchFamily="18" charset="0"/>
+                      </a:rPr>
+                      <m:t>𝜈</m:t>
+                    </m:r>
+                    <m:r>
+                      <a:rPr lang="en-US" b="0" i="1" smtClean="0">
+                        <a:latin typeface="Cambria Math" panose="02040503050406030204" pitchFamily="18" charset="0"/>
+                      </a:rPr>
+                      <m:t>=0.4</m:t>
+                    </m:r>
+                  </m:oMath>
+                </a14:m>
+                <a:r>
+                  <a:rPr lang="en-US" b="0" dirty="0"/>
+                  <a:t>, see </a:t>
+                </a:r>
+                <a:r>
+                  <a:rPr lang="en-US" b="0" dirty="0" err="1"/>
+                  <a:t>Housen</a:t>
+                </a:r>
+                <a:r>
+                  <a:rPr lang="en-US" b="0" dirty="0"/>
+                  <a:t> &amp; </a:t>
+                </a:r>
+                <a:r>
+                  <a:rPr lang="en-US" b="0" dirty="0" err="1"/>
+                  <a:t>Holsapple</a:t>
+                </a:r>
+                <a:r>
+                  <a:rPr lang="en-US" b="0" dirty="0"/>
+                  <a:t> 2011</a:t>
+                </a:r>
+              </a:p>
+              <a:p>
+                <a:pPr lvl="1"/>
+                <a:r>
+                  <a:rPr lang="en-US" dirty="0"/>
+                  <a:t>The ejecta mass CDF term is derived from Carrier 2003, where the small and large scale ejecta mass is compared with </a:t>
+                </a:r>
+                <a14:m>
+                  <m:oMath xmlns:m="http://schemas.openxmlformats.org/officeDocument/2006/math">
+                    <m:r>
+                      <a:rPr lang="en-US" b="0" i="1" smtClean="0">
+                        <a:latin typeface="Cambria Math" panose="02040503050406030204" pitchFamily="18" charset="0"/>
+                      </a:rPr>
+                      <m:t>~51</m:t>
+                    </m:r>
+                    <m:r>
+                      <a:rPr lang="en-US" b="0" i="1" smtClean="0">
+                        <a:latin typeface="Cambria Math" panose="02040503050406030204" pitchFamily="18" charset="0"/>
+                      </a:rPr>
+                      <m:t>𝜇</m:t>
+                    </m:r>
+                    <m:r>
+                      <a:rPr lang="en-US" b="0" i="1" smtClean="0">
+                        <a:latin typeface="Cambria Math" panose="02040503050406030204" pitchFamily="18" charset="0"/>
+                      </a:rPr>
+                      <m:t>𝑔</m:t>
+                    </m:r>
+                  </m:oMath>
+                </a14:m>
+                <a:r>
+                  <a:rPr lang="en-US" b="0" dirty="0"/>
+                  <a:t> for a regolith density </a:t>
+                </a:r>
+                <a14:m>
+                  <m:oMath xmlns:m="http://schemas.openxmlformats.org/officeDocument/2006/math">
+                    <m:r>
+                      <a:rPr lang="en-US" b="0" i="1" smtClean="0">
+                        <a:latin typeface="Cambria Math" panose="02040503050406030204" pitchFamily="18" charset="0"/>
+                      </a:rPr>
+                      <m:t>𝜌</m:t>
+                    </m:r>
+                    <m:r>
+                      <a:rPr lang="en-US" b="0" i="1" smtClean="0">
+                        <a:latin typeface="Cambria Math" panose="02040503050406030204" pitchFamily="18" charset="0"/>
+                      </a:rPr>
+                      <m:t>=3.1</m:t>
+                    </m:r>
+                  </m:oMath>
+                </a14:m>
+                <a:r>
+                  <a:rPr lang="en-US" b="0" dirty="0"/>
+                  <a:t> g/cc</a:t>
+                </a:r>
+              </a:p>
+              <a:p>
+                <a:pPr lvl="1"/>
+                <a:endParaRPr lang="en-US" b="0" dirty="0"/>
+              </a:p>
+            </p:txBody>
+          </p:sp>
+        </mc:Choice>
+        <mc:Fallback xmlns="">
+          <p:sp>
+            <p:nvSpPr>
+              <p:cNvPr id="7" name="Content Placeholder 2">
+                <a:extLst>
+                  <a:ext uri="{FF2B5EF4-FFF2-40B4-BE49-F238E27FC236}">
+                    <a16:creationId xmlns:a16="http://schemas.microsoft.com/office/drawing/2014/main" id="{260532AD-DF50-4D59-8DC9-6C3FF448A2A9}"/>
+                  </a:ext>
+                </a:extLst>
+              </p:cNvPr>
+              <p:cNvSpPr txBox="1">
+                <a:spLocks noRot="1" noChangeAspect="1" noMove="1" noResize="1" noEditPoints="1" noAdjustHandles="1" noChangeArrowheads="1" noChangeShapeType="1" noTextEdit="1"/>
+              </p:cNvSpPr>
+              <p:nvPr/>
+            </p:nvSpPr>
+            <p:spPr>
+              <a:xfrm>
+                <a:off x="973206" y="1711186"/>
+                <a:ext cx="6503919" cy="4086639"/>
+              </a:xfrm>
+              <a:prstGeom prst="rect">
+                <a:avLst/>
+              </a:prstGeom>
+              <a:blipFill>
+                <a:blip r:embed="rId2"/>
+                <a:stretch>
+                  <a:fillRect/>
+                </a:stretch>
+              </a:blipFill>
+            </p:spPr>
+            <p:txBody>
+              <a:bodyPr/>
+              <a:lstStyle/>
+              <a:p>
+                <a:r>
+                  <a:rPr lang="en-US">
+                    <a:noFill/>
+                  </a:rPr>
+                  <a:t> </a:t>
+                </a:r>
+              </a:p>
+            </p:txBody>
+          </p:sp>
+        </mc:Fallback>
+      </mc:AlternateContent>
+      <p:pic>
+        <p:nvPicPr>
+          <p:cNvPr id="8" name="Picture 7">
             <a:extLst>
               <a:ext uri="{FF2B5EF4-FFF2-40B4-BE49-F238E27FC236}">
-                <a16:creationId xmlns:a16="http://schemas.microsoft.com/office/drawing/2014/main" id="{6A7349FC-9051-4374-A306-58FE52B21FD1}"/>
+                <a16:creationId xmlns:a16="http://schemas.microsoft.com/office/drawing/2014/main" id="{432E98BD-78BC-447A-BAC7-2AC53B9CF77E}"/>
               </a:ext>
             </a:extLst>
           </p:cNvPr>
-          <p:cNvSpPr>
-            <a:spLocks noGrp="1"/>
-          </p:cNvSpPr>
-          <p:nvPr>
-            <p:ph type="ftr" sz="quarter" idx="11"/>
-          </p:nvPr>
-        </p:nvSpPr>
-        <p:spPr/>
-        <p:txBody>
-          <a:bodyPr/>
-          <a:lstStyle/>
-          <a:p>
-            <a:r>
-              <a:rPr lang="en-US"/>
-              <a:t>Lunar Meteoroid Ejecta Model (LuMEM) -- DeStefano</a:t>
-            </a:r>
-            <a:endParaRPr lang="en-US" dirty="0"/>
-          </a:p>
-        </p:txBody>
-      </p:sp>
+          <p:cNvPicPr>
+            <a:picLocks noChangeAspect="1"/>
+          </p:cNvPicPr>
+          <p:nvPr/>
+        </p:nvPicPr>
+        <p:blipFill>
+          <a:blip r:embed="rId3"/>
+          <a:stretch>
+            <a:fillRect/>
+          </a:stretch>
+        </p:blipFill>
+        <p:spPr>
+          <a:xfrm>
+            <a:off x="7313659" y="2189844"/>
+            <a:ext cx="4806903" cy="2703288"/>
+          </a:xfrm>
+          <a:prstGeom prst="rect">
+            <a:avLst/>
+          </a:prstGeom>
+        </p:spPr>
+      </p:pic>
     </p:spTree>
     <p:extLst>
       <p:ext uri="{BB962C8B-B14F-4D97-AF65-F5344CB8AC3E}">
-        <p14:creationId xmlns:p14="http://schemas.microsoft.com/office/powerpoint/2010/main" val="3587355568"/>
+        <p14:creationId xmlns:p14="http://schemas.microsoft.com/office/powerpoint/2010/main" val="692393806"/>
       </p:ext>
     </p:extLst>
   </p:cSld>
@@ -9322,7 +12431,7 @@
           <p:cNvPr id="2" name="Title 1">
             <a:extLst>
               <a:ext uri="{FF2B5EF4-FFF2-40B4-BE49-F238E27FC236}">
-                <a16:creationId xmlns:a16="http://schemas.microsoft.com/office/drawing/2014/main" id="{61785327-57CA-43A2-B8BD-89B204308B40}"/>
+                <a16:creationId xmlns:a16="http://schemas.microsoft.com/office/drawing/2014/main" id="{97044649-925F-46D3-BF9B-ED03822E31D5}"/>
               </a:ext>
             </a:extLst>
           </p:cNvPr>
@@ -9333,20 +12442,12 @@
             <p:ph type="title"/>
           </p:nvPr>
         </p:nvSpPr>
-        <p:spPr>
-          <a:xfrm>
-            <a:off x="1295400" y="115957"/>
-            <a:ext cx="9601200" cy="1485900"/>
-          </a:xfrm>
-        </p:spPr>
+        <p:spPr/>
         <p:txBody>
           <a:bodyPr/>
           <a:lstStyle/>
           <a:p>
-            <a:r>
-              <a:rPr lang="en-US" dirty="0"/>
-              <a:t>Overview</a:t>
-            </a:r>
+            <a:endParaRPr lang="en-US"/>
           </a:p>
         </p:txBody>
       </p:sp>
@@ -9355,7 +12456,7 @@
           <p:cNvPr id="3" name="Content Placeholder 2">
             <a:extLst>
               <a:ext uri="{FF2B5EF4-FFF2-40B4-BE49-F238E27FC236}">
-                <a16:creationId xmlns:a16="http://schemas.microsoft.com/office/drawing/2014/main" id="{57DBFB6B-E09C-48D4-A040-1D2A2EE7A9A2}"/>
+                <a16:creationId xmlns:a16="http://schemas.microsoft.com/office/drawing/2014/main" id="{3A1C97E2-6FD9-45D1-ADB3-BA8D489964E6}"/>
               </a:ext>
             </a:extLst>
           </p:cNvPr>
@@ -9366,457 +12467,12 @@
             <p:ph idx="1"/>
           </p:nvPr>
         </p:nvSpPr>
-        <p:spPr>
-          <a:xfrm>
-            <a:off x="1388446" y="858906"/>
-            <a:ext cx="9601200" cy="5594479"/>
-          </a:xfrm>
-        </p:spPr>
+        <p:spPr/>
         <p:txBody>
-          <a:bodyPr>
-            <a:normAutofit fontScale="70000" lnSpcReduction="20000"/>
-          </a:bodyPr>
+          <a:bodyPr/>
           <a:lstStyle/>
           <a:p>
-            <a:r>
-              <a:rPr lang="en-US" dirty="0">
-                <a:solidFill>
-                  <a:schemeClr val="bg1">
-                    <a:lumMod val="65000"/>
-                  </a:schemeClr>
-                </a:solidFill>
-              </a:rPr>
-              <a:t>DSNE Rev H Lunar Ejecta Model – NASA SP-8013 (1969)</a:t>
-            </a:r>
-          </a:p>
-          <a:p>
-            <a:pPr lvl="1"/>
-            <a:r>
-              <a:rPr lang="en-US" i="0" dirty="0">
-                <a:solidFill>
-                  <a:schemeClr val="bg1">
-                    <a:lumMod val="65000"/>
-                  </a:schemeClr>
-                </a:solidFill>
-              </a:rPr>
-              <a:t>Based on Zook 1967</a:t>
-            </a:r>
-          </a:p>
-          <a:p>
-            <a:r>
-              <a:rPr lang="en-US" dirty="0">
-                <a:solidFill>
-                  <a:schemeClr val="bg1">
-                    <a:lumMod val="65000"/>
-                  </a:schemeClr>
-                </a:solidFill>
-              </a:rPr>
-              <a:t>Brief (non-exhaustive) Review of Impact-Ejecta Scaling Models</a:t>
-            </a:r>
-          </a:p>
-          <a:p>
-            <a:pPr lvl="1"/>
-            <a:r>
-              <a:rPr lang="en-US" i="0" dirty="0">
-                <a:solidFill>
-                  <a:schemeClr val="bg1">
-                    <a:lumMod val="65000"/>
-                  </a:schemeClr>
-                </a:solidFill>
-              </a:rPr>
-              <a:t>Zook 1967</a:t>
-            </a:r>
-          </a:p>
-          <a:p>
-            <a:pPr lvl="1"/>
-            <a:r>
-              <a:rPr lang="en-US" i="0" dirty="0" err="1">
-                <a:solidFill>
-                  <a:schemeClr val="bg1">
-                    <a:lumMod val="65000"/>
-                  </a:schemeClr>
-                </a:solidFill>
-              </a:rPr>
-              <a:t>Krivov</a:t>
-            </a:r>
-            <a:r>
-              <a:rPr lang="en-US" i="0" dirty="0">
-                <a:solidFill>
-                  <a:schemeClr val="bg1">
-                    <a:lumMod val="65000"/>
-                  </a:schemeClr>
-                </a:solidFill>
-              </a:rPr>
-              <a:t> et al. 2003</a:t>
-            </a:r>
-          </a:p>
-          <a:p>
-            <a:pPr lvl="1"/>
-            <a:r>
-              <a:rPr lang="en-US" i="0" dirty="0" err="1">
-                <a:solidFill>
-                  <a:schemeClr val="bg1">
-                    <a:lumMod val="65000"/>
-                  </a:schemeClr>
-                </a:solidFill>
-              </a:rPr>
-              <a:t>Housen</a:t>
-            </a:r>
-            <a:r>
-              <a:rPr lang="en-US" i="0" dirty="0">
-                <a:solidFill>
-                  <a:schemeClr val="bg1">
-                    <a:lumMod val="65000"/>
-                  </a:schemeClr>
-                </a:solidFill>
-              </a:rPr>
-              <a:t> &amp; </a:t>
-            </a:r>
-            <a:r>
-              <a:rPr lang="en-US" i="0" dirty="0" err="1">
-                <a:solidFill>
-                  <a:schemeClr val="bg1">
-                    <a:lumMod val="65000"/>
-                  </a:schemeClr>
-                </a:solidFill>
-              </a:rPr>
-              <a:t>Holsapple</a:t>
-            </a:r>
-            <a:r>
-              <a:rPr lang="en-US" i="0" dirty="0">
-                <a:solidFill>
-                  <a:schemeClr val="bg1">
-                    <a:lumMod val="65000"/>
-                  </a:schemeClr>
-                </a:solidFill>
-              </a:rPr>
-              <a:t> 2011</a:t>
-            </a:r>
-          </a:p>
-          <a:p>
-            <a:r>
-              <a:rPr lang="en-US" dirty="0">
-                <a:solidFill>
-                  <a:schemeClr val="bg1">
-                    <a:lumMod val="65000"/>
-                  </a:schemeClr>
-                </a:solidFill>
-              </a:rPr>
-              <a:t>Proposed New DSNE Model -- Lunar Meteoroid Ejecta Model (</a:t>
-            </a:r>
-            <a:r>
-              <a:rPr lang="en-US" dirty="0" err="1">
-                <a:solidFill>
-                  <a:schemeClr val="bg1">
-                    <a:lumMod val="65000"/>
-                  </a:schemeClr>
-                </a:solidFill>
-              </a:rPr>
-              <a:t>LuMEM</a:t>
-            </a:r>
-            <a:r>
-              <a:rPr lang="en-US" dirty="0">
-                <a:solidFill>
-                  <a:schemeClr val="bg1">
-                    <a:lumMod val="65000"/>
-                  </a:schemeClr>
-                </a:solidFill>
-              </a:rPr>
-              <a:t>)</a:t>
-            </a:r>
-          </a:p>
-          <a:p>
-            <a:pPr lvl="1"/>
-            <a:r>
-              <a:rPr lang="en-US" i="0" dirty="0">
-                <a:solidFill>
-                  <a:schemeClr val="bg1">
-                    <a:lumMod val="65000"/>
-                  </a:schemeClr>
-                </a:solidFill>
-              </a:rPr>
-              <a:t>Sporadic meteoroid flux (</a:t>
-            </a:r>
-            <a:r>
-              <a:rPr lang="en-US" i="0" dirty="0" err="1">
-                <a:solidFill>
-                  <a:schemeClr val="bg1">
-                    <a:lumMod val="65000"/>
-                  </a:schemeClr>
-                </a:solidFill>
-              </a:rPr>
-              <a:t>Grun</a:t>
-            </a:r>
-            <a:r>
-              <a:rPr lang="en-US" i="0" dirty="0">
-                <a:solidFill>
-                  <a:schemeClr val="bg1">
-                    <a:lumMod val="65000"/>
-                  </a:schemeClr>
-                </a:solidFill>
-              </a:rPr>
-              <a:t> et al 1985)</a:t>
-            </a:r>
-          </a:p>
-          <a:p>
-            <a:pPr lvl="1"/>
-            <a:r>
-              <a:rPr lang="en-US" i="0" dirty="0">
-                <a:solidFill>
-                  <a:schemeClr val="bg1">
-                    <a:lumMod val="65000"/>
-                  </a:schemeClr>
-                </a:solidFill>
-              </a:rPr>
-              <a:t>Near Earth Object (NEO) flux (Brown et al 2002)</a:t>
-            </a:r>
-          </a:p>
-          <a:p>
-            <a:pPr lvl="1"/>
-            <a:r>
-              <a:rPr lang="en-US" i="0" dirty="0">
-                <a:solidFill>
-                  <a:schemeClr val="bg1">
-                    <a:lumMod val="65000"/>
-                  </a:schemeClr>
-                </a:solidFill>
-              </a:rPr>
-              <a:t>Impact-ejecta scaling model (</a:t>
-            </a:r>
-            <a:r>
-              <a:rPr lang="en-US" i="0" dirty="0" err="1">
-                <a:solidFill>
-                  <a:schemeClr val="bg1">
-                    <a:lumMod val="65000"/>
-                  </a:schemeClr>
-                </a:solidFill>
-              </a:rPr>
-              <a:t>Housen</a:t>
-            </a:r>
-            <a:r>
-              <a:rPr lang="en-US" i="0" dirty="0">
-                <a:solidFill>
-                  <a:schemeClr val="bg1">
-                    <a:lumMod val="65000"/>
-                  </a:schemeClr>
-                </a:solidFill>
-              </a:rPr>
-              <a:t> &amp; </a:t>
-            </a:r>
-            <a:r>
-              <a:rPr lang="en-US" i="0" dirty="0" err="1">
-                <a:solidFill>
-                  <a:schemeClr val="bg1">
-                    <a:lumMod val="65000"/>
-                  </a:schemeClr>
-                </a:solidFill>
-              </a:rPr>
-              <a:t>Holsapple</a:t>
-            </a:r>
-            <a:r>
-              <a:rPr lang="en-US" i="0" dirty="0">
-                <a:solidFill>
-                  <a:schemeClr val="bg1">
-                    <a:lumMod val="65000"/>
-                  </a:schemeClr>
-                </a:solidFill>
-              </a:rPr>
-              <a:t> 2011)</a:t>
-            </a:r>
-          </a:p>
-          <a:p>
-            <a:pPr lvl="1"/>
-            <a:r>
-              <a:rPr lang="en-US" i="0" dirty="0">
-                <a:solidFill>
-                  <a:schemeClr val="bg1">
-                    <a:lumMod val="65000"/>
-                  </a:schemeClr>
-                </a:solidFill>
-              </a:rPr>
-              <a:t>Ejecta particle size distribution (Carrier 2003)</a:t>
-            </a:r>
-          </a:p>
-          <a:p>
-            <a:pPr lvl="1"/>
-            <a:r>
-              <a:rPr lang="en-US" i="0" dirty="0">
-                <a:solidFill>
-                  <a:schemeClr val="bg1">
-                    <a:lumMod val="65000"/>
-                  </a:schemeClr>
-                </a:solidFill>
-              </a:rPr>
-              <a:t>Ejecta zenith angle distribution (empirically from Gault &amp; </a:t>
-            </a:r>
-            <a:r>
-              <a:rPr lang="en-US" i="0" dirty="0" err="1">
-                <a:solidFill>
-                  <a:schemeClr val="bg1">
-                    <a:lumMod val="65000"/>
-                  </a:schemeClr>
-                </a:solidFill>
-              </a:rPr>
-              <a:t>Wedekind</a:t>
-            </a:r>
-            <a:r>
-              <a:rPr lang="en-US" i="0" dirty="0">
-                <a:solidFill>
-                  <a:schemeClr val="bg1">
-                    <a:lumMod val="65000"/>
-                  </a:schemeClr>
-                </a:solidFill>
-              </a:rPr>
-              <a:t> 1978)</a:t>
-            </a:r>
-          </a:p>
-          <a:p>
-            <a:pPr lvl="1"/>
-            <a:r>
-              <a:rPr lang="en-US" i="0" dirty="0">
-                <a:solidFill>
-                  <a:schemeClr val="bg1">
-                    <a:lumMod val="65000"/>
-                  </a:schemeClr>
-                </a:solidFill>
-              </a:rPr>
-              <a:t>Ejecta azimuth angle distribution (modified from Rival &amp; Mandeville 1999)</a:t>
-            </a:r>
-          </a:p>
-          <a:p>
-            <a:r>
-              <a:rPr lang="en-US" dirty="0"/>
-              <a:t>Analytic model of lunar ejecta</a:t>
-            </a:r>
-          </a:p>
-          <a:p>
-            <a:pPr lvl="1"/>
-            <a:r>
-              <a:rPr lang="en-US" i="0" dirty="0"/>
-              <a:t>Speed distribution as a function of distance</a:t>
-            </a:r>
-          </a:p>
-          <a:p>
-            <a:pPr lvl="1"/>
-            <a:r>
-              <a:rPr lang="en-US" i="0" dirty="0"/>
-              <a:t>Secondary flux as a function of distance</a:t>
-            </a:r>
-          </a:p>
-          <a:p>
-            <a:pPr lvl="1"/>
-            <a:r>
-              <a:rPr lang="en-US" i="0" dirty="0"/>
-              <a:t>Secondary flux in terms of primary flux</a:t>
-            </a:r>
-          </a:p>
-          <a:p>
-            <a:r>
-              <a:rPr lang="en-US" dirty="0">
-                <a:solidFill>
-                  <a:schemeClr val="bg1">
-                    <a:lumMod val="65000"/>
-                  </a:schemeClr>
-                </a:solidFill>
-              </a:rPr>
-              <a:t>Results of </a:t>
-            </a:r>
-            <a:r>
-              <a:rPr lang="en-US" dirty="0" err="1">
-                <a:solidFill>
-                  <a:schemeClr val="bg1">
-                    <a:lumMod val="65000"/>
-                  </a:schemeClr>
-                </a:solidFill>
-              </a:rPr>
-              <a:t>LuMEM</a:t>
-            </a:r>
-            <a:endParaRPr lang="en-US" dirty="0">
-              <a:solidFill>
-                <a:schemeClr val="bg1">
-                  <a:lumMod val="65000"/>
-                </a:schemeClr>
-              </a:solidFill>
-            </a:endParaRPr>
-          </a:p>
-          <a:p>
-            <a:pPr lvl="1"/>
-            <a:r>
-              <a:rPr lang="en-US" i="0" dirty="0">
-                <a:solidFill>
-                  <a:schemeClr val="bg1">
-                    <a:lumMod val="65000"/>
-                  </a:schemeClr>
-                </a:solidFill>
-              </a:rPr>
-              <a:t>Igloo number flux distribution (based on MEM3, see Moorhead et al 2019)</a:t>
-            </a:r>
-          </a:p>
-          <a:p>
-            <a:pPr lvl="1"/>
-            <a:r>
-              <a:rPr lang="en-US" i="0" dirty="0">
-                <a:solidFill>
-                  <a:schemeClr val="bg1">
-                    <a:lumMod val="65000"/>
-                  </a:schemeClr>
-                </a:solidFill>
-              </a:rPr>
-              <a:t>Ejecta size scaling (derived from Carrier 2003)</a:t>
-            </a:r>
-          </a:p>
-          <a:p>
-            <a:pPr lvl="1"/>
-            <a:r>
-              <a:rPr lang="en-US" i="0" dirty="0">
-                <a:solidFill>
-                  <a:schemeClr val="bg1">
-                    <a:lumMod val="65000"/>
-                  </a:schemeClr>
-                </a:solidFill>
-              </a:rPr>
-              <a:t>Ejecta speed scaling (</a:t>
-            </a:r>
-            <a:r>
-              <a:rPr lang="en-US" i="0" dirty="0" err="1">
-                <a:solidFill>
-                  <a:schemeClr val="bg1">
-                    <a:lumMod val="65000"/>
-                  </a:schemeClr>
-                </a:solidFill>
-              </a:rPr>
-              <a:t>Housen</a:t>
-            </a:r>
-            <a:r>
-              <a:rPr lang="en-US" i="0" dirty="0">
-                <a:solidFill>
-                  <a:schemeClr val="bg1">
-                    <a:lumMod val="65000"/>
-                  </a:schemeClr>
-                </a:solidFill>
-              </a:rPr>
-              <a:t> &amp; </a:t>
-            </a:r>
-            <a:r>
-              <a:rPr lang="en-US" i="0" dirty="0" err="1">
-                <a:solidFill>
-                  <a:schemeClr val="bg1">
-                    <a:lumMod val="65000"/>
-                  </a:schemeClr>
-                </a:solidFill>
-              </a:rPr>
-              <a:t>Holsapple</a:t>
-            </a:r>
-            <a:r>
-              <a:rPr lang="en-US" i="0" dirty="0">
-                <a:solidFill>
-                  <a:schemeClr val="bg1">
-                    <a:lumMod val="65000"/>
-                  </a:schemeClr>
-                </a:solidFill>
-              </a:rPr>
-              <a:t> 2011)</a:t>
-            </a:r>
+            <a:endParaRPr lang="en-US"/>
           </a:p>
         </p:txBody>
       </p:sp>
@@ -9825,7 +12481,7 @@
           <p:cNvPr id="4" name="Date Placeholder 3">
             <a:extLst>
               <a:ext uri="{FF2B5EF4-FFF2-40B4-BE49-F238E27FC236}">
-                <a16:creationId xmlns:a16="http://schemas.microsoft.com/office/drawing/2014/main" id="{02E04A3A-57D0-4485-AE57-B7CD694ECAB1}"/>
+                <a16:creationId xmlns:a16="http://schemas.microsoft.com/office/drawing/2014/main" id="{2A1793A1-D918-4F60-B9CE-3C5096AE0632}"/>
               </a:ext>
             </a:extLst>
           </p:cNvPr>
@@ -9841,9 +12497,9 @@
           <a:bodyPr/>
           <a:lstStyle/>
           <a:p>
-            <a:fld id="{D5B96D59-8BD3-47D1-A6B5-FA48D0A60242}" type="datetime1">
+            <a:fld id="{2C03F969-3CA1-4329-80D4-97FA07558DE8}" type="datetime1">
               <a:rPr lang="en-US" smtClean="0"/>
-              <a:t>10/14/2020</a:t>
+              <a:t>10/16/2020</a:t>
             </a:fld>
             <a:endParaRPr lang="en-US" dirty="0"/>
           </a:p>
@@ -9851,10 +12507,39 @@
       </p:sp>
       <p:sp>
         <p:nvSpPr>
-          <p:cNvPr id="5" name="Slide Number Placeholder 4">
+          <p:cNvPr id="5" name="Footer Placeholder 4">
             <a:extLst>
               <a:ext uri="{FF2B5EF4-FFF2-40B4-BE49-F238E27FC236}">
-                <a16:creationId xmlns:a16="http://schemas.microsoft.com/office/drawing/2014/main" id="{2EF95866-BD7A-4B57-BA57-4E8E3664A5B3}"/>
+                <a16:creationId xmlns:a16="http://schemas.microsoft.com/office/drawing/2014/main" id="{F97CD8D0-287A-4F96-8FF8-A32B0AA9B110}"/>
+              </a:ext>
+            </a:extLst>
+          </p:cNvPr>
+          <p:cNvSpPr>
+            <a:spLocks noGrp="1"/>
+          </p:cNvSpPr>
+          <p:nvPr>
+            <p:ph type="ftr" sz="quarter" idx="11"/>
+          </p:nvPr>
+        </p:nvSpPr>
+        <p:spPr/>
+        <p:txBody>
+          <a:bodyPr/>
+          <a:lstStyle/>
+          <a:p>
+            <a:r>
+              <a:rPr lang="en-US"/>
+              <a:t>Lunar Meteoroid Ejecta Model (LuMEM) -- DeStefano</a:t>
+            </a:r>
+            <a:endParaRPr lang="en-US" dirty="0"/>
+          </a:p>
+        </p:txBody>
+      </p:sp>
+      <p:sp>
+        <p:nvSpPr>
+          <p:cNvPr id="6" name="Slide Number Placeholder 5">
+            <a:extLst>
+              <a:ext uri="{FF2B5EF4-FFF2-40B4-BE49-F238E27FC236}">
+                <a16:creationId xmlns:a16="http://schemas.microsoft.com/office/drawing/2014/main" id="{7D77CD28-FD8D-4684-B1BA-0F0CB2AA6EE6}"/>
               </a:ext>
             </a:extLst>
           </p:cNvPr>
@@ -9878,39 +12563,10 @@
           </a:p>
         </p:txBody>
       </p:sp>
-      <p:sp>
-        <p:nvSpPr>
-          <p:cNvPr id="6" name="Footer Placeholder 5">
-            <a:extLst>
-              <a:ext uri="{FF2B5EF4-FFF2-40B4-BE49-F238E27FC236}">
-                <a16:creationId xmlns:a16="http://schemas.microsoft.com/office/drawing/2014/main" id="{6A7349FC-9051-4374-A306-58FE52B21FD1}"/>
-              </a:ext>
-            </a:extLst>
-          </p:cNvPr>
-          <p:cNvSpPr>
-            <a:spLocks noGrp="1"/>
-          </p:cNvSpPr>
-          <p:nvPr>
-            <p:ph type="ftr" sz="quarter" idx="11"/>
-          </p:nvPr>
-        </p:nvSpPr>
-        <p:spPr/>
-        <p:txBody>
-          <a:bodyPr/>
-          <a:lstStyle/>
-          <a:p>
-            <a:r>
-              <a:rPr lang="en-US"/>
-              <a:t>Lunar Meteoroid Ejecta Model (LuMEM) -- DeStefano</a:t>
-            </a:r>
-            <a:endParaRPr lang="en-US" dirty="0"/>
-          </a:p>
-        </p:txBody>
-      </p:sp>
     </p:spTree>
     <p:extLst>
       <p:ext uri="{BB962C8B-B14F-4D97-AF65-F5344CB8AC3E}">
-        <p14:creationId xmlns:p14="http://schemas.microsoft.com/office/powerpoint/2010/main" val="1970518218"/>
+        <p14:creationId xmlns:p14="http://schemas.microsoft.com/office/powerpoint/2010/main" val="3248683964"/>
       </p:ext>
     </p:extLst>
   </p:cSld>

--- a/Presentation/Lunar_Secondary_Ejecta_Model.pptx
+++ b/Presentation/Lunar_Secondary_Ejecta_Model.pptx
@@ -5,7 +5,7 @@
     <p:sldMasterId id="2147483648" r:id="rId1"/>
   </p:sldMasterIdLst>
   <p:notesMasterIdLst>
-    <p:notesMasterId r:id="rId14"/>
+    <p:notesMasterId r:id="rId15"/>
   </p:notesMasterIdLst>
   <p:sldIdLst>
     <p:sldId id="256" r:id="rId2"/>
@@ -18,8 +18,9 @@
     <p:sldId id="266" r:id="rId9"/>
     <p:sldId id="267" r:id="rId10"/>
     <p:sldId id="262" r:id="rId11"/>
-    <p:sldId id="263" r:id="rId12"/>
-    <p:sldId id="264" r:id="rId13"/>
+    <p:sldId id="268" r:id="rId12"/>
+    <p:sldId id="263" r:id="rId13"/>
+    <p:sldId id="264" r:id="rId14"/>
   </p:sldIdLst>
   <p:sldSz cx="12192000" cy="6858000"/>
   <p:notesSz cx="6858000" cy="9144000"/>
@@ -208,7 +209,7 @@
           <a:p>
             <a:fld id="{D66CE0FA-CF16-48E5-A3CD-CEE8A404D375}" type="datetimeFigureOut">
               <a:rPr lang="en-US" smtClean="0"/>
-              <a:t>10/16/2020</a:t>
+              <a:t>10/20/2020</a:t>
             </a:fld>
             <a:endParaRPr lang="en-US"/>
           </a:p>
@@ -644,7 +645,7 @@
           <a:p>
             <a:fld id="{D64564BF-43B0-4E03-AB56-1E6EEBBB0E66}" type="datetime1">
               <a:rPr lang="en-US" smtClean="0"/>
-              <a:t>10/16/2020</a:t>
+              <a:t>10/20/2020</a:t>
             </a:fld>
             <a:endParaRPr lang="en-US" dirty="0"/>
           </a:p>
@@ -974,7 +975,7 @@
           <a:p>
             <a:fld id="{20ED8515-596C-4429-A5E3-60C19FEE9349}" type="datetime1">
               <a:rPr lang="en-US" smtClean="0"/>
-              <a:t>10/16/2020</a:t>
+              <a:t>10/20/2020</a:t>
             </a:fld>
             <a:endParaRPr lang="en-US" dirty="0"/>
           </a:p>
@@ -1153,7 +1154,7 @@
           <a:p>
             <a:fld id="{96ECA619-1251-4FE5-A008-8D6867A4E27F}" type="datetime1">
               <a:rPr lang="en-US" smtClean="0"/>
-              <a:t>10/16/2020</a:t>
+              <a:t>10/20/2020</a:t>
             </a:fld>
             <a:endParaRPr lang="en-US" dirty="0"/>
           </a:p>
@@ -1322,7 +1323,7 @@
           <a:p>
             <a:fld id="{2C03F969-3CA1-4329-80D4-97FA07558DE8}" type="datetime1">
               <a:rPr lang="en-US" smtClean="0"/>
-              <a:t>10/16/2020</a:t>
+              <a:t>10/20/2020</a:t>
             </a:fld>
             <a:endParaRPr lang="en-US" dirty="0"/>
           </a:p>
@@ -1598,7 +1599,7 @@
           <a:p>
             <a:fld id="{A472D5E3-86C3-4840-AEED-CEA38199AB51}" type="datetime1">
               <a:rPr lang="en-US" smtClean="0"/>
-              <a:t>10/16/2020</a:t>
+              <a:t>10/20/2020</a:t>
             </a:fld>
             <a:endParaRPr lang="en-US" dirty="0"/>
           </a:p>
@@ -1992,7 +1993,7 @@
           <a:p>
             <a:fld id="{39C7A0C8-05A4-4A3F-93B6-191D315A29CF}" type="datetime1">
               <a:rPr lang="en-US" smtClean="0"/>
-              <a:t>10/16/2020</a:t>
+              <a:t>10/20/2020</a:t>
             </a:fld>
             <a:endParaRPr lang="en-US" dirty="0"/>
           </a:p>
@@ -2468,7 +2469,7 @@
           <a:p>
             <a:fld id="{62B385BD-5A39-4BA1-BEFD-27F2E78E317D}" type="datetime1">
               <a:rPr lang="en-US" smtClean="0"/>
-              <a:t>10/16/2020</a:t>
+              <a:t>10/20/2020</a:t>
             </a:fld>
             <a:endParaRPr lang="en-US" dirty="0"/>
           </a:p>
@@ -2585,7 +2586,7 @@
           <a:p>
             <a:fld id="{6BB82FE9-0D29-4DFB-BC55-0FDD897EF4F1}" type="datetime1">
               <a:rPr lang="en-US" smtClean="0"/>
-              <a:t>10/16/2020</a:t>
+              <a:t>10/20/2020</a:t>
             </a:fld>
             <a:endParaRPr lang="en-US" dirty="0"/>
           </a:p>
@@ -2679,7 +2680,7 @@
           <a:p>
             <a:fld id="{679DFD58-5AB4-47EF-AC44-AAF5927F92AE}" type="datetime1">
               <a:rPr lang="en-US" smtClean="0"/>
-              <a:t>10/16/2020</a:t>
+              <a:t>10/20/2020</a:t>
             </a:fld>
             <a:endParaRPr lang="en-US" dirty="0"/>
           </a:p>
@@ -3024,7 +3025,7 @@
           <a:p>
             <a:fld id="{7BA31D8D-74D3-4DCD-ACC1-7C89FC10331C}" type="datetime1">
               <a:rPr lang="en-US" smtClean="0"/>
-              <a:t>10/16/2020</a:t>
+              <a:t>10/20/2020</a:t>
             </a:fld>
             <a:endParaRPr lang="en-US" dirty="0"/>
           </a:p>
@@ -3412,7 +3413,7 @@
           <a:p>
             <a:fld id="{7CE62E6B-D0F8-4013-9E1C-FD398708E4B5}" type="datetime1">
               <a:rPr lang="en-US" smtClean="0"/>
-              <a:t>10/16/2020</a:t>
+              <a:t>10/20/2020</a:t>
             </a:fld>
             <a:endParaRPr lang="en-US" dirty="0"/>
           </a:p>
@@ -3690,7 +3691,7 @@
           <a:p>
             <a:fld id="{31E3BC98-00F5-4D3F-8412-54ED942AE7BA}" type="datetime1">
               <a:rPr lang="en-US" smtClean="0"/>
-              <a:t>10/16/2020</a:t>
+              <a:t>10/20/2020</a:t>
             </a:fld>
             <a:endParaRPr lang="en-US" dirty="0"/>
           </a:p>
@@ -4278,7 +4279,7 @@
           <a:p>
             <a:r>
               <a:rPr lang="en-US" dirty="0"/>
-              <a:t>10/14/2020</a:t>
+              <a:t>10/20/2020</a:t>
             </a:r>
           </a:p>
         </p:txBody>
@@ -4306,7 +4307,7 @@
           <a:p>
             <a:fld id="{2D0411A3-5602-45C2-B4C5-DE9BA003B67D}" type="datetime1">
               <a:rPr lang="en-US" smtClean="0"/>
-              <a:t>10/16/2020</a:t>
+              <a:t>10/20/2020</a:t>
             </a:fld>
             <a:endParaRPr lang="en-US" dirty="0"/>
           </a:p>
@@ -4849,7 +4850,7 @@
           <a:p>
             <a:fld id="{B89D2A76-87D9-450F-B52E-05F4138BDCAE}" type="datetime1">
               <a:rPr lang="en-US" smtClean="0"/>
-              <a:t>10/16/2020</a:t>
+              <a:t>10/20/2020</a:t>
             </a:fld>
             <a:endParaRPr lang="en-US" dirty="0"/>
           </a:p>
@@ -4948,7 +4949,7 @@
           <p:cNvPr id="2" name="Title 1">
             <a:extLst>
               <a:ext uri="{FF2B5EF4-FFF2-40B4-BE49-F238E27FC236}">
-                <a16:creationId xmlns:a16="http://schemas.microsoft.com/office/drawing/2014/main" id="{61785327-57CA-43A2-B8BD-89B204308B40}"/>
+                <a16:creationId xmlns:a16="http://schemas.microsoft.com/office/drawing/2014/main" id="{F82A0460-4F39-47EC-AE72-C5BC52F3A794}"/>
               </a:ext>
             </a:extLst>
           </p:cNvPr>
@@ -4959,19 +4960,24 @@
             <p:ph type="title"/>
           </p:nvPr>
         </p:nvSpPr>
-        <p:spPr>
-          <a:xfrm>
-            <a:off x="1295400" y="115957"/>
-            <a:ext cx="9601200" cy="1485900"/>
-          </a:xfrm>
-        </p:spPr>
+        <p:spPr/>
         <p:txBody>
-          <a:bodyPr/>
+          <a:bodyPr>
+            <a:normAutofit/>
+          </a:bodyPr>
           <a:lstStyle/>
           <a:p>
             <a:r>
               <a:rPr lang="en-US" dirty="0"/>
-              <a:t>Overview</a:t>
+              <a:t>Sporadic meteoroid flux (</a:t>
+            </a:r>
+            <a:r>
+              <a:rPr lang="en-US" dirty="0" err="1"/>
+              <a:t>Grun</a:t>
+            </a:r>
+            <a:r>
+              <a:rPr lang="en-US" dirty="0"/>
+              <a:t> et al 1985)</a:t>
             </a:r>
           </a:p>
         </p:txBody>
@@ -4981,7 +4987,7 @@
           <p:cNvPr id="3" name="Content Placeholder 2">
             <a:extLst>
               <a:ext uri="{FF2B5EF4-FFF2-40B4-BE49-F238E27FC236}">
-                <a16:creationId xmlns:a16="http://schemas.microsoft.com/office/drawing/2014/main" id="{57DBFB6B-E09C-48D4-A040-1D2A2EE7A9A2}"/>
+                <a16:creationId xmlns:a16="http://schemas.microsoft.com/office/drawing/2014/main" id="{B38E53E6-C632-4974-8D5E-FC6A4228BDCC}"/>
               </a:ext>
             </a:extLst>
           </p:cNvPr>
@@ -4992,457 +4998,12 @@
             <p:ph idx="1"/>
           </p:nvPr>
         </p:nvSpPr>
-        <p:spPr>
-          <a:xfrm>
-            <a:off x="1388446" y="858906"/>
-            <a:ext cx="9601200" cy="5594479"/>
-          </a:xfrm>
-        </p:spPr>
+        <p:spPr/>
         <p:txBody>
-          <a:bodyPr>
-            <a:normAutofit fontScale="70000" lnSpcReduction="20000"/>
-          </a:bodyPr>
+          <a:bodyPr/>
           <a:lstStyle/>
           <a:p>
-            <a:r>
-              <a:rPr lang="en-US" dirty="0">
-                <a:solidFill>
-                  <a:schemeClr val="bg1">
-                    <a:lumMod val="65000"/>
-                  </a:schemeClr>
-                </a:solidFill>
-              </a:rPr>
-              <a:t>DSNE Rev H Lunar Ejecta Model – NASA SP-8013 (1969)</a:t>
-            </a:r>
-          </a:p>
-          <a:p>
-            <a:pPr lvl="1"/>
-            <a:r>
-              <a:rPr lang="en-US" i="0" dirty="0">
-                <a:solidFill>
-                  <a:schemeClr val="bg1">
-                    <a:lumMod val="65000"/>
-                  </a:schemeClr>
-                </a:solidFill>
-              </a:rPr>
-              <a:t>Based on Zook 1967</a:t>
-            </a:r>
-          </a:p>
-          <a:p>
-            <a:r>
-              <a:rPr lang="en-US" dirty="0">
-                <a:solidFill>
-                  <a:schemeClr val="bg1">
-                    <a:lumMod val="65000"/>
-                  </a:schemeClr>
-                </a:solidFill>
-              </a:rPr>
-              <a:t>Brief (non-exhaustive) Review of Impact-Ejecta Scaling Models</a:t>
-            </a:r>
-          </a:p>
-          <a:p>
-            <a:pPr lvl="1"/>
-            <a:r>
-              <a:rPr lang="en-US" i="0" dirty="0">
-                <a:solidFill>
-                  <a:schemeClr val="bg1">
-                    <a:lumMod val="65000"/>
-                  </a:schemeClr>
-                </a:solidFill>
-              </a:rPr>
-              <a:t>Zook 1967</a:t>
-            </a:r>
-          </a:p>
-          <a:p>
-            <a:pPr lvl="1"/>
-            <a:r>
-              <a:rPr lang="en-US" i="0" dirty="0" err="1">
-                <a:solidFill>
-                  <a:schemeClr val="bg1">
-                    <a:lumMod val="65000"/>
-                  </a:schemeClr>
-                </a:solidFill>
-              </a:rPr>
-              <a:t>Krivov</a:t>
-            </a:r>
-            <a:r>
-              <a:rPr lang="en-US" i="0" dirty="0">
-                <a:solidFill>
-                  <a:schemeClr val="bg1">
-                    <a:lumMod val="65000"/>
-                  </a:schemeClr>
-                </a:solidFill>
-              </a:rPr>
-              <a:t> et al. 2003</a:t>
-            </a:r>
-          </a:p>
-          <a:p>
-            <a:pPr lvl="1"/>
-            <a:r>
-              <a:rPr lang="en-US" i="0" dirty="0" err="1">
-                <a:solidFill>
-                  <a:schemeClr val="bg1">
-                    <a:lumMod val="65000"/>
-                  </a:schemeClr>
-                </a:solidFill>
-              </a:rPr>
-              <a:t>Housen</a:t>
-            </a:r>
-            <a:r>
-              <a:rPr lang="en-US" i="0" dirty="0">
-                <a:solidFill>
-                  <a:schemeClr val="bg1">
-                    <a:lumMod val="65000"/>
-                  </a:schemeClr>
-                </a:solidFill>
-              </a:rPr>
-              <a:t> &amp; </a:t>
-            </a:r>
-            <a:r>
-              <a:rPr lang="en-US" i="0" dirty="0" err="1">
-                <a:solidFill>
-                  <a:schemeClr val="bg1">
-                    <a:lumMod val="65000"/>
-                  </a:schemeClr>
-                </a:solidFill>
-              </a:rPr>
-              <a:t>Holsapple</a:t>
-            </a:r>
-            <a:r>
-              <a:rPr lang="en-US" i="0" dirty="0">
-                <a:solidFill>
-                  <a:schemeClr val="bg1">
-                    <a:lumMod val="65000"/>
-                  </a:schemeClr>
-                </a:solidFill>
-              </a:rPr>
-              <a:t> 2011</a:t>
-            </a:r>
-          </a:p>
-          <a:p>
-            <a:r>
-              <a:rPr lang="en-US" dirty="0">
-                <a:solidFill>
-                  <a:schemeClr val="bg1">
-                    <a:lumMod val="65000"/>
-                  </a:schemeClr>
-                </a:solidFill>
-              </a:rPr>
-              <a:t>Proposed New DSNE Model -- Lunar Meteoroid Ejecta Model (</a:t>
-            </a:r>
-            <a:r>
-              <a:rPr lang="en-US" dirty="0" err="1">
-                <a:solidFill>
-                  <a:schemeClr val="bg1">
-                    <a:lumMod val="65000"/>
-                  </a:schemeClr>
-                </a:solidFill>
-              </a:rPr>
-              <a:t>LuMEM</a:t>
-            </a:r>
-            <a:r>
-              <a:rPr lang="en-US" dirty="0">
-                <a:solidFill>
-                  <a:schemeClr val="bg1">
-                    <a:lumMod val="65000"/>
-                  </a:schemeClr>
-                </a:solidFill>
-              </a:rPr>
-              <a:t>)</a:t>
-            </a:r>
-          </a:p>
-          <a:p>
-            <a:pPr lvl="1"/>
-            <a:r>
-              <a:rPr lang="en-US" i="0" dirty="0">
-                <a:solidFill>
-                  <a:schemeClr val="bg1">
-                    <a:lumMod val="65000"/>
-                  </a:schemeClr>
-                </a:solidFill>
-              </a:rPr>
-              <a:t>Sporadic meteoroid flux (</a:t>
-            </a:r>
-            <a:r>
-              <a:rPr lang="en-US" i="0" dirty="0" err="1">
-                <a:solidFill>
-                  <a:schemeClr val="bg1">
-                    <a:lumMod val="65000"/>
-                  </a:schemeClr>
-                </a:solidFill>
-              </a:rPr>
-              <a:t>Grun</a:t>
-            </a:r>
-            <a:r>
-              <a:rPr lang="en-US" i="0" dirty="0">
-                <a:solidFill>
-                  <a:schemeClr val="bg1">
-                    <a:lumMod val="65000"/>
-                  </a:schemeClr>
-                </a:solidFill>
-              </a:rPr>
-              <a:t> et al 1985)</a:t>
-            </a:r>
-          </a:p>
-          <a:p>
-            <a:pPr lvl="1"/>
-            <a:r>
-              <a:rPr lang="en-US" i="0" dirty="0">
-                <a:solidFill>
-                  <a:schemeClr val="bg1">
-                    <a:lumMod val="65000"/>
-                  </a:schemeClr>
-                </a:solidFill>
-              </a:rPr>
-              <a:t>Near Earth Object (NEO) flux (Brown et al 2002)</a:t>
-            </a:r>
-          </a:p>
-          <a:p>
-            <a:pPr lvl="1"/>
-            <a:r>
-              <a:rPr lang="en-US" i="0" dirty="0">
-                <a:solidFill>
-                  <a:schemeClr val="bg1">
-                    <a:lumMod val="65000"/>
-                  </a:schemeClr>
-                </a:solidFill>
-              </a:rPr>
-              <a:t>Impact-ejecta scaling model (</a:t>
-            </a:r>
-            <a:r>
-              <a:rPr lang="en-US" i="0" dirty="0" err="1">
-                <a:solidFill>
-                  <a:schemeClr val="bg1">
-                    <a:lumMod val="65000"/>
-                  </a:schemeClr>
-                </a:solidFill>
-              </a:rPr>
-              <a:t>Housen</a:t>
-            </a:r>
-            <a:r>
-              <a:rPr lang="en-US" i="0" dirty="0">
-                <a:solidFill>
-                  <a:schemeClr val="bg1">
-                    <a:lumMod val="65000"/>
-                  </a:schemeClr>
-                </a:solidFill>
-              </a:rPr>
-              <a:t> &amp; </a:t>
-            </a:r>
-            <a:r>
-              <a:rPr lang="en-US" i="0" dirty="0" err="1">
-                <a:solidFill>
-                  <a:schemeClr val="bg1">
-                    <a:lumMod val="65000"/>
-                  </a:schemeClr>
-                </a:solidFill>
-              </a:rPr>
-              <a:t>Holsapple</a:t>
-            </a:r>
-            <a:r>
-              <a:rPr lang="en-US" i="0" dirty="0">
-                <a:solidFill>
-                  <a:schemeClr val="bg1">
-                    <a:lumMod val="65000"/>
-                  </a:schemeClr>
-                </a:solidFill>
-              </a:rPr>
-              <a:t> 2011)</a:t>
-            </a:r>
-          </a:p>
-          <a:p>
-            <a:pPr lvl="1"/>
-            <a:r>
-              <a:rPr lang="en-US" i="0" dirty="0">
-                <a:solidFill>
-                  <a:schemeClr val="bg1">
-                    <a:lumMod val="65000"/>
-                  </a:schemeClr>
-                </a:solidFill>
-              </a:rPr>
-              <a:t>Ejecta particle size distribution (Carrier 2003)</a:t>
-            </a:r>
-          </a:p>
-          <a:p>
-            <a:pPr lvl="1"/>
-            <a:r>
-              <a:rPr lang="en-US" i="0" dirty="0">
-                <a:solidFill>
-                  <a:schemeClr val="bg1">
-                    <a:lumMod val="65000"/>
-                  </a:schemeClr>
-                </a:solidFill>
-              </a:rPr>
-              <a:t>Ejecta zenith angle distribution (empirically from Gault &amp; </a:t>
-            </a:r>
-            <a:r>
-              <a:rPr lang="en-US" i="0" dirty="0" err="1">
-                <a:solidFill>
-                  <a:schemeClr val="bg1">
-                    <a:lumMod val="65000"/>
-                  </a:schemeClr>
-                </a:solidFill>
-              </a:rPr>
-              <a:t>Wedekind</a:t>
-            </a:r>
-            <a:r>
-              <a:rPr lang="en-US" i="0" dirty="0">
-                <a:solidFill>
-                  <a:schemeClr val="bg1">
-                    <a:lumMod val="65000"/>
-                  </a:schemeClr>
-                </a:solidFill>
-              </a:rPr>
-              <a:t> 1978)</a:t>
-            </a:r>
-          </a:p>
-          <a:p>
-            <a:pPr lvl="1"/>
-            <a:r>
-              <a:rPr lang="en-US" i="0" dirty="0">
-                <a:solidFill>
-                  <a:schemeClr val="bg1">
-                    <a:lumMod val="65000"/>
-                  </a:schemeClr>
-                </a:solidFill>
-              </a:rPr>
-              <a:t>Ejecta azimuth angle distribution (modified from Rival &amp; Mandeville 1999)</a:t>
-            </a:r>
-          </a:p>
-          <a:p>
-            <a:r>
-              <a:rPr lang="en-US" dirty="0"/>
-              <a:t>Analytic model of lunar ejecta</a:t>
-            </a:r>
-          </a:p>
-          <a:p>
-            <a:pPr lvl="1"/>
-            <a:r>
-              <a:rPr lang="en-US" i="0" dirty="0"/>
-              <a:t>Speed distribution as a function of distance</a:t>
-            </a:r>
-          </a:p>
-          <a:p>
-            <a:pPr lvl="1"/>
-            <a:r>
-              <a:rPr lang="en-US" i="0" dirty="0"/>
-              <a:t>Secondary flux as a function of distance</a:t>
-            </a:r>
-          </a:p>
-          <a:p>
-            <a:pPr lvl="1"/>
-            <a:r>
-              <a:rPr lang="en-US" i="0" dirty="0"/>
-              <a:t>Secondary flux in terms of primary flux</a:t>
-            </a:r>
-          </a:p>
-          <a:p>
-            <a:r>
-              <a:rPr lang="en-US" dirty="0">
-                <a:solidFill>
-                  <a:schemeClr val="bg1">
-                    <a:lumMod val="65000"/>
-                  </a:schemeClr>
-                </a:solidFill>
-              </a:rPr>
-              <a:t>Results of </a:t>
-            </a:r>
-            <a:r>
-              <a:rPr lang="en-US" dirty="0" err="1">
-                <a:solidFill>
-                  <a:schemeClr val="bg1">
-                    <a:lumMod val="65000"/>
-                  </a:schemeClr>
-                </a:solidFill>
-              </a:rPr>
-              <a:t>LuMEM</a:t>
-            </a:r>
-            <a:endParaRPr lang="en-US" dirty="0">
-              <a:solidFill>
-                <a:schemeClr val="bg1">
-                  <a:lumMod val="65000"/>
-                </a:schemeClr>
-              </a:solidFill>
-            </a:endParaRPr>
-          </a:p>
-          <a:p>
-            <a:pPr lvl="1"/>
-            <a:r>
-              <a:rPr lang="en-US" i="0" dirty="0">
-                <a:solidFill>
-                  <a:schemeClr val="bg1">
-                    <a:lumMod val="65000"/>
-                  </a:schemeClr>
-                </a:solidFill>
-              </a:rPr>
-              <a:t>Igloo number flux distribution (based on MEM3, see Moorhead et al 2019)</a:t>
-            </a:r>
-          </a:p>
-          <a:p>
-            <a:pPr lvl="1"/>
-            <a:r>
-              <a:rPr lang="en-US" i="0" dirty="0">
-                <a:solidFill>
-                  <a:schemeClr val="bg1">
-                    <a:lumMod val="65000"/>
-                  </a:schemeClr>
-                </a:solidFill>
-              </a:rPr>
-              <a:t>Ejecta size scaling (derived from Carrier 2003)</a:t>
-            </a:r>
-          </a:p>
-          <a:p>
-            <a:pPr lvl="1"/>
-            <a:r>
-              <a:rPr lang="en-US" i="0" dirty="0">
-                <a:solidFill>
-                  <a:schemeClr val="bg1">
-                    <a:lumMod val="65000"/>
-                  </a:schemeClr>
-                </a:solidFill>
-              </a:rPr>
-              <a:t>Ejecta speed scaling (</a:t>
-            </a:r>
-            <a:r>
-              <a:rPr lang="en-US" i="0" dirty="0" err="1">
-                <a:solidFill>
-                  <a:schemeClr val="bg1">
-                    <a:lumMod val="65000"/>
-                  </a:schemeClr>
-                </a:solidFill>
-              </a:rPr>
-              <a:t>Housen</a:t>
-            </a:r>
-            <a:r>
-              <a:rPr lang="en-US" i="0" dirty="0">
-                <a:solidFill>
-                  <a:schemeClr val="bg1">
-                    <a:lumMod val="65000"/>
-                  </a:schemeClr>
-                </a:solidFill>
-              </a:rPr>
-              <a:t> &amp; </a:t>
-            </a:r>
-            <a:r>
-              <a:rPr lang="en-US" i="0" dirty="0" err="1">
-                <a:solidFill>
-                  <a:schemeClr val="bg1">
-                    <a:lumMod val="65000"/>
-                  </a:schemeClr>
-                </a:solidFill>
-              </a:rPr>
-              <a:t>Holsapple</a:t>
-            </a:r>
-            <a:r>
-              <a:rPr lang="en-US" i="0" dirty="0">
-                <a:solidFill>
-                  <a:schemeClr val="bg1">
-                    <a:lumMod val="65000"/>
-                  </a:schemeClr>
-                </a:solidFill>
-              </a:rPr>
-              <a:t> 2011)</a:t>
-            </a:r>
+            <a:endParaRPr lang="en-US"/>
           </a:p>
         </p:txBody>
       </p:sp>
@@ -5451,7 +5012,7 @@
           <p:cNvPr id="4" name="Date Placeholder 3">
             <a:extLst>
               <a:ext uri="{FF2B5EF4-FFF2-40B4-BE49-F238E27FC236}">
-                <a16:creationId xmlns:a16="http://schemas.microsoft.com/office/drawing/2014/main" id="{02E04A3A-57D0-4485-AE57-B7CD694ECAB1}"/>
+                <a16:creationId xmlns:a16="http://schemas.microsoft.com/office/drawing/2014/main" id="{20A088D8-F1E3-4271-AB24-7D910E16BA2B}"/>
               </a:ext>
             </a:extLst>
           </p:cNvPr>
@@ -5467,9 +5028,9 @@
           <a:bodyPr/>
           <a:lstStyle/>
           <a:p>
-            <a:fld id="{D5B96D59-8BD3-47D1-A6B5-FA48D0A60242}" type="datetime1">
+            <a:fld id="{2C03F969-3CA1-4329-80D4-97FA07558DE8}" type="datetime1">
               <a:rPr lang="en-US" smtClean="0"/>
-              <a:t>10/16/2020</a:t>
+              <a:t>10/20/2020</a:t>
             </a:fld>
             <a:endParaRPr lang="en-US" dirty="0"/>
           </a:p>
@@ -5477,10 +5038,39 @@
       </p:sp>
       <p:sp>
         <p:nvSpPr>
-          <p:cNvPr id="5" name="Slide Number Placeholder 4">
+          <p:cNvPr id="5" name="Footer Placeholder 4">
             <a:extLst>
               <a:ext uri="{FF2B5EF4-FFF2-40B4-BE49-F238E27FC236}">
-                <a16:creationId xmlns:a16="http://schemas.microsoft.com/office/drawing/2014/main" id="{2EF95866-BD7A-4B57-BA57-4E8E3664A5B3}"/>
+                <a16:creationId xmlns:a16="http://schemas.microsoft.com/office/drawing/2014/main" id="{983E310A-6BE3-4FFE-8070-A7F11E06EEE8}"/>
+              </a:ext>
+            </a:extLst>
+          </p:cNvPr>
+          <p:cNvSpPr>
+            <a:spLocks noGrp="1"/>
+          </p:cNvSpPr>
+          <p:nvPr>
+            <p:ph type="ftr" sz="quarter" idx="11"/>
+          </p:nvPr>
+        </p:nvSpPr>
+        <p:spPr/>
+        <p:txBody>
+          <a:bodyPr/>
+          <a:lstStyle/>
+          <a:p>
+            <a:r>
+              <a:rPr lang="en-US"/>
+              <a:t>Lunar Meteoroid Ejecta Model (LuMEM) -- DeStefano</a:t>
+            </a:r>
+            <a:endParaRPr lang="en-US" dirty="0"/>
+          </a:p>
+        </p:txBody>
+      </p:sp>
+      <p:sp>
+        <p:nvSpPr>
+          <p:cNvPr id="6" name="Slide Number Placeholder 5">
+            <a:extLst>
+              <a:ext uri="{FF2B5EF4-FFF2-40B4-BE49-F238E27FC236}">
+                <a16:creationId xmlns:a16="http://schemas.microsoft.com/office/drawing/2014/main" id="{0371A971-E89E-4032-951C-B6841C666DDB}"/>
               </a:ext>
             </a:extLst>
           </p:cNvPr>
@@ -5504,39 +5094,10 @@
           </a:p>
         </p:txBody>
       </p:sp>
-      <p:sp>
-        <p:nvSpPr>
-          <p:cNvPr id="6" name="Footer Placeholder 5">
-            <a:extLst>
-              <a:ext uri="{FF2B5EF4-FFF2-40B4-BE49-F238E27FC236}">
-                <a16:creationId xmlns:a16="http://schemas.microsoft.com/office/drawing/2014/main" id="{6A7349FC-9051-4374-A306-58FE52B21FD1}"/>
-              </a:ext>
-            </a:extLst>
-          </p:cNvPr>
-          <p:cNvSpPr>
-            <a:spLocks noGrp="1"/>
-          </p:cNvSpPr>
-          <p:nvPr>
-            <p:ph type="ftr" sz="quarter" idx="11"/>
-          </p:nvPr>
-        </p:nvSpPr>
-        <p:spPr/>
-        <p:txBody>
-          <a:bodyPr/>
-          <a:lstStyle/>
-          <a:p>
-            <a:r>
-              <a:rPr lang="en-US"/>
-              <a:t>Lunar Meteoroid Ejecta Model (LuMEM) -- DeStefano</a:t>
-            </a:r>
-            <a:endParaRPr lang="en-US" dirty="0"/>
-          </a:p>
-        </p:txBody>
-      </p:sp>
     </p:spTree>
     <p:extLst>
       <p:ext uri="{BB962C8B-B14F-4D97-AF65-F5344CB8AC3E}">
-        <p14:creationId xmlns:p14="http://schemas.microsoft.com/office/powerpoint/2010/main" val="1970518218"/>
+        <p14:creationId xmlns:p14="http://schemas.microsoft.com/office/powerpoint/2010/main" val="3315978288"/>
       </p:ext>
     </p:extLst>
   </p:cSld>
@@ -5931,6 +5492,33 @@
           </a:p>
           <a:p>
             <a:r>
+              <a:rPr lang="en-US" dirty="0"/>
+              <a:t>Analytic model of lunar ejecta</a:t>
+            </a:r>
+          </a:p>
+          <a:p>
+            <a:pPr lvl="1"/>
+            <a:r>
+              <a:rPr lang="en-US" i="0" dirty="0"/>
+              <a:t>Speed distribution as a function of distance</a:t>
+            </a:r>
+          </a:p>
+          <a:p>
+            <a:pPr lvl="1"/>
+            <a:r>
+              <a:rPr lang="en-US" i="0" dirty="0"/>
+              <a:t>Secondary flux as a function of distance</a:t>
+            </a:r>
+          </a:p>
+          <a:p>
+            <a:pPr lvl="1"/>
+            <a:r>
+              <a:rPr lang="en-US" i="0" dirty="0"/>
+              <a:t>Secondary flux in terms of primary flux</a:t>
+            </a:r>
+          </a:p>
+          <a:p>
+            <a:r>
               <a:rPr lang="en-US" dirty="0">
                 <a:solidFill>
                   <a:schemeClr val="bg1">
@@ -5938,8 +5526,25 @@
                   </a:schemeClr>
                 </a:solidFill>
               </a:rPr>
-              <a:t>Analytic model of lunar ejecta</a:t>
-            </a:r>
+              <a:t>Results of </a:t>
+            </a:r>
+            <a:r>
+              <a:rPr lang="en-US" dirty="0" err="1">
+                <a:solidFill>
+                  <a:schemeClr val="bg1">
+                    <a:lumMod val="65000"/>
+                  </a:schemeClr>
+                </a:solidFill>
+              </a:rPr>
+              <a:t>LuMEM</a:t>
+            </a:r>
+            <a:endParaRPr lang="en-US" dirty="0">
+              <a:solidFill>
+                <a:schemeClr val="bg1">
+                  <a:lumMod val="65000"/>
+                </a:schemeClr>
+              </a:solidFill>
+            </a:endParaRPr>
           </a:p>
           <a:p>
             <a:pPr lvl="1"/>
@@ -5951,7 +5556,7 @@
                   </a:schemeClr>
                 </a:solidFill>
               </a:rPr>
-              <a:t>Speed distribution as a function of distance</a:t>
+              <a:t>Igloo number flux distribution (based on MEM3, see Moorhead et al 2019)</a:t>
             </a:r>
           </a:p>
           <a:p>
@@ -5964,7 +5569,7 @@
                   </a:schemeClr>
                 </a:solidFill>
               </a:rPr>
-              <a:t>Secondary flux as a function of distance</a:t>
+              <a:t>Ejecta size scaling (derived from Carrier 2003)</a:t>
             </a:r>
           </a:p>
           <a:p>
@@ -5977,54 +5582,46 @@
                   </a:schemeClr>
                 </a:solidFill>
               </a:rPr>
-              <a:t>Secondary flux in terms of primary flux</a:t>
-            </a:r>
-          </a:p>
-          <a:p>
-            <a:r>
-              <a:rPr lang="en-US" dirty="0"/>
-              <a:t>Results of </a:t>
-            </a:r>
-            <a:r>
-              <a:rPr lang="en-US" dirty="0" err="1"/>
-              <a:t>LuMEM</a:t>
-            </a:r>
-            <a:endParaRPr lang="en-US" dirty="0"/>
-          </a:p>
-          <a:p>
-            <a:pPr lvl="1"/>
-            <a:r>
-              <a:rPr lang="en-US" i="0" dirty="0"/>
-              <a:t>Igloo number flux distribution (based on MEM3, see Moorhead et al 2019)</a:t>
-            </a:r>
-          </a:p>
-          <a:p>
-            <a:pPr lvl="1"/>
-            <a:r>
-              <a:rPr lang="en-US" i="0" dirty="0"/>
-              <a:t>Ejecta size scaling (derived from Carrier 2003)</a:t>
-            </a:r>
-          </a:p>
-          <a:p>
-            <a:pPr lvl="1"/>
-            <a:r>
-              <a:rPr lang="en-US" i="0" dirty="0"/>
               <a:t>Ejecta speed scaling (</a:t>
             </a:r>
             <a:r>
-              <a:rPr lang="en-US" i="0" dirty="0" err="1"/>
+              <a:rPr lang="en-US" i="0" dirty="0" err="1">
+                <a:solidFill>
+                  <a:schemeClr val="bg1">
+                    <a:lumMod val="65000"/>
+                  </a:schemeClr>
+                </a:solidFill>
+              </a:rPr>
               <a:t>Housen</a:t>
             </a:r>
             <a:r>
-              <a:rPr lang="en-US" i="0" dirty="0"/>
+              <a:rPr lang="en-US" i="0" dirty="0">
+                <a:solidFill>
+                  <a:schemeClr val="bg1">
+                    <a:lumMod val="65000"/>
+                  </a:schemeClr>
+                </a:solidFill>
+              </a:rPr>
               <a:t> &amp; </a:t>
             </a:r>
             <a:r>
-              <a:rPr lang="en-US" i="0" dirty="0" err="1"/>
+              <a:rPr lang="en-US" i="0" dirty="0" err="1">
+                <a:solidFill>
+                  <a:schemeClr val="bg1">
+                    <a:lumMod val="65000"/>
+                  </a:schemeClr>
+                </a:solidFill>
+              </a:rPr>
               <a:t>Holsapple</a:t>
             </a:r>
             <a:r>
-              <a:rPr lang="en-US" i="0" dirty="0"/>
+              <a:rPr lang="en-US" i="0" dirty="0">
+                <a:solidFill>
+                  <a:schemeClr val="bg1">
+                    <a:lumMod val="65000"/>
+                  </a:schemeClr>
+                </a:solidFill>
+              </a:rPr>
               <a:t> 2011)</a:t>
             </a:r>
           </a:p>
@@ -6051,9 +5648,9 @@
           <a:bodyPr/>
           <a:lstStyle/>
           <a:p>
-            <a:fld id="{F5D59A6E-ABEC-4B48-91F6-6D0798166395}" type="datetime1">
+            <a:fld id="{D5B96D59-8BD3-47D1-A6B5-FA48D0A60242}" type="datetime1">
               <a:rPr lang="en-US" smtClean="0"/>
-              <a:t>10/16/2020</a:t>
+              <a:t>10/20/2020</a:t>
             </a:fld>
             <a:endParaRPr lang="en-US" dirty="0"/>
           </a:p>
@@ -6083,6 +5680,590 @@
             <a:fld id="{69E57DC2-970A-4B3E-BB1C-7A09969E49DF}" type="slidenum">
               <a:rPr lang="en-US" smtClean="0"/>
               <a:t>12</a:t>
+            </a:fld>
+            <a:endParaRPr lang="en-US" dirty="0"/>
+          </a:p>
+        </p:txBody>
+      </p:sp>
+      <p:sp>
+        <p:nvSpPr>
+          <p:cNvPr id="6" name="Footer Placeholder 5">
+            <a:extLst>
+              <a:ext uri="{FF2B5EF4-FFF2-40B4-BE49-F238E27FC236}">
+                <a16:creationId xmlns:a16="http://schemas.microsoft.com/office/drawing/2014/main" id="{6A7349FC-9051-4374-A306-58FE52B21FD1}"/>
+              </a:ext>
+            </a:extLst>
+          </p:cNvPr>
+          <p:cNvSpPr>
+            <a:spLocks noGrp="1"/>
+          </p:cNvSpPr>
+          <p:nvPr>
+            <p:ph type="ftr" sz="quarter" idx="11"/>
+          </p:nvPr>
+        </p:nvSpPr>
+        <p:spPr/>
+        <p:txBody>
+          <a:bodyPr/>
+          <a:lstStyle/>
+          <a:p>
+            <a:r>
+              <a:rPr lang="en-US"/>
+              <a:t>Lunar Meteoroid Ejecta Model (LuMEM) -- DeStefano</a:t>
+            </a:r>
+            <a:endParaRPr lang="en-US" dirty="0"/>
+          </a:p>
+        </p:txBody>
+      </p:sp>
+    </p:spTree>
+    <p:extLst>
+      <p:ext uri="{BB962C8B-B14F-4D97-AF65-F5344CB8AC3E}">
+        <p14:creationId xmlns:p14="http://schemas.microsoft.com/office/powerpoint/2010/main" val="1970518218"/>
+      </p:ext>
+    </p:extLst>
+  </p:cSld>
+  <p:clrMapOvr>
+    <a:masterClrMapping/>
+  </p:clrMapOvr>
+</p:sld>
+</file>
+
+<file path=ppt/slides/slide13.xml><?xml version="1.0" encoding="utf-8"?>
+<p:sld xmlns:a="http://schemas.openxmlformats.org/drawingml/2006/main" xmlns:r="http://schemas.openxmlformats.org/officeDocument/2006/relationships" xmlns:p="http://schemas.openxmlformats.org/presentationml/2006/main">
+  <p:cSld>
+    <p:spTree>
+      <p:nvGrpSpPr>
+        <p:cNvPr id="1" name=""/>
+        <p:cNvGrpSpPr/>
+        <p:nvPr/>
+      </p:nvGrpSpPr>
+      <p:grpSpPr>
+        <a:xfrm>
+          <a:off x="0" y="0"/>
+          <a:ext cx="0" cy="0"/>
+          <a:chOff x="0" y="0"/>
+          <a:chExt cx="0" cy="0"/>
+        </a:xfrm>
+      </p:grpSpPr>
+      <p:sp>
+        <p:nvSpPr>
+          <p:cNvPr id="2" name="Title 1">
+            <a:extLst>
+              <a:ext uri="{FF2B5EF4-FFF2-40B4-BE49-F238E27FC236}">
+                <a16:creationId xmlns:a16="http://schemas.microsoft.com/office/drawing/2014/main" id="{61785327-57CA-43A2-B8BD-89B204308B40}"/>
+              </a:ext>
+            </a:extLst>
+          </p:cNvPr>
+          <p:cNvSpPr>
+            <a:spLocks noGrp="1"/>
+          </p:cNvSpPr>
+          <p:nvPr>
+            <p:ph type="title"/>
+          </p:nvPr>
+        </p:nvSpPr>
+        <p:spPr>
+          <a:xfrm>
+            <a:off x="1295400" y="115957"/>
+            <a:ext cx="9601200" cy="1485900"/>
+          </a:xfrm>
+        </p:spPr>
+        <p:txBody>
+          <a:bodyPr/>
+          <a:lstStyle/>
+          <a:p>
+            <a:r>
+              <a:rPr lang="en-US" dirty="0"/>
+              <a:t>Overview</a:t>
+            </a:r>
+          </a:p>
+        </p:txBody>
+      </p:sp>
+      <p:sp>
+        <p:nvSpPr>
+          <p:cNvPr id="3" name="Content Placeholder 2">
+            <a:extLst>
+              <a:ext uri="{FF2B5EF4-FFF2-40B4-BE49-F238E27FC236}">
+                <a16:creationId xmlns:a16="http://schemas.microsoft.com/office/drawing/2014/main" id="{57DBFB6B-E09C-48D4-A040-1D2A2EE7A9A2}"/>
+              </a:ext>
+            </a:extLst>
+          </p:cNvPr>
+          <p:cNvSpPr>
+            <a:spLocks noGrp="1"/>
+          </p:cNvSpPr>
+          <p:nvPr>
+            <p:ph idx="1"/>
+          </p:nvPr>
+        </p:nvSpPr>
+        <p:spPr>
+          <a:xfrm>
+            <a:off x="1388446" y="858906"/>
+            <a:ext cx="9601200" cy="5594479"/>
+          </a:xfrm>
+        </p:spPr>
+        <p:txBody>
+          <a:bodyPr>
+            <a:normAutofit fontScale="70000" lnSpcReduction="20000"/>
+          </a:bodyPr>
+          <a:lstStyle/>
+          <a:p>
+            <a:r>
+              <a:rPr lang="en-US" dirty="0">
+                <a:solidFill>
+                  <a:schemeClr val="bg1">
+                    <a:lumMod val="65000"/>
+                  </a:schemeClr>
+                </a:solidFill>
+              </a:rPr>
+              <a:t>DSNE Rev H Lunar Ejecta Model – NASA SP-8013 (1969)</a:t>
+            </a:r>
+          </a:p>
+          <a:p>
+            <a:pPr lvl="1"/>
+            <a:r>
+              <a:rPr lang="en-US" i="0" dirty="0">
+                <a:solidFill>
+                  <a:schemeClr val="bg1">
+                    <a:lumMod val="65000"/>
+                  </a:schemeClr>
+                </a:solidFill>
+              </a:rPr>
+              <a:t>Based on Zook 1967</a:t>
+            </a:r>
+          </a:p>
+          <a:p>
+            <a:r>
+              <a:rPr lang="en-US" dirty="0">
+                <a:solidFill>
+                  <a:schemeClr val="bg1">
+                    <a:lumMod val="65000"/>
+                  </a:schemeClr>
+                </a:solidFill>
+              </a:rPr>
+              <a:t>Brief (non-exhaustive) Review of Impact-Ejecta Scaling Models</a:t>
+            </a:r>
+          </a:p>
+          <a:p>
+            <a:pPr lvl="1"/>
+            <a:r>
+              <a:rPr lang="en-US" i="0" dirty="0">
+                <a:solidFill>
+                  <a:schemeClr val="bg1">
+                    <a:lumMod val="65000"/>
+                  </a:schemeClr>
+                </a:solidFill>
+              </a:rPr>
+              <a:t>Zook 1967</a:t>
+            </a:r>
+          </a:p>
+          <a:p>
+            <a:pPr lvl="1"/>
+            <a:r>
+              <a:rPr lang="en-US" i="0" dirty="0" err="1">
+                <a:solidFill>
+                  <a:schemeClr val="bg1">
+                    <a:lumMod val="65000"/>
+                  </a:schemeClr>
+                </a:solidFill>
+              </a:rPr>
+              <a:t>Krivov</a:t>
+            </a:r>
+            <a:r>
+              <a:rPr lang="en-US" i="0" dirty="0">
+                <a:solidFill>
+                  <a:schemeClr val="bg1">
+                    <a:lumMod val="65000"/>
+                  </a:schemeClr>
+                </a:solidFill>
+              </a:rPr>
+              <a:t> et al. 2003</a:t>
+            </a:r>
+          </a:p>
+          <a:p>
+            <a:pPr lvl="1"/>
+            <a:r>
+              <a:rPr lang="en-US" i="0" dirty="0" err="1">
+                <a:solidFill>
+                  <a:schemeClr val="bg1">
+                    <a:lumMod val="65000"/>
+                  </a:schemeClr>
+                </a:solidFill>
+              </a:rPr>
+              <a:t>Housen</a:t>
+            </a:r>
+            <a:r>
+              <a:rPr lang="en-US" i="0" dirty="0">
+                <a:solidFill>
+                  <a:schemeClr val="bg1">
+                    <a:lumMod val="65000"/>
+                  </a:schemeClr>
+                </a:solidFill>
+              </a:rPr>
+              <a:t> &amp; </a:t>
+            </a:r>
+            <a:r>
+              <a:rPr lang="en-US" i="0" dirty="0" err="1">
+                <a:solidFill>
+                  <a:schemeClr val="bg1">
+                    <a:lumMod val="65000"/>
+                  </a:schemeClr>
+                </a:solidFill>
+              </a:rPr>
+              <a:t>Holsapple</a:t>
+            </a:r>
+            <a:r>
+              <a:rPr lang="en-US" i="0" dirty="0">
+                <a:solidFill>
+                  <a:schemeClr val="bg1">
+                    <a:lumMod val="65000"/>
+                  </a:schemeClr>
+                </a:solidFill>
+              </a:rPr>
+              <a:t> 2011</a:t>
+            </a:r>
+          </a:p>
+          <a:p>
+            <a:r>
+              <a:rPr lang="en-US" dirty="0">
+                <a:solidFill>
+                  <a:schemeClr val="bg1">
+                    <a:lumMod val="65000"/>
+                  </a:schemeClr>
+                </a:solidFill>
+              </a:rPr>
+              <a:t>Proposed New DSNE Model -- Lunar Meteoroid Ejecta Model (</a:t>
+            </a:r>
+            <a:r>
+              <a:rPr lang="en-US" dirty="0" err="1">
+                <a:solidFill>
+                  <a:schemeClr val="bg1">
+                    <a:lumMod val="65000"/>
+                  </a:schemeClr>
+                </a:solidFill>
+              </a:rPr>
+              <a:t>LuMEM</a:t>
+            </a:r>
+            <a:r>
+              <a:rPr lang="en-US" dirty="0">
+                <a:solidFill>
+                  <a:schemeClr val="bg1">
+                    <a:lumMod val="65000"/>
+                  </a:schemeClr>
+                </a:solidFill>
+              </a:rPr>
+              <a:t>)</a:t>
+            </a:r>
+          </a:p>
+          <a:p>
+            <a:pPr lvl="1"/>
+            <a:r>
+              <a:rPr lang="en-US" i="0" dirty="0">
+                <a:solidFill>
+                  <a:schemeClr val="bg1">
+                    <a:lumMod val="65000"/>
+                  </a:schemeClr>
+                </a:solidFill>
+              </a:rPr>
+              <a:t>Sporadic meteoroid flux (</a:t>
+            </a:r>
+            <a:r>
+              <a:rPr lang="en-US" i="0" dirty="0" err="1">
+                <a:solidFill>
+                  <a:schemeClr val="bg1">
+                    <a:lumMod val="65000"/>
+                  </a:schemeClr>
+                </a:solidFill>
+              </a:rPr>
+              <a:t>Grun</a:t>
+            </a:r>
+            <a:r>
+              <a:rPr lang="en-US" i="0" dirty="0">
+                <a:solidFill>
+                  <a:schemeClr val="bg1">
+                    <a:lumMod val="65000"/>
+                  </a:schemeClr>
+                </a:solidFill>
+              </a:rPr>
+              <a:t> et al 1985)</a:t>
+            </a:r>
+          </a:p>
+          <a:p>
+            <a:pPr lvl="1"/>
+            <a:r>
+              <a:rPr lang="en-US" i="0" dirty="0">
+                <a:solidFill>
+                  <a:schemeClr val="bg1">
+                    <a:lumMod val="65000"/>
+                  </a:schemeClr>
+                </a:solidFill>
+              </a:rPr>
+              <a:t>Near Earth Object (NEO) flux (Brown et al 2002)</a:t>
+            </a:r>
+          </a:p>
+          <a:p>
+            <a:pPr lvl="1"/>
+            <a:r>
+              <a:rPr lang="en-US" i="0" dirty="0">
+                <a:solidFill>
+                  <a:schemeClr val="bg1">
+                    <a:lumMod val="65000"/>
+                  </a:schemeClr>
+                </a:solidFill>
+              </a:rPr>
+              <a:t>Impact-ejecta scaling model (</a:t>
+            </a:r>
+            <a:r>
+              <a:rPr lang="en-US" i="0" dirty="0" err="1">
+                <a:solidFill>
+                  <a:schemeClr val="bg1">
+                    <a:lumMod val="65000"/>
+                  </a:schemeClr>
+                </a:solidFill>
+              </a:rPr>
+              <a:t>Housen</a:t>
+            </a:r>
+            <a:r>
+              <a:rPr lang="en-US" i="0" dirty="0">
+                <a:solidFill>
+                  <a:schemeClr val="bg1">
+                    <a:lumMod val="65000"/>
+                  </a:schemeClr>
+                </a:solidFill>
+              </a:rPr>
+              <a:t> &amp; </a:t>
+            </a:r>
+            <a:r>
+              <a:rPr lang="en-US" i="0" dirty="0" err="1">
+                <a:solidFill>
+                  <a:schemeClr val="bg1">
+                    <a:lumMod val="65000"/>
+                  </a:schemeClr>
+                </a:solidFill>
+              </a:rPr>
+              <a:t>Holsapple</a:t>
+            </a:r>
+            <a:r>
+              <a:rPr lang="en-US" i="0" dirty="0">
+                <a:solidFill>
+                  <a:schemeClr val="bg1">
+                    <a:lumMod val="65000"/>
+                  </a:schemeClr>
+                </a:solidFill>
+              </a:rPr>
+              <a:t> 2011)</a:t>
+            </a:r>
+          </a:p>
+          <a:p>
+            <a:pPr lvl="1"/>
+            <a:r>
+              <a:rPr lang="en-US" i="0" dirty="0">
+                <a:solidFill>
+                  <a:schemeClr val="bg1">
+                    <a:lumMod val="65000"/>
+                  </a:schemeClr>
+                </a:solidFill>
+              </a:rPr>
+              <a:t>Ejecta particle size distribution (Carrier 2003)</a:t>
+            </a:r>
+          </a:p>
+          <a:p>
+            <a:pPr lvl="1"/>
+            <a:r>
+              <a:rPr lang="en-US" i="0" dirty="0">
+                <a:solidFill>
+                  <a:schemeClr val="bg1">
+                    <a:lumMod val="65000"/>
+                  </a:schemeClr>
+                </a:solidFill>
+              </a:rPr>
+              <a:t>Ejecta zenith angle distribution (empirically from Gault &amp; </a:t>
+            </a:r>
+            <a:r>
+              <a:rPr lang="en-US" i="0" dirty="0" err="1">
+                <a:solidFill>
+                  <a:schemeClr val="bg1">
+                    <a:lumMod val="65000"/>
+                  </a:schemeClr>
+                </a:solidFill>
+              </a:rPr>
+              <a:t>Wedekind</a:t>
+            </a:r>
+            <a:r>
+              <a:rPr lang="en-US" i="0" dirty="0">
+                <a:solidFill>
+                  <a:schemeClr val="bg1">
+                    <a:lumMod val="65000"/>
+                  </a:schemeClr>
+                </a:solidFill>
+              </a:rPr>
+              <a:t> 1978)</a:t>
+            </a:r>
+          </a:p>
+          <a:p>
+            <a:pPr lvl="1"/>
+            <a:r>
+              <a:rPr lang="en-US" i="0" dirty="0">
+                <a:solidFill>
+                  <a:schemeClr val="bg1">
+                    <a:lumMod val="65000"/>
+                  </a:schemeClr>
+                </a:solidFill>
+              </a:rPr>
+              <a:t>Ejecta azimuth angle distribution (modified from Rival &amp; Mandeville 1999)</a:t>
+            </a:r>
+          </a:p>
+          <a:p>
+            <a:r>
+              <a:rPr lang="en-US" dirty="0">
+                <a:solidFill>
+                  <a:schemeClr val="bg1">
+                    <a:lumMod val="65000"/>
+                  </a:schemeClr>
+                </a:solidFill>
+              </a:rPr>
+              <a:t>Analytic model of lunar ejecta</a:t>
+            </a:r>
+          </a:p>
+          <a:p>
+            <a:pPr lvl="1"/>
+            <a:r>
+              <a:rPr lang="en-US" i="0" dirty="0">
+                <a:solidFill>
+                  <a:schemeClr val="bg1">
+                    <a:lumMod val="65000"/>
+                  </a:schemeClr>
+                </a:solidFill>
+              </a:rPr>
+              <a:t>Speed distribution as a function of distance</a:t>
+            </a:r>
+          </a:p>
+          <a:p>
+            <a:pPr lvl="1"/>
+            <a:r>
+              <a:rPr lang="en-US" i="0" dirty="0">
+                <a:solidFill>
+                  <a:schemeClr val="bg1">
+                    <a:lumMod val="65000"/>
+                  </a:schemeClr>
+                </a:solidFill>
+              </a:rPr>
+              <a:t>Secondary flux as a function of distance</a:t>
+            </a:r>
+          </a:p>
+          <a:p>
+            <a:pPr lvl="1"/>
+            <a:r>
+              <a:rPr lang="en-US" i="0" dirty="0">
+                <a:solidFill>
+                  <a:schemeClr val="bg1">
+                    <a:lumMod val="65000"/>
+                  </a:schemeClr>
+                </a:solidFill>
+              </a:rPr>
+              <a:t>Secondary flux in terms of primary flux</a:t>
+            </a:r>
+          </a:p>
+          <a:p>
+            <a:r>
+              <a:rPr lang="en-US" dirty="0"/>
+              <a:t>Results of </a:t>
+            </a:r>
+            <a:r>
+              <a:rPr lang="en-US" dirty="0" err="1"/>
+              <a:t>LuMEM</a:t>
+            </a:r>
+            <a:endParaRPr lang="en-US" dirty="0"/>
+          </a:p>
+          <a:p>
+            <a:pPr lvl="1"/>
+            <a:r>
+              <a:rPr lang="en-US" i="0" dirty="0"/>
+              <a:t>Igloo number flux distribution (based on MEM3, see Moorhead et al 2019)</a:t>
+            </a:r>
+          </a:p>
+          <a:p>
+            <a:pPr lvl="1"/>
+            <a:r>
+              <a:rPr lang="en-US" i="0" dirty="0"/>
+              <a:t>Ejecta size scaling (derived from Carrier 2003)</a:t>
+            </a:r>
+          </a:p>
+          <a:p>
+            <a:pPr lvl="1"/>
+            <a:r>
+              <a:rPr lang="en-US" i="0" dirty="0"/>
+              <a:t>Ejecta speed scaling (</a:t>
+            </a:r>
+            <a:r>
+              <a:rPr lang="en-US" i="0" dirty="0" err="1"/>
+              <a:t>Housen</a:t>
+            </a:r>
+            <a:r>
+              <a:rPr lang="en-US" i="0" dirty="0"/>
+              <a:t> &amp; </a:t>
+            </a:r>
+            <a:r>
+              <a:rPr lang="en-US" i="0" dirty="0" err="1"/>
+              <a:t>Holsapple</a:t>
+            </a:r>
+            <a:r>
+              <a:rPr lang="en-US" i="0" dirty="0"/>
+              <a:t> 2011)</a:t>
+            </a:r>
+          </a:p>
+        </p:txBody>
+      </p:sp>
+      <p:sp>
+        <p:nvSpPr>
+          <p:cNvPr id="4" name="Date Placeholder 3">
+            <a:extLst>
+              <a:ext uri="{FF2B5EF4-FFF2-40B4-BE49-F238E27FC236}">
+                <a16:creationId xmlns:a16="http://schemas.microsoft.com/office/drawing/2014/main" id="{02E04A3A-57D0-4485-AE57-B7CD694ECAB1}"/>
+              </a:ext>
+            </a:extLst>
+          </p:cNvPr>
+          <p:cNvSpPr>
+            <a:spLocks noGrp="1"/>
+          </p:cNvSpPr>
+          <p:nvPr>
+            <p:ph type="dt" sz="half" idx="10"/>
+          </p:nvPr>
+        </p:nvSpPr>
+        <p:spPr/>
+        <p:txBody>
+          <a:bodyPr/>
+          <a:lstStyle/>
+          <a:p>
+            <a:fld id="{F5D59A6E-ABEC-4B48-91F6-6D0798166395}" type="datetime1">
+              <a:rPr lang="en-US" smtClean="0"/>
+              <a:t>10/20/2020</a:t>
+            </a:fld>
+            <a:endParaRPr lang="en-US" dirty="0"/>
+          </a:p>
+        </p:txBody>
+      </p:sp>
+      <p:sp>
+        <p:nvSpPr>
+          <p:cNvPr id="5" name="Slide Number Placeholder 4">
+            <a:extLst>
+              <a:ext uri="{FF2B5EF4-FFF2-40B4-BE49-F238E27FC236}">
+                <a16:creationId xmlns:a16="http://schemas.microsoft.com/office/drawing/2014/main" id="{2EF95866-BD7A-4B57-BA57-4E8E3664A5B3}"/>
+              </a:ext>
+            </a:extLst>
+          </p:cNvPr>
+          <p:cNvSpPr>
+            <a:spLocks noGrp="1"/>
+          </p:cNvSpPr>
+          <p:nvPr>
+            <p:ph type="sldNum" sz="quarter" idx="12"/>
+          </p:nvPr>
+        </p:nvSpPr>
+        <p:spPr/>
+        <p:txBody>
+          <a:bodyPr/>
+          <a:lstStyle/>
+          <a:p>
+            <a:fld id="{69E57DC2-970A-4B3E-BB1C-7A09969E49DF}" type="slidenum">
+              <a:rPr lang="en-US" smtClean="0"/>
+              <a:t>13</a:t>
             </a:fld>
             <a:endParaRPr lang="en-US" dirty="0"/>
           </a:p>
@@ -6451,7 +6632,7 @@
           <a:p>
             <a:fld id="{A952CE28-3BBD-4E63-98C1-32CE6D05C1AF}" type="datetime1">
               <a:rPr lang="en-US" smtClean="0"/>
-              <a:t>10/16/2020</a:t>
+              <a:t>10/20/2020</a:t>
             </a:fld>
             <a:endParaRPr lang="en-US" dirty="0"/>
           </a:p>
@@ -7083,7 +7264,7 @@
           <a:p>
             <a:fld id="{38E5E391-21C4-4D75-8816-07FDD7A433E6}" type="datetime1">
               <a:rPr lang="en-US" smtClean="0"/>
-              <a:t>10/16/2020</a:t>
+              <a:t>10/20/2020</a:t>
             </a:fld>
             <a:endParaRPr lang="en-US" dirty="0"/>
           </a:p>
@@ -7276,7 +7457,7 @@
           <a:p>
             <a:fld id="{668BDF01-66E7-498E-BCE9-62F68E49614E}" type="datetime1">
               <a:rPr lang="en-US" smtClean="0"/>
-              <a:t>10/16/2020</a:t>
+              <a:t>10/20/2020</a:t>
             </a:fld>
             <a:endParaRPr lang="en-US" dirty="0"/>
           </a:p>
@@ -7992,7 +8173,7 @@
           <a:p>
             <a:fld id="{667586B9-AC17-406A-8F1A-D664DC9B45B5}" type="datetime1">
               <a:rPr lang="en-US" smtClean="0"/>
-              <a:t>10/16/2020</a:t>
+              <a:t>10/20/2020</a:t>
             </a:fld>
             <a:endParaRPr lang="en-US" dirty="0"/>
           </a:p>
@@ -9627,7 +9808,7 @@
           <a:p>
             <a:fld id="{98AA1882-8BA2-4C85-8806-12D70CB7D77A}" type="datetime1">
               <a:rPr lang="en-US" smtClean="0"/>
-              <a:t>10/16/2020</a:t>
+              <a:t>10/20/2020</a:t>
             </a:fld>
             <a:endParaRPr lang="en-US" dirty="0"/>
           </a:p>
@@ -9818,7 +9999,7 @@
           <a:p>
             <a:fld id="{98AA1882-8BA2-4C85-8806-12D70CB7D77A}" type="datetime1">
               <a:rPr lang="en-US" smtClean="0"/>
-              <a:t>10/16/2020</a:t>
+              <a:t>10/20/2020</a:t>
             </a:fld>
             <a:endParaRPr lang="en-US" dirty="0"/>
           </a:p>
@@ -11284,7 +11465,7 @@
           <a:p>
             <a:fld id="{98AA1882-8BA2-4C85-8806-12D70CB7D77A}" type="datetime1">
               <a:rPr lang="en-US" smtClean="0"/>
-              <a:t>10/16/2020</a:t>
+              <a:t>10/20/2020</a:t>
             </a:fld>
             <a:endParaRPr lang="en-US" dirty="0"/>
           </a:p>
@@ -12499,7 +12680,7 @@
           <a:p>
             <a:fld id="{2C03F969-3CA1-4329-80D4-97FA07558DE8}" type="datetime1">
               <a:rPr lang="en-US" smtClean="0"/>
-              <a:t>10/16/2020</a:t>
+              <a:t>10/20/2020</a:t>
             </a:fld>
             <a:endParaRPr lang="en-US" dirty="0"/>
           </a:p>

--- a/Presentation/Lunar_Secondary_Ejecta_Model.pptx
+++ b/Presentation/Lunar_Secondary_Ejecta_Model.pptx
@@ -5,7 +5,7 @@
     <p:sldMasterId id="2147483648" r:id="rId1"/>
   </p:sldMasterIdLst>
   <p:notesMasterIdLst>
-    <p:notesMasterId r:id="rId15"/>
+    <p:notesMasterId r:id="rId25"/>
   </p:notesMasterIdLst>
   <p:sldIdLst>
     <p:sldId id="256" r:id="rId2"/>
@@ -16,11 +16,21 @@
     <p:sldId id="259" r:id="rId7"/>
     <p:sldId id="265" r:id="rId8"/>
     <p:sldId id="266" r:id="rId9"/>
-    <p:sldId id="267" r:id="rId10"/>
-    <p:sldId id="262" r:id="rId11"/>
-    <p:sldId id="268" r:id="rId12"/>
-    <p:sldId id="263" r:id="rId13"/>
-    <p:sldId id="264" r:id="rId14"/>
+    <p:sldId id="262" r:id="rId10"/>
+    <p:sldId id="268" r:id="rId11"/>
+    <p:sldId id="269" r:id="rId12"/>
+    <p:sldId id="271" r:id="rId13"/>
+    <p:sldId id="270" r:id="rId14"/>
+    <p:sldId id="272" r:id="rId15"/>
+    <p:sldId id="273" r:id="rId16"/>
+    <p:sldId id="274" r:id="rId17"/>
+    <p:sldId id="275" r:id="rId18"/>
+    <p:sldId id="276" r:id="rId19"/>
+    <p:sldId id="277" r:id="rId20"/>
+    <p:sldId id="263" r:id="rId21"/>
+    <p:sldId id="278" r:id="rId22"/>
+    <p:sldId id="279" r:id="rId23"/>
+    <p:sldId id="264" r:id="rId24"/>
   </p:sldIdLst>
   <p:sldSz cx="12192000" cy="6858000"/>
   <p:notesSz cx="6858000" cy="9144000"/>
@@ -209,7 +219,7 @@
           <a:p>
             <a:fld id="{D66CE0FA-CF16-48E5-A3CD-CEE8A404D375}" type="datetimeFigureOut">
               <a:rPr lang="en-US" smtClean="0"/>
-              <a:t>10/20/2020</a:t>
+              <a:t>10/23/2020</a:t>
             </a:fld>
             <a:endParaRPr lang="en-US"/>
           </a:p>
@@ -645,7 +655,7 @@
           <a:p>
             <a:fld id="{D64564BF-43B0-4E03-AB56-1E6EEBBB0E66}" type="datetime1">
               <a:rPr lang="en-US" smtClean="0"/>
-              <a:t>10/20/2020</a:t>
+              <a:t>10/23/2020</a:t>
             </a:fld>
             <a:endParaRPr lang="en-US" dirty="0"/>
           </a:p>
@@ -975,7 +985,7 @@
           <a:p>
             <a:fld id="{20ED8515-596C-4429-A5E3-60C19FEE9349}" type="datetime1">
               <a:rPr lang="en-US" smtClean="0"/>
-              <a:t>10/20/2020</a:t>
+              <a:t>10/23/2020</a:t>
             </a:fld>
             <a:endParaRPr lang="en-US" dirty="0"/>
           </a:p>
@@ -1154,7 +1164,7 @@
           <a:p>
             <a:fld id="{96ECA619-1251-4FE5-A008-8D6867A4E27F}" type="datetime1">
               <a:rPr lang="en-US" smtClean="0"/>
-              <a:t>10/20/2020</a:t>
+              <a:t>10/23/2020</a:t>
             </a:fld>
             <a:endParaRPr lang="en-US" dirty="0"/>
           </a:p>
@@ -1323,7 +1333,7 @@
           <a:p>
             <a:fld id="{2C03F969-3CA1-4329-80D4-97FA07558DE8}" type="datetime1">
               <a:rPr lang="en-US" smtClean="0"/>
-              <a:t>10/20/2020</a:t>
+              <a:t>10/23/2020</a:t>
             </a:fld>
             <a:endParaRPr lang="en-US" dirty="0"/>
           </a:p>
@@ -1599,7 +1609,7 @@
           <a:p>
             <a:fld id="{A472D5E3-86C3-4840-AEED-CEA38199AB51}" type="datetime1">
               <a:rPr lang="en-US" smtClean="0"/>
-              <a:t>10/20/2020</a:t>
+              <a:t>10/23/2020</a:t>
             </a:fld>
             <a:endParaRPr lang="en-US" dirty="0"/>
           </a:p>
@@ -1993,7 +2003,7 @@
           <a:p>
             <a:fld id="{39C7A0C8-05A4-4A3F-93B6-191D315A29CF}" type="datetime1">
               <a:rPr lang="en-US" smtClean="0"/>
-              <a:t>10/20/2020</a:t>
+              <a:t>10/23/2020</a:t>
             </a:fld>
             <a:endParaRPr lang="en-US" dirty="0"/>
           </a:p>
@@ -2469,7 +2479,7 @@
           <a:p>
             <a:fld id="{62B385BD-5A39-4BA1-BEFD-27F2E78E317D}" type="datetime1">
               <a:rPr lang="en-US" smtClean="0"/>
-              <a:t>10/20/2020</a:t>
+              <a:t>10/23/2020</a:t>
             </a:fld>
             <a:endParaRPr lang="en-US" dirty="0"/>
           </a:p>
@@ -2586,7 +2596,7 @@
           <a:p>
             <a:fld id="{6BB82FE9-0D29-4DFB-BC55-0FDD897EF4F1}" type="datetime1">
               <a:rPr lang="en-US" smtClean="0"/>
-              <a:t>10/20/2020</a:t>
+              <a:t>10/23/2020</a:t>
             </a:fld>
             <a:endParaRPr lang="en-US" dirty="0"/>
           </a:p>
@@ -2680,7 +2690,7 @@
           <a:p>
             <a:fld id="{679DFD58-5AB4-47EF-AC44-AAF5927F92AE}" type="datetime1">
               <a:rPr lang="en-US" smtClean="0"/>
-              <a:t>10/20/2020</a:t>
+              <a:t>10/23/2020</a:t>
             </a:fld>
             <a:endParaRPr lang="en-US" dirty="0"/>
           </a:p>
@@ -3025,7 +3035,7 @@
           <a:p>
             <a:fld id="{7BA31D8D-74D3-4DCD-ACC1-7C89FC10331C}" type="datetime1">
               <a:rPr lang="en-US" smtClean="0"/>
-              <a:t>10/20/2020</a:t>
+              <a:t>10/23/2020</a:t>
             </a:fld>
             <a:endParaRPr lang="en-US" dirty="0"/>
           </a:p>
@@ -3413,7 +3423,7 @@
           <a:p>
             <a:fld id="{7CE62E6B-D0F8-4013-9E1C-FD398708E4B5}" type="datetime1">
               <a:rPr lang="en-US" smtClean="0"/>
-              <a:t>10/20/2020</a:t>
+              <a:t>10/23/2020</a:t>
             </a:fld>
             <a:endParaRPr lang="en-US" dirty="0"/>
           </a:p>
@@ -3691,7 +3701,7 @@
           <a:p>
             <a:fld id="{31E3BC98-00F5-4D3F-8412-54ED942AE7BA}" type="datetime1">
               <a:rPr lang="en-US" smtClean="0"/>
-              <a:t>10/20/2020</a:t>
+              <a:t>10/23/2020</a:t>
             </a:fld>
             <a:endParaRPr lang="en-US" dirty="0"/>
           </a:p>
@@ -4279,7 +4289,7 @@
           <a:p>
             <a:r>
               <a:rPr lang="en-US" dirty="0"/>
-              <a:t>10/20/2020</a:t>
+              <a:t>10/23/2020</a:t>
             </a:r>
           </a:p>
         </p:txBody>
@@ -4307,7 +4317,7 @@
           <a:p>
             <a:fld id="{2D0411A3-5602-45C2-B4C5-DE9BA003B67D}" type="datetime1">
               <a:rPr lang="en-US" smtClean="0"/>
-              <a:t>10/20/2020</a:t>
+              <a:t>10/23/2020</a:t>
             </a:fld>
             <a:endParaRPr lang="en-US" dirty="0"/>
           </a:p>
@@ -4407,7 +4417,7 @@
           <p:cNvPr id="2" name="Title 1">
             <a:extLst>
               <a:ext uri="{FF2B5EF4-FFF2-40B4-BE49-F238E27FC236}">
-                <a16:creationId xmlns:a16="http://schemas.microsoft.com/office/drawing/2014/main" id="{61785327-57CA-43A2-B8BD-89B204308B40}"/>
+                <a16:creationId xmlns:a16="http://schemas.microsoft.com/office/drawing/2014/main" id="{F82A0460-4F39-47EC-AE72-C5BC52F3A794}"/>
               </a:ext>
             </a:extLst>
           </p:cNvPr>
@@ -4420,419 +4430,572 @@
         </p:nvSpPr>
         <p:spPr>
           <a:xfrm>
-            <a:off x="1295400" y="115957"/>
+            <a:off x="1371600" y="85725"/>
             <a:ext cx="9601200" cy="1485900"/>
           </a:xfrm>
         </p:spPr>
         <p:txBody>
-          <a:bodyPr/>
+          <a:bodyPr>
+            <a:normAutofit/>
+          </a:bodyPr>
           <a:lstStyle/>
           <a:p>
             <a:r>
               <a:rPr lang="en-US" dirty="0"/>
-              <a:t>Overview</a:t>
+              <a:t>Sporadic meteoroid flux</a:t>
+            </a:r>
+            <a:br>
+              <a:rPr lang="en-US" dirty="0"/>
+            </a:br>
+            <a:r>
+              <a:rPr lang="en-US" dirty="0"/>
+              <a:t>(</a:t>
+            </a:r>
+            <a:r>
+              <a:rPr lang="en-US" dirty="0" err="1"/>
+              <a:t>Grun</a:t>
+            </a:r>
+            <a:r>
+              <a:rPr lang="en-US" dirty="0"/>
+              <a:t> et al. 1985)</a:t>
             </a:r>
           </a:p>
         </p:txBody>
       </p:sp>
-      <p:sp>
-        <p:nvSpPr>
-          <p:cNvPr id="3" name="Content Placeholder 2">
-            <a:extLst>
-              <a:ext uri="{FF2B5EF4-FFF2-40B4-BE49-F238E27FC236}">
-                <a16:creationId xmlns:a16="http://schemas.microsoft.com/office/drawing/2014/main" id="{57DBFB6B-E09C-48D4-A040-1D2A2EE7A9A2}"/>
-              </a:ext>
-            </a:extLst>
-          </p:cNvPr>
-          <p:cNvSpPr>
-            <a:spLocks noGrp="1"/>
-          </p:cNvSpPr>
-          <p:nvPr>
-            <p:ph idx="1"/>
-          </p:nvPr>
-        </p:nvSpPr>
-        <p:spPr>
-          <a:xfrm>
-            <a:off x="1388446" y="858906"/>
-            <a:ext cx="9601200" cy="5594479"/>
-          </a:xfrm>
-        </p:spPr>
-        <p:txBody>
-          <a:bodyPr>
-            <a:normAutofit fontScale="70000" lnSpcReduction="20000"/>
-          </a:bodyPr>
-          <a:lstStyle/>
-          <a:p>
-            <a:r>
-              <a:rPr lang="en-US" dirty="0">
-                <a:solidFill>
-                  <a:schemeClr val="bg1">
-                    <a:lumMod val="65000"/>
-                  </a:schemeClr>
-                </a:solidFill>
-              </a:rPr>
-              <a:t>DSNE Rev H Lunar Ejecta Model – NASA SP-8013 (1969)</a:t>
-            </a:r>
-          </a:p>
-          <a:p>
-            <a:pPr lvl="1"/>
-            <a:r>
-              <a:rPr lang="en-US" i="0" dirty="0">
-                <a:solidFill>
-                  <a:schemeClr val="bg1">
-                    <a:lumMod val="65000"/>
-                  </a:schemeClr>
-                </a:solidFill>
-              </a:rPr>
-              <a:t>Based on Zook 1967</a:t>
-            </a:r>
-          </a:p>
-          <a:p>
-            <a:r>
-              <a:rPr lang="en-US" dirty="0">
-                <a:solidFill>
-                  <a:schemeClr val="bg1">
-                    <a:lumMod val="65000"/>
-                  </a:schemeClr>
-                </a:solidFill>
-              </a:rPr>
-              <a:t>Brief (non-exhaustive) Review of Impact-Ejecta Scaling Models</a:t>
-            </a:r>
-          </a:p>
-          <a:p>
-            <a:pPr lvl="1"/>
-            <a:r>
-              <a:rPr lang="en-US" i="0" dirty="0">
-                <a:solidFill>
-                  <a:schemeClr val="bg1">
-                    <a:lumMod val="65000"/>
-                  </a:schemeClr>
-                </a:solidFill>
-              </a:rPr>
-              <a:t>Zook 1967</a:t>
-            </a:r>
-          </a:p>
-          <a:p>
-            <a:pPr lvl="1"/>
-            <a:r>
-              <a:rPr lang="en-US" i="0" dirty="0" err="1">
-                <a:solidFill>
-                  <a:schemeClr val="bg1">
-                    <a:lumMod val="65000"/>
-                  </a:schemeClr>
-                </a:solidFill>
-              </a:rPr>
-              <a:t>Krivov</a:t>
-            </a:r>
-            <a:r>
-              <a:rPr lang="en-US" i="0" dirty="0">
-                <a:solidFill>
-                  <a:schemeClr val="bg1">
-                    <a:lumMod val="65000"/>
-                  </a:schemeClr>
-                </a:solidFill>
-              </a:rPr>
-              <a:t> et al. 2003</a:t>
-            </a:r>
-          </a:p>
-          <a:p>
-            <a:pPr lvl="1"/>
-            <a:r>
-              <a:rPr lang="en-US" i="0" dirty="0" err="1">
-                <a:solidFill>
-                  <a:schemeClr val="bg1">
-                    <a:lumMod val="65000"/>
-                  </a:schemeClr>
-                </a:solidFill>
-              </a:rPr>
-              <a:t>Housen</a:t>
-            </a:r>
-            <a:r>
-              <a:rPr lang="en-US" i="0" dirty="0">
-                <a:solidFill>
-                  <a:schemeClr val="bg1">
-                    <a:lumMod val="65000"/>
-                  </a:schemeClr>
-                </a:solidFill>
-              </a:rPr>
-              <a:t> &amp; </a:t>
-            </a:r>
-            <a:r>
-              <a:rPr lang="en-US" i="0" dirty="0" err="1">
-                <a:solidFill>
-                  <a:schemeClr val="bg1">
-                    <a:lumMod val="65000"/>
-                  </a:schemeClr>
-                </a:solidFill>
-              </a:rPr>
-              <a:t>Holsapple</a:t>
-            </a:r>
-            <a:r>
-              <a:rPr lang="en-US" i="0" dirty="0">
-                <a:solidFill>
-                  <a:schemeClr val="bg1">
-                    <a:lumMod val="65000"/>
-                  </a:schemeClr>
-                </a:solidFill>
-              </a:rPr>
-              <a:t> 2011</a:t>
-            </a:r>
-          </a:p>
-          <a:p>
-            <a:r>
-              <a:rPr lang="en-US" dirty="0"/>
-              <a:t>Proposed New DSNE Model -- Lunar Meteoroid Ejecta Model (</a:t>
-            </a:r>
-            <a:r>
-              <a:rPr lang="en-US" dirty="0" err="1"/>
-              <a:t>LuMEM</a:t>
-            </a:r>
-            <a:r>
-              <a:rPr lang="en-US" dirty="0"/>
-              <a:t>)</a:t>
-            </a:r>
-          </a:p>
-          <a:p>
-            <a:pPr lvl="1"/>
-            <a:r>
-              <a:rPr lang="en-US" i="0" dirty="0"/>
-              <a:t>Sporadic meteoroid flux (</a:t>
-            </a:r>
-            <a:r>
-              <a:rPr lang="en-US" i="0" dirty="0" err="1"/>
-              <a:t>Grun</a:t>
-            </a:r>
-            <a:r>
-              <a:rPr lang="en-US" i="0" dirty="0"/>
-              <a:t> et al 1985)</a:t>
-            </a:r>
-          </a:p>
-          <a:p>
-            <a:pPr lvl="1"/>
-            <a:r>
-              <a:rPr lang="en-US" i="0" dirty="0"/>
-              <a:t>Near Earth Object (NEO) flux (Brown et al 2002)</a:t>
-            </a:r>
-          </a:p>
-          <a:p>
-            <a:pPr lvl="1"/>
-            <a:r>
-              <a:rPr lang="en-US" i="0" dirty="0"/>
-              <a:t>Impact-ejecta scaling model (</a:t>
-            </a:r>
-            <a:r>
-              <a:rPr lang="en-US" i="0" dirty="0" err="1"/>
-              <a:t>Housen</a:t>
-            </a:r>
-            <a:r>
-              <a:rPr lang="en-US" i="0" dirty="0"/>
-              <a:t> &amp; </a:t>
-            </a:r>
-            <a:r>
-              <a:rPr lang="en-US" i="0" dirty="0" err="1"/>
-              <a:t>Holsapple</a:t>
-            </a:r>
-            <a:r>
-              <a:rPr lang="en-US" i="0" dirty="0"/>
-              <a:t> 2011)</a:t>
-            </a:r>
-          </a:p>
-          <a:p>
-            <a:pPr lvl="1"/>
-            <a:r>
-              <a:rPr lang="en-US" i="0" dirty="0"/>
-              <a:t>Ejecta particle size distribution (Carrier 2003)</a:t>
-            </a:r>
-          </a:p>
-          <a:p>
-            <a:pPr lvl="1"/>
-            <a:r>
-              <a:rPr lang="en-US" i="0" dirty="0"/>
-              <a:t>Ejecta zenith angle distribution (empirically from Gault &amp; </a:t>
-            </a:r>
-            <a:r>
-              <a:rPr lang="en-US" i="0" dirty="0" err="1"/>
-              <a:t>Wedekind</a:t>
-            </a:r>
-            <a:r>
-              <a:rPr lang="en-US" i="0" dirty="0"/>
-              <a:t> 1978)</a:t>
-            </a:r>
-          </a:p>
-          <a:p>
-            <a:pPr lvl="1"/>
-            <a:r>
-              <a:rPr lang="en-US" i="0" dirty="0"/>
-              <a:t>Ejecta azimuth angle distribution (modified from Rival &amp; Mandeville 1999)</a:t>
-            </a:r>
-          </a:p>
-          <a:p>
-            <a:r>
-              <a:rPr lang="en-US" dirty="0">
-                <a:solidFill>
-                  <a:schemeClr val="bg1">
-                    <a:lumMod val="65000"/>
-                  </a:schemeClr>
-                </a:solidFill>
-              </a:rPr>
-              <a:t>Analytic model of lunar ejecta</a:t>
-            </a:r>
-          </a:p>
-          <a:p>
-            <a:pPr lvl="1"/>
-            <a:r>
-              <a:rPr lang="en-US" i="0" dirty="0">
-                <a:solidFill>
-                  <a:schemeClr val="bg1">
-                    <a:lumMod val="65000"/>
-                  </a:schemeClr>
-                </a:solidFill>
-              </a:rPr>
-              <a:t>Speed distribution as a function of distance</a:t>
-            </a:r>
-          </a:p>
-          <a:p>
-            <a:pPr lvl="1"/>
-            <a:r>
-              <a:rPr lang="en-US" i="0" dirty="0">
-                <a:solidFill>
-                  <a:schemeClr val="bg1">
-                    <a:lumMod val="65000"/>
-                  </a:schemeClr>
-                </a:solidFill>
-              </a:rPr>
-              <a:t>Secondary flux as a function of distance</a:t>
-            </a:r>
-          </a:p>
-          <a:p>
-            <a:pPr lvl="1"/>
-            <a:r>
-              <a:rPr lang="en-US" i="0" dirty="0">
-                <a:solidFill>
-                  <a:schemeClr val="bg1">
-                    <a:lumMod val="65000"/>
-                  </a:schemeClr>
-                </a:solidFill>
-              </a:rPr>
-              <a:t>Secondary flux in terms of primary flux</a:t>
-            </a:r>
-          </a:p>
-          <a:p>
-            <a:r>
-              <a:rPr lang="en-US" dirty="0">
-                <a:solidFill>
-                  <a:schemeClr val="bg1">
-                    <a:lumMod val="65000"/>
-                  </a:schemeClr>
-                </a:solidFill>
-              </a:rPr>
-              <a:t>Results of </a:t>
-            </a:r>
-            <a:r>
-              <a:rPr lang="en-US" dirty="0" err="1">
-                <a:solidFill>
-                  <a:schemeClr val="bg1">
-                    <a:lumMod val="65000"/>
-                  </a:schemeClr>
-                </a:solidFill>
-              </a:rPr>
-              <a:t>LuMEM</a:t>
-            </a:r>
-            <a:endParaRPr lang="en-US" dirty="0">
-              <a:solidFill>
-                <a:schemeClr val="bg1">
-                  <a:lumMod val="65000"/>
-                </a:schemeClr>
-              </a:solidFill>
-            </a:endParaRPr>
-          </a:p>
-          <a:p>
-            <a:pPr lvl="1"/>
-            <a:r>
-              <a:rPr lang="en-US" i="0" dirty="0">
-                <a:solidFill>
-                  <a:schemeClr val="bg1">
-                    <a:lumMod val="65000"/>
-                  </a:schemeClr>
-                </a:solidFill>
-              </a:rPr>
-              <a:t>Igloo number flux distribution (based on MEM3, see Moorhead et al 2019)</a:t>
-            </a:r>
-          </a:p>
-          <a:p>
-            <a:pPr lvl="1"/>
-            <a:r>
-              <a:rPr lang="en-US" i="0" dirty="0">
-                <a:solidFill>
-                  <a:schemeClr val="bg1">
-                    <a:lumMod val="65000"/>
-                  </a:schemeClr>
-                </a:solidFill>
-              </a:rPr>
-              <a:t>Ejecta size scaling (derived from Carrier 2003)</a:t>
-            </a:r>
-          </a:p>
-          <a:p>
-            <a:pPr lvl="1"/>
-            <a:r>
-              <a:rPr lang="en-US" i="0" dirty="0">
-                <a:solidFill>
-                  <a:schemeClr val="bg1">
-                    <a:lumMod val="65000"/>
-                  </a:schemeClr>
-                </a:solidFill>
-              </a:rPr>
-              <a:t>Ejecta speed scaling (</a:t>
-            </a:r>
-            <a:r>
-              <a:rPr lang="en-US" i="0" dirty="0" err="1">
-                <a:solidFill>
-                  <a:schemeClr val="bg1">
-                    <a:lumMod val="65000"/>
-                  </a:schemeClr>
-                </a:solidFill>
-              </a:rPr>
-              <a:t>Housen</a:t>
-            </a:r>
-            <a:r>
-              <a:rPr lang="en-US" i="0" dirty="0">
-                <a:solidFill>
-                  <a:schemeClr val="bg1">
-                    <a:lumMod val="65000"/>
-                  </a:schemeClr>
-                </a:solidFill>
-              </a:rPr>
-              <a:t> &amp; </a:t>
-            </a:r>
-            <a:r>
-              <a:rPr lang="en-US" i="0" dirty="0" err="1">
-                <a:solidFill>
-                  <a:schemeClr val="bg1">
-                    <a:lumMod val="65000"/>
-                  </a:schemeClr>
-                </a:solidFill>
-              </a:rPr>
-              <a:t>Holsapple</a:t>
-            </a:r>
-            <a:r>
-              <a:rPr lang="en-US" i="0" dirty="0">
-                <a:solidFill>
-                  <a:schemeClr val="bg1">
-                    <a:lumMod val="65000"/>
-                  </a:schemeClr>
-                </a:solidFill>
-              </a:rPr>
-              <a:t> 2011)</a:t>
-            </a:r>
-          </a:p>
-        </p:txBody>
-      </p:sp>
+      <mc:AlternateContent xmlns:mc="http://schemas.openxmlformats.org/markup-compatibility/2006">
+        <mc:Choice xmlns:a14="http://schemas.microsoft.com/office/drawing/2010/main" Requires="a14">
+          <p:sp>
+            <p:nvSpPr>
+              <p:cNvPr id="3" name="Content Placeholder 2">
+                <a:extLst>
+                  <a:ext uri="{FF2B5EF4-FFF2-40B4-BE49-F238E27FC236}">
+                    <a16:creationId xmlns:a16="http://schemas.microsoft.com/office/drawing/2014/main" id="{B38E53E6-C632-4974-8D5E-FC6A4228BDCC}"/>
+                  </a:ext>
+                </a:extLst>
+              </p:cNvPr>
+              <p:cNvSpPr>
+                <a:spLocks noGrp="1"/>
+              </p:cNvSpPr>
+              <p:nvPr>
+                <p:ph idx="1"/>
+              </p:nvPr>
+            </p:nvSpPr>
+            <p:spPr>
+              <a:xfrm>
+                <a:off x="1371600" y="1409701"/>
+                <a:ext cx="4838700" cy="4829174"/>
+              </a:xfrm>
+            </p:spPr>
+            <p:txBody>
+              <a:bodyPr>
+                <a:normAutofit fontScale="92500" lnSpcReduction="10000"/>
+              </a:bodyPr>
+              <a:lstStyle/>
+              <a:p>
+                <a:r>
+                  <a:rPr lang="en-US" dirty="0"/>
+                  <a:t>MEM3 is valid for interplanetary fluxes with masses greater than 1E-6 grams</a:t>
+                </a:r>
+              </a:p>
+              <a:p>
+                <a:pPr lvl="1"/>
+                <a:r>
+                  <a:rPr lang="en-US" dirty="0"/>
+                  <a:t>The </a:t>
+                </a:r>
+                <a:r>
+                  <a:rPr lang="en-US" dirty="0" err="1"/>
+                  <a:t>Grun</a:t>
+                </a:r>
+                <a:r>
+                  <a:rPr lang="en-US" dirty="0"/>
+                  <a:t> flux in this case is normalized to 1 at 1E-6 grams</a:t>
+                </a:r>
+              </a:p>
+              <a:p>
+                <a:r>
+                  <a:rPr lang="en-US" dirty="0"/>
+                  <a:t>The </a:t>
+                </a:r>
+                <a:r>
+                  <a:rPr lang="en-US" dirty="0" err="1"/>
+                  <a:t>Grun</a:t>
+                </a:r>
+                <a:r>
+                  <a:rPr lang="en-US" dirty="0"/>
+                  <a:t> fluxes [#/m^2/</a:t>
+                </a:r>
+                <a:r>
+                  <a:rPr lang="en-US" dirty="0" err="1"/>
+                  <a:t>yr</a:t>
+                </a:r>
+                <a:r>
+                  <a:rPr lang="en-US" dirty="0"/>
+                  <a:t>] in the range 1E-6 to 10 grams can be fit by a double power-law</a:t>
+                </a:r>
+              </a:p>
+              <a:p>
+                <a:pPr lvl="1"/>
+                <a14:m>
+                  <m:oMath xmlns:m="http://schemas.openxmlformats.org/officeDocument/2006/math">
+                    <m:r>
+                      <a:rPr lang="en-US" b="0" i="1" smtClean="0">
+                        <a:latin typeface="Cambria Math" panose="02040503050406030204" pitchFamily="18" charset="0"/>
+                      </a:rPr>
+                      <m:t>𝑔</m:t>
+                    </m:r>
+                    <m:d>
+                      <m:dPr>
+                        <m:ctrlPr>
+                          <a:rPr lang="en-US" b="0" i="1" smtClean="0">
+                            <a:latin typeface="Cambria Math" panose="02040503050406030204" pitchFamily="18" charset="0"/>
+                          </a:rPr>
+                        </m:ctrlPr>
+                      </m:dPr>
+                      <m:e>
+                        <m:r>
+                          <a:rPr lang="en-US" b="0" i="1" smtClean="0">
+                            <a:latin typeface="Cambria Math" panose="02040503050406030204" pitchFamily="18" charset="0"/>
+                          </a:rPr>
+                          <m:t>𝑚</m:t>
+                        </m:r>
+                      </m:e>
+                    </m:d>
+                    <m:r>
+                      <a:rPr lang="en-US" b="0" i="1" smtClean="0">
+                        <a:latin typeface="Cambria Math" panose="02040503050406030204" pitchFamily="18" charset="0"/>
+                      </a:rPr>
+                      <m:t>~</m:t>
+                    </m:r>
+                    <m:f>
+                      <m:fPr>
+                        <m:ctrlPr>
+                          <a:rPr lang="en-US" b="0" i="1" smtClean="0">
+                            <a:latin typeface="Cambria Math" panose="02040503050406030204" pitchFamily="18" charset="0"/>
+                          </a:rPr>
+                        </m:ctrlPr>
+                      </m:fPr>
+                      <m:num>
+                        <m:r>
+                          <a:rPr lang="en-US" b="0" i="1" smtClean="0">
+                            <a:latin typeface="Cambria Math" panose="02040503050406030204" pitchFamily="18" charset="0"/>
+                          </a:rPr>
+                          <m:t>2.264</m:t>
+                        </m:r>
+                        <m:r>
+                          <a:rPr lang="en-US" b="0" i="1" smtClean="0">
+                            <a:latin typeface="Cambria Math" panose="02040503050406030204" pitchFamily="18" charset="0"/>
+                          </a:rPr>
+                          <m:t>×</m:t>
+                        </m:r>
+                        <m:sSup>
+                          <m:sSupPr>
+                            <m:ctrlPr>
+                              <a:rPr lang="en-US" b="0" i="1" smtClean="0">
+                                <a:latin typeface="Cambria Math" panose="02040503050406030204" pitchFamily="18" charset="0"/>
+                              </a:rPr>
+                            </m:ctrlPr>
+                          </m:sSupPr>
+                          <m:e>
+                            <m:r>
+                              <a:rPr lang="en-US" b="0" i="1" smtClean="0">
+                                <a:latin typeface="Cambria Math" panose="02040503050406030204" pitchFamily="18" charset="0"/>
+                              </a:rPr>
+                              <m:t>10</m:t>
+                            </m:r>
+                          </m:e>
+                          <m:sup>
+                            <m:r>
+                              <a:rPr lang="en-US" b="0" i="1" smtClean="0">
+                                <a:latin typeface="Cambria Math" panose="02040503050406030204" pitchFamily="18" charset="0"/>
+                              </a:rPr>
+                              <m:t>−15</m:t>
+                            </m:r>
+                          </m:sup>
+                        </m:sSup>
+                      </m:num>
+                      <m:den>
+                        <m:sSup>
+                          <m:sSupPr>
+                            <m:ctrlPr>
+                              <a:rPr lang="en-US" b="0" i="1" smtClean="0">
+                                <a:latin typeface="Cambria Math" panose="02040503050406030204" pitchFamily="18" charset="0"/>
+                              </a:rPr>
+                            </m:ctrlPr>
+                          </m:sSupPr>
+                          <m:e>
+                            <m:d>
+                              <m:dPr>
+                                <m:ctrlPr>
+                                  <a:rPr lang="en-US" b="0" i="1" smtClean="0">
+                                    <a:latin typeface="Cambria Math" panose="02040503050406030204" pitchFamily="18" charset="0"/>
+                                  </a:rPr>
+                                </m:ctrlPr>
+                              </m:dPr>
+                              <m:e>
+                                <m:f>
+                                  <m:fPr>
+                                    <m:ctrlPr>
+                                      <a:rPr lang="en-US" b="0" i="1" smtClean="0">
+                                        <a:latin typeface="Cambria Math" panose="02040503050406030204" pitchFamily="18" charset="0"/>
+                                      </a:rPr>
+                                    </m:ctrlPr>
+                                  </m:fPr>
+                                  <m:num>
+                                    <m:r>
+                                      <a:rPr lang="en-US" b="0" i="1" smtClean="0">
+                                        <a:latin typeface="Cambria Math" panose="02040503050406030204" pitchFamily="18" charset="0"/>
+                                      </a:rPr>
+                                      <m:t>𝑚</m:t>
+                                    </m:r>
+                                  </m:num>
+                                  <m:den>
+                                    <m:r>
+                                      <a:rPr lang="en-US" b="0" i="1" smtClean="0">
+                                        <a:latin typeface="Cambria Math" panose="02040503050406030204" pitchFamily="18" charset="0"/>
+                                      </a:rPr>
+                                      <m:t>553</m:t>
+                                    </m:r>
+                                  </m:den>
+                                </m:f>
+                              </m:e>
+                            </m:d>
+                          </m:e>
+                          <m:sup>
+                            <m:r>
+                              <a:rPr lang="en-US" b="0" i="1" smtClean="0">
+                                <a:latin typeface="Cambria Math" panose="02040503050406030204" pitchFamily="18" charset="0"/>
+                              </a:rPr>
+                              <m:t>0.852</m:t>
+                            </m:r>
+                          </m:sup>
+                        </m:sSup>
+                        <m:r>
+                          <a:rPr lang="en-US" b="0" i="1" smtClean="0">
+                            <a:latin typeface="Cambria Math" panose="02040503050406030204" pitchFamily="18" charset="0"/>
+                          </a:rPr>
+                          <m:t>+</m:t>
+                        </m:r>
+                        <m:sSup>
+                          <m:sSupPr>
+                            <m:ctrlPr>
+                              <a:rPr lang="en-US" b="0" i="1" smtClean="0">
+                                <a:latin typeface="Cambria Math" panose="02040503050406030204" pitchFamily="18" charset="0"/>
+                              </a:rPr>
+                            </m:ctrlPr>
+                          </m:sSupPr>
+                          <m:e>
+                            <m:r>
+                              <a:rPr lang="en-US" b="0" i="1" smtClean="0">
+                                <a:latin typeface="Cambria Math" panose="02040503050406030204" pitchFamily="18" charset="0"/>
+                              </a:rPr>
+                              <m:t>𝑚</m:t>
+                            </m:r>
+                          </m:e>
+                          <m:sup>
+                            <m:r>
+                              <a:rPr lang="en-US" b="0" i="1" smtClean="0">
+                                <a:latin typeface="Cambria Math" panose="02040503050406030204" pitchFamily="18" charset="0"/>
+                              </a:rPr>
+                              <m:t>1.32</m:t>
+                            </m:r>
+                          </m:sup>
+                        </m:sSup>
+                      </m:den>
+                    </m:f>
+                  </m:oMath>
+                </a14:m>
+                <a:endParaRPr lang="en-US" dirty="0"/>
+              </a:p>
+              <a:p>
+                <a:r>
+                  <a:rPr lang="en-US" dirty="0"/>
+                  <a:t>When accounting for all primary masses, the differential </a:t>
+                </a:r>
+                <a:r>
+                  <a:rPr lang="en-US" dirty="0" err="1"/>
+                  <a:t>Grun</a:t>
+                </a:r>
+                <a:r>
+                  <a:rPr lang="en-US" dirty="0"/>
+                  <a:t> flux [#/m^2/</a:t>
+                </a:r>
+                <a:r>
+                  <a:rPr lang="en-US" dirty="0" err="1"/>
+                  <a:t>yr</a:t>
+                </a:r>
+                <a:r>
+                  <a:rPr lang="en-US" dirty="0"/>
+                  <a:t>/g] is integrated over with the mass dependence of the particular scaling law</a:t>
+                </a:r>
+              </a:p>
+              <a:p>
+                <a:pPr lvl="1"/>
+                <a14:m>
+                  <m:oMath xmlns:m="http://schemas.openxmlformats.org/officeDocument/2006/math">
+                    <m:f>
+                      <m:fPr>
+                        <m:ctrlPr>
+                          <a:rPr lang="en-US" i="1" smtClean="0">
+                            <a:latin typeface="Cambria Math" panose="02040503050406030204" pitchFamily="18" charset="0"/>
+                          </a:rPr>
+                        </m:ctrlPr>
+                      </m:fPr>
+                      <m:num>
+                        <m:r>
+                          <a:rPr lang="en-US" b="0" i="1" smtClean="0">
+                            <a:latin typeface="Cambria Math" panose="02040503050406030204" pitchFamily="18" charset="0"/>
+                          </a:rPr>
+                          <m:t>𝑑</m:t>
+                        </m:r>
+                        <m:r>
+                          <a:rPr lang="en-US">
+                            <a:latin typeface="Cambria Math" panose="02040503050406030204" pitchFamily="18" charset="0"/>
+                          </a:rPr>
+                          <m:t>𝑔</m:t>
+                        </m:r>
+                        <m:d>
+                          <m:dPr>
+                            <m:ctrlPr>
+                              <a:rPr lang="en-US">
+                                <a:latin typeface="Cambria Math" panose="02040503050406030204" pitchFamily="18" charset="0"/>
+                              </a:rPr>
+                            </m:ctrlPr>
+                          </m:dPr>
+                          <m:e>
+                            <m:r>
+                              <a:rPr lang="en-US">
+                                <a:latin typeface="Cambria Math" panose="02040503050406030204" pitchFamily="18" charset="0"/>
+                              </a:rPr>
+                              <m:t>𝑚</m:t>
+                            </m:r>
+                          </m:e>
+                        </m:d>
+                      </m:num>
+                      <m:den>
+                        <m:r>
+                          <a:rPr lang="en-US" b="0" i="1" smtClean="0">
+                            <a:latin typeface="Cambria Math" panose="02040503050406030204" pitchFamily="18" charset="0"/>
+                          </a:rPr>
+                          <m:t>𝑑𝑚</m:t>
+                        </m:r>
+                      </m:den>
+                    </m:f>
+                    <m:r>
+                      <a:rPr lang="en-US">
+                        <a:latin typeface="Cambria Math" panose="02040503050406030204" pitchFamily="18" charset="0"/>
+                      </a:rPr>
+                      <m:t>~</m:t>
+                    </m:r>
+                    <m:f>
+                      <m:fPr>
+                        <m:ctrlPr>
+                          <a:rPr lang="en-US">
+                            <a:latin typeface="Cambria Math" panose="02040503050406030204" pitchFamily="18" charset="0"/>
+                          </a:rPr>
+                        </m:ctrlPr>
+                      </m:fPr>
+                      <m:num>
+                        <m:r>
+                          <a:rPr lang="en-US" b="0" i="1" smtClean="0">
+                            <a:latin typeface="Cambria Math" panose="02040503050406030204" pitchFamily="18" charset="0"/>
+                          </a:rPr>
+                          <m:t>−</m:t>
+                        </m:r>
+                        <m:r>
+                          <a:rPr lang="en-US" b="0" i="1" smtClean="0">
+                            <a:latin typeface="Cambria Math" panose="02040503050406030204" pitchFamily="18" charset="0"/>
+                          </a:rPr>
+                          <m:t>3.0309</m:t>
+                        </m:r>
+                        <m:r>
+                          <a:rPr lang="en-US">
+                            <a:latin typeface="Cambria Math" panose="02040503050406030204" pitchFamily="18" charset="0"/>
+                          </a:rPr>
+                          <m:t>×</m:t>
+                        </m:r>
+                        <m:sSup>
+                          <m:sSupPr>
+                            <m:ctrlPr>
+                              <a:rPr lang="en-US">
+                                <a:latin typeface="Cambria Math" panose="02040503050406030204" pitchFamily="18" charset="0"/>
+                              </a:rPr>
+                            </m:ctrlPr>
+                          </m:sSupPr>
+                          <m:e>
+                            <m:r>
+                              <a:rPr lang="en-US">
+                                <a:latin typeface="Cambria Math" panose="02040503050406030204" pitchFamily="18" charset="0"/>
+                              </a:rPr>
+                              <m:t>10</m:t>
+                            </m:r>
+                          </m:e>
+                          <m:sup>
+                            <m:r>
+                              <a:rPr lang="en-US">
+                                <a:latin typeface="Cambria Math" panose="02040503050406030204" pitchFamily="18" charset="0"/>
+                              </a:rPr>
+                              <m:t>−15</m:t>
+                            </m:r>
+                          </m:sup>
+                        </m:sSup>
+                      </m:num>
+                      <m:den>
+                        <m:sSup>
+                          <m:sSupPr>
+                            <m:ctrlPr>
+                              <a:rPr lang="en-US">
+                                <a:latin typeface="Cambria Math" panose="02040503050406030204" pitchFamily="18" charset="0"/>
+                              </a:rPr>
+                            </m:ctrlPr>
+                          </m:sSupPr>
+                          <m:e>
+                            <m:d>
+                              <m:dPr>
+                                <m:ctrlPr>
+                                  <a:rPr lang="en-US">
+                                    <a:latin typeface="Cambria Math" panose="02040503050406030204" pitchFamily="18" charset="0"/>
+                                  </a:rPr>
+                                </m:ctrlPr>
+                              </m:dPr>
+                              <m:e>
+                                <m:f>
+                                  <m:fPr>
+                                    <m:ctrlPr>
+                                      <a:rPr lang="en-US">
+                                        <a:latin typeface="Cambria Math" panose="02040503050406030204" pitchFamily="18" charset="0"/>
+                                      </a:rPr>
+                                    </m:ctrlPr>
+                                  </m:fPr>
+                                  <m:num>
+                                    <m:r>
+                                      <a:rPr lang="en-US">
+                                        <a:latin typeface="Cambria Math" panose="02040503050406030204" pitchFamily="18" charset="0"/>
+                                      </a:rPr>
+                                      <m:t>𝑚</m:t>
+                                    </m:r>
+                                  </m:num>
+                                  <m:den>
+                                    <m:r>
+                                      <a:rPr lang="en-US" b="0" i="1" smtClean="0">
+                                        <a:latin typeface="Cambria Math" panose="02040503050406030204" pitchFamily="18" charset="0"/>
+                                      </a:rPr>
+                                      <m:t>23</m:t>
+                                    </m:r>
+                                  </m:den>
+                                </m:f>
+                              </m:e>
+                            </m:d>
+                          </m:e>
+                          <m:sup>
+                            <m:r>
+                              <a:rPr lang="en-US" b="0" i="1" smtClean="0">
+                                <a:latin typeface="Cambria Math" panose="02040503050406030204" pitchFamily="18" charset="0"/>
+                              </a:rPr>
+                              <m:t>1.80</m:t>
+                            </m:r>
+                          </m:sup>
+                        </m:sSup>
+                        <m:r>
+                          <a:rPr lang="en-US">
+                            <a:latin typeface="Cambria Math" panose="02040503050406030204" pitchFamily="18" charset="0"/>
+                          </a:rPr>
+                          <m:t>+</m:t>
+                        </m:r>
+                        <m:sSup>
+                          <m:sSupPr>
+                            <m:ctrlPr>
+                              <a:rPr lang="en-US">
+                                <a:latin typeface="Cambria Math" panose="02040503050406030204" pitchFamily="18" charset="0"/>
+                              </a:rPr>
+                            </m:ctrlPr>
+                          </m:sSupPr>
+                          <m:e>
+                            <m:r>
+                              <a:rPr lang="en-US">
+                                <a:latin typeface="Cambria Math" panose="02040503050406030204" pitchFamily="18" charset="0"/>
+                              </a:rPr>
+                              <m:t>𝑚</m:t>
+                            </m:r>
+                          </m:e>
+                          <m:sup>
+                            <m:r>
+                              <a:rPr lang="en-US" b="0" i="1" smtClean="0">
+                                <a:latin typeface="Cambria Math" panose="02040503050406030204" pitchFamily="18" charset="0"/>
+                              </a:rPr>
+                              <m:t>2</m:t>
+                            </m:r>
+                            <m:r>
+                              <a:rPr lang="en-US">
+                                <a:latin typeface="Cambria Math" panose="02040503050406030204" pitchFamily="18" charset="0"/>
+                              </a:rPr>
+                              <m:t>.32</m:t>
+                            </m:r>
+                          </m:sup>
+                        </m:sSup>
+                      </m:den>
+                    </m:f>
+                  </m:oMath>
+                </a14:m>
+                <a:endParaRPr lang="en-US" dirty="0"/>
+              </a:p>
+              <a:p>
+                <a:pPr lvl="1"/>
+                <a:endParaRPr lang="en-US" dirty="0"/>
+              </a:p>
+            </p:txBody>
+          </p:sp>
+        </mc:Choice>
+        <mc:Fallback>
+          <p:sp>
+            <p:nvSpPr>
+              <p:cNvPr id="3" name="Content Placeholder 2">
+                <a:extLst>
+                  <a:ext uri="{FF2B5EF4-FFF2-40B4-BE49-F238E27FC236}">
+                    <a16:creationId xmlns:a16="http://schemas.microsoft.com/office/drawing/2014/main" id="{B38E53E6-C632-4974-8D5E-FC6A4228BDCC}"/>
+                  </a:ext>
+                </a:extLst>
+              </p:cNvPr>
+              <p:cNvSpPr>
+                <a:spLocks noGrp="1" noRot="1" noChangeAspect="1" noMove="1" noResize="1" noEditPoints="1" noAdjustHandles="1" noChangeArrowheads="1" noChangeShapeType="1" noTextEdit="1"/>
+              </p:cNvSpPr>
+              <p:nvPr>
+                <p:ph idx="1"/>
+              </p:nvPr>
+            </p:nvSpPr>
+            <p:spPr>
+              <a:xfrm>
+                <a:off x="1371600" y="1409701"/>
+                <a:ext cx="4838700" cy="4829174"/>
+              </a:xfrm>
+              <a:blipFill>
+                <a:blip r:embed="rId2"/>
+                <a:stretch>
+                  <a:fillRect l="-1008" t="-1641"/>
+                </a:stretch>
+              </a:blipFill>
+            </p:spPr>
+            <p:txBody>
+              <a:bodyPr/>
+              <a:lstStyle/>
+              <a:p>
+                <a:r>
+                  <a:rPr lang="en-US">
+                    <a:noFill/>
+                  </a:rPr>
+                  <a:t> </a:t>
+                </a:r>
+              </a:p>
+            </p:txBody>
+          </p:sp>
+        </mc:Fallback>
+      </mc:AlternateContent>
       <p:sp>
         <p:nvSpPr>
           <p:cNvPr id="4" name="Date Placeholder 3">
             <a:extLst>
               <a:ext uri="{FF2B5EF4-FFF2-40B4-BE49-F238E27FC236}">
-                <a16:creationId xmlns:a16="http://schemas.microsoft.com/office/drawing/2014/main" id="{02E04A3A-57D0-4485-AE57-B7CD694ECAB1}"/>
+                <a16:creationId xmlns:a16="http://schemas.microsoft.com/office/drawing/2014/main" id="{20A088D8-F1E3-4271-AB24-7D910E16BA2B}"/>
               </a:ext>
             </a:extLst>
           </p:cNvPr>
@@ -4848,9 +5011,9 @@
           <a:bodyPr/>
           <a:lstStyle/>
           <a:p>
-            <a:fld id="{B89D2A76-87D9-450F-B52E-05F4138BDCAE}" type="datetime1">
+            <a:fld id="{2C03F969-3CA1-4329-80D4-97FA07558DE8}" type="datetime1">
               <a:rPr lang="en-US" smtClean="0"/>
-              <a:t>10/20/2020</a:t>
+              <a:t>10/23/2020</a:t>
             </a:fld>
             <a:endParaRPr lang="en-US" dirty="0"/>
           </a:p>
@@ -4858,10 +5021,39 @@
       </p:sp>
       <p:sp>
         <p:nvSpPr>
-          <p:cNvPr id="5" name="Slide Number Placeholder 4">
+          <p:cNvPr id="5" name="Footer Placeholder 4">
             <a:extLst>
               <a:ext uri="{FF2B5EF4-FFF2-40B4-BE49-F238E27FC236}">
-                <a16:creationId xmlns:a16="http://schemas.microsoft.com/office/drawing/2014/main" id="{2EF95866-BD7A-4B57-BA57-4E8E3664A5B3}"/>
+                <a16:creationId xmlns:a16="http://schemas.microsoft.com/office/drawing/2014/main" id="{983E310A-6BE3-4FFE-8070-A7F11E06EEE8}"/>
+              </a:ext>
+            </a:extLst>
+          </p:cNvPr>
+          <p:cNvSpPr>
+            <a:spLocks noGrp="1"/>
+          </p:cNvSpPr>
+          <p:nvPr>
+            <p:ph type="ftr" sz="quarter" idx="11"/>
+          </p:nvPr>
+        </p:nvSpPr>
+        <p:spPr/>
+        <p:txBody>
+          <a:bodyPr/>
+          <a:lstStyle/>
+          <a:p>
+            <a:r>
+              <a:rPr lang="en-US"/>
+              <a:t>Lunar Meteoroid Ejecta Model (LuMEM) -- DeStefano</a:t>
+            </a:r>
+            <a:endParaRPr lang="en-US" dirty="0"/>
+          </a:p>
+        </p:txBody>
+      </p:sp>
+      <p:sp>
+        <p:nvSpPr>
+          <p:cNvPr id="6" name="Slide Number Placeholder 5">
+            <a:extLst>
+              <a:ext uri="{FF2B5EF4-FFF2-40B4-BE49-F238E27FC236}">
+                <a16:creationId xmlns:a16="http://schemas.microsoft.com/office/drawing/2014/main" id="{0371A971-E89E-4032-951C-B6841C666DDB}"/>
               </a:ext>
             </a:extLst>
           </p:cNvPr>
@@ -4885,39 +5077,40 @@
           </a:p>
         </p:txBody>
       </p:sp>
-      <p:sp>
-        <p:nvSpPr>
-          <p:cNvPr id="6" name="Footer Placeholder 5">
+      <p:pic>
+        <p:nvPicPr>
+          <p:cNvPr id="8" name="Picture 7" descr="Chart, line chart&#10;&#10;Description automatically generated">
             <a:extLst>
               <a:ext uri="{FF2B5EF4-FFF2-40B4-BE49-F238E27FC236}">
-                <a16:creationId xmlns:a16="http://schemas.microsoft.com/office/drawing/2014/main" id="{6A7349FC-9051-4374-A306-58FE52B21FD1}"/>
+                <a16:creationId xmlns:a16="http://schemas.microsoft.com/office/drawing/2014/main" id="{D88E8477-4D9E-47C2-8E33-822405F06F1C}"/>
               </a:ext>
             </a:extLst>
           </p:cNvPr>
-          <p:cNvSpPr>
-            <a:spLocks noGrp="1"/>
-          </p:cNvSpPr>
-          <p:nvPr>
-            <p:ph type="ftr" sz="quarter" idx="11"/>
-          </p:nvPr>
-        </p:nvSpPr>
-        <p:spPr/>
-        <p:txBody>
-          <a:bodyPr/>
-          <a:lstStyle/>
-          <a:p>
-            <a:r>
-              <a:rPr lang="en-US"/>
-              <a:t>Lunar Meteoroid Ejecta Model (LuMEM) -- DeStefano</a:t>
-            </a:r>
-            <a:endParaRPr lang="en-US" dirty="0"/>
-          </a:p>
-        </p:txBody>
-      </p:sp>
+          <p:cNvPicPr>
+            <a:picLocks noChangeAspect="1"/>
+          </p:cNvPicPr>
+          <p:nvPr/>
+        </p:nvPicPr>
+        <p:blipFill>
+          <a:blip r:embed="rId3"/>
+          <a:stretch>
+            <a:fillRect/>
+          </a:stretch>
+        </p:blipFill>
+        <p:spPr>
+          <a:xfrm>
+            <a:off x="6406011" y="1876751"/>
+            <a:ext cx="5536765" cy="4152574"/>
+          </a:xfrm>
+          <a:prstGeom prst="rect">
+            <a:avLst/>
+          </a:prstGeom>
+        </p:spPr>
+      </p:pic>
     </p:spTree>
     <p:extLst>
       <p:ext uri="{BB962C8B-B14F-4D97-AF65-F5344CB8AC3E}">
-        <p14:creationId xmlns:p14="http://schemas.microsoft.com/office/powerpoint/2010/main" val="3587355568"/>
+        <p14:creationId xmlns:p14="http://schemas.microsoft.com/office/powerpoint/2010/main" val="3315978288"/>
       </p:ext>
     </p:extLst>
   </p:cSld>
@@ -4949,7 +5142,7 @@
           <p:cNvPr id="2" name="Title 1">
             <a:extLst>
               <a:ext uri="{FF2B5EF4-FFF2-40B4-BE49-F238E27FC236}">
-                <a16:creationId xmlns:a16="http://schemas.microsoft.com/office/drawing/2014/main" id="{F82A0460-4F39-47EC-AE72-C5BC52F3A794}"/>
+                <a16:creationId xmlns:a16="http://schemas.microsoft.com/office/drawing/2014/main" id="{95D5A8DA-7D83-4331-8848-8EDBFC55E46E}"/>
               </a:ext>
             </a:extLst>
           </p:cNvPr>
@@ -4960,50 +5153,20 @@
             <p:ph type="title"/>
           </p:nvPr>
         </p:nvSpPr>
-        <p:spPr/>
-        <p:txBody>
-          <a:bodyPr>
-            <a:normAutofit/>
-          </a:bodyPr>
-          <a:lstStyle/>
-          <a:p>
-            <a:r>
-              <a:rPr lang="en-US" dirty="0"/>
-              <a:t>Sporadic meteoroid flux (</a:t>
-            </a:r>
-            <a:r>
-              <a:rPr lang="en-US" dirty="0" err="1"/>
-              <a:t>Grun</a:t>
-            </a:r>
-            <a:r>
-              <a:rPr lang="en-US" dirty="0"/>
-              <a:t> et al 1985)</a:t>
-            </a:r>
-          </a:p>
-        </p:txBody>
-      </p:sp>
-      <p:sp>
-        <p:nvSpPr>
-          <p:cNvPr id="3" name="Content Placeholder 2">
-            <a:extLst>
-              <a:ext uri="{FF2B5EF4-FFF2-40B4-BE49-F238E27FC236}">
-                <a16:creationId xmlns:a16="http://schemas.microsoft.com/office/drawing/2014/main" id="{B38E53E6-C632-4974-8D5E-FC6A4228BDCC}"/>
-              </a:ext>
-            </a:extLst>
-          </p:cNvPr>
-          <p:cNvSpPr>
-            <a:spLocks noGrp="1"/>
-          </p:cNvSpPr>
-          <p:nvPr>
-            <p:ph idx="1"/>
-          </p:nvPr>
-        </p:nvSpPr>
-        <p:spPr/>
+        <p:spPr>
+          <a:xfrm>
+            <a:off x="1371600" y="197643"/>
+            <a:ext cx="9601200" cy="1485900"/>
+          </a:xfrm>
+        </p:spPr>
         <p:txBody>
           <a:bodyPr/>
           <a:lstStyle/>
           <a:p>
-            <a:endParaRPr lang="en-US"/>
+            <a:r>
+              <a:rPr lang="en-US" dirty="0"/>
+              <a:t>Sporadic meteoroid flux (low and high density populations in MEM)</a:t>
+            </a:r>
           </a:p>
         </p:txBody>
       </p:sp>
@@ -5012,7 +5175,7 @@
           <p:cNvPr id="4" name="Date Placeholder 3">
             <a:extLst>
               <a:ext uri="{FF2B5EF4-FFF2-40B4-BE49-F238E27FC236}">
-                <a16:creationId xmlns:a16="http://schemas.microsoft.com/office/drawing/2014/main" id="{20A088D8-F1E3-4271-AB24-7D910E16BA2B}"/>
+                <a16:creationId xmlns:a16="http://schemas.microsoft.com/office/drawing/2014/main" id="{5D24AD88-EEB0-4F10-815A-8F8704A3618C}"/>
               </a:ext>
             </a:extLst>
           </p:cNvPr>
@@ -5030,7 +5193,7 @@
           <a:p>
             <a:fld id="{2C03F969-3CA1-4329-80D4-97FA07558DE8}" type="datetime1">
               <a:rPr lang="en-US" smtClean="0"/>
-              <a:t>10/20/2020</a:t>
+              <a:t>10/23/2020</a:t>
             </a:fld>
             <a:endParaRPr lang="en-US" dirty="0"/>
           </a:p>
@@ -5041,7 +5204,7 @@
           <p:cNvPr id="5" name="Footer Placeholder 4">
             <a:extLst>
               <a:ext uri="{FF2B5EF4-FFF2-40B4-BE49-F238E27FC236}">
-                <a16:creationId xmlns:a16="http://schemas.microsoft.com/office/drawing/2014/main" id="{983E310A-6BE3-4FFE-8070-A7F11E06EEE8}"/>
+                <a16:creationId xmlns:a16="http://schemas.microsoft.com/office/drawing/2014/main" id="{2072406B-1B7A-4042-B4B4-6F11B56BB8CE}"/>
               </a:ext>
             </a:extLst>
           </p:cNvPr>
@@ -5070,7 +5233,7 @@
           <p:cNvPr id="6" name="Slide Number Placeholder 5">
             <a:extLst>
               <a:ext uri="{FF2B5EF4-FFF2-40B4-BE49-F238E27FC236}">
-                <a16:creationId xmlns:a16="http://schemas.microsoft.com/office/drawing/2014/main" id="{0371A971-E89E-4032-951C-B6841C666DDB}"/>
+                <a16:creationId xmlns:a16="http://schemas.microsoft.com/office/drawing/2014/main" id="{9B67E203-BA42-4DB0-AD10-D21C37CFCA5E}"/>
               </a:ext>
             </a:extLst>
           </p:cNvPr>
@@ -5094,10 +5257,303 @@
           </a:p>
         </p:txBody>
       </p:sp>
+      <p:pic>
+        <p:nvPicPr>
+          <p:cNvPr id="7" name="Picture 6">
+            <a:extLst>
+              <a:ext uri="{FF2B5EF4-FFF2-40B4-BE49-F238E27FC236}">
+                <a16:creationId xmlns:a16="http://schemas.microsoft.com/office/drawing/2014/main" id="{B6592741-0306-4694-A8F3-82F20C4779F0}"/>
+              </a:ext>
+            </a:extLst>
+          </p:cNvPr>
+          <p:cNvPicPr>
+            <a:picLocks noChangeAspect="1"/>
+          </p:cNvPicPr>
+          <p:nvPr/>
+        </p:nvPicPr>
+        <p:blipFill>
+          <a:blip r:embed="rId2"/>
+          <a:stretch>
+            <a:fillRect/>
+          </a:stretch>
+        </p:blipFill>
+        <p:spPr>
+          <a:xfrm>
+            <a:off x="183789" y="1882158"/>
+            <a:ext cx="5743575" cy="3667125"/>
+          </a:xfrm>
+          <a:prstGeom prst="rect">
+            <a:avLst/>
+          </a:prstGeom>
+        </p:spPr>
+      </p:pic>
+      <p:pic>
+        <p:nvPicPr>
+          <p:cNvPr id="8" name="Picture 7">
+            <a:extLst>
+              <a:ext uri="{FF2B5EF4-FFF2-40B4-BE49-F238E27FC236}">
+                <a16:creationId xmlns:a16="http://schemas.microsoft.com/office/drawing/2014/main" id="{02A20781-5F13-4C9E-990C-D8EC930218C4}"/>
+              </a:ext>
+            </a:extLst>
+          </p:cNvPr>
+          <p:cNvPicPr>
+            <a:picLocks noChangeAspect="1"/>
+          </p:cNvPicPr>
+          <p:nvPr/>
+        </p:nvPicPr>
+        <p:blipFill>
+          <a:blip r:embed="rId3"/>
+          <a:stretch>
+            <a:fillRect/>
+          </a:stretch>
+        </p:blipFill>
+        <p:spPr>
+          <a:xfrm>
+            <a:off x="5567362" y="1683543"/>
+            <a:ext cx="6440849" cy="4276724"/>
+          </a:xfrm>
+          <a:prstGeom prst="rect">
+            <a:avLst/>
+          </a:prstGeom>
+        </p:spPr>
+      </p:pic>
+      <p:sp>
+        <p:nvSpPr>
+          <p:cNvPr id="9" name="TextBox 8">
+            <a:extLst>
+              <a:ext uri="{FF2B5EF4-FFF2-40B4-BE49-F238E27FC236}">
+                <a16:creationId xmlns:a16="http://schemas.microsoft.com/office/drawing/2014/main" id="{19A22BC3-4E70-42F1-8AA4-9D581A36C2A1}"/>
+              </a:ext>
+            </a:extLst>
+          </p:cNvPr>
+          <p:cNvSpPr txBox="1"/>
+          <p:nvPr/>
+        </p:nvSpPr>
+        <p:spPr>
+          <a:xfrm>
+            <a:off x="1057275" y="5549283"/>
+            <a:ext cx="2847975" cy="369332"/>
+          </a:xfrm>
+          <a:prstGeom prst="rect">
+            <a:avLst/>
+          </a:prstGeom>
+          <a:noFill/>
+        </p:spPr>
+        <p:txBody>
+          <a:bodyPr wrap="square" rtlCol="0">
+            <a:spAutoFit/>
+          </a:bodyPr>
+          <a:lstStyle/>
+          <a:p>
+            <a:r>
+              <a:rPr lang="en-US" dirty="0"/>
+              <a:t>Moorhead 2019</a:t>
+            </a:r>
+          </a:p>
+        </p:txBody>
+      </p:sp>
+      <p:cxnSp>
+        <p:nvCxnSpPr>
+          <p:cNvPr id="11" name="Straight Arrow Connector 10">
+            <a:extLst>
+              <a:ext uri="{FF2B5EF4-FFF2-40B4-BE49-F238E27FC236}">
+                <a16:creationId xmlns:a16="http://schemas.microsoft.com/office/drawing/2014/main" id="{4D029595-CD19-497A-80F6-7BC426B6ADF9}"/>
+              </a:ext>
+            </a:extLst>
+          </p:cNvPr>
+          <p:cNvCxnSpPr>
+            <a:cxnSpLocks/>
+          </p:cNvCxnSpPr>
+          <p:nvPr/>
+        </p:nvCxnSpPr>
+        <p:spPr>
+          <a:xfrm flipH="1">
+            <a:off x="8858250" y="1436984"/>
+            <a:ext cx="259495" cy="1182391"/>
+          </a:xfrm>
+          <a:prstGeom prst="straightConnector1">
+            <a:avLst/>
+          </a:prstGeom>
+          <a:ln w="57150">
+            <a:solidFill>
+              <a:schemeClr val="tx1"/>
+            </a:solidFill>
+            <a:tailEnd type="triangle"/>
+          </a:ln>
+        </p:spPr>
+        <p:style>
+          <a:lnRef idx="1">
+            <a:schemeClr val="accent1"/>
+          </a:lnRef>
+          <a:fillRef idx="0">
+            <a:schemeClr val="accent1"/>
+          </a:fillRef>
+          <a:effectRef idx="0">
+            <a:schemeClr val="accent1"/>
+          </a:effectRef>
+          <a:fontRef idx="minor">
+            <a:schemeClr val="tx1"/>
+          </a:fontRef>
+        </p:style>
+      </p:cxnSp>
+      <p:cxnSp>
+        <p:nvCxnSpPr>
+          <p:cNvPr id="12" name="Straight Arrow Connector 11">
+            <a:extLst>
+              <a:ext uri="{FF2B5EF4-FFF2-40B4-BE49-F238E27FC236}">
+                <a16:creationId xmlns:a16="http://schemas.microsoft.com/office/drawing/2014/main" id="{2910C377-5C16-4F8B-BF92-26DDF015F9C1}"/>
+              </a:ext>
+            </a:extLst>
+          </p:cNvPr>
+          <p:cNvCxnSpPr>
+            <a:cxnSpLocks/>
+          </p:cNvCxnSpPr>
+          <p:nvPr/>
+        </p:nvCxnSpPr>
+        <p:spPr>
+          <a:xfrm flipH="1">
+            <a:off x="9639300" y="1608032"/>
+            <a:ext cx="1106608" cy="1342336"/>
+          </a:xfrm>
+          <a:prstGeom prst="straightConnector1">
+            <a:avLst/>
+          </a:prstGeom>
+          <a:ln w="57150">
+            <a:solidFill>
+              <a:schemeClr val="tx1"/>
+            </a:solidFill>
+            <a:tailEnd type="triangle"/>
+          </a:ln>
+        </p:spPr>
+        <p:style>
+          <a:lnRef idx="1">
+            <a:schemeClr val="accent1"/>
+          </a:lnRef>
+          <a:fillRef idx="0">
+            <a:schemeClr val="accent1"/>
+          </a:fillRef>
+          <a:effectRef idx="0">
+            <a:schemeClr val="accent1"/>
+          </a:effectRef>
+          <a:fontRef idx="minor">
+            <a:schemeClr val="tx1"/>
+          </a:fontRef>
+        </p:style>
+      </p:cxnSp>
+      <p:sp>
+        <p:nvSpPr>
+          <p:cNvPr id="13" name="TextBox 12">
+            <a:extLst>
+              <a:ext uri="{FF2B5EF4-FFF2-40B4-BE49-F238E27FC236}">
+                <a16:creationId xmlns:a16="http://schemas.microsoft.com/office/drawing/2014/main" id="{7D487BDE-5739-4246-B904-452B4B781109}"/>
+              </a:ext>
+            </a:extLst>
+          </p:cNvPr>
+          <p:cNvSpPr txBox="1"/>
+          <p:nvPr/>
+        </p:nvSpPr>
+        <p:spPr>
+          <a:xfrm>
+            <a:off x="8489049" y="1067652"/>
+            <a:ext cx="1679322" cy="369332"/>
+          </a:xfrm>
+          <a:prstGeom prst="rect">
+            <a:avLst/>
+          </a:prstGeom>
+          <a:noFill/>
+        </p:spPr>
+        <p:txBody>
+          <a:bodyPr wrap="square" rtlCol="0">
+            <a:spAutoFit/>
+          </a:bodyPr>
+          <a:lstStyle/>
+          <a:p>
+            <a:r>
+              <a:rPr lang="en-US" dirty="0"/>
+              <a:t>Apex &amp; toroidal</a:t>
+            </a:r>
+          </a:p>
+        </p:txBody>
+      </p:sp>
+      <p:sp>
+        <p:nvSpPr>
+          <p:cNvPr id="16" name="TextBox 15">
+            <a:extLst>
+              <a:ext uri="{FF2B5EF4-FFF2-40B4-BE49-F238E27FC236}">
+                <a16:creationId xmlns:a16="http://schemas.microsoft.com/office/drawing/2014/main" id="{1B493910-75DC-4378-B043-D08B5A4CF854}"/>
+              </a:ext>
+            </a:extLst>
+          </p:cNvPr>
+          <p:cNvSpPr txBox="1"/>
+          <p:nvPr/>
+        </p:nvSpPr>
+        <p:spPr>
+          <a:xfrm>
+            <a:off x="10095464" y="1295649"/>
+            <a:ext cx="1981564" cy="369332"/>
+          </a:xfrm>
+          <a:prstGeom prst="rect">
+            <a:avLst/>
+          </a:prstGeom>
+          <a:noFill/>
+        </p:spPr>
+        <p:txBody>
+          <a:bodyPr wrap="square" rtlCol="0">
+            <a:spAutoFit/>
+          </a:bodyPr>
+          <a:lstStyle/>
+          <a:p>
+            <a:r>
+              <a:rPr lang="en-US" dirty="0"/>
+              <a:t>Helion/</a:t>
+            </a:r>
+            <a:r>
+              <a:rPr lang="en-US" dirty="0" err="1"/>
+              <a:t>antihelion</a:t>
+            </a:r>
+            <a:endParaRPr lang="en-US" dirty="0"/>
+          </a:p>
+        </p:txBody>
+      </p:sp>
+      <p:sp>
+        <p:nvSpPr>
+          <p:cNvPr id="19" name="TextBox 18">
+            <a:extLst>
+              <a:ext uri="{FF2B5EF4-FFF2-40B4-BE49-F238E27FC236}">
+                <a16:creationId xmlns:a16="http://schemas.microsoft.com/office/drawing/2014/main" id="{4CA1A76F-0BB9-4436-8D54-1FFDF9D144CB}"/>
+              </a:ext>
+            </a:extLst>
+          </p:cNvPr>
+          <p:cNvSpPr txBox="1"/>
+          <p:nvPr/>
+        </p:nvSpPr>
+        <p:spPr>
+          <a:xfrm>
+            <a:off x="2088356" y="3069389"/>
+            <a:ext cx="1381125" cy="646331"/>
+          </a:xfrm>
+          <a:prstGeom prst="rect">
+            <a:avLst/>
+          </a:prstGeom>
+          <a:noFill/>
+        </p:spPr>
+        <p:txBody>
+          <a:bodyPr wrap="square" rtlCol="0">
+            <a:spAutoFit/>
+          </a:bodyPr>
+          <a:lstStyle/>
+          <a:p>
+            <a:r>
+              <a:rPr lang="en-US" dirty="0"/>
+              <a:t>Log-normal distributions</a:t>
+            </a:r>
+          </a:p>
+        </p:txBody>
+      </p:sp>
     </p:spTree>
     <p:extLst>
       <p:ext uri="{BB962C8B-B14F-4D97-AF65-F5344CB8AC3E}">
-        <p14:creationId xmlns:p14="http://schemas.microsoft.com/office/powerpoint/2010/main" val="3315978288"/>
+        <p14:creationId xmlns:p14="http://schemas.microsoft.com/office/powerpoint/2010/main" val="4169070948"/>
       </p:ext>
     </p:extLst>
   </p:cSld>
@@ -5129,7 +5585,7 @@
           <p:cNvPr id="2" name="Title 1">
             <a:extLst>
               <a:ext uri="{FF2B5EF4-FFF2-40B4-BE49-F238E27FC236}">
-                <a16:creationId xmlns:a16="http://schemas.microsoft.com/office/drawing/2014/main" id="{61785327-57CA-43A2-B8BD-89B204308B40}"/>
+                <a16:creationId xmlns:a16="http://schemas.microsoft.com/office/drawing/2014/main" id="{F7043A50-B41A-41E8-BE8B-03A60391764E}"/>
               </a:ext>
             </a:extLst>
           </p:cNvPr>
@@ -5142,8 +5598,8 @@
         </p:nvSpPr>
         <p:spPr>
           <a:xfrm>
-            <a:off x="1295400" y="115957"/>
-            <a:ext cx="9601200" cy="1485900"/>
+            <a:off x="863600" y="2912"/>
+            <a:ext cx="11206480" cy="1592208"/>
           </a:xfrm>
         </p:spPr>
         <p:txBody>
@@ -5152,487 +5608,46 @@
           <a:p>
             <a:r>
               <a:rPr lang="en-US" dirty="0"/>
-              <a:t>Overview</a:t>
+              <a:t>Sporadic meteoroid flux and latitudinal dependence on the lunar surface</a:t>
             </a:r>
           </a:p>
         </p:txBody>
       </p:sp>
-      <p:sp>
-        <p:nvSpPr>
-          <p:cNvPr id="3" name="Content Placeholder 2">
+      <p:pic>
+        <p:nvPicPr>
+          <p:cNvPr id="8" name="Content Placeholder 7">
             <a:extLst>
               <a:ext uri="{FF2B5EF4-FFF2-40B4-BE49-F238E27FC236}">
-                <a16:creationId xmlns:a16="http://schemas.microsoft.com/office/drawing/2014/main" id="{57DBFB6B-E09C-48D4-A040-1D2A2EE7A9A2}"/>
+                <a16:creationId xmlns:a16="http://schemas.microsoft.com/office/drawing/2014/main" id="{E7B941A3-A2F6-4532-BA34-6383F3C777C6}"/>
               </a:ext>
             </a:extLst>
           </p:cNvPr>
-          <p:cNvSpPr>
-            <a:spLocks noGrp="1"/>
-          </p:cNvSpPr>
+          <p:cNvPicPr>
+            <a:picLocks noGrp="1" noChangeAspect="1"/>
+          </p:cNvPicPr>
           <p:nvPr>
             <p:ph idx="1"/>
           </p:nvPr>
-        </p:nvSpPr>
+        </p:nvPicPr>
+        <p:blipFill>
+          <a:blip r:embed="rId2"/>
+          <a:stretch>
+            <a:fillRect/>
+          </a:stretch>
+        </p:blipFill>
         <p:spPr>
           <a:xfrm>
-            <a:off x="1388446" y="858906"/>
-            <a:ext cx="9601200" cy="5594479"/>
+            <a:off x="737847" y="1240790"/>
+            <a:ext cx="3535680" cy="2651760"/>
           </a:xfrm>
         </p:spPr>
-        <p:txBody>
-          <a:bodyPr>
-            <a:normAutofit fontScale="70000" lnSpcReduction="20000"/>
-          </a:bodyPr>
-          <a:lstStyle/>
-          <a:p>
-            <a:r>
-              <a:rPr lang="en-US" dirty="0">
-                <a:solidFill>
-                  <a:schemeClr val="bg1">
-                    <a:lumMod val="65000"/>
-                  </a:schemeClr>
-                </a:solidFill>
-              </a:rPr>
-              <a:t>DSNE Rev H Lunar Ejecta Model – NASA SP-8013 (1969)</a:t>
-            </a:r>
-          </a:p>
-          <a:p>
-            <a:pPr lvl="1"/>
-            <a:r>
-              <a:rPr lang="en-US" i="0" dirty="0">
-                <a:solidFill>
-                  <a:schemeClr val="bg1">
-                    <a:lumMod val="65000"/>
-                  </a:schemeClr>
-                </a:solidFill>
-              </a:rPr>
-              <a:t>Based on Zook 1967</a:t>
-            </a:r>
-          </a:p>
-          <a:p>
-            <a:r>
-              <a:rPr lang="en-US" dirty="0">
-                <a:solidFill>
-                  <a:schemeClr val="bg1">
-                    <a:lumMod val="65000"/>
-                  </a:schemeClr>
-                </a:solidFill>
-              </a:rPr>
-              <a:t>Brief (non-exhaustive) Review of Impact-Ejecta Scaling Models</a:t>
-            </a:r>
-          </a:p>
-          <a:p>
-            <a:pPr lvl="1"/>
-            <a:r>
-              <a:rPr lang="en-US" i="0" dirty="0">
-                <a:solidFill>
-                  <a:schemeClr val="bg1">
-                    <a:lumMod val="65000"/>
-                  </a:schemeClr>
-                </a:solidFill>
-              </a:rPr>
-              <a:t>Zook 1967</a:t>
-            </a:r>
-          </a:p>
-          <a:p>
-            <a:pPr lvl="1"/>
-            <a:r>
-              <a:rPr lang="en-US" i="0" dirty="0" err="1">
-                <a:solidFill>
-                  <a:schemeClr val="bg1">
-                    <a:lumMod val="65000"/>
-                  </a:schemeClr>
-                </a:solidFill>
-              </a:rPr>
-              <a:t>Krivov</a:t>
-            </a:r>
-            <a:r>
-              <a:rPr lang="en-US" i="0" dirty="0">
-                <a:solidFill>
-                  <a:schemeClr val="bg1">
-                    <a:lumMod val="65000"/>
-                  </a:schemeClr>
-                </a:solidFill>
-              </a:rPr>
-              <a:t> et al. 2003</a:t>
-            </a:r>
-          </a:p>
-          <a:p>
-            <a:pPr lvl="1"/>
-            <a:r>
-              <a:rPr lang="en-US" i="0" dirty="0" err="1">
-                <a:solidFill>
-                  <a:schemeClr val="bg1">
-                    <a:lumMod val="65000"/>
-                  </a:schemeClr>
-                </a:solidFill>
-              </a:rPr>
-              <a:t>Housen</a:t>
-            </a:r>
-            <a:r>
-              <a:rPr lang="en-US" i="0" dirty="0">
-                <a:solidFill>
-                  <a:schemeClr val="bg1">
-                    <a:lumMod val="65000"/>
-                  </a:schemeClr>
-                </a:solidFill>
-              </a:rPr>
-              <a:t> &amp; </a:t>
-            </a:r>
-            <a:r>
-              <a:rPr lang="en-US" i="0" dirty="0" err="1">
-                <a:solidFill>
-                  <a:schemeClr val="bg1">
-                    <a:lumMod val="65000"/>
-                  </a:schemeClr>
-                </a:solidFill>
-              </a:rPr>
-              <a:t>Holsapple</a:t>
-            </a:r>
-            <a:r>
-              <a:rPr lang="en-US" i="0" dirty="0">
-                <a:solidFill>
-                  <a:schemeClr val="bg1">
-                    <a:lumMod val="65000"/>
-                  </a:schemeClr>
-                </a:solidFill>
-              </a:rPr>
-              <a:t> 2011</a:t>
-            </a:r>
-          </a:p>
-          <a:p>
-            <a:r>
-              <a:rPr lang="en-US" dirty="0">
-                <a:solidFill>
-                  <a:schemeClr val="bg1">
-                    <a:lumMod val="65000"/>
-                  </a:schemeClr>
-                </a:solidFill>
-              </a:rPr>
-              <a:t>Proposed New DSNE Model -- Lunar Meteoroid Ejecta Model (</a:t>
-            </a:r>
-            <a:r>
-              <a:rPr lang="en-US" dirty="0" err="1">
-                <a:solidFill>
-                  <a:schemeClr val="bg1">
-                    <a:lumMod val="65000"/>
-                  </a:schemeClr>
-                </a:solidFill>
-              </a:rPr>
-              <a:t>LuMEM</a:t>
-            </a:r>
-            <a:r>
-              <a:rPr lang="en-US" dirty="0">
-                <a:solidFill>
-                  <a:schemeClr val="bg1">
-                    <a:lumMod val="65000"/>
-                  </a:schemeClr>
-                </a:solidFill>
-              </a:rPr>
-              <a:t>)</a:t>
-            </a:r>
-          </a:p>
-          <a:p>
-            <a:pPr lvl="1"/>
-            <a:r>
-              <a:rPr lang="en-US" i="0" dirty="0">
-                <a:solidFill>
-                  <a:schemeClr val="bg1">
-                    <a:lumMod val="65000"/>
-                  </a:schemeClr>
-                </a:solidFill>
-              </a:rPr>
-              <a:t>Sporadic meteoroid flux (</a:t>
-            </a:r>
-            <a:r>
-              <a:rPr lang="en-US" i="0" dirty="0" err="1">
-                <a:solidFill>
-                  <a:schemeClr val="bg1">
-                    <a:lumMod val="65000"/>
-                  </a:schemeClr>
-                </a:solidFill>
-              </a:rPr>
-              <a:t>Grun</a:t>
-            </a:r>
-            <a:r>
-              <a:rPr lang="en-US" i="0" dirty="0">
-                <a:solidFill>
-                  <a:schemeClr val="bg1">
-                    <a:lumMod val="65000"/>
-                  </a:schemeClr>
-                </a:solidFill>
-              </a:rPr>
-              <a:t> et al 1985)</a:t>
-            </a:r>
-          </a:p>
-          <a:p>
-            <a:pPr lvl="1"/>
-            <a:r>
-              <a:rPr lang="en-US" i="0" dirty="0">
-                <a:solidFill>
-                  <a:schemeClr val="bg1">
-                    <a:lumMod val="65000"/>
-                  </a:schemeClr>
-                </a:solidFill>
-              </a:rPr>
-              <a:t>Near Earth Object (NEO) flux (Brown et al 2002)</a:t>
-            </a:r>
-          </a:p>
-          <a:p>
-            <a:pPr lvl="1"/>
-            <a:r>
-              <a:rPr lang="en-US" i="0" dirty="0">
-                <a:solidFill>
-                  <a:schemeClr val="bg1">
-                    <a:lumMod val="65000"/>
-                  </a:schemeClr>
-                </a:solidFill>
-              </a:rPr>
-              <a:t>Impact-ejecta scaling model (</a:t>
-            </a:r>
-            <a:r>
-              <a:rPr lang="en-US" i="0" dirty="0" err="1">
-                <a:solidFill>
-                  <a:schemeClr val="bg1">
-                    <a:lumMod val="65000"/>
-                  </a:schemeClr>
-                </a:solidFill>
-              </a:rPr>
-              <a:t>Housen</a:t>
-            </a:r>
-            <a:r>
-              <a:rPr lang="en-US" i="0" dirty="0">
-                <a:solidFill>
-                  <a:schemeClr val="bg1">
-                    <a:lumMod val="65000"/>
-                  </a:schemeClr>
-                </a:solidFill>
-              </a:rPr>
-              <a:t> &amp; </a:t>
-            </a:r>
-            <a:r>
-              <a:rPr lang="en-US" i="0" dirty="0" err="1">
-                <a:solidFill>
-                  <a:schemeClr val="bg1">
-                    <a:lumMod val="65000"/>
-                  </a:schemeClr>
-                </a:solidFill>
-              </a:rPr>
-              <a:t>Holsapple</a:t>
-            </a:r>
-            <a:r>
-              <a:rPr lang="en-US" i="0" dirty="0">
-                <a:solidFill>
-                  <a:schemeClr val="bg1">
-                    <a:lumMod val="65000"/>
-                  </a:schemeClr>
-                </a:solidFill>
-              </a:rPr>
-              <a:t> 2011)</a:t>
-            </a:r>
-          </a:p>
-          <a:p>
-            <a:pPr lvl="1"/>
-            <a:r>
-              <a:rPr lang="en-US" i="0" dirty="0">
-                <a:solidFill>
-                  <a:schemeClr val="bg1">
-                    <a:lumMod val="65000"/>
-                  </a:schemeClr>
-                </a:solidFill>
-              </a:rPr>
-              <a:t>Ejecta particle size distribution (Carrier 2003)</a:t>
-            </a:r>
-          </a:p>
-          <a:p>
-            <a:pPr lvl="1"/>
-            <a:r>
-              <a:rPr lang="en-US" i="0" dirty="0">
-                <a:solidFill>
-                  <a:schemeClr val="bg1">
-                    <a:lumMod val="65000"/>
-                  </a:schemeClr>
-                </a:solidFill>
-              </a:rPr>
-              <a:t>Ejecta zenith angle distribution (empirically from Gault &amp; </a:t>
-            </a:r>
-            <a:r>
-              <a:rPr lang="en-US" i="0" dirty="0" err="1">
-                <a:solidFill>
-                  <a:schemeClr val="bg1">
-                    <a:lumMod val="65000"/>
-                  </a:schemeClr>
-                </a:solidFill>
-              </a:rPr>
-              <a:t>Wedekind</a:t>
-            </a:r>
-            <a:r>
-              <a:rPr lang="en-US" i="0" dirty="0">
-                <a:solidFill>
-                  <a:schemeClr val="bg1">
-                    <a:lumMod val="65000"/>
-                  </a:schemeClr>
-                </a:solidFill>
-              </a:rPr>
-              <a:t> 1978)</a:t>
-            </a:r>
-          </a:p>
-          <a:p>
-            <a:pPr lvl="1"/>
-            <a:r>
-              <a:rPr lang="en-US" i="0" dirty="0">
-                <a:solidFill>
-                  <a:schemeClr val="bg1">
-                    <a:lumMod val="65000"/>
-                  </a:schemeClr>
-                </a:solidFill>
-              </a:rPr>
-              <a:t>Ejecta azimuth angle distribution (modified from Rival &amp; Mandeville 1999)</a:t>
-            </a:r>
-          </a:p>
-          <a:p>
-            <a:r>
-              <a:rPr lang="en-US" dirty="0"/>
-              <a:t>Analytic model of lunar ejecta</a:t>
-            </a:r>
-          </a:p>
-          <a:p>
-            <a:pPr lvl="1"/>
-            <a:r>
-              <a:rPr lang="en-US" i="0" dirty="0"/>
-              <a:t>Speed distribution as a function of distance</a:t>
-            </a:r>
-          </a:p>
-          <a:p>
-            <a:pPr lvl="1"/>
-            <a:r>
-              <a:rPr lang="en-US" i="0" dirty="0"/>
-              <a:t>Secondary flux as a function of distance</a:t>
-            </a:r>
-          </a:p>
-          <a:p>
-            <a:pPr lvl="1"/>
-            <a:r>
-              <a:rPr lang="en-US" i="0" dirty="0"/>
-              <a:t>Secondary flux in terms of primary flux</a:t>
-            </a:r>
-          </a:p>
-          <a:p>
-            <a:r>
-              <a:rPr lang="en-US" dirty="0">
-                <a:solidFill>
-                  <a:schemeClr val="bg1">
-                    <a:lumMod val="65000"/>
-                  </a:schemeClr>
-                </a:solidFill>
-              </a:rPr>
-              <a:t>Results of </a:t>
-            </a:r>
-            <a:r>
-              <a:rPr lang="en-US" dirty="0" err="1">
-                <a:solidFill>
-                  <a:schemeClr val="bg1">
-                    <a:lumMod val="65000"/>
-                  </a:schemeClr>
-                </a:solidFill>
-              </a:rPr>
-              <a:t>LuMEM</a:t>
-            </a:r>
-            <a:endParaRPr lang="en-US" dirty="0">
-              <a:solidFill>
-                <a:schemeClr val="bg1">
-                  <a:lumMod val="65000"/>
-                </a:schemeClr>
-              </a:solidFill>
-            </a:endParaRPr>
-          </a:p>
-          <a:p>
-            <a:pPr lvl="1"/>
-            <a:r>
-              <a:rPr lang="en-US" i="0" dirty="0">
-                <a:solidFill>
-                  <a:schemeClr val="bg1">
-                    <a:lumMod val="65000"/>
-                  </a:schemeClr>
-                </a:solidFill>
-              </a:rPr>
-              <a:t>Igloo number flux distribution (based on MEM3, see Moorhead et al 2019)</a:t>
-            </a:r>
-          </a:p>
-          <a:p>
-            <a:pPr lvl="1"/>
-            <a:r>
-              <a:rPr lang="en-US" i="0" dirty="0">
-                <a:solidFill>
-                  <a:schemeClr val="bg1">
-                    <a:lumMod val="65000"/>
-                  </a:schemeClr>
-                </a:solidFill>
-              </a:rPr>
-              <a:t>Ejecta size scaling (derived from Carrier 2003)</a:t>
-            </a:r>
-          </a:p>
-          <a:p>
-            <a:pPr lvl="1"/>
-            <a:r>
-              <a:rPr lang="en-US" i="0" dirty="0">
-                <a:solidFill>
-                  <a:schemeClr val="bg1">
-                    <a:lumMod val="65000"/>
-                  </a:schemeClr>
-                </a:solidFill>
-              </a:rPr>
-              <a:t>Ejecta speed scaling (</a:t>
-            </a:r>
-            <a:r>
-              <a:rPr lang="en-US" i="0" dirty="0" err="1">
-                <a:solidFill>
-                  <a:schemeClr val="bg1">
-                    <a:lumMod val="65000"/>
-                  </a:schemeClr>
-                </a:solidFill>
-              </a:rPr>
-              <a:t>Housen</a:t>
-            </a:r>
-            <a:r>
-              <a:rPr lang="en-US" i="0" dirty="0">
-                <a:solidFill>
-                  <a:schemeClr val="bg1">
-                    <a:lumMod val="65000"/>
-                  </a:schemeClr>
-                </a:solidFill>
-              </a:rPr>
-              <a:t> &amp; </a:t>
-            </a:r>
-            <a:r>
-              <a:rPr lang="en-US" i="0" dirty="0" err="1">
-                <a:solidFill>
-                  <a:schemeClr val="bg1">
-                    <a:lumMod val="65000"/>
-                  </a:schemeClr>
-                </a:solidFill>
-              </a:rPr>
-              <a:t>Holsapple</a:t>
-            </a:r>
-            <a:r>
-              <a:rPr lang="en-US" i="0" dirty="0">
-                <a:solidFill>
-                  <a:schemeClr val="bg1">
-                    <a:lumMod val="65000"/>
-                  </a:schemeClr>
-                </a:solidFill>
-              </a:rPr>
-              <a:t> 2011)</a:t>
-            </a:r>
-          </a:p>
-        </p:txBody>
-      </p:sp>
+      </p:pic>
       <p:sp>
         <p:nvSpPr>
           <p:cNvPr id="4" name="Date Placeholder 3">
             <a:extLst>
               <a:ext uri="{FF2B5EF4-FFF2-40B4-BE49-F238E27FC236}">
-                <a16:creationId xmlns:a16="http://schemas.microsoft.com/office/drawing/2014/main" id="{02E04A3A-57D0-4485-AE57-B7CD694ECAB1}"/>
+                <a16:creationId xmlns:a16="http://schemas.microsoft.com/office/drawing/2014/main" id="{12674EA8-1D41-40FF-9EE5-45DD8EE5095A}"/>
               </a:ext>
             </a:extLst>
           </p:cNvPr>
@@ -5648,9 +5663,9 @@
           <a:bodyPr/>
           <a:lstStyle/>
           <a:p>
-            <a:fld id="{D5B96D59-8BD3-47D1-A6B5-FA48D0A60242}" type="datetime1">
+            <a:fld id="{2C03F969-3CA1-4329-80D4-97FA07558DE8}" type="datetime1">
               <a:rPr lang="en-US" smtClean="0"/>
-              <a:t>10/20/2020</a:t>
+              <a:t>10/23/2020</a:t>
             </a:fld>
             <a:endParaRPr lang="en-US" dirty="0"/>
           </a:p>
@@ -5658,10 +5673,39 @@
       </p:sp>
       <p:sp>
         <p:nvSpPr>
-          <p:cNvPr id="5" name="Slide Number Placeholder 4">
+          <p:cNvPr id="5" name="Footer Placeholder 4">
             <a:extLst>
               <a:ext uri="{FF2B5EF4-FFF2-40B4-BE49-F238E27FC236}">
-                <a16:creationId xmlns:a16="http://schemas.microsoft.com/office/drawing/2014/main" id="{2EF95866-BD7A-4B57-BA57-4E8E3664A5B3}"/>
+                <a16:creationId xmlns:a16="http://schemas.microsoft.com/office/drawing/2014/main" id="{C1ADF481-9052-4680-A1FE-61E5CD930AD8}"/>
+              </a:ext>
+            </a:extLst>
+          </p:cNvPr>
+          <p:cNvSpPr>
+            <a:spLocks noGrp="1"/>
+          </p:cNvSpPr>
+          <p:nvPr>
+            <p:ph type="ftr" sz="quarter" idx="11"/>
+          </p:nvPr>
+        </p:nvSpPr>
+        <p:spPr/>
+        <p:txBody>
+          <a:bodyPr/>
+          <a:lstStyle/>
+          <a:p>
+            <a:r>
+              <a:rPr lang="en-US"/>
+              <a:t>Lunar Meteoroid Ejecta Model (LuMEM) -- DeStefano</a:t>
+            </a:r>
+            <a:endParaRPr lang="en-US" dirty="0"/>
+          </a:p>
+        </p:txBody>
+      </p:sp>
+      <p:sp>
+        <p:nvSpPr>
+          <p:cNvPr id="6" name="Slide Number Placeholder 5">
+            <a:extLst>
+              <a:ext uri="{FF2B5EF4-FFF2-40B4-BE49-F238E27FC236}">
+                <a16:creationId xmlns:a16="http://schemas.microsoft.com/office/drawing/2014/main" id="{3C79593D-FD88-4989-B365-CF1AB0BB5297}"/>
               </a:ext>
             </a:extLst>
           </p:cNvPr>
@@ -5685,39 +5729,340 @@
           </a:p>
         </p:txBody>
       </p:sp>
-      <p:sp>
-        <p:nvSpPr>
-          <p:cNvPr id="6" name="Footer Placeholder 5">
+      <p:pic>
+        <p:nvPicPr>
+          <p:cNvPr id="10" name="Picture 9">
             <a:extLst>
               <a:ext uri="{FF2B5EF4-FFF2-40B4-BE49-F238E27FC236}">
-                <a16:creationId xmlns:a16="http://schemas.microsoft.com/office/drawing/2014/main" id="{6A7349FC-9051-4374-A306-58FE52B21FD1}"/>
+                <a16:creationId xmlns:a16="http://schemas.microsoft.com/office/drawing/2014/main" id="{5F270529-3F6C-4F59-A6AD-B548B7F247D0}"/>
               </a:ext>
             </a:extLst>
           </p:cNvPr>
-          <p:cNvSpPr>
-            <a:spLocks noGrp="1"/>
-          </p:cNvSpPr>
-          <p:nvPr>
-            <p:ph type="ftr" sz="quarter" idx="11"/>
-          </p:nvPr>
-        </p:nvSpPr>
-        <p:spPr/>
-        <p:txBody>
-          <a:bodyPr/>
-          <a:lstStyle/>
-          <a:p>
-            <a:r>
-              <a:rPr lang="en-US"/>
-              <a:t>Lunar Meteoroid Ejecta Model (LuMEM) -- DeStefano</a:t>
-            </a:r>
-            <a:endParaRPr lang="en-US" dirty="0"/>
-          </a:p>
-        </p:txBody>
-      </p:sp>
+          <p:cNvPicPr>
+            <a:picLocks noChangeAspect="1"/>
+          </p:cNvPicPr>
+          <p:nvPr/>
+        </p:nvPicPr>
+        <p:blipFill>
+          <a:blip r:embed="rId3"/>
+          <a:stretch>
+            <a:fillRect/>
+          </a:stretch>
+        </p:blipFill>
+        <p:spPr>
+          <a:xfrm>
+            <a:off x="4547008" y="1240790"/>
+            <a:ext cx="3535680" cy="2651760"/>
+          </a:xfrm>
+          <a:prstGeom prst="rect">
+            <a:avLst/>
+          </a:prstGeom>
+        </p:spPr>
+      </p:pic>
+      <p:pic>
+        <p:nvPicPr>
+          <p:cNvPr id="12" name="Picture 11">
+            <a:extLst>
+              <a:ext uri="{FF2B5EF4-FFF2-40B4-BE49-F238E27FC236}">
+                <a16:creationId xmlns:a16="http://schemas.microsoft.com/office/drawing/2014/main" id="{55645999-7F47-4048-85EB-6A574F0B23FC}"/>
+              </a:ext>
+            </a:extLst>
+          </p:cNvPr>
+          <p:cNvPicPr>
+            <a:picLocks noChangeAspect="1"/>
+          </p:cNvPicPr>
+          <p:nvPr/>
+        </p:nvPicPr>
+        <p:blipFill>
+          <a:blip r:embed="rId4"/>
+          <a:stretch>
+            <a:fillRect/>
+          </a:stretch>
+        </p:blipFill>
+        <p:spPr>
+          <a:xfrm>
+            <a:off x="8318908" y="1240790"/>
+            <a:ext cx="3535680" cy="2651760"/>
+          </a:xfrm>
+          <a:prstGeom prst="rect">
+            <a:avLst/>
+          </a:prstGeom>
+        </p:spPr>
+      </p:pic>
+      <p:pic>
+        <p:nvPicPr>
+          <p:cNvPr id="14" name="Picture 13">
+            <a:extLst>
+              <a:ext uri="{FF2B5EF4-FFF2-40B4-BE49-F238E27FC236}">
+                <a16:creationId xmlns:a16="http://schemas.microsoft.com/office/drawing/2014/main" id="{6692E7E9-B399-478B-9752-D8FB5FFE9010}"/>
+              </a:ext>
+            </a:extLst>
+          </p:cNvPr>
+          <p:cNvPicPr>
+            <a:picLocks noChangeAspect="1"/>
+          </p:cNvPicPr>
+          <p:nvPr/>
+        </p:nvPicPr>
+        <p:blipFill>
+          <a:blip r:embed="rId5"/>
+          <a:stretch>
+            <a:fillRect/>
+          </a:stretch>
+        </p:blipFill>
+        <p:spPr>
+          <a:xfrm>
+            <a:off x="736234" y="3912493"/>
+            <a:ext cx="3535680" cy="2651760"/>
+          </a:xfrm>
+          <a:prstGeom prst="rect">
+            <a:avLst/>
+          </a:prstGeom>
+        </p:spPr>
+      </p:pic>
+      <p:pic>
+        <p:nvPicPr>
+          <p:cNvPr id="16" name="Picture 15">
+            <a:extLst>
+              <a:ext uri="{FF2B5EF4-FFF2-40B4-BE49-F238E27FC236}">
+                <a16:creationId xmlns:a16="http://schemas.microsoft.com/office/drawing/2014/main" id="{6FE5ACA1-6352-4FAA-9515-BE7B10F68666}"/>
+              </a:ext>
+            </a:extLst>
+          </p:cNvPr>
+          <p:cNvPicPr>
+            <a:picLocks noChangeAspect="1"/>
+          </p:cNvPicPr>
+          <p:nvPr/>
+        </p:nvPicPr>
+        <p:blipFill>
+          <a:blip r:embed="rId6"/>
+          <a:stretch>
+            <a:fillRect/>
+          </a:stretch>
+        </p:blipFill>
+        <p:spPr>
+          <a:xfrm>
+            <a:off x="4544380" y="3912493"/>
+            <a:ext cx="3535680" cy="2651760"/>
+          </a:xfrm>
+          <a:prstGeom prst="rect">
+            <a:avLst/>
+          </a:prstGeom>
+        </p:spPr>
+      </p:pic>
+      <p:pic>
+        <p:nvPicPr>
+          <p:cNvPr id="18" name="Picture 17">
+            <a:extLst>
+              <a:ext uri="{FF2B5EF4-FFF2-40B4-BE49-F238E27FC236}">
+                <a16:creationId xmlns:a16="http://schemas.microsoft.com/office/drawing/2014/main" id="{EF100429-92E4-481A-BDCB-1A4DC7CA18C0}"/>
+              </a:ext>
+            </a:extLst>
+          </p:cNvPr>
+          <p:cNvPicPr>
+            <a:picLocks noChangeAspect="1"/>
+          </p:cNvPicPr>
+          <p:nvPr/>
+        </p:nvPicPr>
+        <p:blipFill>
+          <a:blip r:embed="rId7"/>
+          <a:stretch>
+            <a:fillRect/>
+          </a:stretch>
+        </p:blipFill>
+        <p:spPr>
+          <a:xfrm>
+            <a:off x="8323063" y="3912493"/>
+            <a:ext cx="3535680" cy="2651760"/>
+          </a:xfrm>
+          <a:prstGeom prst="rect">
+            <a:avLst/>
+          </a:prstGeom>
+        </p:spPr>
+      </p:pic>
+      <p:pic>
+        <p:nvPicPr>
+          <p:cNvPr id="19" name="Picture 18">
+            <a:extLst>
+              <a:ext uri="{FF2B5EF4-FFF2-40B4-BE49-F238E27FC236}">
+                <a16:creationId xmlns:a16="http://schemas.microsoft.com/office/drawing/2014/main" id="{E68FF2B9-A7C1-4ECD-8A86-E43A66BAF85A}"/>
+              </a:ext>
+            </a:extLst>
+          </p:cNvPr>
+          <p:cNvPicPr>
+            <a:picLocks noChangeAspect="1"/>
+          </p:cNvPicPr>
+          <p:nvPr/>
+        </p:nvPicPr>
+        <p:blipFill>
+          <a:blip r:embed="rId8"/>
+          <a:stretch>
+            <a:fillRect/>
+          </a:stretch>
+        </p:blipFill>
+        <p:spPr>
+          <a:xfrm>
+            <a:off x="8323063" y="1159380"/>
+            <a:ext cx="3752850" cy="200025"/>
+          </a:xfrm>
+          <a:prstGeom prst="rect">
+            <a:avLst/>
+          </a:prstGeom>
+        </p:spPr>
+      </p:pic>
+      <p:pic>
+        <p:nvPicPr>
+          <p:cNvPr id="20" name="Picture 19">
+            <a:extLst>
+              <a:ext uri="{FF2B5EF4-FFF2-40B4-BE49-F238E27FC236}">
+                <a16:creationId xmlns:a16="http://schemas.microsoft.com/office/drawing/2014/main" id="{6C89100B-21CD-41ED-B850-B7EBBAAD843C}"/>
+              </a:ext>
+            </a:extLst>
+          </p:cNvPr>
+          <p:cNvPicPr>
+            <a:picLocks noChangeAspect="1"/>
+          </p:cNvPicPr>
+          <p:nvPr/>
+        </p:nvPicPr>
+        <p:blipFill>
+          <a:blip r:embed="rId9"/>
+          <a:stretch>
+            <a:fillRect/>
+          </a:stretch>
+        </p:blipFill>
+        <p:spPr>
+          <a:xfrm>
+            <a:off x="8316280" y="3881695"/>
+            <a:ext cx="3714750" cy="200025"/>
+          </a:xfrm>
+          <a:prstGeom prst="rect">
+            <a:avLst/>
+          </a:prstGeom>
+        </p:spPr>
+      </p:pic>
+      <p:pic>
+        <p:nvPicPr>
+          <p:cNvPr id="21" name="Picture 20">
+            <a:extLst>
+              <a:ext uri="{FF2B5EF4-FFF2-40B4-BE49-F238E27FC236}">
+                <a16:creationId xmlns:a16="http://schemas.microsoft.com/office/drawing/2014/main" id="{E33A4C4D-DF33-4132-B43D-5160E2399C9C}"/>
+              </a:ext>
+            </a:extLst>
+          </p:cNvPr>
+          <p:cNvPicPr>
+            <a:picLocks noChangeAspect="1"/>
+          </p:cNvPicPr>
+          <p:nvPr/>
+        </p:nvPicPr>
+        <p:blipFill>
+          <a:blip r:embed="rId10"/>
+          <a:stretch>
+            <a:fillRect/>
+          </a:stretch>
+        </p:blipFill>
+        <p:spPr>
+          <a:xfrm>
+            <a:off x="4544380" y="1168906"/>
+            <a:ext cx="3705225" cy="180975"/>
+          </a:xfrm>
+          <a:prstGeom prst="rect">
+            <a:avLst/>
+          </a:prstGeom>
+        </p:spPr>
+      </p:pic>
+      <p:pic>
+        <p:nvPicPr>
+          <p:cNvPr id="22" name="Picture 21">
+            <a:extLst>
+              <a:ext uri="{FF2B5EF4-FFF2-40B4-BE49-F238E27FC236}">
+                <a16:creationId xmlns:a16="http://schemas.microsoft.com/office/drawing/2014/main" id="{3E753495-ED09-4A2C-B2D9-5A59F0B933F1}"/>
+              </a:ext>
+            </a:extLst>
+          </p:cNvPr>
+          <p:cNvPicPr>
+            <a:picLocks noChangeAspect="1"/>
+          </p:cNvPicPr>
+          <p:nvPr/>
+        </p:nvPicPr>
+        <p:blipFill>
+          <a:blip r:embed="rId11"/>
+          <a:stretch>
+            <a:fillRect/>
+          </a:stretch>
+        </p:blipFill>
+        <p:spPr>
+          <a:xfrm>
+            <a:off x="4544380" y="3890774"/>
+            <a:ext cx="3733800" cy="180975"/>
+          </a:xfrm>
+          <a:prstGeom prst="rect">
+            <a:avLst/>
+          </a:prstGeom>
+        </p:spPr>
+      </p:pic>
+      <p:pic>
+        <p:nvPicPr>
+          <p:cNvPr id="23" name="Picture 22">
+            <a:extLst>
+              <a:ext uri="{FF2B5EF4-FFF2-40B4-BE49-F238E27FC236}">
+                <a16:creationId xmlns:a16="http://schemas.microsoft.com/office/drawing/2014/main" id="{98EA2A85-248E-4B90-8FC3-928B0FAB23C0}"/>
+              </a:ext>
+            </a:extLst>
+          </p:cNvPr>
+          <p:cNvPicPr>
+            <a:picLocks noChangeAspect="1"/>
+          </p:cNvPicPr>
+          <p:nvPr/>
+        </p:nvPicPr>
+        <p:blipFill>
+          <a:blip r:embed="rId12"/>
+          <a:stretch>
+            <a:fillRect/>
+          </a:stretch>
+        </p:blipFill>
+        <p:spPr>
+          <a:xfrm>
+            <a:off x="765697" y="1164142"/>
+            <a:ext cx="3705225" cy="190500"/>
+          </a:xfrm>
+          <a:prstGeom prst="rect">
+            <a:avLst/>
+          </a:prstGeom>
+        </p:spPr>
+      </p:pic>
+      <p:pic>
+        <p:nvPicPr>
+          <p:cNvPr id="24" name="Picture 23">
+            <a:extLst>
+              <a:ext uri="{FF2B5EF4-FFF2-40B4-BE49-F238E27FC236}">
+                <a16:creationId xmlns:a16="http://schemas.microsoft.com/office/drawing/2014/main" id="{89C12F3B-2081-43FA-8543-82112BC848ED}"/>
+              </a:ext>
+            </a:extLst>
+          </p:cNvPr>
+          <p:cNvPicPr>
+            <a:picLocks noChangeAspect="1"/>
+          </p:cNvPicPr>
+          <p:nvPr/>
+        </p:nvPicPr>
+        <p:blipFill>
+          <a:blip r:embed="rId13"/>
+          <a:stretch>
+            <a:fillRect/>
+          </a:stretch>
+        </p:blipFill>
+        <p:spPr>
+          <a:xfrm>
+            <a:off x="728322" y="3890774"/>
+            <a:ext cx="3733800" cy="180975"/>
+          </a:xfrm>
+          <a:prstGeom prst="rect">
+            <a:avLst/>
+          </a:prstGeom>
+        </p:spPr>
+      </p:pic>
     </p:spTree>
     <p:extLst>
       <p:ext uri="{BB962C8B-B14F-4D97-AF65-F5344CB8AC3E}">
-        <p14:creationId xmlns:p14="http://schemas.microsoft.com/office/powerpoint/2010/main" val="1970518218"/>
+        <p14:creationId xmlns:p14="http://schemas.microsoft.com/office/powerpoint/2010/main" val="1556343280"/>
       </p:ext>
     </p:extLst>
   </p:cSld>
@@ -5749,7 +6094,7 @@
           <p:cNvPr id="2" name="Title 1">
             <a:extLst>
               <a:ext uri="{FF2B5EF4-FFF2-40B4-BE49-F238E27FC236}">
-                <a16:creationId xmlns:a16="http://schemas.microsoft.com/office/drawing/2014/main" id="{61785327-57CA-43A2-B8BD-89B204308B40}"/>
+                <a16:creationId xmlns:a16="http://schemas.microsoft.com/office/drawing/2014/main" id="{368A9B89-24E6-4E33-A4AA-46DF043173B8}"/>
               </a:ext>
             </a:extLst>
           </p:cNvPr>
@@ -5762,461 +6107,58 @@
         </p:nvSpPr>
         <p:spPr>
           <a:xfrm>
-            <a:off x="1295400" y="115957"/>
+            <a:off x="1390650" y="333375"/>
             <a:ext cx="9601200" cy="1485900"/>
           </a:xfrm>
         </p:spPr>
         <p:txBody>
-          <a:bodyPr/>
+          <a:bodyPr>
+            <a:normAutofit/>
+          </a:bodyPr>
           <a:lstStyle/>
           <a:p>
             <a:r>
               <a:rPr lang="en-US" dirty="0"/>
-              <a:t>Overview</a:t>
+              <a:t>Near Earth Object (NEO) flux (Brown et al. 2002) at the lunar surface</a:t>
             </a:r>
           </a:p>
         </p:txBody>
       </p:sp>
-      <p:sp>
-        <p:nvSpPr>
-          <p:cNvPr id="3" name="Content Placeholder 2">
+      <p:pic>
+        <p:nvPicPr>
+          <p:cNvPr id="9" name="Content Placeholder 8">
             <a:extLst>
               <a:ext uri="{FF2B5EF4-FFF2-40B4-BE49-F238E27FC236}">
-                <a16:creationId xmlns:a16="http://schemas.microsoft.com/office/drawing/2014/main" id="{57DBFB6B-E09C-48D4-A040-1D2A2EE7A9A2}"/>
+                <a16:creationId xmlns:a16="http://schemas.microsoft.com/office/drawing/2014/main" id="{A784BF12-2837-434C-BE06-25D1196971F1}"/>
               </a:ext>
             </a:extLst>
           </p:cNvPr>
-          <p:cNvSpPr>
-            <a:spLocks noGrp="1"/>
-          </p:cNvSpPr>
+          <p:cNvPicPr>
+            <a:picLocks noGrp="1" noChangeAspect="1"/>
+          </p:cNvPicPr>
           <p:nvPr>
             <p:ph idx="1"/>
           </p:nvPr>
-        </p:nvSpPr>
+        </p:nvPicPr>
+        <p:blipFill>
+          <a:blip r:embed="rId2"/>
+          <a:stretch>
+            <a:fillRect/>
+          </a:stretch>
+        </p:blipFill>
         <p:spPr>
           <a:xfrm>
-            <a:off x="1388446" y="858906"/>
-            <a:ext cx="9601200" cy="5594479"/>
+            <a:off x="1274883" y="2583755"/>
+            <a:ext cx="4765431" cy="3581400"/>
           </a:xfrm>
         </p:spPr>
-        <p:txBody>
-          <a:bodyPr>
-            <a:normAutofit fontScale="70000" lnSpcReduction="20000"/>
-          </a:bodyPr>
-          <a:lstStyle/>
-          <a:p>
-            <a:r>
-              <a:rPr lang="en-US" dirty="0">
-                <a:solidFill>
-                  <a:schemeClr val="bg1">
-                    <a:lumMod val="65000"/>
-                  </a:schemeClr>
-                </a:solidFill>
-              </a:rPr>
-              <a:t>DSNE Rev H Lunar Ejecta Model – NASA SP-8013 (1969)</a:t>
-            </a:r>
-          </a:p>
-          <a:p>
-            <a:pPr lvl="1"/>
-            <a:r>
-              <a:rPr lang="en-US" i="0" dirty="0">
-                <a:solidFill>
-                  <a:schemeClr val="bg1">
-                    <a:lumMod val="65000"/>
-                  </a:schemeClr>
-                </a:solidFill>
-              </a:rPr>
-              <a:t>Based on Zook 1967</a:t>
-            </a:r>
-          </a:p>
-          <a:p>
-            <a:r>
-              <a:rPr lang="en-US" dirty="0">
-                <a:solidFill>
-                  <a:schemeClr val="bg1">
-                    <a:lumMod val="65000"/>
-                  </a:schemeClr>
-                </a:solidFill>
-              </a:rPr>
-              <a:t>Brief (non-exhaustive) Review of Impact-Ejecta Scaling Models</a:t>
-            </a:r>
-          </a:p>
-          <a:p>
-            <a:pPr lvl="1"/>
-            <a:r>
-              <a:rPr lang="en-US" i="0" dirty="0">
-                <a:solidFill>
-                  <a:schemeClr val="bg1">
-                    <a:lumMod val="65000"/>
-                  </a:schemeClr>
-                </a:solidFill>
-              </a:rPr>
-              <a:t>Zook 1967</a:t>
-            </a:r>
-          </a:p>
-          <a:p>
-            <a:pPr lvl="1"/>
-            <a:r>
-              <a:rPr lang="en-US" i="0" dirty="0" err="1">
-                <a:solidFill>
-                  <a:schemeClr val="bg1">
-                    <a:lumMod val="65000"/>
-                  </a:schemeClr>
-                </a:solidFill>
-              </a:rPr>
-              <a:t>Krivov</a:t>
-            </a:r>
-            <a:r>
-              <a:rPr lang="en-US" i="0" dirty="0">
-                <a:solidFill>
-                  <a:schemeClr val="bg1">
-                    <a:lumMod val="65000"/>
-                  </a:schemeClr>
-                </a:solidFill>
-              </a:rPr>
-              <a:t> et al. 2003</a:t>
-            </a:r>
-          </a:p>
-          <a:p>
-            <a:pPr lvl="1"/>
-            <a:r>
-              <a:rPr lang="en-US" i="0" dirty="0" err="1">
-                <a:solidFill>
-                  <a:schemeClr val="bg1">
-                    <a:lumMod val="65000"/>
-                  </a:schemeClr>
-                </a:solidFill>
-              </a:rPr>
-              <a:t>Housen</a:t>
-            </a:r>
-            <a:r>
-              <a:rPr lang="en-US" i="0" dirty="0">
-                <a:solidFill>
-                  <a:schemeClr val="bg1">
-                    <a:lumMod val="65000"/>
-                  </a:schemeClr>
-                </a:solidFill>
-              </a:rPr>
-              <a:t> &amp; </a:t>
-            </a:r>
-            <a:r>
-              <a:rPr lang="en-US" i="0" dirty="0" err="1">
-                <a:solidFill>
-                  <a:schemeClr val="bg1">
-                    <a:lumMod val="65000"/>
-                  </a:schemeClr>
-                </a:solidFill>
-              </a:rPr>
-              <a:t>Holsapple</a:t>
-            </a:r>
-            <a:r>
-              <a:rPr lang="en-US" i="0" dirty="0">
-                <a:solidFill>
-                  <a:schemeClr val="bg1">
-                    <a:lumMod val="65000"/>
-                  </a:schemeClr>
-                </a:solidFill>
-              </a:rPr>
-              <a:t> 2011</a:t>
-            </a:r>
-          </a:p>
-          <a:p>
-            <a:r>
-              <a:rPr lang="en-US" dirty="0">
-                <a:solidFill>
-                  <a:schemeClr val="bg1">
-                    <a:lumMod val="65000"/>
-                  </a:schemeClr>
-                </a:solidFill>
-              </a:rPr>
-              <a:t>Proposed New DSNE Model -- Lunar Meteoroid Ejecta Model (</a:t>
-            </a:r>
-            <a:r>
-              <a:rPr lang="en-US" dirty="0" err="1">
-                <a:solidFill>
-                  <a:schemeClr val="bg1">
-                    <a:lumMod val="65000"/>
-                  </a:schemeClr>
-                </a:solidFill>
-              </a:rPr>
-              <a:t>LuMEM</a:t>
-            </a:r>
-            <a:r>
-              <a:rPr lang="en-US" dirty="0">
-                <a:solidFill>
-                  <a:schemeClr val="bg1">
-                    <a:lumMod val="65000"/>
-                  </a:schemeClr>
-                </a:solidFill>
-              </a:rPr>
-              <a:t>)</a:t>
-            </a:r>
-          </a:p>
-          <a:p>
-            <a:pPr lvl="1"/>
-            <a:r>
-              <a:rPr lang="en-US" i="0" dirty="0">
-                <a:solidFill>
-                  <a:schemeClr val="bg1">
-                    <a:lumMod val="65000"/>
-                  </a:schemeClr>
-                </a:solidFill>
-              </a:rPr>
-              <a:t>Sporadic meteoroid flux (</a:t>
-            </a:r>
-            <a:r>
-              <a:rPr lang="en-US" i="0" dirty="0" err="1">
-                <a:solidFill>
-                  <a:schemeClr val="bg1">
-                    <a:lumMod val="65000"/>
-                  </a:schemeClr>
-                </a:solidFill>
-              </a:rPr>
-              <a:t>Grun</a:t>
-            </a:r>
-            <a:r>
-              <a:rPr lang="en-US" i="0" dirty="0">
-                <a:solidFill>
-                  <a:schemeClr val="bg1">
-                    <a:lumMod val="65000"/>
-                  </a:schemeClr>
-                </a:solidFill>
-              </a:rPr>
-              <a:t> et al 1985)</a:t>
-            </a:r>
-          </a:p>
-          <a:p>
-            <a:pPr lvl="1"/>
-            <a:r>
-              <a:rPr lang="en-US" i="0" dirty="0">
-                <a:solidFill>
-                  <a:schemeClr val="bg1">
-                    <a:lumMod val="65000"/>
-                  </a:schemeClr>
-                </a:solidFill>
-              </a:rPr>
-              <a:t>Near Earth Object (NEO) flux (Brown et al 2002)</a:t>
-            </a:r>
-          </a:p>
-          <a:p>
-            <a:pPr lvl="1"/>
-            <a:r>
-              <a:rPr lang="en-US" i="0" dirty="0">
-                <a:solidFill>
-                  <a:schemeClr val="bg1">
-                    <a:lumMod val="65000"/>
-                  </a:schemeClr>
-                </a:solidFill>
-              </a:rPr>
-              <a:t>Impact-ejecta scaling model (</a:t>
-            </a:r>
-            <a:r>
-              <a:rPr lang="en-US" i="0" dirty="0" err="1">
-                <a:solidFill>
-                  <a:schemeClr val="bg1">
-                    <a:lumMod val="65000"/>
-                  </a:schemeClr>
-                </a:solidFill>
-              </a:rPr>
-              <a:t>Housen</a:t>
-            </a:r>
-            <a:r>
-              <a:rPr lang="en-US" i="0" dirty="0">
-                <a:solidFill>
-                  <a:schemeClr val="bg1">
-                    <a:lumMod val="65000"/>
-                  </a:schemeClr>
-                </a:solidFill>
-              </a:rPr>
-              <a:t> &amp; </a:t>
-            </a:r>
-            <a:r>
-              <a:rPr lang="en-US" i="0" dirty="0" err="1">
-                <a:solidFill>
-                  <a:schemeClr val="bg1">
-                    <a:lumMod val="65000"/>
-                  </a:schemeClr>
-                </a:solidFill>
-              </a:rPr>
-              <a:t>Holsapple</a:t>
-            </a:r>
-            <a:r>
-              <a:rPr lang="en-US" i="0" dirty="0">
-                <a:solidFill>
-                  <a:schemeClr val="bg1">
-                    <a:lumMod val="65000"/>
-                  </a:schemeClr>
-                </a:solidFill>
-              </a:rPr>
-              <a:t> 2011)</a:t>
-            </a:r>
-          </a:p>
-          <a:p>
-            <a:pPr lvl="1"/>
-            <a:r>
-              <a:rPr lang="en-US" i="0" dirty="0">
-                <a:solidFill>
-                  <a:schemeClr val="bg1">
-                    <a:lumMod val="65000"/>
-                  </a:schemeClr>
-                </a:solidFill>
-              </a:rPr>
-              <a:t>Ejecta particle size distribution (Carrier 2003)</a:t>
-            </a:r>
-          </a:p>
-          <a:p>
-            <a:pPr lvl="1"/>
-            <a:r>
-              <a:rPr lang="en-US" i="0" dirty="0">
-                <a:solidFill>
-                  <a:schemeClr val="bg1">
-                    <a:lumMod val="65000"/>
-                  </a:schemeClr>
-                </a:solidFill>
-              </a:rPr>
-              <a:t>Ejecta zenith angle distribution (empirically from Gault &amp; </a:t>
-            </a:r>
-            <a:r>
-              <a:rPr lang="en-US" i="0" dirty="0" err="1">
-                <a:solidFill>
-                  <a:schemeClr val="bg1">
-                    <a:lumMod val="65000"/>
-                  </a:schemeClr>
-                </a:solidFill>
-              </a:rPr>
-              <a:t>Wedekind</a:t>
-            </a:r>
-            <a:r>
-              <a:rPr lang="en-US" i="0" dirty="0">
-                <a:solidFill>
-                  <a:schemeClr val="bg1">
-                    <a:lumMod val="65000"/>
-                  </a:schemeClr>
-                </a:solidFill>
-              </a:rPr>
-              <a:t> 1978)</a:t>
-            </a:r>
-          </a:p>
-          <a:p>
-            <a:pPr lvl="1"/>
-            <a:r>
-              <a:rPr lang="en-US" i="0" dirty="0">
-                <a:solidFill>
-                  <a:schemeClr val="bg1">
-                    <a:lumMod val="65000"/>
-                  </a:schemeClr>
-                </a:solidFill>
-              </a:rPr>
-              <a:t>Ejecta azimuth angle distribution (modified from Rival &amp; Mandeville 1999)</a:t>
-            </a:r>
-          </a:p>
-          <a:p>
-            <a:r>
-              <a:rPr lang="en-US" dirty="0">
-                <a:solidFill>
-                  <a:schemeClr val="bg1">
-                    <a:lumMod val="65000"/>
-                  </a:schemeClr>
-                </a:solidFill>
-              </a:rPr>
-              <a:t>Analytic model of lunar ejecta</a:t>
-            </a:r>
-          </a:p>
-          <a:p>
-            <a:pPr lvl="1"/>
-            <a:r>
-              <a:rPr lang="en-US" i="0" dirty="0">
-                <a:solidFill>
-                  <a:schemeClr val="bg1">
-                    <a:lumMod val="65000"/>
-                  </a:schemeClr>
-                </a:solidFill>
-              </a:rPr>
-              <a:t>Speed distribution as a function of distance</a:t>
-            </a:r>
-          </a:p>
-          <a:p>
-            <a:pPr lvl="1"/>
-            <a:r>
-              <a:rPr lang="en-US" i="0" dirty="0">
-                <a:solidFill>
-                  <a:schemeClr val="bg1">
-                    <a:lumMod val="65000"/>
-                  </a:schemeClr>
-                </a:solidFill>
-              </a:rPr>
-              <a:t>Secondary flux as a function of distance</a:t>
-            </a:r>
-          </a:p>
-          <a:p>
-            <a:pPr lvl="1"/>
-            <a:r>
-              <a:rPr lang="en-US" i="0" dirty="0">
-                <a:solidFill>
-                  <a:schemeClr val="bg1">
-                    <a:lumMod val="65000"/>
-                  </a:schemeClr>
-                </a:solidFill>
-              </a:rPr>
-              <a:t>Secondary flux in terms of primary flux</a:t>
-            </a:r>
-          </a:p>
-          <a:p>
-            <a:r>
-              <a:rPr lang="en-US" dirty="0"/>
-              <a:t>Results of </a:t>
-            </a:r>
-            <a:r>
-              <a:rPr lang="en-US" dirty="0" err="1"/>
-              <a:t>LuMEM</a:t>
-            </a:r>
-            <a:endParaRPr lang="en-US" dirty="0"/>
-          </a:p>
-          <a:p>
-            <a:pPr lvl="1"/>
-            <a:r>
-              <a:rPr lang="en-US" i="0" dirty="0"/>
-              <a:t>Igloo number flux distribution (based on MEM3, see Moorhead et al 2019)</a:t>
-            </a:r>
-          </a:p>
-          <a:p>
-            <a:pPr lvl="1"/>
-            <a:r>
-              <a:rPr lang="en-US" i="0" dirty="0"/>
-              <a:t>Ejecta size scaling (derived from Carrier 2003)</a:t>
-            </a:r>
-          </a:p>
-          <a:p>
-            <a:pPr lvl="1"/>
-            <a:r>
-              <a:rPr lang="en-US" i="0" dirty="0"/>
-              <a:t>Ejecta speed scaling (</a:t>
-            </a:r>
-            <a:r>
-              <a:rPr lang="en-US" i="0" dirty="0" err="1"/>
-              <a:t>Housen</a:t>
-            </a:r>
-            <a:r>
-              <a:rPr lang="en-US" i="0" dirty="0"/>
-              <a:t> &amp; </a:t>
-            </a:r>
-            <a:r>
-              <a:rPr lang="en-US" i="0" dirty="0" err="1"/>
-              <a:t>Holsapple</a:t>
-            </a:r>
-            <a:r>
-              <a:rPr lang="en-US" i="0" dirty="0"/>
-              <a:t> 2011)</a:t>
-            </a:r>
-          </a:p>
-        </p:txBody>
-      </p:sp>
+      </p:pic>
       <p:sp>
         <p:nvSpPr>
           <p:cNvPr id="4" name="Date Placeholder 3">
             <a:extLst>
               <a:ext uri="{FF2B5EF4-FFF2-40B4-BE49-F238E27FC236}">
-                <a16:creationId xmlns:a16="http://schemas.microsoft.com/office/drawing/2014/main" id="{02E04A3A-57D0-4485-AE57-B7CD694ECAB1}"/>
+                <a16:creationId xmlns:a16="http://schemas.microsoft.com/office/drawing/2014/main" id="{E9AAA69D-5266-4F12-85BA-36F13356D0AE}"/>
               </a:ext>
             </a:extLst>
           </p:cNvPr>
@@ -6232,9 +6174,9 @@
           <a:bodyPr/>
           <a:lstStyle/>
           <a:p>
-            <a:fld id="{F5D59A6E-ABEC-4B48-91F6-6D0798166395}" type="datetime1">
+            <a:fld id="{2C03F969-3CA1-4329-80D4-97FA07558DE8}" type="datetime1">
               <a:rPr lang="en-US" smtClean="0"/>
-              <a:t>10/20/2020</a:t>
+              <a:t>10/23/2020</a:t>
             </a:fld>
             <a:endParaRPr lang="en-US" dirty="0"/>
           </a:p>
@@ -6242,10 +6184,39 @@
       </p:sp>
       <p:sp>
         <p:nvSpPr>
-          <p:cNvPr id="5" name="Slide Number Placeholder 4">
+          <p:cNvPr id="5" name="Footer Placeholder 4">
             <a:extLst>
               <a:ext uri="{FF2B5EF4-FFF2-40B4-BE49-F238E27FC236}">
-                <a16:creationId xmlns:a16="http://schemas.microsoft.com/office/drawing/2014/main" id="{2EF95866-BD7A-4B57-BA57-4E8E3664A5B3}"/>
+                <a16:creationId xmlns:a16="http://schemas.microsoft.com/office/drawing/2014/main" id="{0D745492-EFAA-4545-8D41-804A6DCF0BEB}"/>
+              </a:ext>
+            </a:extLst>
+          </p:cNvPr>
+          <p:cNvSpPr>
+            <a:spLocks noGrp="1"/>
+          </p:cNvSpPr>
+          <p:nvPr>
+            <p:ph type="ftr" sz="quarter" idx="11"/>
+          </p:nvPr>
+        </p:nvSpPr>
+        <p:spPr/>
+        <p:txBody>
+          <a:bodyPr/>
+          <a:lstStyle/>
+          <a:p>
+            <a:r>
+              <a:rPr lang="en-US"/>
+              <a:t>Lunar Meteoroid Ejecta Model (LuMEM) -- DeStefano</a:t>
+            </a:r>
+            <a:endParaRPr lang="en-US" dirty="0"/>
+          </a:p>
+        </p:txBody>
+      </p:sp>
+      <p:sp>
+        <p:nvSpPr>
+          <p:cNvPr id="6" name="Slide Number Placeholder 5">
+            <a:extLst>
+              <a:ext uri="{FF2B5EF4-FFF2-40B4-BE49-F238E27FC236}">
+                <a16:creationId xmlns:a16="http://schemas.microsoft.com/office/drawing/2014/main" id="{0128B330-2330-47B7-84D7-7F84AD767185}"/>
               </a:ext>
             </a:extLst>
           </p:cNvPr>
@@ -6269,12 +6240,352 @@
           </a:p>
         </p:txBody>
       </p:sp>
+      <p:pic>
+        <p:nvPicPr>
+          <p:cNvPr id="7" name="Picture 6">
+            <a:extLst>
+              <a:ext uri="{FF2B5EF4-FFF2-40B4-BE49-F238E27FC236}">
+                <a16:creationId xmlns:a16="http://schemas.microsoft.com/office/drawing/2014/main" id="{C5DEEE2C-F34D-4B26-9CC2-D1AAC13AD7AB}"/>
+              </a:ext>
+            </a:extLst>
+          </p:cNvPr>
+          <p:cNvPicPr>
+            <a:picLocks noChangeAspect="1"/>
+          </p:cNvPicPr>
+          <p:nvPr/>
+        </p:nvPicPr>
+        <p:blipFill>
+          <a:blip r:embed="rId3"/>
+          <a:stretch>
+            <a:fillRect/>
+          </a:stretch>
+        </p:blipFill>
+        <p:spPr>
+          <a:xfrm>
+            <a:off x="1690687" y="1847849"/>
+            <a:ext cx="3933825" cy="447675"/>
+          </a:xfrm>
+          <a:prstGeom prst="rect">
+            <a:avLst/>
+          </a:prstGeom>
+        </p:spPr>
+      </p:pic>
       <p:sp>
         <p:nvSpPr>
-          <p:cNvPr id="6" name="Footer Placeholder 5">
+          <p:cNvPr id="10" name="Content Placeholder 2">
             <a:extLst>
               <a:ext uri="{FF2B5EF4-FFF2-40B4-BE49-F238E27FC236}">
-                <a16:creationId xmlns:a16="http://schemas.microsoft.com/office/drawing/2014/main" id="{6A7349FC-9051-4374-A306-58FE52B21FD1}"/>
+                <a16:creationId xmlns:a16="http://schemas.microsoft.com/office/drawing/2014/main" id="{9EFC5079-8879-454F-870E-2D7EF512E093}"/>
+              </a:ext>
+            </a:extLst>
+          </p:cNvPr>
+          <p:cNvSpPr txBox="1">
+            <a:spLocks/>
+          </p:cNvSpPr>
+          <p:nvPr/>
+        </p:nvSpPr>
+        <p:spPr>
+          <a:xfrm>
+            <a:off x="6538915" y="1664593"/>
+            <a:ext cx="4838700" cy="4829174"/>
+          </a:xfrm>
+          <a:prstGeom prst="rect">
+            <a:avLst/>
+          </a:prstGeom>
+        </p:spPr>
+        <p:txBody>
+          <a:bodyPr vert="horz" lIns="91440" tIns="45720" rIns="91440" bIns="45720" rtlCol="0">
+            <a:normAutofit/>
+          </a:bodyPr>
+          <a:lstStyle>
+            <a:lvl1pPr marL="384048" indent="-384048" algn="l" defTabSz="914400" rtl="0" eaLnBrk="1" latinLnBrk="0" hangingPunct="1">
+              <a:lnSpc>
+                <a:spcPct val="94000"/>
+              </a:lnSpc>
+              <a:spcBef>
+                <a:spcPts val="1000"/>
+              </a:spcBef>
+              <a:spcAft>
+                <a:spcPts val="200"/>
+              </a:spcAft>
+              <a:buFont typeface="Franklin Gothic Book" panose="020B0503020102020204" pitchFamily="34" charset="0"/>
+              <a:buChar char="■"/>
+              <a:defRPr sz="2000" kern="1200" baseline="0">
+                <a:solidFill>
+                  <a:schemeClr val="tx2"/>
+                </a:solidFill>
+                <a:latin typeface="+mn-lt"/>
+                <a:ea typeface="+mn-ea"/>
+                <a:cs typeface="+mn-cs"/>
+              </a:defRPr>
+            </a:lvl1pPr>
+            <a:lvl2pPr marL="914400" indent="-384048" algn="l" defTabSz="914400" rtl="0" eaLnBrk="1" latinLnBrk="0" hangingPunct="1">
+              <a:lnSpc>
+                <a:spcPct val="94000"/>
+              </a:lnSpc>
+              <a:spcBef>
+                <a:spcPts val="500"/>
+              </a:spcBef>
+              <a:spcAft>
+                <a:spcPts val="200"/>
+              </a:spcAft>
+              <a:buFont typeface="Franklin Gothic Book" panose="020B0503020102020204" pitchFamily="34" charset="0"/>
+              <a:buChar char="–"/>
+              <a:defRPr sz="2000" i="1" kern="1200" baseline="0">
+                <a:solidFill>
+                  <a:schemeClr val="tx2"/>
+                </a:solidFill>
+                <a:latin typeface="+mn-lt"/>
+                <a:ea typeface="+mn-ea"/>
+                <a:cs typeface="+mn-cs"/>
+              </a:defRPr>
+            </a:lvl2pPr>
+            <a:lvl3pPr marL="1371600" indent="-384048" algn="l" defTabSz="914400" rtl="0" eaLnBrk="1" latinLnBrk="0" hangingPunct="1">
+              <a:lnSpc>
+                <a:spcPct val="94000"/>
+              </a:lnSpc>
+              <a:spcBef>
+                <a:spcPts val="500"/>
+              </a:spcBef>
+              <a:spcAft>
+                <a:spcPts val="200"/>
+              </a:spcAft>
+              <a:buFont typeface="Franklin Gothic Book" panose="020B0503020102020204" pitchFamily="34" charset="0"/>
+              <a:buChar char="■"/>
+              <a:defRPr sz="1800" kern="1200" baseline="0">
+                <a:solidFill>
+                  <a:schemeClr val="tx2"/>
+                </a:solidFill>
+                <a:latin typeface="+mn-lt"/>
+                <a:ea typeface="+mn-ea"/>
+                <a:cs typeface="+mn-cs"/>
+              </a:defRPr>
+            </a:lvl3pPr>
+            <a:lvl4pPr marL="1828800" indent="-384048" algn="l" defTabSz="914400" rtl="0" eaLnBrk="1" latinLnBrk="0" hangingPunct="1">
+              <a:lnSpc>
+                <a:spcPct val="94000"/>
+              </a:lnSpc>
+              <a:spcBef>
+                <a:spcPts val="500"/>
+              </a:spcBef>
+              <a:spcAft>
+                <a:spcPts val="200"/>
+              </a:spcAft>
+              <a:buFont typeface="Franklin Gothic Book" panose="020B0503020102020204" pitchFamily="34" charset="0"/>
+              <a:buChar char="–"/>
+              <a:defRPr sz="1800" i="1" kern="1200" baseline="0">
+                <a:solidFill>
+                  <a:schemeClr val="tx2"/>
+                </a:solidFill>
+                <a:latin typeface="+mn-lt"/>
+                <a:ea typeface="+mn-ea"/>
+                <a:cs typeface="+mn-cs"/>
+              </a:defRPr>
+            </a:lvl4pPr>
+            <a:lvl5pPr marL="2286000" indent="-384048" algn="l" defTabSz="914400" rtl="0" eaLnBrk="1" latinLnBrk="0" hangingPunct="1">
+              <a:lnSpc>
+                <a:spcPct val="94000"/>
+              </a:lnSpc>
+              <a:spcBef>
+                <a:spcPts val="500"/>
+              </a:spcBef>
+              <a:spcAft>
+                <a:spcPts val="200"/>
+              </a:spcAft>
+              <a:buFont typeface="Franklin Gothic Book" panose="020B0503020102020204" pitchFamily="34" charset="0"/>
+              <a:buChar char="■"/>
+              <a:defRPr sz="1600" kern="1200" baseline="0">
+                <a:solidFill>
+                  <a:schemeClr val="tx2"/>
+                </a:solidFill>
+                <a:latin typeface="+mn-lt"/>
+                <a:ea typeface="+mn-ea"/>
+                <a:cs typeface="+mn-cs"/>
+              </a:defRPr>
+            </a:lvl5pPr>
+            <a:lvl6pPr marL="2743200" indent="-384048" algn="l" defTabSz="914400" rtl="0" eaLnBrk="1" latinLnBrk="0" hangingPunct="1">
+              <a:lnSpc>
+                <a:spcPct val="94000"/>
+              </a:lnSpc>
+              <a:spcBef>
+                <a:spcPts val="500"/>
+              </a:spcBef>
+              <a:spcAft>
+                <a:spcPts val="200"/>
+              </a:spcAft>
+              <a:buFont typeface="Franklin Gothic Book" panose="020B0503020102020204" pitchFamily="34" charset="0"/>
+              <a:buChar char="–"/>
+              <a:defRPr sz="1600" i="1" kern="1200" baseline="0">
+                <a:solidFill>
+                  <a:schemeClr val="tx2"/>
+                </a:solidFill>
+                <a:latin typeface="+mn-lt"/>
+                <a:ea typeface="+mn-ea"/>
+                <a:cs typeface="+mn-cs"/>
+              </a:defRPr>
+            </a:lvl6pPr>
+            <a:lvl7pPr marL="3200400" indent="-384048" algn="l" defTabSz="914400" rtl="0" eaLnBrk="1" latinLnBrk="0" hangingPunct="1">
+              <a:lnSpc>
+                <a:spcPct val="94000"/>
+              </a:lnSpc>
+              <a:spcBef>
+                <a:spcPts val="500"/>
+              </a:spcBef>
+              <a:spcAft>
+                <a:spcPts val="200"/>
+              </a:spcAft>
+              <a:buFont typeface="Franklin Gothic Book" panose="020B0503020102020204" pitchFamily="34" charset="0"/>
+              <a:buChar char="■"/>
+              <a:defRPr sz="1400" kern="1200" baseline="0">
+                <a:solidFill>
+                  <a:schemeClr val="tx2"/>
+                </a:solidFill>
+                <a:latin typeface="+mn-lt"/>
+                <a:ea typeface="+mn-ea"/>
+                <a:cs typeface="+mn-cs"/>
+              </a:defRPr>
+            </a:lvl7pPr>
+            <a:lvl8pPr marL="3657600" indent="-384048" algn="l" defTabSz="914400" rtl="0" eaLnBrk="1" latinLnBrk="0" hangingPunct="1">
+              <a:lnSpc>
+                <a:spcPct val="94000"/>
+              </a:lnSpc>
+              <a:spcBef>
+                <a:spcPts val="500"/>
+              </a:spcBef>
+              <a:spcAft>
+                <a:spcPts val="200"/>
+              </a:spcAft>
+              <a:buFont typeface="Franklin Gothic Book" panose="020B0503020102020204" pitchFamily="34" charset="0"/>
+              <a:buChar char="–"/>
+              <a:defRPr sz="1400" i="1" kern="1200" baseline="0">
+                <a:solidFill>
+                  <a:schemeClr val="tx2"/>
+                </a:solidFill>
+                <a:latin typeface="+mn-lt"/>
+                <a:ea typeface="+mn-ea"/>
+                <a:cs typeface="+mn-cs"/>
+              </a:defRPr>
+            </a:lvl8pPr>
+            <a:lvl9pPr marL="4114800" indent="-384048" algn="l" defTabSz="914400" rtl="0" eaLnBrk="1" latinLnBrk="0" hangingPunct="1">
+              <a:lnSpc>
+                <a:spcPct val="94000"/>
+              </a:lnSpc>
+              <a:spcBef>
+                <a:spcPts val="500"/>
+              </a:spcBef>
+              <a:spcAft>
+                <a:spcPts val="200"/>
+              </a:spcAft>
+              <a:buFont typeface="Franklin Gothic Book" panose="020B0503020102020204" pitchFamily="34" charset="0"/>
+              <a:buChar char="■"/>
+              <a:defRPr sz="1400" kern="1200" baseline="0">
+                <a:solidFill>
+                  <a:schemeClr val="tx2"/>
+                </a:solidFill>
+                <a:latin typeface="+mn-lt"/>
+                <a:ea typeface="+mn-ea"/>
+                <a:cs typeface="+mn-cs"/>
+              </a:defRPr>
+            </a:lvl9pPr>
+          </a:lstStyle>
+          <a:p>
+            <a:r>
+              <a:rPr lang="en-US" dirty="0"/>
+              <a:t>Althea Moorhead (see memo OSMA/MEO/Lunar-001) computed the NEO flux at the lunar surface based on Brown et al. 2002 and velocity distribution of bolides reported by the Center for Near Earth Object Studies (CNEOS)</a:t>
+            </a:r>
+          </a:p>
+          <a:p>
+            <a:r>
+              <a:rPr lang="en-US" dirty="0"/>
+              <a:t>In </a:t>
+            </a:r>
+            <a:r>
+              <a:rPr lang="en-US" dirty="0" err="1"/>
+              <a:t>LuMEM</a:t>
+            </a:r>
+            <a:r>
+              <a:rPr lang="en-US" dirty="0"/>
+              <a:t>, we approximate the angular distribution of fluxes at the lunar surface by the high density population of MEM</a:t>
+            </a:r>
+          </a:p>
+          <a:p>
+            <a:pPr lvl="1"/>
+            <a:r>
+              <a:rPr lang="en-US" dirty="0"/>
+              <a:t>The high density population in MEM comes from the equatorial plane, similar to the NEOs</a:t>
+            </a:r>
+          </a:p>
+          <a:p>
+            <a:pPr lvl="1"/>
+            <a:endParaRPr lang="en-US" dirty="0"/>
+          </a:p>
+        </p:txBody>
+      </p:sp>
+    </p:spTree>
+    <p:extLst>
+      <p:ext uri="{BB962C8B-B14F-4D97-AF65-F5344CB8AC3E}">
+        <p14:creationId xmlns:p14="http://schemas.microsoft.com/office/powerpoint/2010/main" val="1464169616"/>
+      </p:ext>
+    </p:extLst>
+  </p:cSld>
+  <p:clrMapOvr>
+    <a:masterClrMapping/>
+  </p:clrMapOvr>
+</p:sld>
+</file>
+
+<file path=ppt/slides/slide14.xml><?xml version="1.0" encoding="utf-8"?>
+<p:sld xmlns:a="http://schemas.openxmlformats.org/drawingml/2006/main" xmlns:r="http://schemas.openxmlformats.org/officeDocument/2006/relationships" xmlns:p="http://schemas.openxmlformats.org/presentationml/2006/main">
+  <p:cSld>
+    <p:spTree>
+      <p:nvGrpSpPr>
+        <p:cNvPr id="1" name=""/>
+        <p:cNvGrpSpPr/>
+        <p:nvPr/>
+      </p:nvGrpSpPr>
+      <p:grpSpPr>
+        <a:xfrm>
+          <a:off x="0" y="0"/>
+          <a:ext cx="0" cy="0"/>
+          <a:chOff x="0" y="0"/>
+          <a:chExt cx="0" cy="0"/>
+        </a:xfrm>
+      </p:grpSpPr>
+      <p:sp>
+        <p:nvSpPr>
+          <p:cNvPr id="4" name="Date Placeholder 3">
+            <a:extLst>
+              <a:ext uri="{FF2B5EF4-FFF2-40B4-BE49-F238E27FC236}">
+                <a16:creationId xmlns:a16="http://schemas.microsoft.com/office/drawing/2014/main" id="{B1E39CBF-F186-49F6-830F-A5A567335052}"/>
+              </a:ext>
+            </a:extLst>
+          </p:cNvPr>
+          <p:cNvSpPr>
+            <a:spLocks noGrp="1"/>
+          </p:cNvSpPr>
+          <p:nvPr>
+            <p:ph type="dt" sz="half" idx="10"/>
+          </p:nvPr>
+        </p:nvSpPr>
+        <p:spPr/>
+        <p:txBody>
+          <a:bodyPr/>
+          <a:lstStyle/>
+          <a:p>
+            <a:fld id="{2C03F969-3CA1-4329-80D4-97FA07558DE8}" type="datetime1">
+              <a:rPr lang="en-US" smtClean="0"/>
+              <a:t>10/23/2020</a:t>
+            </a:fld>
+            <a:endParaRPr lang="en-US" dirty="0"/>
+          </a:p>
+        </p:txBody>
+      </p:sp>
+      <p:sp>
+        <p:nvSpPr>
+          <p:cNvPr id="5" name="Footer Placeholder 4">
+            <a:extLst>
+              <a:ext uri="{FF2B5EF4-FFF2-40B4-BE49-F238E27FC236}">
+                <a16:creationId xmlns:a16="http://schemas.microsoft.com/office/drawing/2014/main" id="{441470E2-8C1D-4C85-892C-BCE2DA43C555}"/>
               </a:ext>
             </a:extLst>
           </p:cNvPr>
@@ -6298,10 +6609,3151 @@
           </a:p>
         </p:txBody>
       </p:sp>
+      <p:sp>
+        <p:nvSpPr>
+          <p:cNvPr id="6" name="Slide Number Placeholder 5">
+            <a:extLst>
+              <a:ext uri="{FF2B5EF4-FFF2-40B4-BE49-F238E27FC236}">
+                <a16:creationId xmlns:a16="http://schemas.microsoft.com/office/drawing/2014/main" id="{FD07520E-DEB5-41FE-A15A-E5D916C21460}"/>
+              </a:ext>
+            </a:extLst>
+          </p:cNvPr>
+          <p:cNvSpPr>
+            <a:spLocks noGrp="1"/>
+          </p:cNvSpPr>
+          <p:nvPr>
+            <p:ph type="sldNum" sz="quarter" idx="12"/>
+          </p:nvPr>
+        </p:nvSpPr>
+        <p:spPr/>
+        <p:txBody>
+          <a:bodyPr/>
+          <a:lstStyle/>
+          <a:p>
+            <a:fld id="{69E57DC2-970A-4B3E-BB1C-7A09969E49DF}" type="slidenum">
+              <a:rPr lang="en-US" smtClean="0"/>
+              <a:t>14</a:t>
+            </a:fld>
+            <a:endParaRPr lang="en-US" dirty="0"/>
+          </a:p>
+        </p:txBody>
+      </p:sp>
+      <p:sp>
+        <p:nvSpPr>
+          <p:cNvPr id="7" name="Title 1">
+            <a:extLst>
+              <a:ext uri="{FF2B5EF4-FFF2-40B4-BE49-F238E27FC236}">
+                <a16:creationId xmlns:a16="http://schemas.microsoft.com/office/drawing/2014/main" id="{9F71C3D2-BF18-48D2-A3D0-E7E7E21465DE}"/>
+              </a:ext>
+            </a:extLst>
+          </p:cNvPr>
+          <p:cNvSpPr txBox="1">
+            <a:spLocks/>
+          </p:cNvSpPr>
+          <p:nvPr/>
+        </p:nvSpPr>
+        <p:spPr>
+          <a:xfrm>
+            <a:off x="904240" y="510149"/>
+            <a:ext cx="11206480" cy="1592208"/>
+          </a:xfrm>
+          <a:prstGeom prst="rect">
+            <a:avLst/>
+          </a:prstGeom>
+        </p:spPr>
+        <p:txBody>
+          <a:bodyPr vert="horz" lIns="91440" tIns="45720" rIns="91440" bIns="45720" rtlCol="0" anchor="t">
+            <a:normAutofit/>
+          </a:bodyPr>
+          <a:lstStyle>
+            <a:lvl1pPr algn="l" defTabSz="914400" rtl="0" eaLnBrk="1" latinLnBrk="0" hangingPunct="1">
+              <a:lnSpc>
+                <a:spcPct val="89000"/>
+              </a:lnSpc>
+              <a:spcBef>
+                <a:spcPct val="0"/>
+              </a:spcBef>
+              <a:buNone/>
+              <a:defRPr sz="4400" kern="1200" baseline="0">
+                <a:solidFill>
+                  <a:schemeClr val="tx2"/>
+                </a:solidFill>
+                <a:latin typeface="+mj-lt"/>
+                <a:ea typeface="+mj-ea"/>
+                <a:cs typeface="+mj-cs"/>
+              </a:defRPr>
+            </a:lvl1pPr>
+          </a:lstStyle>
+          <a:p>
+            <a:r>
+              <a:rPr lang="en-US" dirty="0"/>
+              <a:t>NEO flux and latitudinal dependence on the lunar surface</a:t>
+            </a:r>
+          </a:p>
+        </p:txBody>
+      </p:sp>
+      <p:pic>
+        <p:nvPicPr>
+          <p:cNvPr id="9" name="Picture 8">
+            <a:extLst>
+              <a:ext uri="{FF2B5EF4-FFF2-40B4-BE49-F238E27FC236}">
+                <a16:creationId xmlns:a16="http://schemas.microsoft.com/office/drawing/2014/main" id="{60E4FA6F-5A01-4164-BB8D-E253700FC68E}"/>
+              </a:ext>
+            </a:extLst>
+          </p:cNvPr>
+          <p:cNvPicPr>
+            <a:picLocks noChangeAspect="1"/>
+          </p:cNvPicPr>
+          <p:nvPr/>
+        </p:nvPicPr>
+        <p:blipFill>
+          <a:blip r:embed="rId2"/>
+          <a:stretch>
+            <a:fillRect/>
+          </a:stretch>
+        </p:blipFill>
+        <p:spPr>
+          <a:xfrm>
+            <a:off x="751840" y="2102357"/>
+            <a:ext cx="3840480" cy="2880360"/>
+          </a:xfrm>
+          <a:prstGeom prst="rect">
+            <a:avLst/>
+          </a:prstGeom>
+        </p:spPr>
+      </p:pic>
+      <p:pic>
+        <p:nvPicPr>
+          <p:cNvPr id="11" name="Picture 10">
+            <a:extLst>
+              <a:ext uri="{FF2B5EF4-FFF2-40B4-BE49-F238E27FC236}">
+                <a16:creationId xmlns:a16="http://schemas.microsoft.com/office/drawing/2014/main" id="{4921F8DC-0960-4F5F-BF98-3AAF99E79FC0}"/>
+              </a:ext>
+            </a:extLst>
+          </p:cNvPr>
+          <p:cNvPicPr>
+            <a:picLocks noChangeAspect="1"/>
+          </p:cNvPicPr>
+          <p:nvPr/>
+        </p:nvPicPr>
+        <p:blipFill>
+          <a:blip r:embed="rId3"/>
+          <a:stretch>
+            <a:fillRect/>
+          </a:stretch>
+        </p:blipFill>
+        <p:spPr>
+          <a:xfrm>
+            <a:off x="4389120" y="2102357"/>
+            <a:ext cx="3840480" cy="2880360"/>
+          </a:xfrm>
+          <a:prstGeom prst="rect">
+            <a:avLst/>
+          </a:prstGeom>
+        </p:spPr>
+      </p:pic>
+      <p:pic>
+        <p:nvPicPr>
+          <p:cNvPr id="13" name="Picture 12">
+            <a:extLst>
+              <a:ext uri="{FF2B5EF4-FFF2-40B4-BE49-F238E27FC236}">
+                <a16:creationId xmlns:a16="http://schemas.microsoft.com/office/drawing/2014/main" id="{C17A6E82-092B-45DB-9F95-545351CE71B2}"/>
+              </a:ext>
+            </a:extLst>
+          </p:cNvPr>
+          <p:cNvPicPr>
+            <a:picLocks noChangeAspect="1"/>
+          </p:cNvPicPr>
+          <p:nvPr/>
+        </p:nvPicPr>
+        <p:blipFill>
+          <a:blip r:embed="rId4"/>
+          <a:stretch>
+            <a:fillRect/>
+          </a:stretch>
+        </p:blipFill>
+        <p:spPr>
+          <a:xfrm>
+            <a:off x="8117840" y="2102357"/>
+            <a:ext cx="3840480" cy="2880360"/>
+          </a:xfrm>
+          <a:prstGeom prst="rect">
+            <a:avLst/>
+          </a:prstGeom>
+        </p:spPr>
+      </p:pic>
     </p:spTree>
     <p:extLst>
       <p:ext uri="{BB962C8B-B14F-4D97-AF65-F5344CB8AC3E}">
-        <p14:creationId xmlns:p14="http://schemas.microsoft.com/office/powerpoint/2010/main" val="3005755291"/>
+        <p14:creationId xmlns:p14="http://schemas.microsoft.com/office/powerpoint/2010/main" val="3744683588"/>
+      </p:ext>
+    </p:extLst>
+  </p:cSld>
+  <p:clrMapOvr>
+    <a:masterClrMapping/>
+  </p:clrMapOvr>
+</p:sld>
+</file>
+
+<file path=ppt/slides/slide15.xml><?xml version="1.0" encoding="utf-8"?>
+<p:sld xmlns:a="http://schemas.openxmlformats.org/drawingml/2006/main" xmlns:r="http://schemas.openxmlformats.org/officeDocument/2006/relationships" xmlns:p="http://schemas.openxmlformats.org/presentationml/2006/main">
+  <p:cSld>
+    <p:spTree>
+      <p:nvGrpSpPr>
+        <p:cNvPr id="1" name=""/>
+        <p:cNvGrpSpPr/>
+        <p:nvPr/>
+      </p:nvGrpSpPr>
+      <p:grpSpPr>
+        <a:xfrm>
+          <a:off x="0" y="0"/>
+          <a:ext cx="0" cy="0"/>
+          <a:chOff x="0" y="0"/>
+          <a:chExt cx="0" cy="0"/>
+        </a:xfrm>
+      </p:grpSpPr>
+      <p:sp>
+        <p:nvSpPr>
+          <p:cNvPr id="2" name="Title 1">
+            <a:extLst>
+              <a:ext uri="{FF2B5EF4-FFF2-40B4-BE49-F238E27FC236}">
+                <a16:creationId xmlns:a16="http://schemas.microsoft.com/office/drawing/2014/main" id="{E855475B-0D57-4D12-8E0A-F98922A90D07}"/>
+              </a:ext>
+            </a:extLst>
+          </p:cNvPr>
+          <p:cNvSpPr>
+            <a:spLocks noGrp="1"/>
+          </p:cNvSpPr>
+          <p:nvPr>
+            <p:ph type="title"/>
+          </p:nvPr>
+        </p:nvSpPr>
+        <p:spPr/>
+        <p:txBody>
+          <a:bodyPr>
+            <a:normAutofit/>
+          </a:bodyPr>
+          <a:lstStyle/>
+          <a:p>
+            <a:r>
+              <a:rPr lang="en-US" dirty="0"/>
+              <a:t>Impact-ejecta scaling model</a:t>
+            </a:r>
+            <a:br>
+              <a:rPr lang="en-US" dirty="0"/>
+            </a:br>
+            <a:r>
+              <a:rPr lang="en-US" dirty="0"/>
+              <a:t>(</a:t>
+            </a:r>
+            <a:r>
+              <a:rPr lang="en-US" dirty="0" err="1"/>
+              <a:t>Housen</a:t>
+            </a:r>
+            <a:r>
+              <a:rPr lang="en-US" dirty="0"/>
+              <a:t> &amp; </a:t>
+            </a:r>
+            <a:r>
+              <a:rPr lang="en-US" dirty="0" err="1"/>
+              <a:t>Holsapple</a:t>
+            </a:r>
+            <a:r>
+              <a:rPr lang="en-US" dirty="0"/>
+              <a:t> 2011)</a:t>
+            </a:r>
+          </a:p>
+        </p:txBody>
+      </p:sp>
+      <mc:AlternateContent xmlns:mc="http://schemas.openxmlformats.org/markup-compatibility/2006">
+        <mc:Choice xmlns:a14="http://schemas.microsoft.com/office/drawing/2010/main" Requires="a14">
+          <p:sp>
+            <p:nvSpPr>
+              <p:cNvPr id="3" name="Content Placeholder 2">
+                <a:extLst>
+                  <a:ext uri="{FF2B5EF4-FFF2-40B4-BE49-F238E27FC236}">
+                    <a16:creationId xmlns:a16="http://schemas.microsoft.com/office/drawing/2014/main" id="{756884DA-9862-4898-BC1F-4CE790BE99BD}"/>
+                  </a:ext>
+                </a:extLst>
+              </p:cNvPr>
+              <p:cNvSpPr>
+                <a:spLocks noGrp="1"/>
+              </p:cNvSpPr>
+              <p:nvPr>
+                <p:ph idx="1"/>
+              </p:nvPr>
+            </p:nvSpPr>
+            <p:spPr/>
+            <p:txBody>
+              <a:bodyPr/>
+              <a:lstStyle/>
+              <a:p>
+                <a14:m>
+                  <m:oMath xmlns:m="http://schemas.openxmlformats.org/officeDocument/2006/math">
+                    <m:r>
+                      <m:rPr>
+                        <m:sty m:val="p"/>
+                      </m:rPr>
+                      <a:rPr lang="en-US" smtClean="0">
+                        <a:latin typeface="Cambria Math" panose="02040503050406030204" pitchFamily="18" charset="0"/>
+                      </a:rPr>
+                      <m:t>f</m:t>
+                    </m:r>
+                    <m:d>
+                      <m:dPr>
+                        <m:ctrlPr>
+                          <a:rPr lang="en-US" i="1">
+                            <a:latin typeface="Cambria Math" panose="02040503050406030204" pitchFamily="18" charset="0"/>
+                          </a:rPr>
+                        </m:ctrlPr>
+                      </m:dPr>
+                      <m:e>
+                        <m:r>
+                          <a:rPr lang="en-US">
+                            <a:latin typeface="Cambria Math" panose="02040503050406030204" pitchFamily="18" charset="0"/>
+                          </a:rPr>
+                          <m:t>&gt;</m:t>
+                        </m:r>
+                        <m:sSub>
+                          <m:sSubPr>
+                            <m:ctrlPr>
+                              <a:rPr lang="en-US" i="1">
+                                <a:latin typeface="Cambria Math" panose="02040503050406030204" pitchFamily="18" charset="0"/>
+                              </a:rPr>
+                            </m:ctrlPr>
+                          </m:sSubPr>
+                          <m:e>
+                            <m:r>
+                              <m:rPr>
+                                <m:sty m:val="p"/>
+                              </m:rPr>
+                              <a:rPr lang="en-US">
+                                <a:latin typeface="Cambria Math" panose="02040503050406030204" pitchFamily="18" charset="0"/>
+                              </a:rPr>
+                              <m:t>v</m:t>
+                            </m:r>
+                          </m:e>
+                          <m:sub>
+                            <m:r>
+                              <m:rPr>
+                                <m:sty m:val="p"/>
+                              </m:rPr>
+                              <a:rPr lang="en-US">
+                                <a:latin typeface="Cambria Math" panose="02040503050406030204" pitchFamily="18" charset="0"/>
+                              </a:rPr>
+                              <m:t>e</m:t>
+                            </m:r>
+                          </m:sub>
+                        </m:sSub>
+                      </m:e>
+                    </m:d>
+                    <m:r>
+                      <a:rPr lang="en-US">
+                        <a:latin typeface="Cambria Math" panose="02040503050406030204" pitchFamily="18" charset="0"/>
+                      </a:rPr>
+                      <m:t>=</m:t>
+                    </m:r>
+                    <m:sSub>
+                      <m:sSubPr>
+                        <m:ctrlPr>
+                          <a:rPr lang="en-US" i="1">
+                            <a:latin typeface="Cambria Math" panose="02040503050406030204" pitchFamily="18" charset="0"/>
+                          </a:rPr>
+                        </m:ctrlPr>
+                      </m:sSubPr>
+                      <m:e>
+                        <m:r>
+                          <m:rPr>
+                            <m:sty m:val="p"/>
+                          </m:rPr>
+                          <a:rPr lang="en-US">
+                            <a:latin typeface="Cambria Math" panose="02040503050406030204" pitchFamily="18" charset="0"/>
+                          </a:rPr>
+                          <m:t>C</m:t>
+                        </m:r>
+                      </m:e>
+                      <m:sub>
+                        <m:r>
+                          <a:rPr lang="en-US">
+                            <a:latin typeface="Cambria Math" panose="02040503050406030204" pitchFamily="18" charset="0"/>
+                          </a:rPr>
+                          <m:t>4</m:t>
+                        </m:r>
+                      </m:sub>
+                    </m:sSub>
+                    <m:sSub>
+                      <m:sSubPr>
+                        <m:ctrlPr>
+                          <a:rPr lang="en-US" i="1">
+                            <a:latin typeface="Cambria Math" panose="02040503050406030204" pitchFamily="18" charset="0"/>
+                          </a:rPr>
+                        </m:ctrlPr>
+                      </m:sSubPr>
+                      <m:e>
+                        <m:r>
+                          <m:rPr>
+                            <m:sty m:val="p"/>
+                          </m:rPr>
+                          <a:rPr lang="en-US">
+                            <a:latin typeface="Cambria Math" panose="02040503050406030204" pitchFamily="18" charset="0"/>
+                          </a:rPr>
+                          <m:t>m</m:t>
+                        </m:r>
+                      </m:e>
+                      <m:sub>
+                        <m:r>
+                          <m:rPr>
+                            <m:sty m:val="p"/>
+                          </m:rPr>
+                          <a:rPr lang="en-US">
+                            <a:latin typeface="Cambria Math" panose="02040503050406030204" pitchFamily="18" charset="0"/>
+                          </a:rPr>
+                          <m:t>p</m:t>
+                        </m:r>
+                      </m:sub>
+                    </m:sSub>
+                    <m:sSup>
+                      <m:sSupPr>
+                        <m:ctrlPr>
+                          <a:rPr lang="en-US" i="1">
+                            <a:latin typeface="Cambria Math" panose="02040503050406030204" pitchFamily="18" charset="0"/>
+                          </a:rPr>
+                        </m:ctrlPr>
+                      </m:sSupPr>
+                      <m:e>
+                        <m:d>
+                          <m:dPr>
+                            <m:ctrlPr>
+                              <a:rPr lang="en-US" i="1">
+                                <a:latin typeface="Cambria Math" panose="02040503050406030204" pitchFamily="18" charset="0"/>
+                              </a:rPr>
+                            </m:ctrlPr>
+                          </m:dPr>
+                          <m:e>
+                            <m:f>
+                              <m:fPr>
+                                <m:ctrlPr>
+                                  <a:rPr lang="en-US" i="1">
+                                    <a:latin typeface="Cambria Math" panose="02040503050406030204" pitchFamily="18" charset="0"/>
+                                  </a:rPr>
+                                </m:ctrlPr>
+                              </m:fPr>
+                              <m:num>
+                                <m:sSub>
+                                  <m:sSubPr>
+                                    <m:ctrlPr>
+                                      <a:rPr lang="en-US" i="1">
+                                        <a:latin typeface="Cambria Math" panose="02040503050406030204" pitchFamily="18" charset="0"/>
+                                      </a:rPr>
+                                    </m:ctrlPr>
+                                  </m:sSubPr>
+                                  <m:e>
+                                    <m:r>
+                                      <a:rPr lang="en-US" i="1">
+                                        <a:latin typeface="Cambria Math" panose="02040503050406030204" pitchFamily="18" charset="0"/>
+                                      </a:rPr>
+                                      <m:t>𝑣</m:t>
+                                    </m:r>
+                                  </m:e>
+                                  <m:sub>
+                                    <m:r>
+                                      <a:rPr lang="en-US" i="1">
+                                        <a:latin typeface="Cambria Math" panose="02040503050406030204" pitchFamily="18" charset="0"/>
+                                      </a:rPr>
+                                      <m:t>𝑝</m:t>
+                                    </m:r>
+                                  </m:sub>
+                                </m:sSub>
+                              </m:num>
+                              <m:den>
+                                <m:sSub>
+                                  <m:sSubPr>
+                                    <m:ctrlPr>
+                                      <a:rPr lang="en-US" i="1">
+                                        <a:latin typeface="Cambria Math" panose="02040503050406030204" pitchFamily="18" charset="0"/>
+                                      </a:rPr>
+                                    </m:ctrlPr>
+                                  </m:sSubPr>
+                                  <m:e>
+                                    <m:r>
+                                      <a:rPr lang="en-US" i="1">
+                                        <a:latin typeface="Cambria Math" panose="02040503050406030204" pitchFamily="18" charset="0"/>
+                                      </a:rPr>
+                                      <m:t>𝑣</m:t>
+                                    </m:r>
+                                  </m:e>
+                                  <m:sub>
+                                    <m:r>
+                                      <a:rPr lang="en-US" i="1">
+                                        <a:latin typeface="Cambria Math" panose="02040503050406030204" pitchFamily="18" charset="0"/>
+                                      </a:rPr>
+                                      <m:t>𝑒</m:t>
+                                    </m:r>
+                                  </m:sub>
+                                </m:sSub>
+                              </m:den>
+                            </m:f>
+                          </m:e>
+                        </m:d>
+                      </m:e>
+                      <m:sup>
+                        <m:r>
+                          <a:rPr lang="en-US" i="1">
+                            <a:latin typeface="Cambria Math" panose="02040503050406030204" pitchFamily="18" charset="0"/>
+                          </a:rPr>
+                          <m:t>3</m:t>
+                        </m:r>
+                        <m:r>
+                          <a:rPr lang="en-US" i="1">
+                            <a:latin typeface="Cambria Math" panose="02040503050406030204" pitchFamily="18" charset="0"/>
+                          </a:rPr>
+                          <m:t>𝜇</m:t>
+                        </m:r>
+                      </m:sup>
+                    </m:sSup>
+                    <m:sSup>
+                      <m:sSupPr>
+                        <m:ctrlPr>
+                          <a:rPr lang="en-US" i="1">
+                            <a:latin typeface="Cambria Math" panose="02040503050406030204" pitchFamily="18" charset="0"/>
+                          </a:rPr>
+                        </m:ctrlPr>
+                      </m:sSupPr>
+                      <m:e>
+                        <m:d>
+                          <m:dPr>
+                            <m:ctrlPr>
+                              <a:rPr lang="en-US" i="1">
+                                <a:latin typeface="Cambria Math" panose="02040503050406030204" pitchFamily="18" charset="0"/>
+                              </a:rPr>
+                            </m:ctrlPr>
+                          </m:dPr>
+                          <m:e>
+                            <m:f>
+                              <m:fPr>
+                                <m:ctrlPr>
+                                  <a:rPr lang="en-US" i="1">
+                                    <a:latin typeface="Cambria Math" panose="02040503050406030204" pitchFamily="18" charset="0"/>
+                                  </a:rPr>
+                                </m:ctrlPr>
+                              </m:fPr>
+                              <m:num>
+                                <m:r>
+                                  <a:rPr lang="en-US" i="1">
+                                    <a:latin typeface="Cambria Math" panose="02040503050406030204" pitchFamily="18" charset="0"/>
+                                  </a:rPr>
+                                  <m:t>𝛿</m:t>
+                                </m:r>
+                              </m:num>
+                              <m:den>
+                                <m:r>
+                                  <a:rPr lang="en-US" i="1">
+                                    <a:latin typeface="Cambria Math" panose="02040503050406030204" pitchFamily="18" charset="0"/>
+                                  </a:rPr>
+                                  <m:t>𝜌</m:t>
+                                </m:r>
+                              </m:den>
+                            </m:f>
+                          </m:e>
+                        </m:d>
+                      </m:e>
+                      <m:sup>
+                        <m:r>
+                          <a:rPr lang="en-US" i="1">
+                            <a:latin typeface="Cambria Math" panose="02040503050406030204" pitchFamily="18" charset="0"/>
+                          </a:rPr>
+                          <m:t>3</m:t>
+                        </m:r>
+                        <m:r>
+                          <a:rPr lang="en-US" i="1">
+                            <a:latin typeface="Cambria Math" panose="02040503050406030204" pitchFamily="18" charset="0"/>
+                          </a:rPr>
+                          <m:t>𝜈</m:t>
+                        </m:r>
+                        <m:r>
+                          <a:rPr lang="en-US" i="1">
+                            <a:latin typeface="Cambria Math" panose="02040503050406030204" pitchFamily="18" charset="0"/>
+                          </a:rPr>
+                          <m:t>−1</m:t>
+                        </m:r>
+                      </m:sup>
+                    </m:sSup>
+                  </m:oMath>
+                </a14:m>
+                <a:endParaRPr lang="en-US" dirty="0"/>
+              </a:p>
+              <a:p>
+                <a:pPr lvl="1"/>
+                <a:r>
+                  <a:rPr lang="en-US" dirty="0"/>
+                  <a:t> where </a:t>
+                </a:r>
+                <a14:m>
+                  <m:oMath xmlns:m="http://schemas.openxmlformats.org/officeDocument/2006/math">
+                    <m:r>
+                      <a:rPr lang="en-US" b="0" i="1" smtClean="0">
+                        <a:latin typeface="Cambria Math" panose="02040503050406030204" pitchFamily="18" charset="0"/>
+                      </a:rPr>
+                      <m:t>𝜈</m:t>
+                    </m:r>
+                    <m:r>
+                      <a:rPr lang="en-US" b="0" i="1" smtClean="0">
+                        <a:latin typeface="Cambria Math" panose="02040503050406030204" pitchFamily="18" charset="0"/>
+                      </a:rPr>
+                      <m:t>=0.4</m:t>
+                    </m:r>
+                  </m:oMath>
+                </a14:m>
+                <a:r>
+                  <a:rPr lang="en-US" dirty="0"/>
+                  <a:t> and </a:t>
+                </a:r>
+                <a14:m>
+                  <m:oMath xmlns:m="http://schemas.openxmlformats.org/officeDocument/2006/math">
+                    <m:r>
+                      <a:rPr lang="en-US" b="0" i="1" smtClean="0">
+                        <a:latin typeface="Cambria Math" panose="02040503050406030204" pitchFamily="18" charset="0"/>
+                      </a:rPr>
+                      <m:t>𝜇</m:t>
+                    </m:r>
+                    <m:r>
+                      <a:rPr lang="en-US" b="0" i="1" smtClean="0">
+                        <a:latin typeface="Cambria Math" panose="02040503050406030204" pitchFamily="18" charset="0"/>
+                      </a:rPr>
+                      <m:t>=0.4</m:t>
+                    </m:r>
+                  </m:oMath>
+                </a14:m>
+                <a:r>
+                  <a:rPr lang="en-US" dirty="0"/>
+                  <a:t> for sand fly ash (porosity of 45%)</a:t>
+                </a:r>
+              </a:p>
+              <a:p>
+                <a:pPr lvl="1"/>
+                <a14:m>
+                  <m:oMath xmlns:m="http://schemas.openxmlformats.org/officeDocument/2006/math">
+                    <m:r>
+                      <a:rPr lang="en-US" b="0" i="1" smtClean="0">
+                        <a:latin typeface="Cambria Math" panose="02040503050406030204" pitchFamily="18" charset="0"/>
+                      </a:rPr>
+                      <m:t>𝜌</m:t>
+                    </m:r>
+                    <m:r>
+                      <a:rPr lang="en-US" b="0" i="1" smtClean="0">
+                        <a:latin typeface="Cambria Math" panose="02040503050406030204" pitchFamily="18" charset="0"/>
+                      </a:rPr>
+                      <m:t>=3.1 </m:t>
+                    </m:r>
+                    <m:r>
+                      <a:rPr lang="en-US" b="0" i="1" smtClean="0">
+                        <a:latin typeface="Cambria Math" panose="02040503050406030204" pitchFamily="18" charset="0"/>
+                      </a:rPr>
+                      <m:t>𝑔</m:t>
+                    </m:r>
+                    <m:r>
+                      <a:rPr lang="en-US" b="0" i="1" smtClean="0">
+                        <a:latin typeface="Cambria Math" panose="02040503050406030204" pitchFamily="18" charset="0"/>
+                      </a:rPr>
+                      <m:t>/</m:t>
+                    </m:r>
+                    <m:r>
+                      <a:rPr lang="en-US" b="0" i="1" smtClean="0">
+                        <a:latin typeface="Cambria Math" panose="02040503050406030204" pitchFamily="18" charset="0"/>
+                      </a:rPr>
+                      <m:t>𝑐𝑐</m:t>
+                    </m:r>
+                  </m:oMath>
+                </a14:m>
+                <a:r>
+                  <a:rPr lang="en-US" dirty="0"/>
+                  <a:t> is the regolith density, see DSNE</a:t>
+                </a:r>
+              </a:p>
+              <a:p>
+                <a:pPr lvl="1"/>
+                <a14:m>
+                  <m:oMath xmlns:m="http://schemas.openxmlformats.org/officeDocument/2006/math">
+                    <m:r>
+                      <a:rPr lang="en-US" b="0" i="1" smtClean="0">
+                        <a:latin typeface="Cambria Math" panose="02040503050406030204" pitchFamily="18" charset="0"/>
+                      </a:rPr>
+                      <m:t>𝛿</m:t>
+                    </m:r>
+                  </m:oMath>
+                </a14:m>
+                <a:r>
+                  <a:rPr lang="en-US" dirty="0"/>
+                  <a:t> is the projectile (primaries) density, which can be integrated out over the density distribution from MEM</a:t>
+                </a:r>
+              </a:p>
+              <a:p>
+                <a:pPr lvl="1"/>
+                <a14:m>
+                  <m:oMath xmlns:m="http://schemas.openxmlformats.org/officeDocument/2006/math">
+                    <m:sSub>
+                      <m:sSubPr>
+                        <m:ctrlPr>
+                          <a:rPr lang="en-US" b="0" i="1" smtClean="0">
+                            <a:latin typeface="Cambria Math" panose="02040503050406030204" pitchFamily="18" charset="0"/>
+                          </a:rPr>
+                        </m:ctrlPr>
+                      </m:sSubPr>
+                      <m:e>
+                        <m:r>
+                          <a:rPr lang="en-US" b="0" i="1" smtClean="0">
+                            <a:latin typeface="Cambria Math" panose="02040503050406030204" pitchFamily="18" charset="0"/>
+                          </a:rPr>
+                          <m:t>𝑚</m:t>
+                        </m:r>
+                      </m:e>
+                      <m:sub>
+                        <m:r>
+                          <a:rPr lang="en-US" b="0" i="1" smtClean="0">
+                            <a:latin typeface="Cambria Math" panose="02040503050406030204" pitchFamily="18" charset="0"/>
+                          </a:rPr>
+                          <m:t>𝑝</m:t>
+                        </m:r>
+                      </m:sub>
+                    </m:sSub>
+                  </m:oMath>
+                </a14:m>
+                <a:r>
+                  <a:rPr lang="en-US" dirty="0"/>
+                  <a:t> is the primary mass, which can also be integrated out over the </a:t>
+                </a:r>
+                <a:r>
+                  <a:rPr lang="en-US" dirty="0" err="1"/>
+                  <a:t>Grun</a:t>
+                </a:r>
+                <a:r>
+                  <a:rPr lang="en-US" dirty="0"/>
+                  <a:t> differential flux</a:t>
+                </a:r>
+              </a:p>
+              <a:p>
+                <a:pPr lvl="1"/>
+                <a14:m>
+                  <m:oMath xmlns:m="http://schemas.openxmlformats.org/officeDocument/2006/math">
+                    <m:sSub>
+                      <m:sSubPr>
+                        <m:ctrlPr>
+                          <a:rPr lang="en-US" b="0" i="1" smtClean="0">
+                            <a:latin typeface="Cambria Math" panose="02040503050406030204" pitchFamily="18" charset="0"/>
+                          </a:rPr>
+                        </m:ctrlPr>
+                      </m:sSubPr>
+                      <m:e>
+                        <m:r>
+                          <a:rPr lang="en-US" b="0" i="1" smtClean="0">
+                            <a:latin typeface="Cambria Math" panose="02040503050406030204" pitchFamily="18" charset="0"/>
+                          </a:rPr>
+                          <m:t>𝑣</m:t>
+                        </m:r>
+                      </m:e>
+                      <m:sub>
+                        <m:r>
+                          <a:rPr lang="en-US" b="0" i="1" smtClean="0">
+                            <a:latin typeface="Cambria Math" panose="02040503050406030204" pitchFamily="18" charset="0"/>
+                          </a:rPr>
+                          <m:t>𝑝</m:t>
+                        </m:r>
+                      </m:sub>
+                    </m:sSub>
+                    <m:r>
+                      <a:rPr lang="en-US" b="0" i="1" smtClean="0">
+                        <a:latin typeface="Cambria Math" panose="02040503050406030204" pitchFamily="18" charset="0"/>
+                      </a:rPr>
+                      <m:t>→</m:t>
+                    </m:r>
+                    <m:sSub>
+                      <m:sSubPr>
+                        <m:ctrlPr>
+                          <a:rPr lang="en-US" b="0" i="1" smtClean="0">
+                            <a:latin typeface="Cambria Math" panose="02040503050406030204" pitchFamily="18" charset="0"/>
+                          </a:rPr>
+                        </m:ctrlPr>
+                      </m:sSubPr>
+                      <m:e>
+                        <m:r>
+                          <a:rPr lang="en-US" b="0" i="1" smtClean="0">
+                            <a:latin typeface="Cambria Math" panose="02040503050406030204" pitchFamily="18" charset="0"/>
+                          </a:rPr>
+                          <m:t>𝑣</m:t>
+                        </m:r>
+                      </m:e>
+                      <m:sub>
+                        <m:r>
+                          <a:rPr lang="en-US" b="0" i="1" smtClean="0">
+                            <a:latin typeface="Cambria Math" panose="02040503050406030204" pitchFamily="18" charset="0"/>
+                          </a:rPr>
+                          <m:t>𝑝</m:t>
+                        </m:r>
+                      </m:sub>
+                    </m:sSub>
+                    <m:r>
+                      <a:rPr lang="en-US" b="0" i="1" smtClean="0">
+                        <a:latin typeface="Cambria Math" panose="02040503050406030204" pitchFamily="18" charset="0"/>
+                      </a:rPr>
+                      <m:t>∗</m:t>
+                    </m:r>
+                    <m:r>
+                      <a:rPr lang="en-US" b="0" i="1" smtClean="0">
+                        <a:latin typeface="Cambria Math" panose="02040503050406030204" pitchFamily="18" charset="0"/>
+                      </a:rPr>
+                      <m:t>𝐶𝑜𝑠</m:t>
+                    </m:r>
+                    <m:r>
+                      <a:rPr lang="en-US" b="0" i="1" smtClean="0">
+                        <a:latin typeface="Cambria Math" panose="02040503050406030204" pitchFamily="18" charset="0"/>
+                      </a:rPr>
+                      <m:t>(</m:t>
+                    </m:r>
+                    <m:r>
+                      <a:rPr lang="en-US" b="0" i="1" smtClean="0">
+                        <a:latin typeface="Cambria Math" panose="02040503050406030204" pitchFamily="18" charset="0"/>
+                      </a:rPr>
+                      <m:t>𝑖𝑚𝑝𝑎𝑐𝑡</m:t>
+                    </m:r>
+                    <m:r>
+                      <a:rPr lang="en-US" b="0" i="1" smtClean="0">
+                        <a:latin typeface="Cambria Math" panose="02040503050406030204" pitchFamily="18" charset="0"/>
+                      </a:rPr>
+                      <m:t> </m:t>
+                    </m:r>
+                    <m:r>
+                      <a:rPr lang="en-US" b="0" i="1" smtClean="0">
+                        <a:latin typeface="Cambria Math" panose="02040503050406030204" pitchFamily="18" charset="0"/>
+                      </a:rPr>
+                      <m:t>𝑎𝑛𝑔𝑙𝑒</m:t>
+                    </m:r>
+                    <m:r>
+                      <a:rPr lang="en-US" b="0" i="1" smtClean="0">
+                        <a:latin typeface="Cambria Math" panose="02040503050406030204" pitchFamily="18" charset="0"/>
+                      </a:rPr>
+                      <m:t> </m:t>
+                    </m:r>
+                    <m:r>
+                      <a:rPr lang="en-US" b="0" i="1" smtClean="0">
+                        <a:latin typeface="Cambria Math" panose="02040503050406030204" pitchFamily="18" charset="0"/>
+                      </a:rPr>
+                      <m:t>𝑓𝑟𝑜𝑚</m:t>
+                    </m:r>
+                    <m:r>
+                      <a:rPr lang="en-US" b="0" i="1" smtClean="0">
+                        <a:latin typeface="Cambria Math" panose="02040503050406030204" pitchFamily="18" charset="0"/>
+                      </a:rPr>
+                      <m:t> </m:t>
+                    </m:r>
+                    <m:r>
+                      <a:rPr lang="en-US" b="0" i="1" smtClean="0">
+                        <a:latin typeface="Cambria Math" panose="02040503050406030204" pitchFamily="18" charset="0"/>
+                      </a:rPr>
+                      <m:t>𝑍𝑒𝑛𝑖𝑡h</m:t>
+                    </m:r>
+                    <m:r>
+                      <a:rPr lang="en-US" b="0" i="1" smtClean="0">
+                        <a:latin typeface="Cambria Math" panose="02040503050406030204" pitchFamily="18" charset="0"/>
+                      </a:rPr>
+                      <m:t>)</m:t>
+                    </m:r>
+                  </m:oMath>
+                </a14:m>
+                <a:r>
+                  <a:rPr lang="en-US" dirty="0"/>
+                  <a:t> is the normal component of the projectile speed (speed and impact angle taken from MEM)</a:t>
+                </a:r>
+              </a:p>
+            </p:txBody>
+          </p:sp>
+        </mc:Choice>
+        <mc:Fallback>
+          <p:sp>
+            <p:nvSpPr>
+              <p:cNvPr id="3" name="Content Placeholder 2">
+                <a:extLst>
+                  <a:ext uri="{FF2B5EF4-FFF2-40B4-BE49-F238E27FC236}">
+                    <a16:creationId xmlns:a16="http://schemas.microsoft.com/office/drawing/2014/main" id="{756884DA-9862-4898-BC1F-4CE790BE99BD}"/>
+                  </a:ext>
+                </a:extLst>
+              </p:cNvPr>
+              <p:cNvSpPr>
+                <a:spLocks noGrp="1" noRot="1" noChangeAspect="1" noMove="1" noResize="1" noEditPoints="1" noAdjustHandles="1" noChangeArrowheads="1" noChangeShapeType="1" noTextEdit="1"/>
+              </p:cNvSpPr>
+              <p:nvPr>
+                <p:ph idx="1"/>
+              </p:nvPr>
+            </p:nvSpPr>
+            <p:spPr>
+              <a:blipFill>
+                <a:blip r:embed="rId2"/>
+                <a:stretch>
+                  <a:fillRect/>
+                </a:stretch>
+              </a:blipFill>
+            </p:spPr>
+            <p:txBody>
+              <a:bodyPr/>
+              <a:lstStyle/>
+              <a:p>
+                <a:r>
+                  <a:rPr lang="en-US">
+                    <a:noFill/>
+                  </a:rPr>
+                  <a:t> </a:t>
+                </a:r>
+              </a:p>
+            </p:txBody>
+          </p:sp>
+        </mc:Fallback>
+      </mc:AlternateContent>
+      <p:sp>
+        <p:nvSpPr>
+          <p:cNvPr id="4" name="Date Placeholder 3">
+            <a:extLst>
+              <a:ext uri="{FF2B5EF4-FFF2-40B4-BE49-F238E27FC236}">
+                <a16:creationId xmlns:a16="http://schemas.microsoft.com/office/drawing/2014/main" id="{0B85131E-006F-40D1-BF0A-F6808A043F0F}"/>
+              </a:ext>
+            </a:extLst>
+          </p:cNvPr>
+          <p:cNvSpPr>
+            <a:spLocks noGrp="1"/>
+          </p:cNvSpPr>
+          <p:nvPr>
+            <p:ph type="dt" sz="half" idx="10"/>
+          </p:nvPr>
+        </p:nvSpPr>
+        <p:spPr/>
+        <p:txBody>
+          <a:bodyPr/>
+          <a:lstStyle/>
+          <a:p>
+            <a:fld id="{2C03F969-3CA1-4329-80D4-97FA07558DE8}" type="datetime1">
+              <a:rPr lang="en-US" smtClean="0"/>
+              <a:t>10/23/2020</a:t>
+            </a:fld>
+            <a:endParaRPr lang="en-US" dirty="0"/>
+          </a:p>
+        </p:txBody>
+      </p:sp>
+      <p:sp>
+        <p:nvSpPr>
+          <p:cNvPr id="5" name="Footer Placeholder 4">
+            <a:extLst>
+              <a:ext uri="{FF2B5EF4-FFF2-40B4-BE49-F238E27FC236}">
+                <a16:creationId xmlns:a16="http://schemas.microsoft.com/office/drawing/2014/main" id="{ABA575EA-AE37-4C9D-850C-F45FEA6CA6FB}"/>
+              </a:ext>
+            </a:extLst>
+          </p:cNvPr>
+          <p:cNvSpPr>
+            <a:spLocks noGrp="1"/>
+          </p:cNvSpPr>
+          <p:nvPr>
+            <p:ph type="ftr" sz="quarter" idx="11"/>
+          </p:nvPr>
+        </p:nvSpPr>
+        <p:spPr/>
+        <p:txBody>
+          <a:bodyPr/>
+          <a:lstStyle/>
+          <a:p>
+            <a:r>
+              <a:rPr lang="en-US"/>
+              <a:t>Lunar Meteoroid Ejecta Model (LuMEM) -- DeStefano</a:t>
+            </a:r>
+            <a:endParaRPr lang="en-US" dirty="0"/>
+          </a:p>
+        </p:txBody>
+      </p:sp>
+      <p:sp>
+        <p:nvSpPr>
+          <p:cNvPr id="6" name="Slide Number Placeholder 5">
+            <a:extLst>
+              <a:ext uri="{FF2B5EF4-FFF2-40B4-BE49-F238E27FC236}">
+                <a16:creationId xmlns:a16="http://schemas.microsoft.com/office/drawing/2014/main" id="{1211FEE9-34FC-4305-82E7-D2B536F46808}"/>
+              </a:ext>
+            </a:extLst>
+          </p:cNvPr>
+          <p:cNvSpPr>
+            <a:spLocks noGrp="1"/>
+          </p:cNvSpPr>
+          <p:nvPr>
+            <p:ph type="sldNum" sz="quarter" idx="12"/>
+          </p:nvPr>
+        </p:nvSpPr>
+        <p:spPr/>
+        <p:txBody>
+          <a:bodyPr/>
+          <a:lstStyle/>
+          <a:p>
+            <a:fld id="{69E57DC2-970A-4B3E-BB1C-7A09969E49DF}" type="slidenum">
+              <a:rPr lang="en-US" smtClean="0"/>
+              <a:t>15</a:t>
+            </a:fld>
+            <a:endParaRPr lang="en-US" dirty="0"/>
+          </a:p>
+        </p:txBody>
+      </p:sp>
+    </p:spTree>
+    <p:extLst>
+      <p:ext uri="{BB962C8B-B14F-4D97-AF65-F5344CB8AC3E}">
+        <p14:creationId xmlns:p14="http://schemas.microsoft.com/office/powerpoint/2010/main" val="590945804"/>
+      </p:ext>
+    </p:extLst>
+  </p:cSld>
+  <p:clrMapOvr>
+    <a:masterClrMapping/>
+  </p:clrMapOvr>
+</p:sld>
+</file>
+
+<file path=ppt/slides/slide16.xml><?xml version="1.0" encoding="utf-8"?>
+<p:sld xmlns:a="http://schemas.openxmlformats.org/drawingml/2006/main" xmlns:r="http://schemas.openxmlformats.org/officeDocument/2006/relationships" xmlns:p="http://schemas.openxmlformats.org/presentationml/2006/main">
+  <p:cSld>
+    <p:spTree>
+      <p:nvGrpSpPr>
+        <p:cNvPr id="1" name=""/>
+        <p:cNvGrpSpPr/>
+        <p:nvPr/>
+      </p:nvGrpSpPr>
+      <p:grpSpPr>
+        <a:xfrm>
+          <a:off x="0" y="0"/>
+          <a:ext cx="0" cy="0"/>
+          <a:chOff x="0" y="0"/>
+          <a:chExt cx="0" cy="0"/>
+        </a:xfrm>
+      </p:grpSpPr>
+      <p:sp>
+        <p:nvSpPr>
+          <p:cNvPr id="2" name="Title 1">
+            <a:extLst>
+              <a:ext uri="{FF2B5EF4-FFF2-40B4-BE49-F238E27FC236}">
+                <a16:creationId xmlns:a16="http://schemas.microsoft.com/office/drawing/2014/main" id="{DF5E9EBF-8AA3-437D-8BE8-86135CCCF34F}"/>
+              </a:ext>
+            </a:extLst>
+          </p:cNvPr>
+          <p:cNvSpPr>
+            <a:spLocks noGrp="1"/>
+          </p:cNvSpPr>
+          <p:nvPr>
+            <p:ph type="title"/>
+          </p:nvPr>
+        </p:nvSpPr>
+        <p:spPr/>
+        <p:txBody>
+          <a:bodyPr/>
+          <a:lstStyle/>
+          <a:p>
+            <a:r>
+              <a:rPr lang="en-US" dirty="0"/>
+              <a:t>Trajectory and spherical geometry of secondary ejecta</a:t>
+            </a:r>
+          </a:p>
+        </p:txBody>
+      </p:sp>
+      <p:sp>
+        <p:nvSpPr>
+          <p:cNvPr id="4" name="Date Placeholder 3">
+            <a:extLst>
+              <a:ext uri="{FF2B5EF4-FFF2-40B4-BE49-F238E27FC236}">
+                <a16:creationId xmlns:a16="http://schemas.microsoft.com/office/drawing/2014/main" id="{4C7E304E-63B3-4989-B789-54E2F60596AA}"/>
+              </a:ext>
+            </a:extLst>
+          </p:cNvPr>
+          <p:cNvSpPr>
+            <a:spLocks noGrp="1"/>
+          </p:cNvSpPr>
+          <p:nvPr>
+            <p:ph type="dt" sz="half" idx="10"/>
+          </p:nvPr>
+        </p:nvSpPr>
+        <p:spPr/>
+        <p:txBody>
+          <a:bodyPr/>
+          <a:lstStyle/>
+          <a:p>
+            <a:fld id="{2C03F969-3CA1-4329-80D4-97FA07558DE8}" type="datetime1">
+              <a:rPr lang="en-US" smtClean="0"/>
+              <a:t>10/23/2020</a:t>
+            </a:fld>
+            <a:endParaRPr lang="en-US" dirty="0"/>
+          </a:p>
+        </p:txBody>
+      </p:sp>
+      <p:sp>
+        <p:nvSpPr>
+          <p:cNvPr id="5" name="Footer Placeholder 4">
+            <a:extLst>
+              <a:ext uri="{FF2B5EF4-FFF2-40B4-BE49-F238E27FC236}">
+                <a16:creationId xmlns:a16="http://schemas.microsoft.com/office/drawing/2014/main" id="{E0AD9D6B-C179-4B4D-9757-C151B5F9EF88}"/>
+              </a:ext>
+            </a:extLst>
+          </p:cNvPr>
+          <p:cNvSpPr>
+            <a:spLocks noGrp="1"/>
+          </p:cNvSpPr>
+          <p:nvPr>
+            <p:ph type="ftr" sz="quarter" idx="11"/>
+          </p:nvPr>
+        </p:nvSpPr>
+        <p:spPr/>
+        <p:txBody>
+          <a:bodyPr/>
+          <a:lstStyle/>
+          <a:p>
+            <a:r>
+              <a:rPr lang="en-US"/>
+              <a:t>Lunar Meteoroid Ejecta Model (LuMEM) -- DeStefano</a:t>
+            </a:r>
+            <a:endParaRPr lang="en-US" dirty="0"/>
+          </a:p>
+        </p:txBody>
+      </p:sp>
+      <p:sp>
+        <p:nvSpPr>
+          <p:cNvPr id="6" name="Slide Number Placeholder 5">
+            <a:extLst>
+              <a:ext uri="{FF2B5EF4-FFF2-40B4-BE49-F238E27FC236}">
+                <a16:creationId xmlns:a16="http://schemas.microsoft.com/office/drawing/2014/main" id="{7D4837AB-7BFE-4B19-8DDC-262957F0A864}"/>
+              </a:ext>
+            </a:extLst>
+          </p:cNvPr>
+          <p:cNvSpPr>
+            <a:spLocks noGrp="1"/>
+          </p:cNvSpPr>
+          <p:nvPr>
+            <p:ph type="sldNum" sz="quarter" idx="12"/>
+          </p:nvPr>
+        </p:nvSpPr>
+        <p:spPr/>
+        <p:txBody>
+          <a:bodyPr/>
+          <a:lstStyle/>
+          <a:p>
+            <a:fld id="{69E57DC2-970A-4B3E-BB1C-7A09969E49DF}" type="slidenum">
+              <a:rPr lang="en-US" smtClean="0"/>
+              <a:t>16</a:t>
+            </a:fld>
+            <a:endParaRPr lang="en-US" dirty="0"/>
+          </a:p>
+        </p:txBody>
+      </p:sp>
+      <p:pic>
+        <p:nvPicPr>
+          <p:cNvPr id="7" name="Picture 6">
+            <a:extLst>
+              <a:ext uri="{FF2B5EF4-FFF2-40B4-BE49-F238E27FC236}">
+                <a16:creationId xmlns:a16="http://schemas.microsoft.com/office/drawing/2014/main" id="{5EDBD6D3-1634-48D5-8A9D-90DAABF3FA72}"/>
+              </a:ext>
+            </a:extLst>
+          </p:cNvPr>
+          <p:cNvPicPr>
+            <a:picLocks noChangeAspect="1"/>
+          </p:cNvPicPr>
+          <p:nvPr/>
+        </p:nvPicPr>
+        <p:blipFill>
+          <a:blip r:embed="rId2"/>
+          <a:stretch>
+            <a:fillRect/>
+          </a:stretch>
+        </p:blipFill>
+        <p:spPr>
+          <a:xfrm>
+            <a:off x="5734050" y="1590675"/>
+            <a:ext cx="6343650" cy="4743450"/>
+          </a:xfrm>
+          <a:prstGeom prst="rect">
+            <a:avLst/>
+          </a:prstGeom>
+        </p:spPr>
+      </p:pic>
+      <p:pic>
+        <p:nvPicPr>
+          <p:cNvPr id="8" name="Picture 7">
+            <a:extLst>
+              <a:ext uri="{FF2B5EF4-FFF2-40B4-BE49-F238E27FC236}">
+                <a16:creationId xmlns:a16="http://schemas.microsoft.com/office/drawing/2014/main" id="{9F63E569-02DC-4124-902A-E99D8DD738C5}"/>
+              </a:ext>
+            </a:extLst>
+          </p:cNvPr>
+          <p:cNvPicPr>
+            <a:picLocks noChangeAspect="1"/>
+          </p:cNvPicPr>
+          <p:nvPr/>
+        </p:nvPicPr>
+        <p:blipFill>
+          <a:blip r:embed="rId3"/>
+          <a:stretch>
+            <a:fillRect/>
+          </a:stretch>
+        </p:blipFill>
+        <p:spPr>
+          <a:xfrm>
+            <a:off x="1080747" y="2151606"/>
+            <a:ext cx="2438400" cy="714375"/>
+          </a:xfrm>
+          <a:prstGeom prst="rect">
+            <a:avLst/>
+          </a:prstGeom>
+        </p:spPr>
+      </p:pic>
+      <p:pic>
+        <p:nvPicPr>
+          <p:cNvPr id="9" name="Picture 8">
+            <a:extLst>
+              <a:ext uri="{FF2B5EF4-FFF2-40B4-BE49-F238E27FC236}">
+                <a16:creationId xmlns:a16="http://schemas.microsoft.com/office/drawing/2014/main" id="{E9CF3F50-0995-447C-9DF6-A0A453C1B645}"/>
+              </a:ext>
+            </a:extLst>
+          </p:cNvPr>
+          <p:cNvPicPr>
+            <a:picLocks noChangeAspect="1"/>
+          </p:cNvPicPr>
+          <p:nvPr/>
+        </p:nvPicPr>
+        <p:blipFill>
+          <a:blip r:embed="rId4"/>
+          <a:stretch>
+            <a:fillRect/>
+          </a:stretch>
+        </p:blipFill>
+        <p:spPr>
+          <a:xfrm>
+            <a:off x="1080747" y="3028950"/>
+            <a:ext cx="3495675" cy="800100"/>
+          </a:xfrm>
+          <a:prstGeom prst="rect">
+            <a:avLst/>
+          </a:prstGeom>
+        </p:spPr>
+      </p:pic>
+      <p:pic>
+        <p:nvPicPr>
+          <p:cNvPr id="10" name="Picture 9">
+            <a:extLst>
+              <a:ext uri="{FF2B5EF4-FFF2-40B4-BE49-F238E27FC236}">
+                <a16:creationId xmlns:a16="http://schemas.microsoft.com/office/drawing/2014/main" id="{7940E16C-0937-472D-82B7-1D3D50725148}"/>
+              </a:ext>
+            </a:extLst>
+          </p:cNvPr>
+          <p:cNvPicPr>
+            <a:picLocks noChangeAspect="1"/>
+          </p:cNvPicPr>
+          <p:nvPr/>
+        </p:nvPicPr>
+        <p:blipFill>
+          <a:blip r:embed="rId5"/>
+          <a:stretch>
+            <a:fillRect/>
+          </a:stretch>
+        </p:blipFill>
+        <p:spPr>
+          <a:xfrm>
+            <a:off x="1080747" y="3992019"/>
+            <a:ext cx="4438650" cy="847725"/>
+          </a:xfrm>
+          <a:prstGeom prst="rect">
+            <a:avLst/>
+          </a:prstGeom>
+        </p:spPr>
+      </p:pic>
+      <p:pic>
+        <p:nvPicPr>
+          <p:cNvPr id="11" name="Picture 10">
+            <a:extLst>
+              <a:ext uri="{FF2B5EF4-FFF2-40B4-BE49-F238E27FC236}">
+                <a16:creationId xmlns:a16="http://schemas.microsoft.com/office/drawing/2014/main" id="{2C4C2B86-0847-4ED7-9986-2223AE872FCD}"/>
+              </a:ext>
+            </a:extLst>
+          </p:cNvPr>
+          <p:cNvPicPr>
+            <a:picLocks noChangeAspect="1"/>
+          </p:cNvPicPr>
+          <p:nvPr/>
+        </p:nvPicPr>
+        <p:blipFill>
+          <a:blip r:embed="rId6"/>
+          <a:stretch>
+            <a:fillRect/>
+          </a:stretch>
+        </p:blipFill>
+        <p:spPr>
+          <a:xfrm>
+            <a:off x="6877050" y="4991100"/>
+            <a:ext cx="1600200" cy="552450"/>
+          </a:xfrm>
+          <a:prstGeom prst="rect">
+            <a:avLst/>
+          </a:prstGeom>
+        </p:spPr>
+      </p:pic>
+      <p:pic>
+        <p:nvPicPr>
+          <p:cNvPr id="12" name="Picture 11">
+            <a:extLst>
+              <a:ext uri="{FF2B5EF4-FFF2-40B4-BE49-F238E27FC236}">
+                <a16:creationId xmlns:a16="http://schemas.microsoft.com/office/drawing/2014/main" id="{0BD2B149-6ECB-415D-ABE6-C6C3908019BE}"/>
+              </a:ext>
+            </a:extLst>
+          </p:cNvPr>
+          <p:cNvPicPr>
+            <a:picLocks noChangeAspect="1"/>
+          </p:cNvPicPr>
+          <p:nvPr/>
+        </p:nvPicPr>
+        <p:blipFill>
+          <a:blip r:embed="rId7"/>
+          <a:stretch>
+            <a:fillRect/>
+          </a:stretch>
+        </p:blipFill>
+        <p:spPr>
+          <a:xfrm>
+            <a:off x="8905875" y="4803603"/>
+            <a:ext cx="1876425" cy="561975"/>
+          </a:xfrm>
+          <a:prstGeom prst="rect">
+            <a:avLst/>
+          </a:prstGeom>
+        </p:spPr>
+      </p:pic>
+    </p:spTree>
+    <p:extLst>
+      <p:ext uri="{BB962C8B-B14F-4D97-AF65-F5344CB8AC3E}">
+        <p14:creationId xmlns:p14="http://schemas.microsoft.com/office/powerpoint/2010/main" val="2679940195"/>
+      </p:ext>
+    </p:extLst>
+  </p:cSld>
+  <p:clrMapOvr>
+    <a:masterClrMapping/>
+  </p:clrMapOvr>
+</p:sld>
+</file>
+
+<file path=ppt/slides/slide17.xml><?xml version="1.0" encoding="utf-8"?>
+<p:sld xmlns:a="http://schemas.openxmlformats.org/drawingml/2006/main" xmlns:r="http://schemas.openxmlformats.org/officeDocument/2006/relationships" xmlns:p="http://schemas.openxmlformats.org/presentationml/2006/main">
+  <p:cSld>
+    <p:spTree>
+      <p:nvGrpSpPr>
+        <p:cNvPr id="1" name=""/>
+        <p:cNvGrpSpPr/>
+        <p:nvPr/>
+      </p:nvGrpSpPr>
+      <p:grpSpPr>
+        <a:xfrm>
+          <a:off x="0" y="0"/>
+          <a:ext cx="0" cy="0"/>
+          <a:chOff x="0" y="0"/>
+          <a:chExt cx="0" cy="0"/>
+        </a:xfrm>
+      </p:grpSpPr>
+      <p:sp>
+        <p:nvSpPr>
+          <p:cNvPr id="2" name="Title 1">
+            <a:extLst>
+              <a:ext uri="{FF2B5EF4-FFF2-40B4-BE49-F238E27FC236}">
+                <a16:creationId xmlns:a16="http://schemas.microsoft.com/office/drawing/2014/main" id="{13D98B17-7EFB-412A-895B-AE0E6BEA3FF4}"/>
+              </a:ext>
+            </a:extLst>
+          </p:cNvPr>
+          <p:cNvSpPr>
+            <a:spLocks noGrp="1"/>
+          </p:cNvSpPr>
+          <p:nvPr>
+            <p:ph type="title"/>
+          </p:nvPr>
+        </p:nvSpPr>
+        <p:spPr>
+          <a:xfrm>
+            <a:off x="1356546" y="247650"/>
+            <a:ext cx="9601200" cy="1485900"/>
+          </a:xfrm>
+        </p:spPr>
+        <p:txBody>
+          <a:bodyPr>
+            <a:normAutofit/>
+          </a:bodyPr>
+          <a:lstStyle/>
+          <a:p>
+            <a:r>
+              <a:rPr lang="en-US" dirty="0"/>
+              <a:t>Ejecta particle size distribution</a:t>
+            </a:r>
+            <a:br>
+              <a:rPr lang="en-US" dirty="0"/>
+            </a:br>
+            <a:r>
+              <a:rPr lang="en-US" dirty="0"/>
+              <a:t>(Carrier 2003)</a:t>
+            </a:r>
+          </a:p>
+        </p:txBody>
+      </p:sp>
+      <mc:AlternateContent xmlns:mc="http://schemas.openxmlformats.org/markup-compatibility/2006">
+        <mc:Choice xmlns:a14="http://schemas.microsoft.com/office/drawing/2010/main" Requires="a14">
+          <p:sp>
+            <p:nvSpPr>
+              <p:cNvPr id="3" name="Content Placeholder 2">
+                <a:extLst>
+                  <a:ext uri="{FF2B5EF4-FFF2-40B4-BE49-F238E27FC236}">
+                    <a16:creationId xmlns:a16="http://schemas.microsoft.com/office/drawing/2014/main" id="{AC7243E4-DF8A-4C72-9037-9ECE36BE1653}"/>
+                  </a:ext>
+                </a:extLst>
+              </p:cNvPr>
+              <p:cNvSpPr>
+                <a:spLocks noGrp="1"/>
+              </p:cNvSpPr>
+              <p:nvPr>
+                <p:ph idx="1"/>
+              </p:nvPr>
+            </p:nvSpPr>
+            <p:spPr>
+              <a:xfrm>
+                <a:off x="1390650" y="1733549"/>
+                <a:ext cx="4905375" cy="4581525"/>
+              </a:xfrm>
+            </p:spPr>
+            <p:txBody>
+              <a:bodyPr>
+                <a:normAutofit lnSpcReduction="10000"/>
+              </a:bodyPr>
+              <a:lstStyle/>
+              <a:p>
+                <a:r>
+                  <a:rPr lang="en-US" dirty="0"/>
+                  <a:t>Carrier 2003 gives the cumulative particle size distribution normalized by mass and not particle number</a:t>
+                </a:r>
+              </a:p>
+              <a:p>
+                <a:pPr lvl="1"/>
+                <a:r>
+                  <a:rPr lang="en-US" i="0" dirty="0"/>
+                  <a:t>To convert to particle number, we need to evaluate the integral:</a:t>
+                </a:r>
+              </a:p>
+              <a:p>
+                <a:pPr lvl="1"/>
+                <a:endParaRPr lang="en-US" i="0" dirty="0"/>
+              </a:p>
+              <a:p>
+                <a:pPr lvl="1"/>
+                <a:endParaRPr lang="en-US" i="0" dirty="0"/>
+              </a:p>
+              <a:p>
+                <a:pPr lvl="1"/>
+                <a:r>
+                  <a:rPr lang="en-US" i="0" dirty="0"/>
+                  <a:t>It can be shown that the cumulative particle size distribution normalized by number is (x in mm):</a:t>
+                </a:r>
+              </a:p>
+              <a:p>
+                <a:pPr lvl="1"/>
+                <a14:m>
+                  <m:oMath xmlns:m="http://schemas.openxmlformats.org/officeDocument/2006/math">
+                    <m:sSub>
+                      <m:sSubPr>
+                        <m:ctrlPr>
+                          <a:rPr lang="en-US" b="0" i="0" smtClean="0">
+                            <a:latin typeface="Cambria Math" panose="02040503050406030204" pitchFamily="18" charset="0"/>
+                          </a:rPr>
+                        </m:ctrlPr>
+                      </m:sSubPr>
+                      <m:e>
+                        <m:r>
+                          <m:rPr>
+                            <m:sty m:val="p"/>
+                          </m:rPr>
+                          <a:rPr lang="en-US" b="0" i="0" smtClean="0">
+                            <a:latin typeface="Cambria Math" panose="02040503050406030204" pitchFamily="18" charset="0"/>
+                          </a:rPr>
+                          <m:t>N</m:t>
+                        </m:r>
+                      </m:e>
+                      <m:sub>
+                        <m:r>
+                          <m:rPr>
+                            <m:sty m:val="p"/>
+                          </m:rPr>
+                          <a:rPr lang="en-US" b="0" i="0" smtClean="0">
+                            <a:latin typeface="Cambria Math" panose="02040503050406030204" pitchFamily="18" charset="0"/>
+                          </a:rPr>
+                          <m:t>ej</m:t>
+                        </m:r>
+                      </m:sub>
+                    </m:sSub>
+                    <m:d>
+                      <m:dPr>
+                        <m:ctrlPr>
+                          <a:rPr lang="en-US" b="0" i="0" smtClean="0">
+                            <a:latin typeface="Cambria Math" panose="02040503050406030204" pitchFamily="18" charset="0"/>
+                          </a:rPr>
+                        </m:ctrlPr>
+                      </m:dPr>
+                      <m:e>
+                        <m:r>
+                          <m:rPr>
+                            <m:sty m:val="p"/>
+                          </m:rPr>
+                          <a:rPr lang="en-US" b="0" i="0" smtClean="0">
+                            <a:latin typeface="Cambria Math" panose="02040503050406030204" pitchFamily="18" charset="0"/>
+                          </a:rPr>
+                          <m:t>x</m:t>
+                        </m:r>
+                      </m:e>
+                    </m:d>
+                    <m:r>
+                      <a:rPr lang="en-US" b="0" i="0" smtClean="0">
+                        <a:latin typeface="Cambria Math" panose="02040503050406030204" pitchFamily="18" charset="0"/>
+                      </a:rPr>
+                      <m:t>~</m:t>
+                    </m:r>
+                    <m:f>
+                      <m:fPr>
+                        <m:ctrlPr>
+                          <a:rPr lang="en-US" b="0" i="0" smtClean="0">
+                            <a:latin typeface="Cambria Math" panose="02040503050406030204" pitchFamily="18" charset="0"/>
+                          </a:rPr>
+                        </m:ctrlPr>
+                      </m:fPr>
+                      <m:num>
+                        <m:r>
+                          <a:rPr lang="en-US" b="0" i="0" smtClean="0">
+                            <a:latin typeface="Cambria Math" panose="02040503050406030204" pitchFamily="18" charset="0"/>
+                          </a:rPr>
+                          <m:t>9.216</m:t>
+                        </m:r>
+                        <m:r>
+                          <a:rPr lang="en-US" b="0" i="0" smtClean="0">
+                            <a:latin typeface="Cambria Math" panose="02040503050406030204" pitchFamily="18" charset="0"/>
+                          </a:rPr>
+                          <m:t>×</m:t>
+                        </m:r>
+                        <m:sSup>
+                          <m:sSupPr>
+                            <m:ctrlPr>
+                              <a:rPr lang="en-US" b="0" i="0" smtClean="0">
+                                <a:latin typeface="Cambria Math" panose="02040503050406030204" pitchFamily="18" charset="0"/>
+                              </a:rPr>
+                            </m:ctrlPr>
+                          </m:sSupPr>
+                          <m:e>
+                            <m:r>
+                              <a:rPr lang="en-US" b="0" i="0" smtClean="0">
+                                <a:latin typeface="Cambria Math" panose="02040503050406030204" pitchFamily="18" charset="0"/>
+                              </a:rPr>
+                              <m:t>10</m:t>
+                            </m:r>
+                          </m:e>
+                          <m:sup>
+                            <m:r>
+                              <a:rPr lang="en-US" b="0" i="0" smtClean="0">
+                                <a:latin typeface="Cambria Math" panose="02040503050406030204" pitchFamily="18" charset="0"/>
+                              </a:rPr>
+                              <m:t>−3</m:t>
+                            </m:r>
+                          </m:sup>
+                        </m:sSup>
+                      </m:num>
+                      <m:den>
+                        <m:sSup>
+                          <m:sSupPr>
+                            <m:ctrlPr>
+                              <a:rPr lang="en-US" b="0" i="0" smtClean="0">
+                                <a:latin typeface="Cambria Math" panose="02040503050406030204" pitchFamily="18" charset="0"/>
+                              </a:rPr>
+                            </m:ctrlPr>
+                          </m:sSupPr>
+                          <m:e>
+                            <m:d>
+                              <m:dPr>
+                                <m:ctrlPr>
+                                  <a:rPr lang="en-US" b="0" i="0" smtClean="0">
+                                    <a:latin typeface="Cambria Math" panose="02040503050406030204" pitchFamily="18" charset="0"/>
+                                  </a:rPr>
+                                </m:ctrlPr>
+                              </m:dPr>
+                              <m:e>
+                                <m:f>
+                                  <m:fPr>
+                                    <m:ctrlPr>
+                                      <a:rPr lang="en-US" b="0" i="0" smtClean="0">
+                                        <a:latin typeface="Cambria Math" panose="02040503050406030204" pitchFamily="18" charset="0"/>
+                                      </a:rPr>
+                                    </m:ctrlPr>
+                                  </m:fPr>
+                                  <m:num>
+                                    <m:r>
+                                      <m:rPr>
+                                        <m:sty m:val="p"/>
+                                      </m:rPr>
+                                      <a:rPr lang="en-US" b="0" i="0" smtClean="0">
+                                        <a:latin typeface="Cambria Math" panose="02040503050406030204" pitchFamily="18" charset="0"/>
+                                      </a:rPr>
+                                      <m:t>x</m:t>
+                                    </m:r>
+                                  </m:num>
+                                  <m:den>
+                                    <m:r>
+                                      <a:rPr lang="en-US" b="0" i="0" smtClean="0">
+                                        <a:latin typeface="Cambria Math" panose="02040503050406030204" pitchFamily="18" charset="0"/>
+                                      </a:rPr>
+                                      <m:t>0.347</m:t>
+                                    </m:r>
+                                  </m:den>
+                                </m:f>
+                              </m:e>
+                            </m:d>
+                          </m:e>
+                          <m:sup>
+                            <m:r>
+                              <a:rPr lang="en-US" b="0" i="0" smtClean="0">
+                                <a:latin typeface="Cambria Math" panose="02040503050406030204" pitchFamily="18" charset="0"/>
+                              </a:rPr>
+                              <m:t>3.60</m:t>
+                            </m:r>
+                          </m:sup>
+                        </m:sSup>
+                        <m:r>
+                          <a:rPr lang="en-US" b="0" i="0" smtClean="0">
+                            <a:latin typeface="Cambria Math" panose="02040503050406030204" pitchFamily="18" charset="0"/>
+                          </a:rPr>
+                          <m:t>+</m:t>
+                        </m:r>
+                        <m:sSup>
+                          <m:sSupPr>
+                            <m:ctrlPr>
+                              <a:rPr lang="en-US" b="0" i="0" smtClean="0">
+                                <a:latin typeface="Cambria Math" panose="02040503050406030204" pitchFamily="18" charset="0"/>
+                              </a:rPr>
+                            </m:ctrlPr>
+                          </m:sSupPr>
+                          <m:e>
+                            <m:r>
+                              <m:rPr>
+                                <m:sty m:val="p"/>
+                              </m:rPr>
+                              <a:rPr lang="en-US" b="0" i="0" smtClean="0">
+                                <a:latin typeface="Cambria Math" panose="02040503050406030204" pitchFamily="18" charset="0"/>
+                              </a:rPr>
+                              <m:t>x</m:t>
+                            </m:r>
+                          </m:e>
+                          <m:sup>
+                            <m:r>
+                              <a:rPr lang="en-US" b="0" i="0" smtClean="0">
+                                <a:latin typeface="Cambria Math" panose="02040503050406030204" pitchFamily="18" charset="0"/>
+                              </a:rPr>
+                              <m:t>2.33</m:t>
+                            </m:r>
+                          </m:sup>
+                        </m:sSup>
+                      </m:den>
+                    </m:f>
+                  </m:oMath>
+                </a14:m>
+                <a:endParaRPr lang="en-US" i="0" dirty="0"/>
+              </a:p>
+              <a:p>
+                <a:pPr lvl="1"/>
+                <a:r>
+                  <a:rPr lang="en-US" i="0" dirty="0"/>
+                  <a:t>Note that SP-8013 gives: </a:t>
+                </a:r>
+                <a14:m>
+                  <m:oMath xmlns:m="http://schemas.openxmlformats.org/officeDocument/2006/math">
+                    <m:sSub>
+                      <m:sSubPr>
+                        <m:ctrlPr>
+                          <a:rPr lang="en-US">
+                            <a:latin typeface="Cambria Math" panose="02040503050406030204" pitchFamily="18" charset="0"/>
+                          </a:rPr>
+                        </m:ctrlPr>
+                      </m:sSubPr>
+                      <m:e>
+                        <m:r>
+                          <m:rPr>
+                            <m:sty m:val="p"/>
+                          </m:rPr>
+                          <a:rPr lang="en-US" i="0">
+                            <a:latin typeface="Cambria Math" panose="02040503050406030204" pitchFamily="18" charset="0"/>
+                          </a:rPr>
+                          <m:t>N</m:t>
+                        </m:r>
+                      </m:e>
+                      <m:sub>
+                        <m:r>
+                          <m:rPr>
+                            <m:sty m:val="p"/>
+                          </m:rPr>
+                          <a:rPr lang="en-US" i="0">
+                            <a:latin typeface="Cambria Math" panose="02040503050406030204" pitchFamily="18" charset="0"/>
+                          </a:rPr>
+                          <m:t>ej</m:t>
+                        </m:r>
+                      </m:sub>
+                    </m:sSub>
+                    <m:d>
+                      <m:dPr>
+                        <m:ctrlPr>
+                          <a:rPr lang="en-US">
+                            <a:latin typeface="Cambria Math" panose="02040503050406030204" pitchFamily="18" charset="0"/>
+                          </a:rPr>
+                        </m:ctrlPr>
+                      </m:dPr>
+                      <m:e>
+                        <m:r>
+                          <m:rPr>
+                            <m:sty m:val="p"/>
+                          </m:rPr>
+                          <a:rPr lang="en-US" i="0">
+                            <a:latin typeface="Cambria Math" panose="02040503050406030204" pitchFamily="18" charset="0"/>
+                          </a:rPr>
+                          <m:t>x</m:t>
+                        </m:r>
+                      </m:e>
+                    </m:d>
+                    <m:r>
+                      <a:rPr lang="en-US" b="0" i="0" smtClean="0">
+                        <a:latin typeface="Cambria Math" panose="02040503050406030204" pitchFamily="18" charset="0"/>
+                      </a:rPr>
+                      <m:t>~</m:t>
+                    </m:r>
+                    <m:sSup>
+                      <m:sSupPr>
+                        <m:ctrlPr>
+                          <a:rPr lang="en-US" b="0" i="0" smtClean="0">
+                            <a:latin typeface="Cambria Math" panose="02040503050406030204" pitchFamily="18" charset="0"/>
+                          </a:rPr>
+                        </m:ctrlPr>
+                      </m:sSupPr>
+                      <m:e>
+                        <m:r>
+                          <m:rPr>
+                            <m:sty m:val="p"/>
+                          </m:rPr>
+                          <a:rPr lang="en-US" b="0" i="0" smtClean="0">
+                            <a:latin typeface="Cambria Math" panose="02040503050406030204" pitchFamily="18" charset="0"/>
+                          </a:rPr>
+                          <m:t>x</m:t>
+                        </m:r>
+                      </m:e>
+                      <m:sup>
+                        <m:r>
+                          <a:rPr lang="en-US" b="0" i="1" smtClean="0">
+                            <a:latin typeface="Cambria Math" panose="02040503050406030204" pitchFamily="18" charset="0"/>
+                          </a:rPr>
+                          <m:t>−3.6</m:t>
+                        </m:r>
+                      </m:sup>
+                    </m:sSup>
+                  </m:oMath>
+                </a14:m>
+                <a:endParaRPr lang="en-US" i="0" dirty="0"/>
+              </a:p>
+              <a:p>
+                <a:pPr lvl="1"/>
+                <a:endParaRPr lang="en-US" i="0" dirty="0"/>
+              </a:p>
+            </p:txBody>
+          </p:sp>
+        </mc:Choice>
+        <mc:Fallback>
+          <p:sp>
+            <p:nvSpPr>
+              <p:cNvPr id="3" name="Content Placeholder 2">
+                <a:extLst>
+                  <a:ext uri="{FF2B5EF4-FFF2-40B4-BE49-F238E27FC236}">
+                    <a16:creationId xmlns:a16="http://schemas.microsoft.com/office/drawing/2014/main" id="{AC7243E4-DF8A-4C72-9037-9ECE36BE1653}"/>
+                  </a:ext>
+                </a:extLst>
+              </p:cNvPr>
+              <p:cNvSpPr>
+                <a:spLocks noGrp="1" noRot="1" noChangeAspect="1" noMove="1" noResize="1" noEditPoints="1" noAdjustHandles="1" noChangeArrowheads="1" noChangeShapeType="1" noTextEdit="1"/>
+              </p:cNvSpPr>
+              <p:nvPr>
+                <p:ph idx="1"/>
+              </p:nvPr>
+            </p:nvSpPr>
+            <p:spPr>
+              <a:xfrm>
+                <a:off x="1390650" y="1733549"/>
+                <a:ext cx="4905375" cy="4581525"/>
+              </a:xfrm>
+              <a:blipFill>
+                <a:blip r:embed="rId2"/>
+                <a:stretch>
+                  <a:fillRect l="-1118" t="-1729" r="-2112"/>
+                </a:stretch>
+              </a:blipFill>
+            </p:spPr>
+            <p:txBody>
+              <a:bodyPr/>
+              <a:lstStyle/>
+              <a:p>
+                <a:r>
+                  <a:rPr lang="en-US">
+                    <a:noFill/>
+                  </a:rPr>
+                  <a:t> </a:t>
+                </a:r>
+              </a:p>
+            </p:txBody>
+          </p:sp>
+        </mc:Fallback>
+      </mc:AlternateContent>
+      <p:sp>
+        <p:nvSpPr>
+          <p:cNvPr id="4" name="Date Placeholder 3">
+            <a:extLst>
+              <a:ext uri="{FF2B5EF4-FFF2-40B4-BE49-F238E27FC236}">
+                <a16:creationId xmlns:a16="http://schemas.microsoft.com/office/drawing/2014/main" id="{C3EA344E-31E1-42F7-B5C8-3260CE5D538A}"/>
+              </a:ext>
+            </a:extLst>
+          </p:cNvPr>
+          <p:cNvSpPr>
+            <a:spLocks noGrp="1"/>
+          </p:cNvSpPr>
+          <p:nvPr>
+            <p:ph type="dt" sz="half" idx="10"/>
+          </p:nvPr>
+        </p:nvSpPr>
+        <p:spPr/>
+        <p:txBody>
+          <a:bodyPr/>
+          <a:lstStyle/>
+          <a:p>
+            <a:fld id="{2C03F969-3CA1-4329-80D4-97FA07558DE8}" type="datetime1">
+              <a:rPr lang="en-US" smtClean="0"/>
+              <a:t>10/23/2020</a:t>
+            </a:fld>
+            <a:endParaRPr lang="en-US" dirty="0"/>
+          </a:p>
+        </p:txBody>
+      </p:sp>
+      <p:sp>
+        <p:nvSpPr>
+          <p:cNvPr id="5" name="Footer Placeholder 4">
+            <a:extLst>
+              <a:ext uri="{FF2B5EF4-FFF2-40B4-BE49-F238E27FC236}">
+                <a16:creationId xmlns:a16="http://schemas.microsoft.com/office/drawing/2014/main" id="{E5115F9D-EFF2-4822-8542-C4A5FE8FC075}"/>
+              </a:ext>
+            </a:extLst>
+          </p:cNvPr>
+          <p:cNvSpPr>
+            <a:spLocks noGrp="1"/>
+          </p:cNvSpPr>
+          <p:nvPr>
+            <p:ph type="ftr" sz="quarter" idx="11"/>
+          </p:nvPr>
+        </p:nvSpPr>
+        <p:spPr/>
+        <p:txBody>
+          <a:bodyPr/>
+          <a:lstStyle/>
+          <a:p>
+            <a:r>
+              <a:rPr lang="en-US"/>
+              <a:t>Lunar Meteoroid Ejecta Model (LuMEM) -- DeStefano</a:t>
+            </a:r>
+            <a:endParaRPr lang="en-US" dirty="0"/>
+          </a:p>
+        </p:txBody>
+      </p:sp>
+      <p:sp>
+        <p:nvSpPr>
+          <p:cNvPr id="6" name="Slide Number Placeholder 5">
+            <a:extLst>
+              <a:ext uri="{FF2B5EF4-FFF2-40B4-BE49-F238E27FC236}">
+                <a16:creationId xmlns:a16="http://schemas.microsoft.com/office/drawing/2014/main" id="{4D208C99-3ED0-4CB8-974C-0CC2B3491D04}"/>
+              </a:ext>
+            </a:extLst>
+          </p:cNvPr>
+          <p:cNvSpPr>
+            <a:spLocks noGrp="1"/>
+          </p:cNvSpPr>
+          <p:nvPr>
+            <p:ph type="sldNum" sz="quarter" idx="12"/>
+          </p:nvPr>
+        </p:nvSpPr>
+        <p:spPr/>
+        <p:txBody>
+          <a:bodyPr/>
+          <a:lstStyle/>
+          <a:p>
+            <a:fld id="{69E57DC2-970A-4B3E-BB1C-7A09969E49DF}" type="slidenum">
+              <a:rPr lang="en-US" smtClean="0"/>
+              <a:t>17</a:t>
+            </a:fld>
+            <a:endParaRPr lang="en-US" dirty="0"/>
+          </a:p>
+        </p:txBody>
+      </p:sp>
+      <p:pic>
+        <p:nvPicPr>
+          <p:cNvPr id="7" name="Picture 6">
+            <a:extLst>
+              <a:ext uri="{FF2B5EF4-FFF2-40B4-BE49-F238E27FC236}">
+                <a16:creationId xmlns:a16="http://schemas.microsoft.com/office/drawing/2014/main" id="{867119EE-19BA-4C8C-8D26-0BDE626421D8}"/>
+              </a:ext>
+            </a:extLst>
+          </p:cNvPr>
+          <p:cNvPicPr>
+            <a:picLocks noChangeAspect="1"/>
+          </p:cNvPicPr>
+          <p:nvPr/>
+        </p:nvPicPr>
+        <p:blipFill>
+          <a:blip r:embed="rId3"/>
+          <a:stretch>
+            <a:fillRect/>
+          </a:stretch>
+        </p:blipFill>
+        <p:spPr>
+          <a:xfrm>
+            <a:off x="6456928" y="1262062"/>
+            <a:ext cx="5434932" cy="3581400"/>
+          </a:xfrm>
+          <a:prstGeom prst="rect">
+            <a:avLst/>
+          </a:prstGeom>
+        </p:spPr>
+      </p:pic>
+      <p:pic>
+        <p:nvPicPr>
+          <p:cNvPr id="8" name="Picture 7">
+            <a:extLst>
+              <a:ext uri="{FF2B5EF4-FFF2-40B4-BE49-F238E27FC236}">
+                <a16:creationId xmlns:a16="http://schemas.microsoft.com/office/drawing/2014/main" id="{DD2844E2-DFBA-412F-811A-7CF3765A36B8}"/>
+              </a:ext>
+            </a:extLst>
+          </p:cNvPr>
+          <p:cNvPicPr>
+            <a:picLocks noChangeAspect="1"/>
+          </p:cNvPicPr>
+          <p:nvPr/>
+        </p:nvPicPr>
+        <p:blipFill>
+          <a:blip r:embed="rId4"/>
+          <a:stretch>
+            <a:fillRect/>
+          </a:stretch>
+        </p:blipFill>
+        <p:spPr>
+          <a:xfrm>
+            <a:off x="1479101" y="3169543"/>
+            <a:ext cx="2828925" cy="676275"/>
+          </a:xfrm>
+          <a:prstGeom prst="rect">
+            <a:avLst/>
+          </a:prstGeom>
+        </p:spPr>
+      </p:pic>
+      <p:pic>
+        <p:nvPicPr>
+          <p:cNvPr id="9" name="Picture 8">
+            <a:extLst>
+              <a:ext uri="{FF2B5EF4-FFF2-40B4-BE49-F238E27FC236}">
+                <a16:creationId xmlns:a16="http://schemas.microsoft.com/office/drawing/2014/main" id="{5ED2A30A-C58D-4F15-9747-FFB06448F6D5}"/>
+              </a:ext>
+            </a:extLst>
+          </p:cNvPr>
+          <p:cNvPicPr>
+            <a:picLocks noChangeAspect="1"/>
+          </p:cNvPicPr>
+          <p:nvPr/>
+        </p:nvPicPr>
+        <p:blipFill>
+          <a:blip r:embed="rId5"/>
+          <a:stretch>
+            <a:fillRect/>
+          </a:stretch>
+        </p:blipFill>
+        <p:spPr>
+          <a:xfrm>
+            <a:off x="4681429" y="3202880"/>
+            <a:ext cx="1352550" cy="609600"/>
+          </a:xfrm>
+          <a:prstGeom prst="rect">
+            <a:avLst/>
+          </a:prstGeom>
+        </p:spPr>
+      </p:pic>
+    </p:spTree>
+    <p:extLst>
+      <p:ext uri="{BB962C8B-B14F-4D97-AF65-F5344CB8AC3E}">
+        <p14:creationId xmlns:p14="http://schemas.microsoft.com/office/powerpoint/2010/main" val="82049267"/>
+      </p:ext>
+    </p:extLst>
+  </p:cSld>
+  <p:clrMapOvr>
+    <a:masterClrMapping/>
+  </p:clrMapOvr>
+</p:sld>
+</file>
+
+<file path=ppt/slides/slide18.xml><?xml version="1.0" encoding="utf-8"?>
+<p:sld xmlns:a="http://schemas.openxmlformats.org/drawingml/2006/main" xmlns:r="http://schemas.openxmlformats.org/officeDocument/2006/relationships" xmlns:p="http://schemas.openxmlformats.org/presentationml/2006/main">
+  <p:cSld>
+    <p:spTree>
+      <p:nvGrpSpPr>
+        <p:cNvPr id="1" name=""/>
+        <p:cNvGrpSpPr/>
+        <p:nvPr/>
+      </p:nvGrpSpPr>
+      <p:grpSpPr>
+        <a:xfrm>
+          <a:off x="0" y="0"/>
+          <a:ext cx="0" cy="0"/>
+          <a:chOff x="0" y="0"/>
+          <a:chExt cx="0" cy="0"/>
+        </a:xfrm>
+      </p:grpSpPr>
+      <p:sp>
+        <p:nvSpPr>
+          <p:cNvPr id="2" name="Title 1">
+            <a:extLst>
+              <a:ext uri="{FF2B5EF4-FFF2-40B4-BE49-F238E27FC236}">
+                <a16:creationId xmlns:a16="http://schemas.microsoft.com/office/drawing/2014/main" id="{94E4F2CC-AF19-473D-A54E-A752E5021583}"/>
+              </a:ext>
+            </a:extLst>
+          </p:cNvPr>
+          <p:cNvSpPr>
+            <a:spLocks noGrp="1"/>
+          </p:cNvSpPr>
+          <p:nvPr>
+            <p:ph type="title"/>
+          </p:nvPr>
+        </p:nvSpPr>
+        <p:spPr>
+          <a:xfrm>
+            <a:off x="1295400" y="-1037"/>
+            <a:ext cx="9601200" cy="1485900"/>
+          </a:xfrm>
+        </p:spPr>
+        <p:txBody>
+          <a:bodyPr>
+            <a:normAutofit fontScale="90000"/>
+          </a:bodyPr>
+          <a:lstStyle/>
+          <a:p>
+            <a:r>
+              <a:rPr lang="en-US" dirty="0"/>
+              <a:t>Ejecta zenith angle distribution</a:t>
+            </a:r>
+            <a:br>
+              <a:rPr lang="en-US" dirty="0"/>
+            </a:br>
+            <a:r>
+              <a:rPr lang="en-US" dirty="0"/>
+              <a:t>(empirically from Gault &amp; </a:t>
+            </a:r>
+            <a:r>
+              <a:rPr lang="en-US" dirty="0" err="1"/>
+              <a:t>Wedekind</a:t>
+            </a:r>
+            <a:r>
+              <a:rPr lang="en-US" dirty="0"/>
+              <a:t> 1978)</a:t>
+            </a:r>
+          </a:p>
+        </p:txBody>
+      </p:sp>
+      <p:sp>
+        <p:nvSpPr>
+          <p:cNvPr id="4" name="Date Placeholder 3">
+            <a:extLst>
+              <a:ext uri="{FF2B5EF4-FFF2-40B4-BE49-F238E27FC236}">
+                <a16:creationId xmlns:a16="http://schemas.microsoft.com/office/drawing/2014/main" id="{8CEED608-829C-48DF-961E-728E01B1BC47}"/>
+              </a:ext>
+            </a:extLst>
+          </p:cNvPr>
+          <p:cNvSpPr>
+            <a:spLocks noGrp="1"/>
+          </p:cNvSpPr>
+          <p:nvPr>
+            <p:ph type="dt" sz="half" idx="10"/>
+          </p:nvPr>
+        </p:nvSpPr>
+        <p:spPr/>
+        <p:txBody>
+          <a:bodyPr/>
+          <a:lstStyle/>
+          <a:p>
+            <a:fld id="{2C03F969-3CA1-4329-80D4-97FA07558DE8}" type="datetime1">
+              <a:rPr lang="en-US" smtClean="0"/>
+              <a:t>10/23/2020</a:t>
+            </a:fld>
+            <a:endParaRPr lang="en-US" dirty="0"/>
+          </a:p>
+        </p:txBody>
+      </p:sp>
+      <p:sp>
+        <p:nvSpPr>
+          <p:cNvPr id="5" name="Footer Placeholder 4">
+            <a:extLst>
+              <a:ext uri="{FF2B5EF4-FFF2-40B4-BE49-F238E27FC236}">
+                <a16:creationId xmlns:a16="http://schemas.microsoft.com/office/drawing/2014/main" id="{4C04FDFB-8637-4BE7-8055-F2A98F7669D2}"/>
+              </a:ext>
+            </a:extLst>
+          </p:cNvPr>
+          <p:cNvSpPr>
+            <a:spLocks noGrp="1"/>
+          </p:cNvSpPr>
+          <p:nvPr>
+            <p:ph type="ftr" sz="quarter" idx="11"/>
+          </p:nvPr>
+        </p:nvSpPr>
+        <p:spPr/>
+        <p:txBody>
+          <a:bodyPr/>
+          <a:lstStyle/>
+          <a:p>
+            <a:r>
+              <a:rPr lang="en-US"/>
+              <a:t>Lunar Meteoroid Ejecta Model (LuMEM) -- DeStefano</a:t>
+            </a:r>
+            <a:endParaRPr lang="en-US" dirty="0"/>
+          </a:p>
+        </p:txBody>
+      </p:sp>
+      <p:sp>
+        <p:nvSpPr>
+          <p:cNvPr id="6" name="Slide Number Placeholder 5">
+            <a:extLst>
+              <a:ext uri="{FF2B5EF4-FFF2-40B4-BE49-F238E27FC236}">
+                <a16:creationId xmlns:a16="http://schemas.microsoft.com/office/drawing/2014/main" id="{F16DF14A-5BE4-404C-85A5-A8BE7F07877D}"/>
+              </a:ext>
+            </a:extLst>
+          </p:cNvPr>
+          <p:cNvSpPr>
+            <a:spLocks noGrp="1"/>
+          </p:cNvSpPr>
+          <p:nvPr>
+            <p:ph type="sldNum" sz="quarter" idx="12"/>
+          </p:nvPr>
+        </p:nvSpPr>
+        <p:spPr/>
+        <p:txBody>
+          <a:bodyPr/>
+          <a:lstStyle/>
+          <a:p>
+            <a:fld id="{69E57DC2-970A-4B3E-BB1C-7A09969E49DF}" type="slidenum">
+              <a:rPr lang="en-US" smtClean="0"/>
+              <a:t>18</a:t>
+            </a:fld>
+            <a:endParaRPr lang="en-US" dirty="0"/>
+          </a:p>
+        </p:txBody>
+      </p:sp>
+      <p:pic>
+        <p:nvPicPr>
+          <p:cNvPr id="7" name="Picture 6">
+            <a:extLst>
+              <a:ext uri="{FF2B5EF4-FFF2-40B4-BE49-F238E27FC236}">
+                <a16:creationId xmlns:a16="http://schemas.microsoft.com/office/drawing/2014/main" id="{91D63DAD-520A-4995-AC4E-854CE317B77E}"/>
+              </a:ext>
+            </a:extLst>
+          </p:cNvPr>
+          <p:cNvPicPr>
+            <a:picLocks noChangeAspect="1"/>
+          </p:cNvPicPr>
+          <p:nvPr/>
+        </p:nvPicPr>
+        <p:blipFill>
+          <a:blip r:embed="rId2"/>
+          <a:stretch>
+            <a:fillRect/>
+          </a:stretch>
+        </p:blipFill>
+        <p:spPr>
+          <a:xfrm>
+            <a:off x="457200" y="1509712"/>
+            <a:ext cx="6715125" cy="2276475"/>
+          </a:xfrm>
+          <a:prstGeom prst="rect">
+            <a:avLst/>
+          </a:prstGeom>
+        </p:spPr>
+      </p:pic>
+      <p:pic>
+        <p:nvPicPr>
+          <p:cNvPr id="8" name="Picture 7">
+            <a:extLst>
+              <a:ext uri="{FF2B5EF4-FFF2-40B4-BE49-F238E27FC236}">
+                <a16:creationId xmlns:a16="http://schemas.microsoft.com/office/drawing/2014/main" id="{E42726A4-7C8C-4747-9811-351775F085EA}"/>
+              </a:ext>
+            </a:extLst>
+          </p:cNvPr>
+          <p:cNvPicPr>
+            <a:picLocks noChangeAspect="1"/>
+          </p:cNvPicPr>
+          <p:nvPr/>
+        </p:nvPicPr>
+        <p:blipFill>
+          <a:blip r:embed="rId3"/>
+          <a:stretch>
+            <a:fillRect/>
+          </a:stretch>
+        </p:blipFill>
+        <p:spPr>
+          <a:xfrm>
+            <a:off x="7034335" y="1127786"/>
+            <a:ext cx="3643312" cy="2744961"/>
+          </a:xfrm>
+          <a:prstGeom prst="rect">
+            <a:avLst/>
+          </a:prstGeom>
+        </p:spPr>
+      </p:pic>
+      <p:pic>
+        <p:nvPicPr>
+          <p:cNvPr id="9" name="Picture 8">
+            <a:extLst>
+              <a:ext uri="{FF2B5EF4-FFF2-40B4-BE49-F238E27FC236}">
+                <a16:creationId xmlns:a16="http://schemas.microsoft.com/office/drawing/2014/main" id="{B918666D-9F73-42BA-BE70-174EB370FB61}"/>
+              </a:ext>
+            </a:extLst>
+          </p:cNvPr>
+          <p:cNvPicPr>
+            <a:picLocks noChangeAspect="1"/>
+          </p:cNvPicPr>
+          <p:nvPr/>
+        </p:nvPicPr>
+        <p:blipFill>
+          <a:blip r:embed="rId4"/>
+          <a:stretch>
+            <a:fillRect/>
+          </a:stretch>
+        </p:blipFill>
+        <p:spPr>
+          <a:xfrm>
+            <a:off x="876300" y="3769518"/>
+            <a:ext cx="5819775" cy="704850"/>
+          </a:xfrm>
+          <a:prstGeom prst="rect">
+            <a:avLst/>
+          </a:prstGeom>
+        </p:spPr>
+      </p:pic>
+      <p:pic>
+        <p:nvPicPr>
+          <p:cNvPr id="10" name="Picture 9">
+            <a:extLst>
+              <a:ext uri="{FF2B5EF4-FFF2-40B4-BE49-F238E27FC236}">
+                <a16:creationId xmlns:a16="http://schemas.microsoft.com/office/drawing/2014/main" id="{2E4B7A82-A0C0-4966-B468-139F6B7176D0}"/>
+              </a:ext>
+            </a:extLst>
+          </p:cNvPr>
+          <p:cNvPicPr>
+            <a:picLocks noChangeAspect="1"/>
+          </p:cNvPicPr>
+          <p:nvPr/>
+        </p:nvPicPr>
+        <p:blipFill>
+          <a:blip r:embed="rId5"/>
+          <a:stretch>
+            <a:fillRect/>
+          </a:stretch>
+        </p:blipFill>
+        <p:spPr>
+          <a:xfrm>
+            <a:off x="166688" y="5086350"/>
+            <a:ext cx="6543675" cy="523875"/>
+          </a:xfrm>
+          <a:prstGeom prst="rect">
+            <a:avLst/>
+          </a:prstGeom>
+        </p:spPr>
+      </p:pic>
+      <p:sp>
+        <p:nvSpPr>
+          <p:cNvPr id="11" name="TextBox 10">
+            <a:extLst>
+              <a:ext uri="{FF2B5EF4-FFF2-40B4-BE49-F238E27FC236}">
+                <a16:creationId xmlns:a16="http://schemas.microsoft.com/office/drawing/2014/main" id="{6144B123-3EFF-4B8D-A4E8-8DAF5E8282EC}"/>
+              </a:ext>
+            </a:extLst>
+          </p:cNvPr>
+          <p:cNvSpPr txBox="1"/>
+          <p:nvPr/>
+        </p:nvSpPr>
+        <p:spPr>
+          <a:xfrm>
+            <a:off x="728663" y="4474368"/>
+            <a:ext cx="6229350" cy="646331"/>
+          </a:xfrm>
+          <a:prstGeom prst="rect">
+            <a:avLst/>
+          </a:prstGeom>
+          <a:noFill/>
+        </p:spPr>
+        <p:txBody>
+          <a:bodyPr wrap="square" rtlCol="0">
+            <a:spAutoFit/>
+          </a:bodyPr>
+          <a:lstStyle/>
+          <a:p>
+            <a:r>
+              <a:rPr lang="en-US" dirty="0"/>
+              <a:t>The maximum ejecta zenith angle as a function of ejecta azimuth from the down stream direction of the primary impact:</a:t>
+            </a:r>
+          </a:p>
+        </p:txBody>
+      </p:sp>
+      <p:pic>
+        <p:nvPicPr>
+          <p:cNvPr id="12" name="Picture 11">
+            <a:extLst>
+              <a:ext uri="{FF2B5EF4-FFF2-40B4-BE49-F238E27FC236}">
+                <a16:creationId xmlns:a16="http://schemas.microsoft.com/office/drawing/2014/main" id="{B2FBEC4E-334C-4BC7-8530-6CF1CCFDE727}"/>
+              </a:ext>
+            </a:extLst>
+          </p:cNvPr>
+          <p:cNvPicPr>
+            <a:picLocks noChangeAspect="1"/>
+          </p:cNvPicPr>
+          <p:nvPr/>
+        </p:nvPicPr>
+        <p:blipFill>
+          <a:blip r:embed="rId6"/>
+          <a:stretch>
+            <a:fillRect/>
+          </a:stretch>
+        </p:blipFill>
+        <p:spPr>
+          <a:xfrm>
+            <a:off x="7154160" y="4978659"/>
+            <a:ext cx="2409825" cy="352425"/>
+          </a:xfrm>
+          <a:prstGeom prst="rect">
+            <a:avLst/>
+          </a:prstGeom>
+        </p:spPr>
+      </p:pic>
+      <p:pic>
+        <p:nvPicPr>
+          <p:cNvPr id="13" name="Picture 12">
+            <a:extLst>
+              <a:ext uri="{FF2B5EF4-FFF2-40B4-BE49-F238E27FC236}">
+                <a16:creationId xmlns:a16="http://schemas.microsoft.com/office/drawing/2014/main" id="{DE232D59-FFD8-4A73-9E63-AFA06D1EB0B3}"/>
+              </a:ext>
+            </a:extLst>
+          </p:cNvPr>
+          <p:cNvPicPr>
+            <a:picLocks noChangeAspect="1"/>
+          </p:cNvPicPr>
+          <p:nvPr/>
+        </p:nvPicPr>
+        <p:blipFill>
+          <a:blip r:embed="rId7"/>
+          <a:stretch>
+            <a:fillRect/>
+          </a:stretch>
+        </p:blipFill>
+        <p:spPr>
+          <a:xfrm>
+            <a:off x="7131387" y="5282790"/>
+            <a:ext cx="3095625" cy="638175"/>
+          </a:xfrm>
+          <a:prstGeom prst="rect">
+            <a:avLst/>
+          </a:prstGeom>
+        </p:spPr>
+      </p:pic>
+      <p:sp>
+        <p:nvSpPr>
+          <p:cNvPr id="14" name="TextBox 13">
+            <a:extLst>
+              <a:ext uri="{FF2B5EF4-FFF2-40B4-BE49-F238E27FC236}">
+                <a16:creationId xmlns:a16="http://schemas.microsoft.com/office/drawing/2014/main" id="{7AB910EE-BD9C-451E-A70D-7467C945AE45}"/>
+              </a:ext>
+            </a:extLst>
+          </p:cNvPr>
+          <p:cNvSpPr txBox="1"/>
+          <p:nvPr/>
+        </p:nvSpPr>
+        <p:spPr>
+          <a:xfrm>
+            <a:off x="7154160" y="3984573"/>
+            <a:ext cx="3095625" cy="923330"/>
+          </a:xfrm>
+          <a:prstGeom prst="rect">
+            <a:avLst/>
+          </a:prstGeom>
+          <a:noFill/>
+        </p:spPr>
+        <p:txBody>
+          <a:bodyPr wrap="square" rtlCol="0">
+            <a:spAutoFit/>
+          </a:bodyPr>
+          <a:lstStyle/>
+          <a:p>
+            <a:r>
+              <a:rPr lang="en-US" dirty="0"/>
+              <a:t>Zenith angle distribution (formally, a beta distribution in cosine of the zenith angle):</a:t>
+            </a:r>
+          </a:p>
+        </p:txBody>
+      </p:sp>
+      <p:cxnSp>
+        <p:nvCxnSpPr>
+          <p:cNvPr id="16" name="Straight Arrow Connector 15">
+            <a:extLst>
+              <a:ext uri="{FF2B5EF4-FFF2-40B4-BE49-F238E27FC236}">
+                <a16:creationId xmlns:a16="http://schemas.microsoft.com/office/drawing/2014/main" id="{F2F7086C-8BD0-4889-93E4-CFD412529378}"/>
+              </a:ext>
+            </a:extLst>
+          </p:cNvPr>
+          <p:cNvCxnSpPr>
+            <a:cxnSpLocks/>
+            <a:endCxn id="13" idx="1"/>
+          </p:cNvCxnSpPr>
+          <p:nvPr/>
+        </p:nvCxnSpPr>
+        <p:spPr>
+          <a:xfrm flipV="1">
+            <a:off x="6234998" y="5601878"/>
+            <a:ext cx="896389" cy="517218"/>
+          </a:xfrm>
+          <a:prstGeom prst="straightConnector1">
+            <a:avLst/>
+          </a:prstGeom>
+          <a:ln w="38100">
+            <a:solidFill>
+              <a:schemeClr val="tx1"/>
+            </a:solidFill>
+            <a:tailEnd type="triangle"/>
+          </a:ln>
+        </p:spPr>
+        <p:style>
+          <a:lnRef idx="1">
+            <a:schemeClr val="accent1"/>
+          </a:lnRef>
+          <a:fillRef idx="0">
+            <a:schemeClr val="accent1"/>
+          </a:fillRef>
+          <a:effectRef idx="0">
+            <a:schemeClr val="accent1"/>
+          </a:effectRef>
+          <a:fontRef idx="minor">
+            <a:schemeClr val="tx1"/>
+          </a:fontRef>
+        </p:style>
+      </p:cxnSp>
+      <p:sp>
+        <p:nvSpPr>
+          <p:cNvPr id="17" name="TextBox 16">
+            <a:extLst>
+              <a:ext uri="{FF2B5EF4-FFF2-40B4-BE49-F238E27FC236}">
+                <a16:creationId xmlns:a16="http://schemas.microsoft.com/office/drawing/2014/main" id="{1091A326-5DC3-4897-90EF-037015055035}"/>
+              </a:ext>
+            </a:extLst>
+          </p:cNvPr>
+          <p:cNvSpPr txBox="1"/>
+          <p:nvPr/>
+        </p:nvSpPr>
+        <p:spPr>
+          <a:xfrm>
+            <a:off x="3589001" y="5786636"/>
+            <a:ext cx="2943225" cy="646331"/>
+          </a:xfrm>
+          <a:prstGeom prst="rect">
+            <a:avLst/>
+          </a:prstGeom>
+          <a:noFill/>
+        </p:spPr>
+        <p:txBody>
+          <a:bodyPr wrap="square" rtlCol="0">
+            <a:spAutoFit/>
+          </a:bodyPr>
+          <a:lstStyle/>
+          <a:p>
+            <a:r>
+              <a:rPr lang="en-US" dirty="0"/>
+              <a:t>Defined so that </a:t>
+            </a:r>
+            <a:r>
+              <a:rPr lang="el-GR" dirty="0"/>
+              <a:t>α</a:t>
+            </a:r>
+            <a:r>
+              <a:rPr lang="en-US" dirty="0"/>
+              <a:t>_max is the peak of the distribution</a:t>
+            </a:r>
+          </a:p>
+        </p:txBody>
+      </p:sp>
+      <p:pic>
+        <p:nvPicPr>
+          <p:cNvPr id="1026" name="Picture 2">
+            <a:extLst>
+              <a:ext uri="{FF2B5EF4-FFF2-40B4-BE49-F238E27FC236}">
+                <a16:creationId xmlns:a16="http://schemas.microsoft.com/office/drawing/2014/main" id="{5019B605-2C8A-4DD8-9A58-433DDB16731D}"/>
+              </a:ext>
+            </a:extLst>
+          </p:cNvPr>
+          <p:cNvPicPr>
+            <a:picLocks noChangeAspect="1" noChangeArrowheads="1"/>
+          </p:cNvPicPr>
+          <p:nvPr/>
+        </p:nvPicPr>
+        <p:blipFill>
+          <a:blip r:embed="rId8">
+            <a:extLst>
+              <a:ext uri="{28A0092B-C50C-407E-A947-70E740481C1C}">
+                <a14:useLocalDpi xmlns:a14="http://schemas.microsoft.com/office/drawing/2010/main" val="0"/>
+              </a:ext>
+            </a:extLst>
+          </a:blip>
+          <a:srcRect/>
+          <a:stretch>
+            <a:fillRect/>
+          </a:stretch>
+        </p:blipFill>
+        <p:spPr bwMode="auto">
+          <a:xfrm>
+            <a:off x="10066155" y="3905982"/>
+            <a:ext cx="2125845" cy="1540153"/>
+          </a:xfrm>
+          <a:prstGeom prst="rect">
+            <a:avLst/>
+          </a:prstGeom>
+          <a:noFill/>
+          <a:extLst>
+            <a:ext uri="{909E8E84-426E-40DD-AFC4-6F175D3DCCD1}">
+              <a14:hiddenFill xmlns:a14="http://schemas.microsoft.com/office/drawing/2010/main">
+                <a:solidFill>
+                  <a:srgbClr val="FFFFFF"/>
+                </a:solidFill>
+              </a14:hiddenFill>
+            </a:ext>
+          </a:extLst>
+        </p:spPr>
+      </p:pic>
+    </p:spTree>
+    <p:extLst>
+      <p:ext uri="{BB962C8B-B14F-4D97-AF65-F5344CB8AC3E}">
+        <p14:creationId xmlns:p14="http://schemas.microsoft.com/office/powerpoint/2010/main" val="3431700466"/>
+      </p:ext>
+    </p:extLst>
+  </p:cSld>
+  <p:clrMapOvr>
+    <a:masterClrMapping/>
+  </p:clrMapOvr>
+</p:sld>
+</file>
+
+<file path=ppt/slides/slide19.xml><?xml version="1.0" encoding="utf-8"?>
+<p:sld xmlns:a="http://schemas.openxmlformats.org/drawingml/2006/main" xmlns:r="http://schemas.openxmlformats.org/officeDocument/2006/relationships" xmlns:p="http://schemas.openxmlformats.org/presentationml/2006/main">
+  <p:cSld>
+    <p:spTree>
+      <p:nvGrpSpPr>
+        <p:cNvPr id="1" name=""/>
+        <p:cNvGrpSpPr/>
+        <p:nvPr/>
+      </p:nvGrpSpPr>
+      <p:grpSpPr>
+        <a:xfrm>
+          <a:off x="0" y="0"/>
+          <a:ext cx="0" cy="0"/>
+          <a:chOff x="0" y="0"/>
+          <a:chExt cx="0" cy="0"/>
+        </a:xfrm>
+      </p:grpSpPr>
+      <p:sp>
+        <p:nvSpPr>
+          <p:cNvPr id="2" name="Title 1">
+            <a:extLst>
+              <a:ext uri="{FF2B5EF4-FFF2-40B4-BE49-F238E27FC236}">
+                <a16:creationId xmlns:a16="http://schemas.microsoft.com/office/drawing/2014/main" id="{81005000-2731-457F-A7D6-717352848F64}"/>
+              </a:ext>
+            </a:extLst>
+          </p:cNvPr>
+          <p:cNvSpPr>
+            <a:spLocks noGrp="1"/>
+          </p:cNvSpPr>
+          <p:nvPr>
+            <p:ph type="title"/>
+          </p:nvPr>
+        </p:nvSpPr>
+        <p:spPr>
+          <a:xfrm>
+            <a:off x="1371600" y="214114"/>
+            <a:ext cx="9601200" cy="1485900"/>
+          </a:xfrm>
+        </p:spPr>
+        <p:txBody>
+          <a:bodyPr>
+            <a:normAutofit fontScale="90000"/>
+          </a:bodyPr>
+          <a:lstStyle/>
+          <a:p>
+            <a:r>
+              <a:rPr lang="en-US" dirty="0"/>
+              <a:t>Ejecta azimuth angle distribution</a:t>
+            </a:r>
+            <a:br>
+              <a:rPr lang="en-US" dirty="0"/>
+            </a:br>
+            <a:r>
+              <a:rPr lang="en-US" dirty="0"/>
+              <a:t>(modified from Rival &amp; Mandeville 1999)</a:t>
+            </a:r>
+          </a:p>
+        </p:txBody>
+      </p:sp>
+      <p:pic>
+        <p:nvPicPr>
+          <p:cNvPr id="9" name="Content Placeholder 8">
+            <a:extLst>
+              <a:ext uri="{FF2B5EF4-FFF2-40B4-BE49-F238E27FC236}">
+                <a16:creationId xmlns:a16="http://schemas.microsoft.com/office/drawing/2014/main" id="{0656AF86-73BE-43BA-BE4F-D2E20D04AE57}"/>
+              </a:ext>
+            </a:extLst>
+          </p:cNvPr>
+          <p:cNvPicPr>
+            <a:picLocks noGrp="1" noChangeAspect="1"/>
+          </p:cNvPicPr>
+          <p:nvPr>
+            <p:ph idx="1"/>
+          </p:nvPr>
+        </p:nvPicPr>
+        <p:blipFill>
+          <a:blip r:embed="rId2"/>
+          <a:stretch>
+            <a:fillRect/>
+          </a:stretch>
+        </p:blipFill>
+        <p:spPr>
+          <a:xfrm>
+            <a:off x="980952" y="2659009"/>
+            <a:ext cx="6038850" cy="762000"/>
+          </a:xfrm>
+          <a:prstGeom prst="rect">
+            <a:avLst/>
+          </a:prstGeom>
+        </p:spPr>
+      </p:pic>
+      <p:sp>
+        <p:nvSpPr>
+          <p:cNvPr id="4" name="Date Placeholder 3">
+            <a:extLst>
+              <a:ext uri="{FF2B5EF4-FFF2-40B4-BE49-F238E27FC236}">
+                <a16:creationId xmlns:a16="http://schemas.microsoft.com/office/drawing/2014/main" id="{D5FB2FD2-2572-4A84-B393-77CFAD3511E5}"/>
+              </a:ext>
+            </a:extLst>
+          </p:cNvPr>
+          <p:cNvSpPr>
+            <a:spLocks noGrp="1"/>
+          </p:cNvSpPr>
+          <p:nvPr>
+            <p:ph type="dt" sz="half" idx="10"/>
+          </p:nvPr>
+        </p:nvSpPr>
+        <p:spPr/>
+        <p:txBody>
+          <a:bodyPr/>
+          <a:lstStyle/>
+          <a:p>
+            <a:fld id="{2C03F969-3CA1-4329-80D4-97FA07558DE8}" type="datetime1">
+              <a:rPr lang="en-US" smtClean="0"/>
+              <a:t>10/23/2020</a:t>
+            </a:fld>
+            <a:endParaRPr lang="en-US" dirty="0"/>
+          </a:p>
+        </p:txBody>
+      </p:sp>
+      <p:sp>
+        <p:nvSpPr>
+          <p:cNvPr id="5" name="Footer Placeholder 4">
+            <a:extLst>
+              <a:ext uri="{FF2B5EF4-FFF2-40B4-BE49-F238E27FC236}">
+                <a16:creationId xmlns:a16="http://schemas.microsoft.com/office/drawing/2014/main" id="{0955ED9E-134E-4E77-8A27-5BA4A064E124}"/>
+              </a:ext>
+            </a:extLst>
+          </p:cNvPr>
+          <p:cNvSpPr>
+            <a:spLocks noGrp="1"/>
+          </p:cNvSpPr>
+          <p:nvPr>
+            <p:ph type="ftr" sz="quarter" idx="11"/>
+          </p:nvPr>
+        </p:nvSpPr>
+        <p:spPr/>
+        <p:txBody>
+          <a:bodyPr/>
+          <a:lstStyle/>
+          <a:p>
+            <a:r>
+              <a:rPr lang="en-US"/>
+              <a:t>Lunar Meteoroid Ejecta Model (LuMEM) -- DeStefano</a:t>
+            </a:r>
+            <a:endParaRPr lang="en-US" dirty="0"/>
+          </a:p>
+        </p:txBody>
+      </p:sp>
+      <p:sp>
+        <p:nvSpPr>
+          <p:cNvPr id="6" name="Slide Number Placeholder 5">
+            <a:extLst>
+              <a:ext uri="{FF2B5EF4-FFF2-40B4-BE49-F238E27FC236}">
+                <a16:creationId xmlns:a16="http://schemas.microsoft.com/office/drawing/2014/main" id="{E667D6C3-EC6A-4763-990D-218E4A4A4822}"/>
+              </a:ext>
+            </a:extLst>
+          </p:cNvPr>
+          <p:cNvSpPr>
+            <a:spLocks noGrp="1"/>
+          </p:cNvSpPr>
+          <p:nvPr>
+            <p:ph type="sldNum" sz="quarter" idx="12"/>
+          </p:nvPr>
+        </p:nvSpPr>
+        <p:spPr/>
+        <p:txBody>
+          <a:bodyPr/>
+          <a:lstStyle/>
+          <a:p>
+            <a:fld id="{69E57DC2-970A-4B3E-BB1C-7A09969E49DF}" type="slidenum">
+              <a:rPr lang="en-US" smtClean="0"/>
+              <a:t>19</a:t>
+            </a:fld>
+            <a:endParaRPr lang="en-US" dirty="0"/>
+          </a:p>
+        </p:txBody>
+      </p:sp>
+      <p:pic>
+        <p:nvPicPr>
+          <p:cNvPr id="7" name="Picture 6">
+            <a:extLst>
+              <a:ext uri="{FF2B5EF4-FFF2-40B4-BE49-F238E27FC236}">
+                <a16:creationId xmlns:a16="http://schemas.microsoft.com/office/drawing/2014/main" id="{A8ACD1DB-13BD-4B80-AB7D-AB95F8431707}"/>
+              </a:ext>
+            </a:extLst>
+          </p:cNvPr>
+          <p:cNvPicPr>
+            <a:picLocks noChangeAspect="1"/>
+          </p:cNvPicPr>
+          <p:nvPr/>
+        </p:nvPicPr>
+        <p:blipFill>
+          <a:blip r:embed="rId3"/>
+          <a:stretch>
+            <a:fillRect/>
+          </a:stretch>
+        </p:blipFill>
+        <p:spPr>
+          <a:xfrm>
+            <a:off x="885825" y="1821108"/>
+            <a:ext cx="6343650" cy="771525"/>
+          </a:xfrm>
+          <a:prstGeom prst="rect">
+            <a:avLst/>
+          </a:prstGeom>
+        </p:spPr>
+      </p:pic>
+      <p:pic>
+        <p:nvPicPr>
+          <p:cNvPr id="8" name="Picture 7">
+            <a:extLst>
+              <a:ext uri="{FF2B5EF4-FFF2-40B4-BE49-F238E27FC236}">
+                <a16:creationId xmlns:a16="http://schemas.microsoft.com/office/drawing/2014/main" id="{982E3333-E66A-4833-B057-EBE03EE81651}"/>
+              </a:ext>
+            </a:extLst>
+          </p:cNvPr>
+          <p:cNvPicPr>
+            <a:picLocks noChangeAspect="1"/>
+          </p:cNvPicPr>
+          <p:nvPr/>
+        </p:nvPicPr>
+        <p:blipFill>
+          <a:blip r:embed="rId4"/>
+          <a:stretch>
+            <a:fillRect/>
+          </a:stretch>
+        </p:blipFill>
+        <p:spPr>
+          <a:xfrm>
+            <a:off x="7346719" y="1647526"/>
+            <a:ext cx="4333875" cy="1219200"/>
+          </a:xfrm>
+          <a:prstGeom prst="rect">
+            <a:avLst/>
+          </a:prstGeom>
+        </p:spPr>
+      </p:pic>
+      <p:pic>
+        <p:nvPicPr>
+          <p:cNvPr id="10" name="Picture 9">
+            <a:extLst>
+              <a:ext uri="{FF2B5EF4-FFF2-40B4-BE49-F238E27FC236}">
+                <a16:creationId xmlns:a16="http://schemas.microsoft.com/office/drawing/2014/main" id="{E9D16BA4-C02E-444D-B8EB-1778B439E46A}"/>
+              </a:ext>
+            </a:extLst>
+          </p:cNvPr>
+          <p:cNvPicPr>
+            <a:picLocks noChangeAspect="1"/>
+          </p:cNvPicPr>
+          <p:nvPr/>
+        </p:nvPicPr>
+        <p:blipFill>
+          <a:blip r:embed="rId5"/>
+          <a:stretch>
+            <a:fillRect/>
+          </a:stretch>
+        </p:blipFill>
+        <p:spPr>
+          <a:xfrm>
+            <a:off x="7734423" y="2866726"/>
+            <a:ext cx="3476625" cy="752475"/>
+          </a:xfrm>
+          <a:prstGeom prst="rect">
+            <a:avLst/>
+          </a:prstGeom>
+        </p:spPr>
+      </p:pic>
+      <mc:AlternateContent xmlns:mc="http://schemas.openxmlformats.org/markup-compatibility/2006">
+        <mc:Choice xmlns:a14="http://schemas.microsoft.com/office/drawing/2010/main" Requires="a14">
+          <p:sp>
+            <p:nvSpPr>
+              <p:cNvPr id="11" name="Content Placeholder 2">
+                <a:extLst>
+                  <a:ext uri="{FF2B5EF4-FFF2-40B4-BE49-F238E27FC236}">
+                    <a16:creationId xmlns:a16="http://schemas.microsoft.com/office/drawing/2014/main" id="{BD2728D9-2CEA-4FC5-A97E-238A5936DAD6}"/>
+                  </a:ext>
+                </a:extLst>
+              </p:cNvPr>
+              <p:cNvSpPr txBox="1">
+                <a:spLocks/>
+              </p:cNvSpPr>
+              <p:nvPr/>
+            </p:nvSpPr>
+            <p:spPr>
+              <a:xfrm>
+                <a:off x="1390651" y="3487385"/>
+                <a:ext cx="5874226" cy="2827689"/>
+              </a:xfrm>
+              <a:prstGeom prst="rect">
+                <a:avLst/>
+              </a:prstGeom>
+            </p:spPr>
+            <p:txBody>
+              <a:bodyPr vert="horz" lIns="91440" tIns="45720" rIns="91440" bIns="45720" rtlCol="0">
+                <a:normAutofit fontScale="92500" lnSpcReduction="10000"/>
+              </a:bodyPr>
+              <a:lstStyle>
+                <a:lvl1pPr marL="384048" indent="-384048" algn="l" defTabSz="914400" rtl="0" eaLnBrk="1" latinLnBrk="0" hangingPunct="1">
+                  <a:lnSpc>
+                    <a:spcPct val="94000"/>
+                  </a:lnSpc>
+                  <a:spcBef>
+                    <a:spcPts val="1000"/>
+                  </a:spcBef>
+                  <a:spcAft>
+                    <a:spcPts val="200"/>
+                  </a:spcAft>
+                  <a:buFont typeface="Franklin Gothic Book" panose="020B0503020102020204" pitchFamily="34" charset="0"/>
+                  <a:buChar char="■"/>
+                  <a:defRPr sz="2000" kern="1200" baseline="0">
+                    <a:solidFill>
+                      <a:schemeClr val="tx2"/>
+                    </a:solidFill>
+                    <a:latin typeface="+mn-lt"/>
+                    <a:ea typeface="+mn-ea"/>
+                    <a:cs typeface="+mn-cs"/>
+                  </a:defRPr>
+                </a:lvl1pPr>
+                <a:lvl2pPr marL="914400" indent="-384048" algn="l" defTabSz="914400" rtl="0" eaLnBrk="1" latinLnBrk="0" hangingPunct="1">
+                  <a:lnSpc>
+                    <a:spcPct val="94000"/>
+                  </a:lnSpc>
+                  <a:spcBef>
+                    <a:spcPts val="500"/>
+                  </a:spcBef>
+                  <a:spcAft>
+                    <a:spcPts val="200"/>
+                  </a:spcAft>
+                  <a:buFont typeface="Franklin Gothic Book" panose="020B0503020102020204" pitchFamily="34" charset="0"/>
+                  <a:buChar char="–"/>
+                  <a:defRPr sz="2000" i="1" kern="1200" baseline="0">
+                    <a:solidFill>
+                      <a:schemeClr val="tx2"/>
+                    </a:solidFill>
+                    <a:latin typeface="+mn-lt"/>
+                    <a:ea typeface="+mn-ea"/>
+                    <a:cs typeface="+mn-cs"/>
+                  </a:defRPr>
+                </a:lvl2pPr>
+                <a:lvl3pPr marL="1371600" indent="-384048" algn="l" defTabSz="914400" rtl="0" eaLnBrk="1" latinLnBrk="0" hangingPunct="1">
+                  <a:lnSpc>
+                    <a:spcPct val="94000"/>
+                  </a:lnSpc>
+                  <a:spcBef>
+                    <a:spcPts val="500"/>
+                  </a:spcBef>
+                  <a:spcAft>
+                    <a:spcPts val="200"/>
+                  </a:spcAft>
+                  <a:buFont typeface="Franklin Gothic Book" panose="020B0503020102020204" pitchFamily="34" charset="0"/>
+                  <a:buChar char="■"/>
+                  <a:defRPr sz="1800" kern="1200" baseline="0">
+                    <a:solidFill>
+                      <a:schemeClr val="tx2"/>
+                    </a:solidFill>
+                    <a:latin typeface="+mn-lt"/>
+                    <a:ea typeface="+mn-ea"/>
+                    <a:cs typeface="+mn-cs"/>
+                  </a:defRPr>
+                </a:lvl3pPr>
+                <a:lvl4pPr marL="1828800" indent="-384048" algn="l" defTabSz="914400" rtl="0" eaLnBrk="1" latinLnBrk="0" hangingPunct="1">
+                  <a:lnSpc>
+                    <a:spcPct val="94000"/>
+                  </a:lnSpc>
+                  <a:spcBef>
+                    <a:spcPts val="500"/>
+                  </a:spcBef>
+                  <a:spcAft>
+                    <a:spcPts val="200"/>
+                  </a:spcAft>
+                  <a:buFont typeface="Franklin Gothic Book" panose="020B0503020102020204" pitchFamily="34" charset="0"/>
+                  <a:buChar char="–"/>
+                  <a:defRPr sz="1800" i="1" kern="1200" baseline="0">
+                    <a:solidFill>
+                      <a:schemeClr val="tx2"/>
+                    </a:solidFill>
+                    <a:latin typeface="+mn-lt"/>
+                    <a:ea typeface="+mn-ea"/>
+                    <a:cs typeface="+mn-cs"/>
+                  </a:defRPr>
+                </a:lvl4pPr>
+                <a:lvl5pPr marL="2286000" indent="-384048" algn="l" defTabSz="914400" rtl="0" eaLnBrk="1" latinLnBrk="0" hangingPunct="1">
+                  <a:lnSpc>
+                    <a:spcPct val="94000"/>
+                  </a:lnSpc>
+                  <a:spcBef>
+                    <a:spcPts val="500"/>
+                  </a:spcBef>
+                  <a:spcAft>
+                    <a:spcPts val="200"/>
+                  </a:spcAft>
+                  <a:buFont typeface="Franklin Gothic Book" panose="020B0503020102020204" pitchFamily="34" charset="0"/>
+                  <a:buChar char="■"/>
+                  <a:defRPr sz="1600" kern="1200" baseline="0">
+                    <a:solidFill>
+                      <a:schemeClr val="tx2"/>
+                    </a:solidFill>
+                    <a:latin typeface="+mn-lt"/>
+                    <a:ea typeface="+mn-ea"/>
+                    <a:cs typeface="+mn-cs"/>
+                  </a:defRPr>
+                </a:lvl5pPr>
+                <a:lvl6pPr marL="2743200" indent="-384048" algn="l" defTabSz="914400" rtl="0" eaLnBrk="1" latinLnBrk="0" hangingPunct="1">
+                  <a:lnSpc>
+                    <a:spcPct val="94000"/>
+                  </a:lnSpc>
+                  <a:spcBef>
+                    <a:spcPts val="500"/>
+                  </a:spcBef>
+                  <a:spcAft>
+                    <a:spcPts val="200"/>
+                  </a:spcAft>
+                  <a:buFont typeface="Franklin Gothic Book" panose="020B0503020102020204" pitchFamily="34" charset="0"/>
+                  <a:buChar char="–"/>
+                  <a:defRPr sz="1600" i="1" kern="1200" baseline="0">
+                    <a:solidFill>
+                      <a:schemeClr val="tx2"/>
+                    </a:solidFill>
+                    <a:latin typeface="+mn-lt"/>
+                    <a:ea typeface="+mn-ea"/>
+                    <a:cs typeface="+mn-cs"/>
+                  </a:defRPr>
+                </a:lvl6pPr>
+                <a:lvl7pPr marL="3200400" indent="-384048" algn="l" defTabSz="914400" rtl="0" eaLnBrk="1" latinLnBrk="0" hangingPunct="1">
+                  <a:lnSpc>
+                    <a:spcPct val="94000"/>
+                  </a:lnSpc>
+                  <a:spcBef>
+                    <a:spcPts val="500"/>
+                  </a:spcBef>
+                  <a:spcAft>
+                    <a:spcPts val="200"/>
+                  </a:spcAft>
+                  <a:buFont typeface="Franklin Gothic Book" panose="020B0503020102020204" pitchFamily="34" charset="0"/>
+                  <a:buChar char="■"/>
+                  <a:defRPr sz="1400" kern="1200" baseline="0">
+                    <a:solidFill>
+                      <a:schemeClr val="tx2"/>
+                    </a:solidFill>
+                    <a:latin typeface="+mn-lt"/>
+                    <a:ea typeface="+mn-ea"/>
+                    <a:cs typeface="+mn-cs"/>
+                  </a:defRPr>
+                </a:lvl7pPr>
+                <a:lvl8pPr marL="3657600" indent="-384048" algn="l" defTabSz="914400" rtl="0" eaLnBrk="1" latinLnBrk="0" hangingPunct="1">
+                  <a:lnSpc>
+                    <a:spcPct val="94000"/>
+                  </a:lnSpc>
+                  <a:spcBef>
+                    <a:spcPts val="500"/>
+                  </a:spcBef>
+                  <a:spcAft>
+                    <a:spcPts val="200"/>
+                  </a:spcAft>
+                  <a:buFont typeface="Franklin Gothic Book" panose="020B0503020102020204" pitchFamily="34" charset="0"/>
+                  <a:buChar char="–"/>
+                  <a:defRPr sz="1400" i="1" kern="1200" baseline="0">
+                    <a:solidFill>
+                      <a:schemeClr val="tx2"/>
+                    </a:solidFill>
+                    <a:latin typeface="+mn-lt"/>
+                    <a:ea typeface="+mn-ea"/>
+                    <a:cs typeface="+mn-cs"/>
+                  </a:defRPr>
+                </a:lvl8pPr>
+                <a:lvl9pPr marL="4114800" indent="-384048" algn="l" defTabSz="914400" rtl="0" eaLnBrk="1" latinLnBrk="0" hangingPunct="1">
+                  <a:lnSpc>
+                    <a:spcPct val="94000"/>
+                  </a:lnSpc>
+                  <a:spcBef>
+                    <a:spcPts val="500"/>
+                  </a:spcBef>
+                  <a:spcAft>
+                    <a:spcPts val="200"/>
+                  </a:spcAft>
+                  <a:buFont typeface="Franklin Gothic Book" panose="020B0503020102020204" pitchFamily="34" charset="0"/>
+                  <a:buChar char="■"/>
+                  <a:defRPr sz="1400" kern="1200" baseline="0">
+                    <a:solidFill>
+                      <a:schemeClr val="tx2"/>
+                    </a:solidFill>
+                    <a:latin typeface="+mn-lt"/>
+                    <a:ea typeface="+mn-ea"/>
+                    <a:cs typeface="+mn-cs"/>
+                  </a:defRPr>
+                </a:lvl9pPr>
+              </a:lstStyle>
+              <a:p>
+                <a:r>
+                  <a:rPr lang="en-US" dirty="0"/>
+                  <a:t>The azimuth distribution is defined so that the downstream direction is preferred if the impact angle is not normal</a:t>
+                </a:r>
+              </a:p>
+              <a:p>
+                <a:r>
+                  <a:rPr lang="en-US" dirty="0"/>
+                  <a:t>If there is a normal impact, the azimuth distribution is isotropic</a:t>
+                </a:r>
+              </a:p>
+              <a:p>
+                <a:r>
+                  <a:rPr lang="en-US" i="0" dirty="0"/>
+                  <a:t>For </a:t>
+                </a:r>
+                <a:r>
+                  <a:rPr lang="en-US" dirty="0"/>
+                  <a:t>oblique impacts (greater than 60 degrees), the azimuth distribution begins to have a “butterfly” pattern (see </a:t>
+                </a:r>
+                <a:r>
+                  <a:rPr lang="en-US" dirty="0" err="1"/>
+                  <a:t>Shuvalov</a:t>
+                </a:r>
+                <a:r>
+                  <a:rPr lang="en-US" dirty="0"/>
+                  <a:t> 2011) with an exclusion zone in the upstream direction, defined by </a:t>
+                </a:r>
+                <a14:m>
+                  <m:oMath xmlns:m="http://schemas.openxmlformats.org/officeDocument/2006/math">
+                    <m:r>
+                      <m:rPr>
+                        <m:sty m:val="p"/>
+                      </m:rPr>
+                      <a:rPr lang="en-US" b="0" i="0" smtClean="0">
+                        <a:latin typeface="Cambria Math" panose="02040503050406030204" pitchFamily="18" charset="0"/>
+                      </a:rPr>
+                      <m:t>Δ</m:t>
+                    </m:r>
+                    <m:sSub>
+                      <m:sSubPr>
+                        <m:ctrlPr>
+                          <a:rPr lang="en-US" b="0" i="1" smtClean="0">
+                            <a:latin typeface="Cambria Math" panose="02040503050406030204" pitchFamily="18" charset="0"/>
+                          </a:rPr>
+                        </m:ctrlPr>
+                      </m:sSubPr>
+                      <m:e>
+                        <m:r>
+                          <a:rPr lang="en-US" b="0" i="1" smtClean="0">
+                            <a:latin typeface="Cambria Math" panose="02040503050406030204" pitchFamily="18" charset="0"/>
+                          </a:rPr>
+                          <m:t>𝛽</m:t>
+                        </m:r>
+                      </m:e>
+                      <m:sub>
+                        <m:r>
+                          <a:rPr lang="en-US" b="0" i="1" smtClean="0">
+                            <a:latin typeface="Cambria Math" panose="02040503050406030204" pitchFamily="18" charset="0"/>
+                          </a:rPr>
+                          <m:t>𝑒𝑧</m:t>
+                        </m:r>
+                      </m:sub>
+                    </m:sSub>
+                  </m:oMath>
+                </a14:m>
+                <a:endParaRPr lang="en-US" i="0" dirty="0"/>
+              </a:p>
+            </p:txBody>
+          </p:sp>
+        </mc:Choice>
+        <mc:Fallback>
+          <p:sp>
+            <p:nvSpPr>
+              <p:cNvPr id="11" name="Content Placeholder 2">
+                <a:extLst>
+                  <a:ext uri="{FF2B5EF4-FFF2-40B4-BE49-F238E27FC236}">
+                    <a16:creationId xmlns:a16="http://schemas.microsoft.com/office/drawing/2014/main" id="{BD2728D9-2CEA-4FC5-A97E-238A5936DAD6}"/>
+                  </a:ext>
+                </a:extLst>
+              </p:cNvPr>
+              <p:cNvSpPr txBox="1">
+                <a:spLocks noRot="1" noChangeAspect="1" noMove="1" noResize="1" noEditPoints="1" noAdjustHandles="1" noChangeArrowheads="1" noChangeShapeType="1" noTextEdit="1"/>
+              </p:cNvSpPr>
+              <p:nvPr/>
+            </p:nvSpPr>
+            <p:spPr>
+              <a:xfrm>
+                <a:off x="1390651" y="3487385"/>
+                <a:ext cx="5874226" cy="2827689"/>
+              </a:xfrm>
+              <a:prstGeom prst="rect">
+                <a:avLst/>
+              </a:prstGeom>
+              <a:blipFill>
+                <a:blip r:embed="rId6"/>
+                <a:stretch>
+                  <a:fillRect l="-830" t="-2802" r="-726"/>
+                </a:stretch>
+              </a:blipFill>
+            </p:spPr>
+            <p:txBody>
+              <a:bodyPr/>
+              <a:lstStyle/>
+              <a:p>
+                <a:r>
+                  <a:rPr lang="en-US">
+                    <a:noFill/>
+                  </a:rPr>
+                  <a:t> </a:t>
+                </a:r>
+              </a:p>
+            </p:txBody>
+          </p:sp>
+        </mc:Fallback>
+      </mc:AlternateContent>
+    </p:spTree>
+    <p:extLst>
+      <p:ext uri="{BB962C8B-B14F-4D97-AF65-F5344CB8AC3E}">
+        <p14:creationId xmlns:p14="http://schemas.microsoft.com/office/powerpoint/2010/main" val="3184978080"/>
       </p:ext>
     </p:extLst>
   </p:cSld>
@@ -6632,7 +10084,7 @@
           <a:p>
             <a:fld id="{A952CE28-3BBD-4E63-98C1-32CE6D05C1AF}" type="datetime1">
               <a:rPr lang="en-US" smtClean="0"/>
-              <a:t>10/20/2020</a:t>
+              <a:t>10/23/2020</a:t>
             </a:fld>
             <a:endParaRPr lang="en-US" dirty="0"/>
           </a:p>
@@ -6700,6 +10152,1941 @@
     <p:extLst>
       <p:ext uri="{BB962C8B-B14F-4D97-AF65-F5344CB8AC3E}">
         <p14:creationId xmlns:p14="http://schemas.microsoft.com/office/powerpoint/2010/main" val="4187607574"/>
+      </p:ext>
+    </p:extLst>
+  </p:cSld>
+  <p:clrMapOvr>
+    <a:masterClrMapping/>
+  </p:clrMapOvr>
+</p:sld>
+</file>
+
+<file path=ppt/slides/slide20.xml><?xml version="1.0" encoding="utf-8"?>
+<p:sld xmlns:a="http://schemas.openxmlformats.org/drawingml/2006/main" xmlns:r="http://schemas.openxmlformats.org/officeDocument/2006/relationships" xmlns:p="http://schemas.openxmlformats.org/presentationml/2006/main">
+  <p:cSld>
+    <p:spTree>
+      <p:nvGrpSpPr>
+        <p:cNvPr id="1" name=""/>
+        <p:cNvGrpSpPr/>
+        <p:nvPr/>
+      </p:nvGrpSpPr>
+      <p:grpSpPr>
+        <a:xfrm>
+          <a:off x="0" y="0"/>
+          <a:ext cx="0" cy="0"/>
+          <a:chOff x="0" y="0"/>
+          <a:chExt cx="0" cy="0"/>
+        </a:xfrm>
+      </p:grpSpPr>
+      <p:sp>
+        <p:nvSpPr>
+          <p:cNvPr id="2" name="Title 1">
+            <a:extLst>
+              <a:ext uri="{FF2B5EF4-FFF2-40B4-BE49-F238E27FC236}">
+                <a16:creationId xmlns:a16="http://schemas.microsoft.com/office/drawing/2014/main" id="{61785327-57CA-43A2-B8BD-89B204308B40}"/>
+              </a:ext>
+            </a:extLst>
+          </p:cNvPr>
+          <p:cNvSpPr>
+            <a:spLocks noGrp="1"/>
+          </p:cNvSpPr>
+          <p:nvPr>
+            <p:ph type="title"/>
+          </p:nvPr>
+        </p:nvSpPr>
+        <p:spPr>
+          <a:xfrm>
+            <a:off x="1295400" y="115957"/>
+            <a:ext cx="9601200" cy="1485900"/>
+          </a:xfrm>
+        </p:spPr>
+        <p:txBody>
+          <a:bodyPr/>
+          <a:lstStyle/>
+          <a:p>
+            <a:r>
+              <a:rPr lang="en-US" dirty="0"/>
+              <a:t>Overview</a:t>
+            </a:r>
+          </a:p>
+        </p:txBody>
+      </p:sp>
+      <p:sp>
+        <p:nvSpPr>
+          <p:cNvPr id="3" name="Content Placeholder 2">
+            <a:extLst>
+              <a:ext uri="{FF2B5EF4-FFF2-40B4-BE49-F238E27FC236}">
+                <a16:creationId xmlns:a16="http://schemas.microsoft.com/office/drawing/2014/main" id="{57DBFB6B-E09C-48D4-A040-1D2A2EE7A9A2}"/>
+              </a:ext>
+            </a:extLst>
+          </p:cNvPr>
+          <p:cNvSpPr>
+            <a:spLocks noGrp="1"/>
+          </p:cNvSpPr>
+          <p:nvPr>
+            <p:ph idx="1"/>
+          </p:nvPr>
+        </p:nvSpPr>
+        <p:spPr>
+          <a:xfrm>
+            <a:off x="1388446" y="858906"/>
+            <a:ext cx="9601200" cy="5594479"/>
+          </a:xfrm>
+        </p:spPr>
+        <p:txBody>
+          <a:bodyPr>
+            <a:normAutofit fontScale="70000" lnSpcReduction="20000"/>
+          </a:bodyPr>
+          <a:lstStyle/>
+          <a:p>
+            <a:r>
+              <a:rPr lang="en-US" dirty="0">
+                <a:solidFill>
+                  <a:schemeClr val="bg1">
+                    <a:lumMod val="65000"/>
+                  </a:schemeClr>
+                </a:solidFill>
+              </a:rPr>
+              <a:t>DSNE Rev H Lunar Ejecta Model – NASA SP-8013 (1969)</a:t>
+            </a:r>
+          </a:p>
+          <a:p>
+            <a:pPr lvl="1"/>
+            <a:r>
+              <a:rPr lang="en-US" i="0" dirty="0">
+                <a:solidFill>
+                  <a:schemeClr val="bg1">
+                    <a:lumMod val="65000"/>
+                  </a:schemeClr>
+                </a:solidFill>
+              </a:rPr>
+              <a:t>Based on Zook 1967</a:t>
+            </a:r>
+          </a:p>
+          <a:p>
+            <a:r>
+              <a:rPr lang="en-US" dirty="0">
+                <a:solidFill>
+                  <a:schemeClr val="bg1">
+                    <a:lumMod val="65000"/>
+                  </a:schemeClr>
+                </a:solidFill>
+              </a:rPr>
+              <a:t>Brief (non-exhaustive) Review of Impact-Ejecta Scaling Models</a:t>
+            </a:r>
+          </a:p>
+          <a:p>
+            <a:pPr lvl="1"/>
+            <a:r>
+              <a:rPr lang="en-US" i="0" dirty="0">
+                <a:solidFill>
+                  <a:schemeClr val="bg1">
+                    <a:lumMod val="65000"/>
+                  </a:schemeClr>
+                </a:solidFill>
+              </a:rPr>
+              <a:t>Zook 1967</a:t>
+            </a:r>
+          </a:p>
+          <a:p>
+            <a:pPr lvl="1"/>
+            <a:r>
+              <a:rPr lang="en-US" i="0" dirty="0" err="1">
+                <a:solidFill>
+                  <a:schemeClr val="bg1">
+                    <a:lumMod val="65000"/>
+                  </a:schemeClr>
+                </a:solidFill>
+              </a:rPr>
+              <a:t>Krivov</a:t>
+            </a:r>
+            <a:r>
+              <a:rPr lang="en-US" i="0" dirty="0">
+                <a:solidFill>
+                  <a:schemeClr val="bg1">
+                    <a:lumMod val="65000"/>
+                  </a:schemeClr>
+                </a:solidFill>
+              </a:rPr>
+              <a:t> et al. 2003</a:t>
+            </a:r>
+          </a:p>
+          <a:p>
+            <a:pPr lvl="1"/>
+            <a:r>
+              <a:rPr lang="en-US" i="0" dirty="0" err="1">
+                <a:solidFill>
+                  <a:schemeClr val="bg1">
+                    <a:lumMod val="65000"/>
+                  </a:schemeClr>
+                </a:solidFill>
+              </a:rPr>
+              <a:t>Housen</a:t>
+            </a:r>
+            <a:r>
+              <a:rPr lang="en-US" i="0" dirty="0">
+                <a:solidFill>
+                  <a:schemeClr val="bg1">
+                    <a:lumMod val="65000"/>
+                  </a:schemeClr>
+                </a:solidFill>
+              </a:rPr>
+              <a:t> &amp; </a:t>
+            </a:r>
+            <a:r>
+              <a:rPr lang="en-US" i="0" dirty="0" err="1">
+                <a:solidFill>
+                  <a:schemeClr val="bg1">
+                    <a:lumMod val="65000"/>
+                  </a:schemeClr>
+                </a:solidFill>
+              </a:rPr>
+              <a:t>Holsapple</a:t>
+            </a:r>
+            <a:r>
+              <a:rPr lang="en-US" i="0" dirty="0">
+                <a:solidFill>
+                  <a:schemeClr val="bg1">
+                    <a:lumMod val="65000"/>
+                  </a:schemeClr>
+                </a:solidFill>
+              </a:rPr>
+              <a:t> 2011</a:t>
+            </a:r>
+          </a:p>
+          <a:p>
+            <a:r>
+              <a:rPr lang="en-US" dirty="0">
+                <a:solidFill>
+                  <a:schemeClr val="bg1">
+                    <a:lumMod val="65000"/>
+                  </a:schemeClr>
+                </a:solidFill>
+              </a:rPr>
+              <a:t>Proposed New DSNE Model -- Lunar Meteoroid Ejecta Model (</a:t>
+            </a:r>
+            <a:r>
+              <a:rPr lang="en-US" dirty="0" err="1">
+                <a:solidFill>
+                  <a:schemeClr val="bg1">
+                    <a:lumMod val="65000"/>
+                  </a:schemeClr>
+                </a:solidFill>
+              </a:rPr>
+              <a:t>LuMEM</a:t>
+            </a:r>
+            <a:r>
+              <a:rPr lang="en-US" dirty="0">
+                <a:solidFill>
+                  <a:schemeClr val="bg1">
+                    <a:lumMod val="65000"/>
+                  </a:schemeClr>
+                </a:solidFill>
+              </a:rPr>
+              <a:t>)</a:t>
+            </a:r>
+          </a:p>
+          <a:p>
+            <a:pPr lvl="1"/>
+            <a:r>
+              <a:rPr lang="en-US" i="0" dirty="0">
+                <a:solidFill>
+                  <a:schemeClr val="bg1">
+                    <a:lumMod val="65000"/>
+                  </a:schemeClr>
+                </a:solidFill>
+              </a:rPr>
+              <a:t>Sporadic meteoroid flux (</a:t>
+            </a:r>
+            <a:r>
+              <a:rPr lang="en-US" i="0" dirty="0" err="1">
+                <a:solidFill>
+                  <a:schemeClr val="bg1">
+                    <a:lumMod val="65000"/>
+                  </a:schemeClr>
+                </a:solidFill>
+              </a:rPr>
+              <a:t>Grun</a:t>
+            </a:r>
+            <a:r>
+              <a:rPr lang="en-US" i="0" dirty="0">
+                <a:solidFill>
+                  <a:schemeClr val="bg1">
+                    <a:lumMod val="65000"/>
+                  </a:schemeClr>
+                </a:solidFill>
+              </a:rPr>
+              <a:t> et al 1985)</a:t>
+            </a:r>
+          </a:p>
+          <a:p>
+            <a:pPr lvl="1"/>
+            <a:r>
+              <a:rPr lang="en-US" i="0" dirty="0">
+                <a:solidFill>
+                  <a:schemeClr val="bg1">
+                    <a:lumMod val="65000"/>
+                  </a:schemeClr>
+                </a:solidFill>
+              </a:rPr>
+              <a:t>Near Earth Object (NEO) flux (Brown et al 2002)</a:t>
+            </a:r>
+          </a:p>
+          <a:p>
+            <a:pPr lvl="1"/>
+            <a:r>
+              <a:rPr lang="en-US" i="0" dirty="0">
+                <a:solidFill>
+                  <a:schemeClr val="bg1">
+                    <a:lumMod val="65000"/>
+                  </a:schemeClr>
+                </a:solidFill>
+              </a:rPr>
+              <a:t>Impact-ejecta scaling model (</a:t>
+            </a:r>
+            <a:r>
+              <a:rPr lang="en-US" i="0" dirty="0" err="1">
+                <a:solidFill>
+                  <a:schemeClr val="bg1">
+                    <a:lumMod val="65000"/>
+                  </a:schemeClr>
+                </a:solidFill>
+              </a:rPr>
+              <a:t>Housen</a:t>
+            </a:r>
+            <a:r>
+              <a:rPr lang="en-US" i="0" dirty="0">
+                <a:solidFill>
+                  <a:schemeClr val="bg1">
+                    <a:lumMod val="65000"/>
+                  </a:schemeClr>
+                </a:solidFill>
+              </a:rPr>
+              <a:t> &amp; </a:t>
+            </a:r>
+            <a:r>
+              <a:rPr lang="en-US" i="0" dirty="0" err="1">
+                <a:solidFill>
+                  <a:schemeClr val="bg1">
+                    <a:lumMod val="65000"/>
+                  </a:schemeClr>
+                </a:solidFill>
+              </a:rPr>
+              <a:t>Holsapple</a:t>
+            </a:r>
+            <a:r>
+              <a:rPr lang="en-US" i="0" dirty="0">
+                <a:solidFill>
+                  <a:schemeClr val="bg1">
+                    <a:lumMod val="65000"/>
+                  </a:schemeClr>
+                </a:solidFill>
+              </a:rPr>
+              <a:t> 2011)</a:t>
+            </a:r>
+          </a:p>
+          <a:p>
+            <a:pPr lvl="1"/>
+            <a:r>
+              <a:rPr lang="en-US" i="0" dirty="0">
+                <a:solidFill>
+                  <a:schemeClr val="bg1">
+                    <a:lumMod val="65000"/>
+                  </a:schemeClr>
+                </a:solidFill>
+              </a:rPr>
+              <a:t>Ejecta particle size distribution (Carrier 2003)</a:t>
+            </a:r>
+          </a:p>
+          <a:p>
+            <a:pPr lvl="1"/>
+            <a:r>
+              <a:rPr lang="en-US" i="0" dirty="0">
+                <a:solidFill>
+                  <a:schemeClr val="bg1">
+                    <a:lumMod val="65000"/>
+                  </a:schemeClr>
+                </a:solidFill>
+              </a:rPr>
+              <a:t>Ejecta zenith angle distribution (empirically from Gault &amp; </a:t>
+            </a:r>
+            <a:r>
+              <a:rPr lang="en-US" i="0" dirty="0" err="1">
+                <a:solidFill>
+                  <a:schemeClr val="bg1">
+                    <a:lumMod val="65000"/>
+                  </a:schemeClr>
+                </a:solidFill>
+              </a:rPr>
+              <a:t>Wedekind</a:t>
+            </a:r>
+            <a:r>
+              <a:rPr lang="en-US" i="0" dirty="0">
+                <a:solidFill>
+                  <a:schemeClr val="bg1">
+                    <a:lumMod val="65000"/>
+                  </a:schemeClr>
+                </a:solidFill>
+              </a:rPr>
+              <a:t> 1978)</a:t>
+            </a:r>
+          </a:p>
+          <a:p>
+            <a:pPr lvl="1"/>
+            <a:r>
+              <a:rPr lang="en-US" i="0" dirty="0">
+                <a:solidFill>
+                  <a:schemeClr val="bg1">
+                    <a:lumMod val="65000"/>
+                  </a:schemeClr>
+                </a:solidFill>
+              </a:rPr>
+              <a:t>Ejecta azimuth angle distribution (modified from Rival &amp; Mandeville 1999)</a:t>
+            </a:r>
+          </a:p>
+          <a:p>
+            <a:r>
+              <a:rPr lang="en-US" dirty="0"/>
+              <a:t>Analytic model of lunar ejecta</a:t>
+            </a:r>
+          </a:p>
+          <a:p>
+            <a:pPr lvl="1"/>
+            <a:r>
+              <a:rPr lang="en-US" i="0" dirty="0"/>
+              <a:t>Speed distribution as a function of distance</a:t>
+            </a:r>
+          </a:p>
+          <a:p>
+            <a:pPr lvl="1"/>
+            <a:r>
+              <a:rPr lang="en-US" i="0" dirty="0"/>
+              <a:t>Secondary flux as a function of distance</a:t>
+            </a:r>
+          </a:p>
+          <a:p>
+            <a:pPr lvl="1"/>
+            <a:r>
+              <a:rPr lang="en-US" i="0" dirty="0"/>
+              <a:t>Secondary flux in terms of primary flux</a:t>
+            </a:r>
+          </a:p>
+          <a:p>
+            <a:r>
+              <a:rPr lang="en-US" dirty="0">
+                <a:solidFill>
+                  <a:schemeClr val="bg1">
+                    <a:lumMod val="65000"/>
+                  </a:schemeClr>
+                </a:solidFill>
+              </a:rPr>
+              <a:t>Results of </a:t>
+            </a:r>
+            <a:r>
+              <a:rPr lang="en-US" dirty="0" err="1">
+                <a:solidFill>
+                  <a:schemeClr val="bg1">
+                    <a:lumMod val="65000"/>
+                  </a:schemeClr>
+                </a:solidFill>
+              </a:rPr>
+              <a:t>LuMEM</a:t>
+            </a:r>
+            <a:endParaRPr lang="en-US" dirty="0">
+              <a:solidFill>
+                <a:schemeClr val="bg1">
+                  <a:lumMod val="65000"/>
+                </a:schemeClr>
+              </a:solidFill>
+            </a:endParaRPr>
+          </a:p>
+          <a:p>
+            <a:pPr lvl="1"/>
+            <a:r>
+              <a:rPr lang="en-US" i="0" dirty="0">
+                <a:solidFill>
+                  <a:schemeClr val="bg1">
+                    <a:lumMod val="65000"/>
+                  </a:schemeClr>
+                </a:solidFill>
+              </a:rPr>
+              <a:t>Igloo number flux distribution (based on MEM3, see Moorhead et al 2019)</a:t>
+            </a:r>
+          </a:p>
+          <a:p>
+            <a:pPr lvl="1"/>
+            <a:r>
+              <a:rPr lang="en-US" i="0" dirty="0">
+                <a:solidFill>
+                  <a:schemeClr val="bg1">
+                    <a:lumMod val="65000"/>
+                  </a:schemeClr>
+                </a:solidFill>
+              </a:rPr>
+              <a:t>Ejecta size scaling (derived from Carrier 2003)</a:t>
+            </a:r>
+          </a:p>
+          <a:p>
+            <a:pPr lvl="1"/>
+            <a:r>
+              <a:rPr lang="en-US" i="0" dirty="0">
+                <a:solidFill>
+                  <a:schemeClr val="bg1">
+                    <a:lumMod val="65000"/>
+                  </a:schemeClr>
+                </a:solidFill>
+              </a:rPr>
+              <a:t>Ejecta speed scaling (</a:t>
+            </a:r>
+            <a:r>
+              <a:rPr lang="en-US" i="0" dirty="0" err="1">
+                <a:solidFill>
+                  <a:schemeClr val="bg1">
+                    <a:lumMod val="65000"/>
+                  </a:schemeClr>
+                </a:solidFill>
+              </a:rPr>
+              <a:t>Housen</a:t>
+            </a:r>
+            <a:r>
+              <a:rPr lang="en-US" i="0" dirty="0">
+                <a:solidFill>
+                  <a:schemeClr val="bg1">
+                    <a:lumMod val="65000"/>
+                  </a:schemeClr>
+                </a:solidFill>
+              </a:rPr>
+              <a:t> &amp; </a:t>
+            </a:r>
+            <a:r>
+              <a:rPr lang="en-US" i="0" dirty="0" err="1">
+                <a:solidFill>
+                  <a:schemeClr val="bg1">
+                    <a:lumMod val="65000"/>
+                  </a:schemeClr>
+                </a:solidFill>
+              </a:rPr>
+              <a:t>Holsapple</a:t>
+            </a:r>
+            <a:r>
+              <a:rPr lang="en-US" i="0" dirty="0">
+                <a:solidFill>
+                  <a:schemeClr val="bg1">
+                    <a:lumMod val="65000"/>
+                  </a:schemeClr>
+                </a:solidFill>
+              </a:rPr>
+              <a:t> 2011)</a:t>
+            </a:r>
+          </a:p>
+        </p:txBody>
+      </p:sp>
+      <p:sp>
+        <p:nvSpPr>
+          <p:cNvPr id="4" name="Date Placeholder 3">
+            <a:extLst>
+              <a:ext uri="{FF2B5EF4-FFF2-40B4-BE49-F238E27FC236}">
+                <a16:creationId xmlns:a16="http://schemas.microsoft.com/office/drawing/2014/main" id="{02E04A3A-57D0-4485-AE57-B7CD694ECAB1}"/>
+              </a:ext>
+            </a:extLst>
+          </p:cNvPr>
+          <p:cNvSpPr>
+            <a:spLocks noGrp="1"/>
+          </p:cNvSpPr>
+          <p:nvPr>
+            <p:ph type="dt" sz="half" idx="10"/>
+          </p:nvPr>
+        </p:nvSpPr>
+        <p:spPr/>
+        <p:txBody>
+          <a:bodyPr/>
+          <a:lstStyle/>
+          <a:p>
+            <a:fld id="{D5B96D59-8BD3-47D1-A6B5-FA48D0A60242}" type="datetime1">
+              <a:rPr lang="en-US" smtClean="0"/>
+              <a:t>10/23/2020</a:t>
+            </a:fld>
+            <a:endParaRPr lang="en-US" dirty="0"/>
+          </a:p>
+        </p:txBody>
+      </p:sp>
+      <p:sp>
+        <p:nvSpPr>
+          <p:cNvPr id="5" name="Slide Number Placeholder 4">
+            <a:extLst>
+              <a:ext uri="{FF2B5EF4-FFF2-40B4-BE49-F238E27FC236}">
+                <a16:creationId xmlns:a16="http://schemas.microsoft.com/office/drawing/2014/main" id="{2EF95866-BD7A-4B57-BA57-4E8E3664A5B3}"/>
+              </a:ext>
+            </a:extLst>
+          </p:cNvPr>
+          <p:cNvSpPr>
+            <a:spLocks noGrp="1"/>
+          </p:cNvSpPr>
+          <p:nvPr>
+            <p:ph type="sldNum" sz="quarter" idx="12"/>
+          </p:nvPr>
+        </p:nvSpPr>
+        <p:spPr/>
+        <p:txBody>
+          <a:bodyPr/>
+          <a:lstStyle/>
+          <a:p>
+            <a:fld id="{69E57DC2-970A-4B3E-BB1C-7A09969E49DF}" type="slidenum">
+              <a:rPr lang="en-US" smtClean="0"/>
+              <a:t>20</a:t>
+            </a:fld>
+            <a:endParaRPr lang="en-US" dirty="0"/>
+          </a:p>
+        </p:txBody>
+      </p:sp>
+      <p:sp>
+        <p:nvSpPr>
+          <p:cNvPr id="6" name="Footer Placeholder 5">
+            <a:extLst>
+              <a:ext uri="{FF2B5EF4-FFF2-40B4-BE49-F238E27FC236}">
+                <a16:creationId xmlns:a16="http://schemas.microsoft.com/office/drawing/2014/main" id="{6A7349FC-9051-4374-A306-58FE52B21FD1}"/>
+              </a:ext>
+            </a:extLst>
+          </p:cNvPr>
+          <p:cNvSpPr>
+            <a:spLocks noGrp="1"/>
+          </p:cNvSpPr>
+          <p:nvPr>
+            <p:ph type="ftr" sz="quarter" idx="11"/>
+          </p:nvPr>
+        </p:nvSpPr>
+        <p:spPr/>
+        <p:txBody>
+          <a:bodyPr/>
+          <a:lstStyle/>
+          <a:p>
+            <a:r>
+              <a:rPr lang="en-US"/>
+              <a:t>Lunar Meteoroid Ejecta Model (LuMEM) -- DeStefano</a:t>
+            </a:r>
+            <a:endParaRPr lang="en-US" dirty="0"/>
+          </a:p>
+        </p:txBody>
+      </p:sp>
+    </p:spTree>
+    <p:extLst>
+      <p:ext uri="{BB962C8B-B14F-4D97-AF65-F5344CB8AC3E}">
+        <p14:creationId xmlns:p14="http://schemas.microsoft.com/office/powerpoint/2010/main" val="1970518218"/>
+      </p:ext>
+    </p:extLst>
+  </p:cSld>
+  <p:clrMapOvr>
+    <a:masterClrMapping/>
+  </p:clrMapOvr>
+</p:sld>
+</file>
+
+<file path=ppt/slides/slide21.xml><?xml version="1.0" encoding="utf-8"?>
+<p:sld xmlns:a="http://schemas.openxmlformats.org/drawingml/2006/main" xmlns:r="http://schemas.openxmlformats.org/officeDocument/2006/relationships" xmlns:p="http://schemas.openxmlformats.org/presentationml/2006/main">
+  <p:cSld>
+    <p:spTree>
+      <p:nvGrpSpPr>
+        <p:cNvPr id="1" name=""/>
+        <p:cNvGrpSpPr/>
+        <p:nvPr/>
+      </p:nvGrpSpPr>
+      <p:grpSpPr>
+        <a:xfrm>
+          <a:off x="0" y="0"/>
+          <a:ext cx="0" cy="0"/>
+          <a:chOff x="0" y="0"/>
+          <a:chExt cx="0" cy="0"/>
+        </a:xfrm>
+      </p:grpSpPr>
+      <p:sp>
+        <p:nvSpPr>
+          <p:cNvPr id="2" name="Title 1">
+            <a:extLst>
+              <a:ext uri="{FF2B5EF4-FFF2-40B4-BE49-F238E27FC236}">
+                <a16:creationId xmlns:a16="http://schemas.microsoft.com/office/drawing/2014/main" id="{F7548237-671A-42E6-9F76-800DFE4A9A53}"/>
+              </a:ext>
+            </a:extLst>
+          </p:cNvPr>
+          <p:cNvSpPr>
+            <a:spLocks noGrp="1"/>
+          </p:cNvSpPr>
+          <p:nvPr>
+            <p:ph type="title"/>
+          </p:nvPr>
+        </p:nvSpPr>
+        <p:spPr>
+          <a:xfrm>
+            <a:off x="1295400" y="142730"/>
+            <a:ext cx="9601200" cy="1485900"/>
+          </a:xfrm>
+        </p:spPr>
+        <p:txBody>
+          <a:bodyPr>
+            <a:normAutofit/>
+          </a:bodyPr>
+          <a:lstStyle/>
+          <a:p>
+            <a:r>
+              <a:rPr lang="en-US" dirty="0"/>
+              <a:t>Speed distribution as a function of distance</a:t>
+            </a:r>
+          </a:p>
+        </p:txBody>
+      </p:sp>
+      <p:sp>
+        <p:nvSpPr>
+          <p:cNvPr id="3" name="Content Placeholder 2">
+            <a:extLst>
+              <a:ext uri="{FF2B5EF4-FFF2-40B4-BE49-F238E27FC236}">
+                <a16:creationId xmlns:a16="http://schemas.microsoft.com/office/drawing/2014/main" id="{2CC0DDCF-F26E-4932-8829-AC2EC5ECD1CD}"/>
+              </a:ext>
+            </a:extLst>
+          </p:cNvPr>
+          <p:cNvSpPr>
+            <a:spLocks noGrp="1"/>
+          </p:cNvSpPr>
+          <p:nvPr>
+            <p:ph idx="1"/>
+          </p:nvPr>
+        </p:nvSpPr>
+        <p:spPr>
+          <a:xfrm>
+            <a:off x="6315075" y="1722642"/>
+            <a:ext cx="4895850" cy="2781300"/>
+          </a:xfrm>
+        </p:spPr>
+        <p:txBody>
+          <a:bodyPr/>
+          <a:lstStyle/>
+          <a:p>
+            <a:r>
+              <a:rPr lang="en-US" dirty="0"/>
+              <a:t>Differential area</a:t>
+            </a:r>
+            <a:endParaRPr lang="en-US" i="0" dirty="0"/>
+          </a:p>
+          <a:p>
+            <a:r>
+              <a:rPr lang="en-US" dirty="0"/>
+              <a:t>Azimuthal field-of-view</a:t>
+            </a:r>
+            <a:endParaRPr lang="en-US" i="0" dirty="0"/>
+          </a:p>
+          <a:p>
+            <a:r>
+              <a:rPr lang="en-US" dirty="0"/>
+              <a:t>Ejecta speed distribution</a:t>
+            </a:r>
+          </a:p>
+          <a:p>
+            <a:endParaRPr lang="en-US" i="0" dirty="0"/>
+          </a:p>
+          <a:p>
+            <a:r>
+              <a:rPr lang="en-US" dirty="0"/>
+              <a:t>Geometric factor</a:t>
+            </a:r>
+            <a:endParaRPr lang="en-US" i="0" dirty="0"/>
+          </a:p>
+        </p:txBody>
+      </p:sp>
+      <p:sp>
+        <p:nvSpPr>
+          <p:cNvPr id="4" name="Date Placeholder 3">
+            <a:extLst>
+              <a:ext uri="{FF2B5EF4-FFF2-40B4-BE49-F238E27FC236}">
+                <a16:creationId xmlns:a16="http://schemas.microsoft.com/office/drawing/2014/main" id="{E57554D1-5EAC-4B5C-A225-85018DBC3D40}"/>
+              </a:ext>
+            </a:extLst>
+          </p:cNvPr>
+          <p:cNvSpPr>
+            <a:spLocks noGrp="1"/>
+          </p:cNvSpPr>
+          <p:nvPr>
+            <p:ph type="dt" sz="half" idx="10"/>
+          </p:nvPr>
+        </p:nvSpPr>
+        <p:spPr/>
+        <p:txBody>
+          <a:bodyPr/>
+          <a:lstStyle/>
+          <a:p>
+            <a:fld id="{2C03F969-3CA1-4329-80D4-97FA07558DE8}" type="datetime1">
+              <a:rPr lang="en-US" smtClean="0"/>
+              <a:t>10/23/2020</a:t>
+            </a:fld>
+            <a:endParaRPr lang="en-US" dirty="0"/>
+          </a:p>
+        </p:txBody>
+      </p:sp>
+      <p:sp>
+        <p:nvSpPr>
+          <p:cNvPr id="5" name="Footer Placeholder 4">
+            <a:extLst>
+              <a:ext uri="{FF2B5EF4-FFF2-40B4-BE49-F238E27FC236}">
+                <a16:creationId xmlns:a16="http://schemas.microsoft.com/office/drawing/2014/main" id="{3F53AD30-88AA-4D5B-B1B9-20874B56C6FA}"/>
+              </a:ext>
+            </a:extLst>
+          </p:cNvPr>
+          <p:cNvSpPr>
+            <a:spLocks noGrp="1"/>
+          </p:cNvSpPr>
+          <p:nvPr>
+            <p:ph type="ftr" sz="quarter" idx="11"/>
+          </p:nvPr>
+        </p:nvSpPr>
+        <p:spPr/>
+        <p:txBody>
+          <a:bodyPr/>
+          <a:lstStyle/>
+          <a:p>
+            <a:r>
+              <a:rPr lang="en-US"/>
+              <a:t>Lunar Meteoroid Ejecta Model (LuMEM) -- DeStefano</a:t>
+            </a:r>
+            <a:endParaRPr lang="en-US" dirty="0"/>
+          </a:p>
+        </p:txBody>
+      </p:sp>
+      <p:sp>
+        <p:nvSpPr>
+          <p:cNvPr id="6" name="Slide Number Placeholder 5">
+            <a:extLst>
+              <a:ext uri="{FF2B5EF4-FFF2-40B4-BE49-F238E27FC236}">
+                <a16:creationId xmlns:a16="http://schemas.microsoft.com/office/drawing/2014/main" id="{31F906C4-B86E-40E1-87FC-034555EE722D}"/>
+              </a:ext>
+            </a:extLst>
+          </p:cNvPr>
+          <p:cNvSpPr>
+            <a:spLocks noGrp="1"/>
+          </p:cNvSpPr>
+          <p:nvPr>
+            <p:ph type="sldNum" sz="quarter" idx="12"/>
+          </p:nvPr>
+        </p:nvSpPr>
+        <p:spPr/>
+        <p:txBody>
+          <a:bodyPr/>
+          <a:lstStyle/>
+          <a:p>
+            <a:fld id="{69E57DC2-970A-4B3E-BB1C-7A09969E49DF}" type="slidenum">
+              <a:rPr lang="en-US" smtClean="0"/>
+              <a:t>21</a:t>
+            </a:fld>
+            <a:endParaRPr lang="en-US" dirty="0"/>
+          </a:p>
+        </p:txBody>
+      </p:sp>
+      <p:pic>
+        <p:nvPicPr>
+          <p:cNvPr id="8" name="Picture 7">
+            <a:extLst>
+              <a:ext uri="{FF2B5EF4-FFF2-40B4-BE49-F238E27FC236}">
+                <a16:creationId xmlns:a16="http://schemas.microsoft.com/office/drawing/2014/main" id="{E5523662-9641-4612-BF17-586144DF127E}"/>
+              </a:ext>
+            </a:extLst>
+          </p:cNvPr>
+          <p:cNvPicPr>
+            <a:picLocks noChangeAspect="1"/>
+          </p:cNvPicPr>
+          <p:nvPr/>
+        </p:nvPicPr>
+        <p:blipFill>
+          <a:blip r:embed="rId2"/>
+          <a:stretch>
+            <a:fillRect/>
+          </a:stretch>
+        </p:blipFill>
+        <p:spPr>
+          <a:xfrm>
+            <a:off x="3660776" y="914976"/>
+            <a:ext cx="5308599" cy="580628"/>
+          </a:xfrm>
+          <a:prstGeom prst="rect">
+            <a:avLst/>
+          </a:prstGeom>
+        </p:spPr>
+      </p:pic>
+      <p:pic>
+        <p:nvPicPr>
+          <p:cNvPr id="9" name="Picture 8">
+            <a:extLst>
+              <a:ext uri="{FF2B5EF4-FFF2-40B4-BE49-F238E27FC236}">
+                <a16:creationId xmlns:a16="http://schemas.microsoft.com/office/drawing/2014/main" id="{00F79413-FAB7-4EE0-BC41-1F7070AF27B0}"/>
+              </a:ext>
+            </a:extLst>
+          </p:cNvPr>
+          <p:cNvPicPr>
+            <a:picLocks noChangeAspect="1"/>
+          </p:cNvPicPr>
+          <p:nvPr/>
+        </p:nvPicPr>
+        <p:blipFill>
+          <a:blip r:embed="rId3"/>
+          <a:stretch>
+            <a:fillRect/>
+          </a:stretch>
+        </p:blipFill>
+        <p:spPr>
+          <a:xfrm>
+            <a:off x="590548" y="2032304"/>
+            <a:ext cx="3543300" cy="914400"/>
+          </a:xfrm>
+          <a:prstGeom prst="rect">
+            <a:avLst/>
+          </a:prstGeom>
+        </p:spPr>
+      </p:pic>
+      <p:pic>
+        <p:nvPicPr>
+          <p:cNvPr id="10" name="Picture 9">
+            <a:extLst>
+              <a:ext uri="{FF2B5EF4-FFF2-40B4-BE49-F238E27FC236}">
+                <a16:creationId xmlns:a16="http://schemas.microsoft.com/office/drawing/2014/main" id="{E987AB70-C0AA-427F-A34C-2214BABBF5DC}"/>
+              </a:ext>
+            </a:extLst>
+          </p:cNvPr>
+          <p:cNvPicPr>
+            <a:picLocks noChangeAspect="1"/>
+          </p:cNvPicPr>
+          <p:nvPr/>
+        </p:nvPicPr>
+        <p:blipFill>
+          <a:blip r:embed="rId4"/>
+          <a:stretch>
+            <a:fillRect/>
+          </a:stretch>
+        </p:blipFill>
+        <p:spPr>
+          <a:xfrm>
+            <a:off x="3946997" y="2218041"/>
+            <a:ext cx="2238375" cy="561975"/>
+          </a:xfrm>
+          <a:prstGeom prst="rect">
+            <a:avLst/>
+          </a:prstGeom>
+        </p:spPr>
+      </p:pic>
+      <p:pic>
+        <p:nvPicPr>
+          <p:cNvPr id="11" name="Picture 10">
+            <a:extLst>
+              <a:ext uri="{FF2B5EF4-FFF2-40B4-BE49-F238E27FC236}">
+                <a16:creationId xmlns:a16="http://schemas.microsoft.com/office/drawing/2014/main" id="{EBF25627-77B3-4B8E-904B-74F8071B6823}"/>
+              </a:ext>
+            </a:extLst>
+          </p:cNvPr>
+          <p:cNvPicPr>
+            <a:picLocks noChangeAspect="1"/>
+          </p:cNvPicPr>
+          <p:nvPr/>
+        </p:nvPicPr>
+        <p:blipFill>
+          <a:blip r:embed="rId5"/>
+          <a:stretch>
+            <a:fillRect/>
+          </a:stretch>
+        </p:blipFill>
+        <p:spPr>
+          <a:xfrm>
+            <a:off x="4423247" y="2777635"/>
+            <a:ext cx="1762125" cy="552450"/>
+          </a:xfrm>
+          <a:prstGeom prst="rect">
+            <a:avLst/>
+          </a:prstGeom>
+        </p:spPr>
+      </p:pic>
+      <p:pic>
+        <p:nvPicPr>
+          <p:cNvPr id="12" name="Picture 11">
+            <a:extLst>
+              <a:ext uri="{FF2B5EF4-FFF2-40B4-BE49-F238E27FC236}">
+                <a16:creationId xmlns:a16="http://schemas.microsoft.com/office/drawing/2014/main" id="{C73C12CD-DD82-43AD-8320-EC2978645B34}"/>
+              </a:ext>
+            </a:extLst>
+          </p:cNvPr>
+          <p:cNvPicPr>
+            <a:picLocks noChangeAspect="1"/>
+          </p:cNvPicPr>
+          <p:nvPr/>
+        </p:nvPicPr>
+        <p:blipFill>
+          <a:blip r:embed="rId6"/>
+          <a:stretch>
+            <a:fillRect/>
+          </a:stretch>
+        </p:blipFill>
+        <p:spPr>
+          <a:xfrm>
+            <a:off x="2794472" y="1639968"/>
+            <a:ext cx="3390900" cy="466725"/>
+          </a:xfrm>
+          <a:prstGeom prst="rect">
+            <a:avLst/>
+          </a:prstGeom>
+        </p:spPr>
+      </p:pic>
+      <p:pic>
+        <p:nvPicPr>
+          <p:cNvPr id="13" name="Picture 12">
+            <a:extLst>
+              <a:ext uri="{FF2B5EF4-FFF2-40B4-BE49-F238E27FC236}">
+                <a16:creationId xmlns:a16="http://schemas.microsoft.com/office/drawing/2014/main" id="{0D95B744-4D64-4B5B-8498-1D3E1CDBC47B}"/>
+              </a:ext>
+            </a:extLst>
+          </p:cNvPr>
+          <p:cNvPicPr>
+            <a:picLocks noChangeAspect="1"/>
+          </p:cNvPicPr>
+          <p:nvPr/>
+        </p:nvPicPr>
+        <p:blipFill>
+          <a:blip r:embed="rId7"/>
+          <a:stretch>
+            <a:fillRect/>
+          </a:stretch>
+        </p:blipFill>
+        <p:spPr>
+          <a:xfrm>
+            <a:off x="117947" y="3369427"/>
+            <a:ext cx="6067425" cy="1171575"/>
+          </a:xfrm>
+          <a:prstGeom prst="rect">
+            <a:avLst/>
+          </a:prstGeom>
+        </p:spPr>
+      </p:pic>
+      <p:pic>
+        <p:nvPicPr>
+          <p:cNvPr id="14" name="Picture 13">
+            <a:extLst>
+              <a:ext uri="{FF2B5EF4-FFF2-40B4-BE49-F238E27FC236}">
+                <a16:creationId xmlns:a16="http://schemas.microsoft.com/office/drawing/2014/main" id="{5D19A17D-8F72-4D60-839A-92D7BC70FE22}"/>
+              </a:ext>
+            </a:extLst>
+          </p:cNvPr>
+          <p:cNvPicPr>
+            <a:picLocks noChangeAspect="1"/>
+          </p:cNvPicPr>
+          <p:nvPr/>
+        </p:nvPicPr>
+        <p:blipFill>
+          <a:blip r:embed="rId8"/>
+          <a:stretch>
+            <a:fillRect/>
+          </a:stretch>
+        </p:blipFill>
+        <p:spPr>
+          <a:xfrm>
+            <a:off x="276224" y="4502430"/>
+            <a:ext cx="2228850" cy="714375"/>
+          </a:xfrm>
+          <a:prstGeom prst="rect">
+            <a:avLst/>
+          </a:prstGeom>
+        </p:spPr>
+      </p:pic>
+      <p:pic>
+        <p:nvPicPr>
+          <p:cNvPr id="15" name="Picture 14">
+            <a:extLst>
+              <a:ext uri="{FF2B5EF4-FFF2-40B4-BE49-F238E27FC236}">
+                <a16:creationId xmlns:a16="http://schemas.microsoft.com/office/drawing/2014/main" id="{5283B770-93F2-414F-BFC5-08494F034F00}"/>
+              </a:ext>
+            </a:extLst>
+          </p:cNvPr>
+          <p:cNvPicPr>
+            <a:picLocks noChangeAspect="1"/>
+          </p:cNvPicPr>
+          <p:nvPr/>
+        </p:nvPicPr>
+        <p:blipFill>
+          <a:blip r:embed="rId9"/>
+          <a:stretch>
+            <a:fillRect/>
+          </a:stretch>
+        </p:blipFill>
+        <p:spPr>
+          <a:xfrm>
+            <a:off x="256833" y="5200074"/>
+            <a:ext cx="4676775" cy="742950"/>
+          </a:xfrm>
+          <a:prstGeom prst="rect">
+            <a:avLst/>
+          </a:prstGeom>
+        </p:spPr>
+      </p:pic>
+      <p:pic>
+        <p:nvPicPr>
+          <p:cNvPr id="16" name="Picture 15">
+            <a:extLst>
+              <a:ext uri="{FF2B5EF4-FFF2-40B4-BE49-F238E27FC236}">
+                <a16:creationId xmlns:a16="http://schemas.microsoft.com/office/drawing/2014/main" id="{A69A9718-4891-498F-9F84-CF18CC3AA951}"/>
+              </a:ext>
+            </a:extLst>
+          </p:cNvPr>
+          <p:cNvPicPr>
+            <a:picLocks noChangeAspect="1"/>
+          </p:cNvPicPr>
+          <p:nvPr/>
+        </p:nvPicPr>
+        <p:blipFill>
+          <a:blip r:embed="rId10"/>
+          <a:stretch>
+            <a:fillRect/>
+          </a:stretch>
+        </p:blipFill>
+        <p:spPr>
+          <a:xfrm>
+            <a:off x="5715977" y="3919496"/>
+            <a:ext cx="6219190" cy="2564880"/>
+          </a:xfrm>
+          <a:prstGeom prst="rect">
+            <a:avLst/>
+          </a:prstGeom>
+        </p:spPr>
+      </p:pic>
+      <p:pic>
+        <p:nvPicPr>
+          <p:cNvPr id="24" name="Picture 23">
+            <a:extLst>
+              <a:ext uri="{FF2B5EF4-FFF2-40B4-BE49-F238E27FC236}">
+                <a16:creationId xmlns:a16="http://schemas.microsoft.com/office/drawing/2014/main" id="{013174CC-9A4E-4DE2-BBA3-AA372A8FA2AF}"/>
+              </a:ext>
+            </a:extLst>
+          </p:cNvPr>
+          <p:cNvPicPr>
+            <a:picLocks noChangeAspect="1"/>
+          </p:cNvPicPr>
+          <p:nvPr/>
+        </p:nvPicPr>
+        <p:blipFill>
+          <a:blip r:embed="rId11"/>
+          <a:stretch>
+            <a:fillRect/>
+          </a:stretch>
+        </p:blipFill>
+        <p:spPr>
+          <a:xfrm>
+            <a:off x="9156457" y="3113820"/>
+            <a:ext cx="2228850" cy="828675"/>
+          </a:xfrm>
+          <a:prstGeom prst="rect">
+            <a:avLst/>
+          </a:prstGeom>
+        </p:spPr>
+      </p:pic>
+    </p:spTree>
+    <p:extLst>
+      <p:ext uri="{BB962C8B-B14F-4D97-AF65-F5344CB8AC3E}">
+        <p14:creationId xmlns:p14="http://schemas.microsoft.com/office/powerpoint/2010/main" val="1760225367"/>
+      </p:ext>
+    </p:extLst>
+  </p:cSld>
+  <p:clrMapOvr>
+    <a:masterClrMapping/>
+  </p:clrMapOvr>
+</p:sld>
+</file>
+
+<file path=ppt/slides/slide22.xml><?xml version="1.0" encoding="utf-8"?>
+<p:sld xmlns:a="http://schemas.openxmlformats.org/drawingml/2006/main" xmlns:r="http://schemas.openxmlformats.org/officeDocument/2006/relationships" xmlns:p="http://schemas.openxmlformats.org/presentationml/2006/main">
+  <p:cSld>
+    <p:spTree>
+      <p:nvGrpSpPr>
+        <p:cNvPr id="1" name=""/>
+        <p:cNvGrpSpPr/>
+        <p:nvPr/>
+      </p:nvGrpSpPr>
+      <p:grpSpPr>
+        <a:xfrm>
+          <a:off x="0" y="0"/>
+          <a:ext cx="0" cy="0"/>
+          <a:chOff x="0" y="0"/>
+          <a:chExt cx="0" cy="0"/>
+        </a:xfrm>
+      </p:grpSpPr>
+      <p:sp>
+        <p:nvSpPr>
+          <p:cNvPr id="2" name="Title 1">
+            <a:extLst>
+              <a:ext uri="{FF2B5EF4-FFF2-40B4-BE49-F238E27FC236}">
+                <a16:creationId xmlns:a16="http://schemas.microsoft.com/office/drawing/2014/main" id="{F7548237-671A-42E6-9F76-800DFE4A9A53}"/>
+              </a:ext>
+            </a:extLst>
+          </p:cNvPr>
+          <p:cNvSpPr>
+            <a:spLocks noGrp="1"/>
+          </p:cNvSpPr>
+          <p:nvPr>
+            <p:ph type="title"/>
+          </p:nvPr>
+        </p:nvSpPr>
+        <p:spPr>
+          <a:xfrm>
+            <a:off x="1371600" y="247650"/>
+            <a:ext cx="9601200" cy="1485900"/>
+          </a:xfrm>
+        </p:spPr>
+        <p:txBody>
+          <a:bodyPr>
+            <a:normAutofit/>
+          </a:bodyPr>
+          <a:lstStyle/>
+          <a:p>
+            <a:r>
+              <a:rPr lang="en-US" dirty="0"/>
+              <a:t>Secondary flux as a function of distance</a:t>
+            </a:r>
+          </a:p>
+        </p:txBody>
+      </p:sp>
+      <p:sp>
+        <p:nvSpPr>
+          <p:cNvPr id="3" name="Content Placeholder 2">
+            <a:extLst>
+              <a:ext uri="{FF2B5EF4-FFF2-40B4-BE49-F238E27FC236}">
+                <a16:creationId xmlns:a16="http://schemas.microsoft.com/office/drawing/2014/main" id="{2CC0DDCF-F26E-4932-8829-AC2EC5ECD1CD}"/>
+              </a:ext>
+            </a:extLst>
+          </p:cNvPr>
+          <p:cNvSpPr>
+            <a:spLocks noGrp="1"/>
+          </p:cNvSpPr>
+          <p:nvPr>
+            <p:ph idx="1"/>
+          </p:nvPr>
+        </p:nvSpPr>
+        <p:spPr>
+          <a:xfrm>
+            <a:off x="1371600" y="3086100"/>
+            <a:ext cx="6429375" cy="2781300"/>
+          </a:xfrm>
+        </p:spPr>
+        <p:txBody>
+          <a:bodyPr/>
+          <a:lstStyle/>
+          <a:p>
+            <a:r>
+              <a:rPr lang="en-US" dirty="0"/>
+              <a:t>The ejecta speed distribution as a function of distance from primary impact point follows a power-law for small distances</a:t>
+            </a:r>
+          </a:p>
+          <a:p>
+            <a:pPr lvl="1"/>
+            <a:r>
+              <a:rPr lang="en-US" i="0" dirty="0"/>
+              <a:t>We see that the secondary fluxes are dominated by impacts that are close by</a:t>
+            </a:r>
+          </a:p>
+        </p:txBody>
+      </p:sp>
+      <p:sp>
+        <p:nvSpPr>
+          <p:cNvPr id="4" name="Date Placeholder 3">
+            <a:extLst>
+              <a:ext uri="{FF2B5EF4-FFF2-40B4-BE49-F238E27FC236}">
+                <a16:creationId xmlns:a16="http://schemas.microsoft.com/office/drawing/2014/main" id="{E57554D1-5EAC-4B5C-A225-85018DBC3D40}"/>
+              </a:ext>
+            </a:extLst>
+          </p:cNvPr>
+          <p:cNvSpPr>
+            <a:spLocks noGrp="1"/>
+          </p:cNvSpPr>
+          <p:nvPr>
+            <p:ph type="dt" sz="half" idx="10"/>
+          </p:nvPr>
+        </p:nvSpPr>
+        <p:spPr/>
+        <p:txBody>
+          <a:bodyPr/>
+          <a:lstStyle/>
+          <a:p>
+            <a:fld id="{2C03F969-3CA1-4329-80D4-97FA07558DE8}" type="datetime1">
+              <a:rPr lang="en-US" smtClean="0"/>
+              <a:t>10/23/2020</a:t>
+            </a:fld>
+            <a:endParaRPr lang="en-US" dirty="0"/>
+          </a:p>
+        </p:txBody>
+      </p:sp>
+      <p:sp>
+        <p:nvSpPr>
+          <p:cNvPr id="5" name="Footer Placeholder 4">
+            <a:extLst>
+              <a:ext uri="{FF2B5EF4-FFF2-40B4-BE49-F238E27FC236}">
+                <a16:creationId xmlns:a16="http://schemas.microsoft.com/office/drawing/2014/main" id="{3F53AD30-88AA-4D5B-B1B9-20874B56C6FA}"/>
+              </a:ext>
+            </a:extLst>
+          </p:cNvPr>
+          <p:cNvSpPr>
+            <a:spLocks noGrp="1"/>
+          </p:cNvSpPr>
+          <p:nvPr>
+            <p:ph type="ftr" sz="quarter" idx="11"/>
+          </p:nvPr>
+        </p:nvSpPr>
+        <p:spPr/>
+        <p:txBody>
+          <a:bodyPr/>
+          <a:lstStyle/>
+          <a:p>
+            <a:r>
+              <a:rPr lang="en-US"/>
+              <a:t>Lunar Meteoroid Ejecta Model (LuMEM) -- DeStefano</a:t>
+            </a:r>
+            <a:endParaRPr lang="en-US" dirty="0"/>
+          </a:p>
+        </p:txBody>
+      </p:sp>
+      <p:sp>
+        <p:nvSpPr>
+          <p:cNvPr id="6" name="Slide Number Placeholder 5">
+            <a:extLst>
+              <a:ext uri="{FF2B5EF4-FFF2-40B4-BE49-F238E27FC236}">
+                <a16:creationId xmlns:a16="http://schemas.microsoft.com/office/drawing/2014/main" id="{31F906C4-B86E-40E1-87FC-034555EE722D}"/>
+              </a:ext>
+            </a:extLst>
+          </p:cNvPr>
+          <p:cNvSpPr>
+            <a:spLocks noGrp="1"/>
+          </p:cNvSpPr>
+          <p:nvPr>
+            <p:ph type="sldNum" sz="quarter" idx="12"/>
+          </p:nvPr>
+        </p:nvSpPr>
+        <p:spPr/>
+        <p:txBody>
+          <a:bodyPr/>
+          <a:lstStyle/>
+          <a:p>
+            <a:fld id="{69E57DC2-970A-4B3E-BB1C-7A09969E49DF}" type="slidenum">
+              <a:rPr lang="en-US" smtClean="0"/>
+              <a:t>22</a:t>
+            </a:fld>
+            <a:endParaRPr lang="en-US" dirty="0"/>
+          </a:p>
+        </p:txBody>
+      </p:sp>
+      <p:pic>
+        <p:nvPicPr>
+          <p:cNvPr id="7" name="Picture 6">
+            <a:extLst>
+              <a:ext uri="{FF2B5EF4-FFF2-40B4-BE49-F238E27FC236}">
+                <a16:creationId xmlns:a16="http://schemas.microsoft.com/office/drawing/2014/main" id="{7BD7C21B-194F-4F3B-8CD2-D993F03E7453}"/>
+              </a:ext>
+            </a:extLst>
+          </p:cNvPr>
+          <p:cNvPicPr>
+            <a:picLocks noChangeAspect="1"/>
+          </p:cNvPicPr>
+          <p:nvPr/>
+        </p:nvPicPr>
+        <p:blipFill>
+          <a:blip r:embed="rId2"/>
+          <a:stretch>
+            <a:fillRect/>
+          </a:stretch>
+        </p:blipFill>
+        <p:spPr>
+          <a:xfrm>
+            <a:off x="2893564" y="1195387"/>
+            <a:ext cx="6781800" cy="1800225"/>
+          </a:xfrm>
+          <a:prstGeom prst="rect">
+            <a:avLst/>
+          </a:prstGeom>
+        </p:spPr>
+      </p:pic>
+    </p:spTree>
+    <p:extLst>
+      <p:ext uri="{BB962C8B-B14F-4D97-AF65-F5344CB8AC3E}">
+        <p14:creationId xmlns:p14="http://schemas.microsoft.com/office/powerpoint/2010/main" val="3140124608"/>
+      </p:ext>
+    </p:extLst>
+  </p:cSld>
+  <p:clrMapOvr>
+    <a:masterClrMapping/>
+  </p:clrMapOvr>
+</p:sld>
+</file>
+
+<file path=ppt/slides/slide23.xml><?xml version="1.0" encoding="utf-8"?>
+<p:sld xmlns:a="http://schemas.openxmlformats.org/drawingml/2006/main" xmlns:r="http://schemas.openxmlformats.org/officeDocument/2006/relationships" xmlns:p="http://schemas.openxmlformats.org/presentationml/2006/main">
+  <p:cSld>
+    <p:spTree>
+      <p:nvGrpSpPr>
+        <p:cNvPr id="1" name=""/>
+        <p:cNvGrpSpPr/>
+        <p:nvPr/>
+      </p:nvGrpSpPr>
+      <p:grpSpPr>
+        <a:xfrm>
+          <a:off x="0" y="0"/>
+          <a:ext cx="0" cy="0"/>
+          <a:chOff x="0" y="0"/>
+          <a:chExt cx="0" cy="0"/>
+        </a:xfrm>
+      </p:grpSpPr>
+      <p:sp>
+        <p:nvSpPr>
+          <p:cNvPr id="2" name="Title 1">
+            <a:extLst>
+              <a:ext uri="{FF2B5EF4-FFF2-40B4-BE49-F238E27FC236}">
+                <a16:creationId xmlns:a16="http://schemas.microsoft.com/office/drawing/2014/main" id="{61785327-57CA-43A2-B8BD-89B204308B40}"/>
+              </a:ext>
+            </a:extLst>
+          </p:cNvPr>
+          <p:cNvSpPr>
+            <a:spLocks noGrp="1"/>
+          </p:cNvSpPr>
+          <p:nvPr>
+            <p:ph type="title"/>
+          </p:nvPr>
+        </p:nvSpPr>
+        <p:spPr>
+          <a:xfrm>
+            <a:off x="1295400" y="115957"/>
+            <a:ext cx="9601200" cy="1485900"/>
+          </a:xfrm>
+        </p:spPr>
+        <p:txBody>
+          <a:bodyPr/>
+          <a:lstStyle/>
+          <a:p>
+            <a:r>
+              <a:rPr lang="en-US" dirty="0"/>
+              <a:t>Overview</a:t>
+            </a:r>
+          </a:p>
+        </p:txBody>
+      </p:sp>
+      <p:sp>
+        <p:nvSpPr>
+          <p:cNvPr id="3" name="Content Placeholder 2">
+            <a:extLst>
+              <a:ext uri="{FF2B5EF4-FFF2-40B4-BE49-F238E27FC236}">
+                <a16:creationId xmlns:a16="http://schemas.microsoft.com/office/drawing/2014/main" id="{57DBFB6B-E09C-48D4-A040-1D2A2EE7A9A2}"/>
+              </a:ext>
+            </a:extLst>
+          </p:cNvPr>
+          <p:cNvSpPr>
+            <a:spLocks noGrp="1"/>
+          </p:cNvSpPr>
+          <p:nvPr>
+            <p:ph idx="1"/>
+          </p:nvPr>
+        </p:nvSpPr>
+        <p:spPr>
+          <a:xfrm>
+            <a:off x="1388446" y="858906"/>
+            <a:ext cx="9601200" cy="5594479"/>
+          </a:xfrm>
+        </p:spPr>
+        <p:txBody>
+          <a:bodyPr>
+            <a:normAutofit fontScale="70000" lnSpcReduction="20000"/>
+          </a:bodyPr>
+          <a:lstStyle/>
+          <a:p>
+            <a:r>
+              <a:rPr lang="en-US" dirty="0">
+                <a:solidFill>
+                  <a:schemeClr val="bg1">
+                    <a:lumMod val="65000"/>
+                  </a:schemeClr>
+                </a:solidFill>
+              </a:rPr>
+              <a:t>DSNE Rev H Lunar Ejecta Model – NASA SP-8013 (1969)</a:t>
+            </a:r>
+          </a:p>
+          <a:p>
+            <a:pPr lvl="1"/>
+            <a:r>
+              <a:rPr lang="en-US" i="0" dirty="0">
+                <a:solidFill>
+                  <a:schemeClr val="bg1">
+                    <a:lumMod val="65000"/>
+                  </a:schemeClr>
+                </a:solidFill>
+              </a:rPr>
+              <a:t>Based on Zook 1967</a:t>
+            </a:r>
+          </a:p>
+          <a:p>
+            <a:r>
+              <a:rPr lang="en-US" dirty="0">
+                <a:solidFill>
+                  <a:schemeClr val="bg1">
+                    <a:lumMod val="65000"/>
+                  </a:schemeClr>
+                </a:solidFill>
+              </a:rPr>
+              <a:t>Brief (non-exhaustive) Review of Impact-Ejecta Scaling Models</a:t>
+            </a:r>
+          </a:p>
+          <a:p>
+            <a:pPr lvl="1"/>
+            <a:r>
+              <a:rPr lang="en-US" i="0" dirty="0">
+                <a:solidFill>
+                  <a:schemeClr val="bg1">
+                    <a:lumMod val="65000"/>
+                  </a:schemeClr>
+                </a:solidFill>
+              </a:rPr>
+              <a:t>Zook 1967</a:t>
+            </a:r>
+          </a:p>
+          <a:p>
+            <a:pPr lvl="1"/>
+            <a:r>
+              <a:rPr lang="en-US" i="0" dirty="0" err="1">
+                <a:solidFill>
+                  <a:schemeClr val="bg1">
+                    <a:lumMod val="65000"/>
+                  </a:schemeClr>
+                </a:solidFill>
+              </a:rPr>
+              <a:t>Krivov</a:t>
+            </a:r>
+            <a:r>
+              <a:rPr lang="en-US" i="0" dirty="0">
+                <a:solidFill>
+                  <a:schemeClr val="bg1">
+                    <a:lumMod val="65000"/>
+                  </a:schemeClr>
+                </a:solidFill>
+              </a:rPr>
+              <a:t> et al. 2003</a:t>
+            </a:r>
+          </a:p>
+          <a:p>
+            <a:pPr lvl="1"/>
+            <a:r>
+              <a:rPr lang="en-US" i="0" dirty="0" err="1">
+                <a:solidFill>
+                  <a:schemeClr val="bg1">
+                    <a:lumMod val="65000"/>
+                  </a:schemeClr>
+                </a:solidFill>
+              </a:rPr>
+              <a:t>Housen</a:t>
+            </a:r>
+            <a:r>
+              <a:rPr lang="en-US" i="0" dirty="0">
+                <a:solidFill>
+                  <a:schemeClr val="bg1">
+                    <a:lumMod val="65000"/>
+                  </a:schemeClr>
+                </a:solidFill>
+              </a:rPr>
+              <a:t> &amp; </a:t>
+            </a:r>
+            <a:r>
+              <a:rPr lang="en-US" i="0" dirty="0" err="1">
+                <a:solidFill>
+                  <a:schemeClr val="bg1">
+                    <a:lumMod val="65000"/>
+                  </a:schemeClr>
+                </a:solidFill>
+              </a:rPr>
+              <a:t>Holsapple</a:t>
+            </a:r>
+            <a:r>
+              <a:rPr lang="en-US" i="0" dirty="0">
+                <a:solidFill>
+                  <a:schemeClr val="bg1">
+                    <a:lumMod val="65000"/>
+                  </a:schemeClr>
+                </a:solidFill>
+              </a:rPr>
+              <a:t> 2011</a:t>
+            </a:r>
+          </a:p>
+          <a:p>
+            <a:r>
+              <a:rPr lang="en-US" dirty="0">
+                <a:solidFill>
+                  <a:schemeClr val="bg1">
+                    <a:lumMod val="65000"/>
+                  </a:schemeClr>
+                </a:solidFill>
+              </a:rPr>
+              <a:t>Proposed New DSNE Model -- Lunar Meteoroid Ejecta Model (</a:t>
+            </a:r>
+            <a:r>
+              <a:rPr lang="en-US" dirty="0" err="1">
+                <a:solidFill>
+                  <a:schemeClr val="bg1">
+                    <a:lumMod val="65000"/>
+                  </a:schemeClr>
+                </a:solidFill>
+              </a:rPr>
+              <a:t>LuMEM</a:t>
+            </a:r>
+            <a:r>
+              <a:rPr lang="en-US" dirty="0">
+                <a:solidFill>
+                  <a:schemeClr val="bg1">
+                    <a:lumMod val="65000"/>
+                  </a:schemeClr>
+                </a:solidFill>
+              </a:rPr>
+              <a:t>)</a:t>
+            </a:r>
+          </a:p>
+          <a:p>
+            <a:pPr lvl="1"/>
+            <a:r>
+              <a:rPr lang="en-US" i="0" dirty="0">
+                <a:solidFill>
+                  <a:schemeClr val="bg1">
+                    <a:lumMod val="65000"/>
+                  </a:schemeClr>
+                </a:solidFill>
+              </a:rPr>
+              <a:t>Sporadic meteoroid flux (</a:t>
+            </a:r>
+            <a:r>
+              <a:rPr lang="en-US" i="0" dirty="0" err="1">
+                <a:solidFill>
+                  <a:schemeClr val="bg1">
+                    <a:lumMod val="65000"/>
+                  </a:schemeClr>
+                </a:solidFill>
+              </a:rPr>
+              <a:t>Grun</a:t>
+            </a:r>
+            <a:r>
+              <a:rPr lang="en-US" i="0" dirty="0">
+                <a:solidFill>
+                  <a:schemeClr val="bg1">
+                    <a:lumMod val="65000"/>
+                  </a:schemeClr>
+                </a:solidFill>
+              </a:rPr>
+              <a:t> et al 1985)</a:t>
+            </a:r>
+          </a:p>
+          <a:p>
+            <a:pPr lvl="1"/>
+            <a:r>
+              <a:rPr lang="en-US" i="0" dirty="0">
+                <a:solidFill>
+                  <a:schemeClr val="bg1">
+                    <a:lumMod val="65000"/>
+                  </a:schemeClr>
+                </a:solidFill>
+              </a:rPr>
+              <a:t>Near Earth Object (NEO) flux (Brown et al 2002)</a:t>
+            </a:r>
+          </a:p>
+          <a:p>
+            <a:pPr lvl="1"/>
+            <a:r>
+              <a:rPr lang="en-US" i="0" dirty="0">
+                <a:solidFill>
+                  <a:schemeClr val="bg1">
+                    <a:lumMod val="65000"/>
+                  </a:schemeClr>
+                </a:solidFill>
+              </a:rPr>
+              <a:t>Impact-ejecta scaling model (</a:t>
+            </a:r>
+            <a:r>
+              <a:rPr lang="en-US" i="0" dirty="0" err="1">
+                <a:solidFill>
+                  <a:schemeClr val="bg1">
+                    <a:lumMod val="65000"/>
+                  </a:schemeClr>
+                </a:solidFill>
+              </a:rPr>
+              <a:t>Housen</a:t>
+            </a:r>
+            <a:r>
+              <a:rPr lang="en-US" i="0" dirty="0">
+                <a:solidFill>
+                  <a:schemeClr val="bg1">
+                    <a:lumMod val="65000"/>
+                  </a:schemeClr>
+                </a:solidFill>
+              </a:rPr>
+              <a:t> &amp; </a:t>
+            </a:r>
+            <a:r>
+              <a:rPr lang="en-US" i="0" dirty="0" err="1">
+                <a:solidFill>
+                  <a:schemeClr val="bg1">
+                    <a:lumMod val="65000"/>
+                  </a:schemeClr>
+                </a:solidFill>
+              </a:rPr>
+              <a:t>Holsapple</a:t>
+            </a:r>
+            <a:r>
+              <a:rPr lang="en-US" i="0" dirty="0">
+                <a:solidFill>
+                  <a:schemeClr val="bg1">
+                    <a:lumMod val="65000"/>
+                  </a:schemeClr>
+                </a:solidFill>
+              </a:rPr>
+              <a:t> 2011)</a:t>
+            </a:r>
+          </a:p>
+          <a:p>
+            <a:pPr lvl="1"/>
+            <a:r>
+              <a:rPr lang="en-US" i="0" dirty="0">
+                <a:solidFill>
+                  <a:schemeClr val="bg1">
+                    <a:lumMod val="65000"/>
+                  </a:schemeClr>
+                </a:solidFill>
+              </a:rPr>
+              <a:t>Ejecta particle size distribution (Carrier 2003)</a:t>
+            </a:r>
+          </a:p>
+          <a:p>
+            <a:pPr lvl="1"/>
+            <a:r>
+              <a:rPr lang="en-US" i="0" dirty="0">
+                <a:solidFill>
+                  <a:schemeClr val="bg1">
+                    <a:lumMod val="65000"/>
+                  </a:schemeClr>
+                </a:solidFill>
+              </a:rPr>
+              <a:t>Ejecta zenith angle distribution (empirically from Gault &amp; </a:t>
+            </a:r>
+            <a:r>
+              <a:rPr lang="en-US" i="0" dirty="0" err="1">
+                <a:solidFill>
+                  <a:schemeClr val="bg1">
+                    <a:lumMod val="65000"/>
+                  </a:schemeClr>
+                </a:solidFill>
+              </a:rPr>
+              <a:t>Wedekind</a:t>
+            </a:r>
+            <a:r>
+              <a:rPr lang="en-US" i="0" dirty="0">
+                <a:solidFill>
+                  <a:schemeClr val="bg1">
+                    <a:lumMod val="65000"/>
+                  </a:schemeClr>
+                </a:solidFill>
+              </a:rPr>
+              <a:t> 1978)</a:t>
+            </a:r>
+          </a:p>
+          <a:p>
+            <a:pPr lvl="1"/>
+            <a:r>
+              <a:rPr lang="en-US" i="0" dirty="0">
+                <a:solidFill>
+                  <a:schemeClr val="bg1">
+                    <a:lumMod val="65000"/>
+                  </a:schemeClr>
+                </a:solidFill>
+              </a:rPr>
+              <a:t>Ejecta azimuth angle distribution (modified from Rival &amp; Mandeville 1999)</a:t>
+            </a:r>
+          </a:p>
+          <a:p>
+            <a:r>
+              <a:rPr lang="en-US" dirty="0">
+                <a:solidFill>
+                  <a:schemeClr val="bg1">
+                    <a:lumMod val="65000"/>
+                  </a:schemeClr>
+                </a:solidFill>
+              </a:rPr>
+              <a:t>Analytic model of lunar ejecta</a:t>
+            </a:r>
+          </a:p>
+          <a:p>
+            <a:pPr lvl="1"/>
+            <a:r>
+              <a:rPr lang="en-US" i="0" dirty="0">
+                <a:solidFill>
+                  <a:schemeClr val="bg1">
+                    <a:lumMod val="65000"/>
+                  </a:schemeClr>
+                </a:solidFill>
+              </a:rPr>
+              <a:t>Speed distribution as a function of distance</a:t>
+            </a:r>
+          </a:p>
+          <a:p>
+            <a:pPr lvl="1"/>
+            <a:r>
+              <a:rPr lang="en-US" i="0" dirty="0">
+                <a:solidFill>
+                  <a:schemeClr val="bg1">
+                    <a:lumMod val="65000"/>
+                  </a:schemeClr>
+                </a:solidFill>
+              </a:rPr>
+              <a:t>Secondary flux as a function of distance</a:t>
+            </a:r>
+          </a:p>
+          <a:p>
+            <a:pPr lvl="1"/>
+            <a:r>
+              <a:rPr lang="en-US" i="0" dirty="0">
+                <a:solidFill>
+                  <a:schemeClr val="bg1">
+                    <a:lumMod val="65000"/>
+                  </a:schemeClr>
+                </a:solidFill>
+              </a:rPr>
+              <a:t>Secondary flux in terms of primary flux</a:t>
+            </a:r>
+          </a:p>
+          <a:p>
+            <a:r>
+              <a:rPr lang="en-US" dirty="0"/>
+              <a:t>Results of </a:t>
+            </a:r>
+            <a:r>
+              <a:rPr lang="en-US" dirty="0" err="1"/>
+              <a:t>LuMEM</a:t>
+            </a:r>
+            <a:endParaRPr lang="en-US" dirty="0"/>
+          </a:p>
+          <a:p>
+            <a:pPr lvl="1"/>
+            <a:r>
+              <a:rPr lang="en-US" i="0" dirty="0"/>
+              <a:t>Igloo number flux distribution (based on MEM3, see Moorhead et al 2019)</a:t>
+            </a:r>
+          </a:p>
+          <a:p>
+            <a:pPr lvl="1"/>
+            <a:r>
+              <a:rPr lang="en-US" i="0" dirty="0"/>
+              <a:t>Ejecta size scaling (derived from Carrier 2003)</a:t>
+            </a:r>
+          </a:p>
+          <a:p>
+            <a:pPr lvl="1"/>
+            <a:r>
+              <a:rPr lang="en-US" i="0" dirty="0"/>
+              <a:t>Ejecta speed scaling (</a:t>
+            </a:r>
+            <a:r>
+              <a:rPr lang="en-US" i="0" dirty="0" err="1"/>
+              <a:t>Housen</a:t>
+            </a:r>
+            <a:r>
+              <a:rPr lang="en-US" i="0" dirty="0"/>
+              <a:t> &amp; </a:t>
+            </a:r>
+            <a:r>
+              <a:rPr lang="en-US" i="0" dirty="0" err="1"/>
+              <a:t>Holsapple</a:t>
+            </a:r>
+            <a:r>
+              <a:rPr lang="en-US" i="0" dirty="0"/>
+              <a:t> 2011)</a:t>
+            </a:r>
+          </a:p>
+        </p:txBody>
+      </p:sp>
+      <p:sp>
+        <p:nvSpPr>
+          <p:cNvPr id="4" name="Date Placeholder 3">
+            <a:extLst>
+              <a:ext uri="{FF2B5EF4-FFF2-40B4-BE49-F238E27FC236}">
+                <a16:creationId xmlns:a16="http://schemas.microsoft.com/office/drawing/2014/main" id="{02E04A3A-57D0-4485-AE57-B7CD694ECAB1}"/>
+              </a:ext>
+            </a:extLst>
+          </p:cNvPr>
+          <p:cNvSpPr>
+            <a:spLocks noGrp="1"/>
+          </p:cNvSpPr>
+          <p:nvPr>
+            <p:ph type="dt" sz="half" idx="10"/>
+          </p:nvPr>
+        </p:nvSpPr>
+        <p:spPr/>
+        <p:txBody>
+          <a:bodyPr/>
+          <a:lstStyle/>
+          <a:p>
+            <a:fld id="{F5D59A6E-ABEC-4B48-91F6-6D0798166395}" type="datetime1">
+              <a:rPr lang="en-US" smtClean="0"/>
+              <a:t>10/23/2020</a:t>
+            </a:fld>
+            <a:endParaRPr lang="en-US" dirty="0"/>
+          </a:p>
+        </p:txBody>
+      </p:sp>
+      <p:sp>
+        <p:nvSpPr>
+          <p:cNvPr id="5" name="Slide Number Placeholder 4">
+            <a:extLst>
+              <a:ext uri="{FF2B5EF4-FFF2-40B4-BE49-F238E27FC236}">
+                <a16:creationId xmlns:a16="http://schemas.microsoft.com/office/drawing/2014/main" id="{2EF95866-BD7A-4B57-BA57-4E8E3664A5B3}"/>
+              </a:ext>
+            </a:extLst>
+          </p:cNvPr>
+          <p:cNvSpPr>
+            <a:spLocks noGrp="1"/>
+          </p:cNvSpPr>
+          <p:nvPr>
+            <p:ph type="sldNum" sz="quarter" idx="12"/>
+          </p:nvPr>
+        </p:nvSpPr>
+        <p:spPr/>
+        <p:txBody>
+          <a:bodyPr/>
+          <a:lstStyle/>
+          <a:p>
+            <a:fld id="{69E57DC2-970A-4B3E-BB1C-7A09969E49DF}" type="slidenum">
+              <a:rPr lang="en-US" smtClean="0"/>
+              <a:t>23</a:t>
+            </a:fld>
+            <a:endParaRPr lang="en-US" dirty="0"/>
+          </a:p>
+        </p:txBody>
+      </p:sp>
+      <p:sp>
+        <p:nvSpPr>
+          <p:cNvPr id="6" name="Footer Placeholder 5">
+            <a:extLst>
+              <a:ext uri="{FF2B5EF4-FFF2-40B4-BE49-F238E27FC236}">
+                <a16:creationId xmlns:a16="http://schemas.microsoft.com/office/drawing/2014/main" id="{6A7349FC-9051-4374-A306-58FE52B21FD1}"/>
+              </a:ext>
+            </a:extLst>
+          </p:cNvPr>
+          <p:cNvSpPr>
+            <a:spLocks noGrp="1"/>
+          </p:cNvSpPr>
+          <p:nvPr>
+            <p:ph type="ftr" sz="quarter" idx="11"/>
+          </p:nvPr>
+        </p:nvSpPr>
+        <p:spPr/>
+        <p:txBody>
+          <a:bodyPr/>
+          <a:lstStyle/>
+          <a:p>
+            <a:r>
+              <a:rPr lang="en-US"/>
+              <a:t>Lunar Meteoroid Ejecta Model (LuMEM) -- DeStefano</a:t>
+            </a:r>
+            <a:endParaRPr lang="en-US" dirty="0"/>
+          </a:p>
+        </p:txBody>
+      </p:sp>
+    </p:spTree>
+    <p:extLst>
+      <p:ext uri="{BB962C8B-B14F-4D97-AF65-F5344CB8AC3E}">
+        <p14:creationId xmlns:p14="http://schemas.microsoft.com/office/powerpoint/2010/main" val="3005755291"/>
       </p:ext>
     </p:extLst>
   </p:cSld>
@@ -7264,7 +12651,7 @@
           <a:p>
             <a:fld id="{38E5E391-21C4-4D75-8816-07FDD7A433E6}" type="datetime1">
               <a:rPr lang="en-US" smtClean="0"/>
-              <a:t>10/20/2020</a:t>
+              <a:t>10/23/2020</a:t>
             </a:fld>
             <a:endParaRPr lang="en-US" dirty="0"/>
           </a:p>
@@ -7457,7 +12844,7 @@
           <a:p>
             <a:fld id="{668BDF01-66E7-498E-BCE9-62F68E49614E}" type="datetime1">
               <a:rPr lang="en-US" smtClean="0"/>
-              <a:t>10/20/2020</a:t>
+              <a:t>10/23/2020</a:t>
             </a:fld>
             <a:endParaRPr lang="en-US" dirty="0"/>
           </a:p>
@@ -8173,7 +13560,7 @@
           <a:p>
             <a:fld id="{667586B9-AC17-406A-8F1A-D664DC9B45B5}" type="datetime1">
               <a:rPr lang="en-US" smtClean="0"/>
-              <a:t>10/20/2020</a:t>
+              <a:t>10/23/2020</a:t>
             </a:fld>
             <a:endParaRPr lang="en-US" dirty="0"/>
           </a:p>
@@ -9808,7 +15195,7 @@
           <a:p>
             <a:fld id="{98AA1882-8BA2-4C85-8806-12D70CB7D77A}" type="datetime1">
               <a:rPr lang="en-US" smtClean="0"/>
-              <a:t>10/20/2020</a:t>
+              <a:t>10/23/2020</a:t>
             </a:fld>
             <a:endParaRPr lang="en-US" dirty="0"/>
           </a:p>
@@ -9999,7 +15386,7 @@
           <a:p>
             <a:fld id="{98AA1882-8BA2-4C85-8806-12D70CB7D77A}" type="datetime1">
               <a:rPr lang="en-US" smtClean="0"/>
-              <a:t>10/20/2020</a:t>
+              <a:t>10/23/2020</a:t>
             </a:fld>
             <a:endParaRPr lang="en-US" dirty="0"/>
           </a:p>
@@ -11465,7 +16852,7 @@
           <a:p>
             <a:fld id="{98AA1882-8BA2-4C85-8806-12D70CB7D77A}" type="datetime1">
               <a:rPr lang="en-US" smtClean="0"/>
-              <a:t>10/20/2020</a:t>
+              <a:t>10/23/2020</a:t>
             </a:fld>
             <a:endParaRPr lang="en-US" dirty="0"/>
           </a:p>
@@ -12612,7 +17999,7 @@
           <p:cNvPr id="2" name="Title 1">
             <a:extLst>
               <a:ext uri="{FF2B5EF4-FFF2-40B4-BE49-F238E27FC236}">
-                <a16:creationId xmlns:a16="http://schemas.microsoft.com/office/drawing/2014/main" id="{97044649-925F-46D3-BF9B-ED03822E31D5}"/>
+                <a16:creationId xmlns:a16="http://schemas.microsoft.com/office/drawing/2014/main" id="{61785327-57CA-43A2-B8BD-89B204308B40}"/>
               </a:ext>
             </a:extLst>
           </p:cNvPr>
@@ -12623,12 +18010,20 @@
             <p:ph type="title"/>
           </p:nvPr>
         </p:nvSpPr>
-        <p:spPr/>
+        <p:spPr>
+          <a:xfrm>
+            <a:off x="1295400" y="115957"/>
+            <a:ext cx="9601200" cy="1485900"/>
+          </a:xfrm>
+        </p:spPr>
         <p:txBody>
           <a:bodyPr/>
           <a:lstStyle/>
           <a:p>
-            <a:endParaRPr lang="en-US"/>
+            <a:r>
+              <a:rPr lang="en-US" dirty="0"/>
+              <a:t>Overview</a:t>
+            </a:r>
           </a:p>
         </p:txBody>
       </p:sp>
@@ -12637,7 +18032,7 @@
           <p:cNvPr id="3" name="Content Placeholder 2">
             <a:extLst>
               <a:ext uri="{FF2B5EF4-FFF2-40B4-BE49-F238E27FC236}">
-                <a16:creationId xmlns:a16="http://schemas.microsoft.com/office/drawing/2014/main" id="{3A1C97E2-6FD9-45D1-ADB3-BA8D489964E6}"/>
+                <a16:creationId xmlns:a16="http://schemas.microsoft.com/office/drawing/2014/main" id="{57DBFB6B-E09C-48D4-A040-1D2A2EE7A9A2}"/>
               </a:ext>
             </a:extLst>
           </p:cNvPr>
@@ -12648,12 +18043,379 @@
             <p:ph idx="1"/>
           </p:nvPr>
         </p:nvSpPr>
-        <p:spPr/>
+        <p:spPr>
+          <a:xfrm>
+            <a:off x="1388446" y="858906"/>
+            <a:ext cx="9601200" cy="5594479"/>
+          </a:xfrm>
+        </p:spPr>
         <p:txBody>
-          <a:bodyPr/>
+          <a:bodyPr>
+            <a:normAutofit fontScale="70000" lnSpcReduction="20000"/>
+          </a:bodyPr>
           <a:lstStyle/>
           <a:p>
-            <a:endParaRPr lang="en-US"/>
+            <a:r>
+              <a:rPr lang="en-US" dirty="0">
+                <a:solidFill>
+                  <a:schemeClr val="bg1">
+                    <a:lumMod val="65000"/>
+                  </a:schemeClr>
+                </a:solidFill>
+              </a:rPr>
+              <a:t>DSNE Rev H Lunar Ejecta Model – NASA SP-8013 (1969)</a:t>
+            </a:r>
+          </a:p>
+          <a:p>
+            <a:pPr lvl="1"/>
+            <a:r>
+              <a:rPr lang="en-US" i="0" dirty="0">
+                <a:solidFill>
+                  <a:schemeClr val="bg1">
+                    <a:lumMod val="65000"/>
+                  </a:schemeClr>
+                </a:solidFill>
+              </a:rPr>
+              <a:t>Based on Zook 1967</a:t>
+            </a:r>
+          </a:p>
+          <a:p>
+            <a:r>
+              <a:rPr lang="en-US" dirty="0">
+                <a:solidFill>
+                  <a:schemeClr val="bg1">
+                    <a:lumMod val="65000"/>
+                  </a:schemeClr>
+                </a:solidFill>
+              </a:rPr>
+              <a:t>Brief (non-exhaustive) Review of Impact-Ejecta Scaling Models</a:t>
+            </a:r>
+          </a:p>
+          <a:p>
+            <a:pPr lvl="1"/>
+            <a:r>
+              <a:rPr lang="en-US" i="0" dirty="0">
+                <a:solidFill>
+                  <a:schemeClr val="bg1">
+                    <a:lumMod val="65000"/>
+                  </a:schemeClr>
+                </a:solidFill>
+              </a:rPr>
+              <a:t>Zook 1967</a:t>
+            </a:r>
+          </a:p>
+          <a:p>
+            <a:pPr lvl="1"/>
+            <a:r>
+              <a:rPr lang="en-US" i="0" dirty="0" err="1">
+                <a:solidFill>
+                  <a:schemeClr val="bg1">
+                    <a:lumMod val="65000"/>
+                  </a:schemeClr>
+                </a:solidFill>
+              </a:rPr>
+              <a:t>Krivov</a:t>
+            </a:r>
+            <a:r>
+              <a:rPr lang="en-US" i="0" dirty="0">
+                <a:solidFill>
+                  <a:schemeClr val="bg1">
+                    <a:lumMod val="65000"/>
+                  </a:schemeClr>
+                </a:solidFill>
+              </a:rPr>
+              <a:t> et al. 2003</a:t>
+            </a:r>
+          </a:p>
+          <a:p>
+            <a:pPr lvl="1"/>
+            <a:r>
+              <a:rPr lang="en-US" i="0" dirty="0" err="1">
+                <a:solidFill>
+                  <a:schemeClr val="bg1">
+                    <a:lumMod val="65000"/>
+                  </a:schemeClr>
+                </a:solidFill>
+              </a:rPr>
+              <a:t>Housen</a:t>
+            </a:r>
+            <a:r>
+              <a:rPr lang="en-US" i="0" dirty="0">
+                <a:solidFill>
+                  <a:schemeClr val="bg1">
+                    <a:lumMod val="65000"/>
+                  </a:schemeClr>
+                </a:solidFill>
+              </a:rPr>
+              <a:t> &amp; </a:t>
+            </a:r>
+            <a:r>
+              <a:rPr lang="en-US" i="0" dirty="0" err="1">
+                <a:solidFill>
+                  <a:schemeClr val="bg1">
+                    <a:lumMod val="65000"/>
+                  </a:schemeClr>
+                </a:solidFill>
+              </a:rPr>
+              <a:t>Holsapple</a:t>
+            </a:r>
+            <a:r>
+              <a:rPr lang="en-US" i="0" dirty="0">
+                <a:solidFill>
+                  <a:schemeClr val="bg1">
+                    <a:lumMod val="65000"/>
+                  </a:schemeClr>
+                </a:solidFill>
+              </a:rPr>
+              <a:t> 2011</a:t>
+            </a:r>
+          </a:p>
+          <a:p>
+            <a:r>
+              <a:rPr lang="en-US" dirty="0"/>
+              <a:t>Proposed New DSNE Model -- Lunar Meteoroid Ejecta Model (</a:t>
+            </a:r>
+            <a:r>
+              <a:rPr lang="en-US" dirty="0" err="1"/>
+              <a:t>LuMEM</a:t>
+            </a:r>
+            <a:r>
+              <a:rPr lang="en-US" dirty="0"/>
+              <a:t>)</a:t>
+            </a:r>
+          </a:p>
+          <a:p>
+            <a:pPr lvl="1"/>
+            <a:r>
+              <a:rPr lang="en-US" i="0" dirty="0"/>
+              <a:t>Sporadic meteoroid flux (</a:t>
+            </a:r>
+            <a:r>
+              <a:rPr lang="en-US" i="0" dirty="0" err="1"/>
+              <a:t>Grun</a:t>
+            </a:r>
+            <a:r>
+              <a:rPr lang="en-US" i="0" dirty="0"/>
+              <a:t> et al 1985)</a:t>
+            </a:r>
+          </a:p>
+          <a:p>
+            <a:pPr lvl="1"/>
+            <a:r>
+              <a:rPr lang="en-US" i="0" dirty="0"/>
+              <a:t>Near Earth Object (NEO) flux (Brown et al 2002)</a:t>
+            </a:r>
+          </a:p>
+          <a:p>
+            <a:pPr lvl="1"/>
+            <a:r>
+              <a:rPr lang="en-US" i="0" dirty="0"/>
+              <a:t>Impact-ejecta scaling model (</a:t>
+            </a:r>
+            <a:r>
+              <a:rPr lang="en-US" i="0" dirty="0" err="1"/>
+              <a:t>Housen</a:t>
+            </a:r>
+            <a:r>
+              <a:rPr lang="en-US" i="0" dirty="0"/>
+              <a:t> &amp; </a:t>
+            </a:r>
+            <a:r>
+              <a:rPr lang="en-US" i="0" dirty="0" err="1"/>
+              <a:t>Holsapple</a:t>
+            </a:r>
+            <a:r>
+              <a:rPr lang="en-US" i="0" dirty="0"/>
+              <a:t> 2011)</a:t>
+            </a:r>
+          </a:p>
+          <a:p>
+            <a:pPr lvl="1"/>
+            <a:r>
+              <a:rPr lang="en-US" i="0" dirty="0"/>
+              <a:t>Ejecta particle size distribution (Carrier 2003)</a:t>
+            </a:r>
+          </a:p>
+          <a:p>
+            <a:pPr lvl="1"/>
+            <a:r>
+              <a:rPr lang="en-US" i="0" dirty="0"/>
+              <a:t>Ejecta zenith angle distribution (empirically from Gault &amp; </a:t>
+            </a:r>
+            <a:r>
+              <a:rPr lang="en-US" i="0" dirty="0" err="1"/>
+              <a:t>Wedekind</a:t>
+            </a:r>
+            <a:r>
+              <a:rPr lang="en-US" i="0" dirty="0"/>
+              <a:t> 1978)</a:t>
+            </a:r>
+          </a:p>
+          <a:p>
+            <a:pPr lvl="1"/>
+            <a:r>
+              <a:rPr lang="en-US" i="0" dirty="0"/>
+              <a:t>Ejecta azimuth angle distribution (modified from Rival &amp; Mandeville 1999)</a:t>
+            </a:r>
+          </a:p>
+          <a:p>
+            <a:r>
+              <a:rPr lang="en-US" dirty="0">
+                <a:solidFill>
+                  <a:schemeClr val="bg1">
+                    <a:lumMod val="65000"/>
+                  </a:schemeClr>
+                </a:solidFill>
+              </a:rPr>
+              <a:t>Analytic model of lunar ejecta</a:t>
+            </a:r>
+          </a:p>
+          <a:p>
+            <a:pPr lvl="1"/>
+            <a:r>
+              <a:rPr lang="en-US" i="0" dirty="0">
+                <a:solidFill>
+                  <a:schemeClr val="bg1">
+                    <a:lumMod val="65000"/>
+                  </a:schemeClr>
+                </a:solidFill>
+              </a:rPr>
+              <a:t>Speed distribution as a function of distance</a:t>
+            </a:r>
+          </a:p>
+          <a:p>
+            <a:pPr lvl="1"/>
+            <a:r>
+              <a:rPr lang="en-US" i="0" dirty="0">
+                <a:solidFill>
+                  <a:schemeClr val="bg1">
+                    <a:lumMod val="65000"/>
+                  </a:schemeClr>
+                </a:solidFill>
+              </a:rPr>
+              <a:t>Secondary flux as a function of distance</a:t>
+            </a:r>
+          </a:p>
+          <a:p>
+            <a:pPr lvl="1"/>
+            <a:r>
+              <a:rPr lang="en-US" i="0" dirty="0">
+                <a:solidFill>
+                  <a:schemeClr val="bg1">
+                    <a:lumMod val="65000"/>
+                  </a:schemeClr>
+                </a:solidFill>
+              </a:rPr>
+              <a:t>Secondary flux in terms of primary flux</a:t>
+            </a:r>
+          </a:p>
+          <a:p>
+            <a:r>
+              <a:rPr lang="en-US" dirty="0">
+                <a:solidFill>
+                  <a:schemeClr val="bg1">
+                    <a:lumMod val="65000"/>
+                  </a:schemeClr>
+                </a:solidFill>
+              </a:rPr>
+              <a:t>Results of </a:t>
+            </a:r>
+            <a:r>
+              <a:rPr lang="en-US" dirty="0" err="1">
+                <a:solidFill>
+                  <a:schemeClr val="bg1">
+                    <a:lumMod val="65000"/>
+                  </a:schemeClr>
+                </a:solidFill>
+              </a:rPr>
+              <a:t>LuMEM</a:t>
+            </a:r>
+            <a:endParaRPr lang="en-US" dirty="0">
+              <a:solidFill>
+                <a:schemeClr val="bg1">
+                  <a:lumMod val="65000"/>
+                </a:schemeClr>
+              </a:solidFill>
+            </a:endParaRPr>
+          </a:p>
+          <a:p>
+            <a:pPr lvl="1"/>
+            <a:r>
+              <a:rPr lang="en-US" i="0" dirty="0">
+                <a:solidFill>
+                  <a:schemeClr val="bg1">
+                    <a:lumMod val="65000"/>
+                  </a:schemeClr>
+                </a:solidFill>
+              </a:rPr>
+              <a:t>Igloo number flux distribution (based on MEM3, see Moorhead et al 2019)</a:t>
+            </a:r>
+          </a:p>
+          <a:p>
+            <a:pPr lvl="1"/>
+            <a:r>
+              <a:rPr lang="en-US" i="0" dirty="0">
+                <a:solidFill>
+                  <a:schemeClr val="bg1">
+                    <a:lumMod val="65000"/>
+                  </a:schemeClr>
+                </a:solidFill>
+              </a:rPr>
+              <a:t>Ejecta size scaling (derived from Carrier 2003)</a:t>
+            </a:r>
+          </a:p>
+          <a:p>
+            <a:pPr lvl="1"/>
+            <a:r>
+              <a:rPr lang="en-US" i="0" dirty="0">
+                <a:solidFill>
+                  <a:schemeClr val="bg1">
+                    <a:lumMod val="65000"/>
+                  </a:schemeClr>
+                </a:solidFill>
+              </a:rPr>
+              <a:t>Ejecta speed scaling (</a:t>
+            </a:r>
+            <a:r>
+              <a:rPr lang="en-US" i="0" dirty="0" err="1">
+                <a:solidFill>
+                  <a:schemeClr val="bg1">
+                    <a:lumMod val="65000"/>
+                  </a:schemeClr>
+                </a:solidFill>
+              </a:rPr>
+              <a:t>Housen</a:t>
+            </a:r>
+            <a:r>
+              <a:rPr lang="en-US" i="0" dirty="0">
+                <a:solidFill>
+                  <a:schemeClr val="bg1">
+                    <a:lumMod val="65000"/>
+                  </a:schemeClr>
+                </a:solidFill>
+              </a:rPr>
+              <a:t> &amp; </a:t>
+            </a:r>
+            <a:r>
+              <a:rPr lang="en-US" i="0" dirty="0" err="1">
+                <a:solidFill>
+                  <a:schemeClr val="bg1">
+                    <a:lumMod val="65000"/>
+                  </a:schemeClr>
+                </a:solidFill>
+              </a:rPr>
+              <a:t>Holsapple</a:t>
+            </a:r>
+            <a:r>
+              <a:rPr lang="en-US" i="0" dirty="0">
+                <a:solidFill>
+                  <a:schemeClr val="bg1">
+                    <a:lumMod val="65000"/>
+                  </a:schemeClr>
+                </a:solidFill>
+              </a:rPr>
+              <a:t> 2011)</a:t>
+            </a:r>
           </a:p>
         </p:txBody>
       </p:sp>
@@ -12662,7 +18424,7 @@
           <p:cNvPr id="4" name="Date Placeholder 3">
             <a:extLst>
               <a:ext uri="{FF2B5EF4-FFF2-40B4-BE49-F238E27FC236}">
-                <a16:creationId xmlns:a16="http://schemas.microsoft.com/office/drawing/2014/main" id="{2A1793A1-D918-4F60-B9CE-3C5096AE0632}"/>
+                <a16:creationId xmlns:a16="http://schemas.microsoft.com/office/drawing/2014/main" id="{02E04A3A-57D0-4485-AE57-B7CD694ECAB1}"/>
               </a:ext>
             </a:extLst>
           </p:cNvPr>
@@ -12678,9 +18440,9 @@
           <a:bodyPr/>
           <a:lstStyle/>
           <a:p>
-            <a:fld id="{2C03F969-3CA1-4329-80D4-97FA07558DE8}" type="datetime1">
+            <a:fld id="{B89D2A76-87D9-450F-B52E-05F4138BDCAE}" type="datetime1">
               <a:rPr lang="en-US" smtClean="0"/>
-              <a:t>10/20/2020</a:t>
+              <a:t>10/23/2020</a:t>
             </a:fld>
             <a:endParaRPr lang="en-US" dirty="0"/>
           </a:p>
@@ -12688,10 +18450,39 @@
       </p:sp>
       <p:sp>
         <p:nvSpPr>
-          <p:cNvPr id="5" name="Footer Placeholder 4">
+          <p:cNvPr id="5" name="Slide Number Placeholder 4">
             <a:extLst>
               <a:ext uri="{FF2B5EF4-FFF2-40B4-BE49-F238E27FC236}">
-                <a16:creationId xmlns:a16="http://schemas.microsoft.com/office/drawing/2014/main" id="{F97CD8D0-287A-4F96-8FF8-A32B0AA9B110}"/>
+                <a16:creationId xmlns:a16="http://schemas.microsoft.com/office/drawing/2014/main" id="{2EF95866-BD7A-4B57-BA57-4E8E3664A5B3}"/>
+              </a:ext>
+            </a:extLst>
+          </p:cNvPr>
+          <p:cNvSpPr>
+            <a:spLocks noGrp="1"/>
+          </p:cNvSpPr>
+          <p:nvPr>
+            <p:ph type="sldNum" sz="quarter" idx="12"/>
+          </p:nvPr>
+        </p:nvSpPr>
+        <p:spPr/>
+        <p:txBody>
+          <a:bodyPr/>
+          <a:lstStyle/>
+          <a:p>
+            <a:fld id="{69E57DC2-970A-4B3E-BB1C-7A09969E49DF}" type="slidenum">
+              <a:rPr lang="en-US" smtClean="0"/>
+              <a:t>9</a:t>
+            </a:fld>
+            <a:endParaRPr lang="en-US" dirty="0"/>
+          </a:p>
+        </p:txBody>
+      </p:sp>
+      <p:sp>
+        <p:nvSpPr>
+          <p:cNvPr id="6" name="Footer Placeholder 5">
+            <a:extLst>
+              <a:ext uri="{FF2B5EF4-FFF2-40B4-BE49-F238E27FC236}">
+                <a16:creationId xmlns:a16="http://schemas.microsoft.com/office/drawing/2014/main" id="{6A7349FC-9051-4374-A306-58FE52B21FD1}"/>
               </a:ext>
             </a:extLst>
           </p:cNvPr>
@@ -12715,39 +18506,10 @@
           </a:p>
         </p:txBody>
       </p:sp>
-      <p:sp>
-        <p:nvSpPr>
-          <p:cNvPr id="6" name="Slide Number Placeholder 5">
-            <a:extLst>
-              <a:ext uri="{FF2B5EF4-FFF2-40B4-BE49-F238E27FC236}">
-                <a16:creationId xmlns:a16="http://schemas.microsoft.com/office/drawing/2014/main" id="{7D77CD28-FD8D-4684-B1BA-0F0CB2AA6EE6}"/>
-              </a:ext>
-            </a:extLst>
-          </p:cNvPr>
-          <p:cNvSpPr>
-            <a:spLocks noGrp="1"/>
-          </p:cNvSpPr>
-          <p:nvPr>
-            <p:ph type="sldNum" sz="quarter" idx="12"/>
-          </p:nvPr>
-        </p:nvSpPr>
-        <p:spPr/>
-        <p:txBody>
-          <a:bodyPr/>
-          <a:lstStyle/>
-          <a:p>
-            <a:fld id="{69E57DC2-970A-4B3E-BB1C-7A09969E49DF}" type="slidenum">
-              <a:rPr lang="en-US" smtClean="0"/>
-              <a:t>9</a:t>
-            </a:fld>
-            <a:endParaRPr lang="en-US" dirty="0"/>
-          </a:p>
-        </p:txBody>
-      </p:sp>
     </p:spTree>
     <p:extLst>
       <p:ext uri="{BB962C8B-B14F-4D97-AF65-F5344CB8AC3E}">
-        <p14:creationId xmlns:p14="http://schemas.microsoft.com/office/powerpoint/2010/main" val="3248683964"/>
+        <p14:creationId xmlns:p14="http://schemas.microsoft.com/office/powerpoint/2010/main" val="3587355568"/>
       </p:ext>
     </p:extLst>
   </p:cSld>

--- a/Presentation/Lunar_Secondary_Ejecta_Model.pptx
+++ b/Presentation/Lunar_Secondary_Ejecta_Model.pptx
@@ -5,7 +5,7 @@
     <p:sldMasterId id="2147483648" r:id="rId1"/>
   </p:sldMasterIdLst>
   <p:notesMasterIdLst>
-    <p:notesMasterId r:id="rId25"/>
+    <p:notesMasterId r:id="rId27"/>
   </p:notesMasterIdLst>
   <p:sldIdLst>
     <p:sldId id="256" r:id="rId2"/>
@@ -29,8 +29,10 @@
     <p:sldId id="277" r:id="rId20"/>
     <p:sldId id="263" r:id="rId21"/>
     <p:sldId id="278" r:id="rId22"/>
-    <p:sldId id="279" r:id="rId23"/>
-    <p:sldId id="264" r:id="rId24"/>
+    <p:sldId id="280" r:id="rId23"/>
+    <p:sldId id="279" r:id="rId24"/>
+    <p:sldId id="281" r:id="rId25"/>
+    <p:sldId id="264" r:id="rId26"/>
   </p:sldIdLst>
   <p:sldSz cx="12192000" cy="6858000"/>
   <p:notesSz cx="6858000" cy="9144000"/>
@@ -219,7 +221,7 @@
           <a:p>
             <a:fld id="{D66CE0FA-CF16-48E5-A3CD-CEE8A404D375}" type="datetimeFigureOut">
               <a:rPr lang="en-US" smtClean="0"/>
-              <a:t>10/23/2020</a:t>
+              <a:t>10/26/2020</a:t>
             </a:fld>
             <a:endParaRPr lang="en-US"/>
           </a:p>
@@ -655,7 +657,7 @@
           <a:p>
             <a:fld id="{D64564BF-43B0-4E03-AB56-1E6EEBBB0E66}" type="datetime1">
               <a:rPr lang="en-US" smtClean="0"/>
-              <a:t>10/23/2020</a:t>
+              <a:t>10/26/2020</a:t>
             </a:fld>
             <a:endParaRPr lang="en-US" dirty="0"/>
           </a:p>
@@ -985,7 +987,7 @@
           <a:p>
             <a:fld id="{20ED8515-596C-4429-A5E3-60C19FEE9349}" type="datetime1">
               <a:rPr lang="en-US" smtClean="0"/>
-              <a:t>10/23/2020</a:t>
+              <a:t>10/26/2020</a:t>
             </a:fld>
             <a:endParaRPr lang="en-US" dirty="0"/>
           </a:p>
@@ -1164,7 +1166,7 @@
           <a:p>
             <a:fld id="{96ECA619-1251-4FE5-A008-8D6867A4E27F}" type="datetime1">
               <a:rPr lang="en-US" smtClean="0"/>
-              <a:t>10/23/2020</a:t>
+              <a:t>10/26/2020</a:t>
             </a:fld>
             <a:endParaRPr lang="en-US" dirty="0"/>
           </a:p>
@@ -1333,7 +1335,7 @@
           <a:p>
             <a:fld id="{2C03F969-3CA1-4329-80D4-97FA07558DE8}" type="datetime1">
               <a:rPr lang="en-US" smtClean="0"/>
-              <a:t>10/23/2020</a:t>
+              <a:t>10/26/2020</a:t>
             </a:fld>
             <a:endParaRPr lang="en-US" dirty="0"/>
           </a:p>
@@ -1609,7 +1611,7 @@
           <a:p>
             <a:fld id="{A472D5E3-86C3-4840-AEED-CEA38199AB51}" type="datetime1">
               <a:rPr lang="en-US" smtClean="0"/>
-              <a:t>10/23/2020</a:t>
+              <a:t>10/26/2020</a:t>
             </a:fld>
             <a:endParaRPr lang="en-US" dirty="0"/>
           </a:p>
@@ -2003,7 +2005,7 @@
           <a:p>
             <a:fld id="{39C7A0C8-05A4-4A3F-93B6-191D315A29CF}" type="datetime1">
               <a:rPr lang="en-US" smtClean="0"/>
-              <a:t>10/23/2020</a:t>
+              <a:t>10/26/2020</a:t>
             </a:fld>
             <a:endParaRPr lang="en-US" dirty="0"/>
           </a:p>
@@ -2479,7 +2481,7 @@
           <a:p>
             <a:fld id="{62B385BD-5A39-4BA1-BEFD-27F2E78E317D}" type="datetime1">
               <a:rPr lang="en-US" smtClean="0"/>
-              <a:t>10/23/2020</a:t>
+              <a:t>10/26/2020</a:t>
             </a:fld>
             <a:endParaRPr lang="en-US" dirty="0"/>
           </a:p>
@@ -2596,7 +2598,7 @@
           <a:p>
             <a:fld id="{6BB82FE9-0D29-4DFB-BC55-0FDD897EF4F1}" type="datetime1">
               <a:rPr lang="en-US" smtClean="0"/>
-              <a:t>10/23/2020</a:t>
+              <a:t>10/26/2020</a:t>
             </a:fld>
             <a:endParaRPr lang="en-US" dirty="0"/>
           </a:p>
@@ -2690,7 +2692,7 @@
           <a:p>
             <a:fld id="{679DFD58-5AB4-47EF-AC44-AAF5927F92AE}" type="datetime1">
               <a:rPr lang="en-US" smtClean="0"/>
-              <a:t>10/23/2020</a:t>
+              <a:t>10/26/2020</a:t>
             </a:fld>
             <a:endParaRPr lang="en-US" dirty="0"/>
           </a:p>
@@ -3035,7 +3037,7 @@
           <a:p>
             <a:fld id="{7BA31D8D-74D3-4DCD-ACC1-7C89FC10331C}" type="datetime1">
               <a:rPr lang="en-US" smtClean="0"/>
-              <a:t>10/23/2020</a:t>
+              <a:t>10/26/2020</a:t>
             </a:fld>
             <a:endParaRPr lang="en-US" dirty="0"/>
           </a:p>
@@ -3423,7 +3425,7 @@
           <a:p>
             <a:fld id="{7CE62E6B-D0F8-4013-9E1C-FD398708E4B5}" type="datetime1">
               <a:rPr lang="en-US" smtClean="0"/>
-              <a:t>10/23/2020</a:t>
+              <a:t>10/26/2020</a:t>
             </a:fld>
             <a:endParaRPr lang="en-US" dirty="0"/>
           </a:p>
@@ -3701,7 +3703,7 @@
           <a:p>
             <a:fld id="{31E3BC98-00F5-4D3F-8412-54ED942AE7BA}" type="datetime1">
               <a:rPr lang="en-US" smtClean="0"/>
-              <a:t>10/23/2020</a:t>
+              <a:t>10/26/2020</a:t>
             </a:fld>
             <a:endParaRPr lang="en-US" dirty="0"/>
           </a:p>
@@ -4317,7 +4319,7 @@
           <a:p>
             <a:fld id="{2D0411A3-5602-45C2-B4C5-DE9BA003B67D}" type="datetime1">
               <a:rPr lang="en-US" smtClean="0"/>
-              <a:t>10/23/2020</a:t>
+              <a:t>10/26/2020</a:t>
             </a:fld>
             <a:endParaRPr lang="en-US" dirty="0"/>
           </a:p>
@@ -4462,8 +4464,8 @@
           </a:p>
         </p:txBody>
       </p:sp>
-      <mc:AlternateContent xmlns:mc="http://schemas.openxmlformats.org/markup-compatibility/2006">
-        <mc:Choice xmlns:a14="http://schemas.microsoft.com/office/drawing/2010/main" Requires="a14">
+      <mc:AlternateContent xmlns:mc="http://schemas.openxmlformats.org/markup-compatibility/2006" xmlns:a14="http://schemas.microsoft.com/office/drawing/2010/main">
+        <mc:Choice Requires="a14">
           <p:sp>
             <p:nvSpPr>
               <p:cNvPr id="3" name="Content Placeholder 2">
@@ -4580,13 +4582,7 @@
                           <a:rPr lang="en-US" b="0" i="1" smtClean="0">
                             <a:latin typeface="Cambria Math" panose="02040503050406030204" pitchFamily="18" charset="0"/>
                           </a:rPr>
-                          <m:t>2.264</m:t>
-                        </m:r>
-                        <m:r>
-                          <a:rPr lang="en-US" b="0" i="1" smtClean="0">
-                            <a:latin typeface="Cambria Math" panose="02040503050406030204" pitchFamily="18" charset="0"/>
-                          </a:rPr>
-                          <m:t>×</m:t>
+                          <m:t>2.264×</m:t>
                         </m:r>
                         <m:sSup>
                           <m:sSupPr>
@@ -4757,7 +4753,7 @@
                         <m:d>
                           <m:dPr>
                             <m:ctrlPr>
-                              <a:rPr lang="en-US">
+                              <a:rPr lang="en-US" i="1">
                                 <a:latin typeface="Cambria Math" panose="02040503050406030204" pitchFamily="18" charset="0"/>
                               </a:rPr>
                             </m:ctrlPr>
@@ -4790,7 +4786,7 @@
                     <m:f>
                       <m:fPr>
                         <m:ctrlPr>
-                          <a:rPr lang="en-US">
+                          <a:rPr lang="en-US" i="1">
                             <a:latin typeface="Cambria Math" panose="02040503050406030204" pitchFamily="18" charset="0"/>
                           </a:rPr>
                         </m:ctrlPr>
@@ -4800,13 +4796,7 @@
                           <a:rPr lang="en-US" b="0" i="1" smtClean="0">
                             <a:latin typeface="Cambria Math" panose="02040503050406030204" pitchFamily="18" charset="0"/>
                           </a:rPr>
-                          <m:t>−</m:t>
-                        </m:r>
-                        <m:r>
-                          <a:rPr lang="en-US" b="0" i="1" smtClean="0">
-                            <a:latin typeface="Cambria Math" panose="02040503050406030204" pitchFamily="18" charset="0"/>
-                          </a:rPr>
-                          <m:t>3.0309</m:t>
+                          <m:t>−3.0309</m:t>
                         </m:r>
                         <m:r>
                           <a:rPr lang="en-US">
@@ -4817,7 +4807,7 @@
                         <m:sSup>
                           <m:sSupPr>
                             <m:ctrlPr>
-                              <a:rPr lang="en-US">
+                              <a:rPr lang="en-US" i="1">
                                 <a:latin typeface="Cambria Math" panose="02040503050406030204" pitchFamily="18" charset="0"/>
                               </a:rPr>
                             </m:ctrlPr>
@@ -4844,7 +4834,7 @@
                         <m:sSup>
                           <m:sSupPr>
                             <m:ctrlPr>
-                              <a:rPr lang="en-US">
+                              <a:rPr lang="en-US" i="1">
                                 <a:latin typeface="Cambria Math" panose="02040503050406030204" pitchFamily="18" charset="0"/>
                               </a:rPr>
                             </m:ctrlPr>
@@ -4853,7 +4843,7 @@
                             <m:d>
                               <m:dPr>
                                 <m:ctrlPr>
-                                  <a:rPr lang="en-US">
+                                  <a:rPr lang="en-US" i="1">
                                     <a:latin typeface="Cambria Math" panose="02040503050406030204" pitchFamily="18" charset="0"/>
                                   </a:rPr>
                                 </m:ctrlPr>
@@ -4862,7 +4852,7 @@
                                 <m:f>
                                   <m:fPr>
                                     <m:ctrlPr>
-                                      <a:rPr lang="en-US">
+                                      <a:rPr lang="en-US" i="1">
                                         <a:latin typeface="Cambria Math" panose="02040503050406030204" pitchFamily="18" charset="0"/>
                                       </a:rPr>
                                     </m:ctrlPr>
@@ -4905,7 +4895,7 @@
                         <m:sSup>
                           <m:sSupPr>
                             <m:ctrlPr>
-                              <a:rPr lang="en-US">
+                              <a:rPr lang="en-US" i="1">
                                 <a:latin typeface="Cambria Math" panose="02040503050406030204" pitchFamily="18" charset="0"/>
                               </a:rPr>
                             </m:ctrlPr>
@@ -4946,7 +4936,7 @@
             </p:txBody>
           </p:sp>
         </mc:Choice>
-        <mc:Fallback>
+        <mc:Fallback xmlns="">
           <p:sp>
             <p:nvSpPr>
               <p:cNvPr id="3" name="Content Placeholder 2">
@@ -5013,7 +5003,7 @@
           <a:p>
             <a:fld id="{2C03F969-3CA1-4329-80D4-97FA07558DE8}" type="datetime1">
               <a:rPr lang="en-US" smtClean="0"/>
-              <a:t>10/23/2020</a:t>
+              <a:t>10/26/2020</a:t>
             </a:fld>
             <a:endParaRPr lang="en-US" dirty="0"/>
           </a:p>
@@ -5193,7 +5183,7 @@
           <a:p>
             <a:fld id="{2C03F969-3CA1-4329-80D4-97FA07558DE8}" type="datetime1">
               <a:rPr lang="en-US" smtClean="0"/>
-              <a:t>10/23/2020</a:t>
+              <a:t>10/26/2020</a:t>
             </a:fld>
             <a:endParaRPr lang="en-US" dirty="0"/>
           </a:p>
@@ -5665,7 +5655,7 @@
           <a:p>
             <a:fld id="{2C03F969-3CA1-4329-80D4-97FA07558DE8}" type="datetime1">
               <a:rPr lang="en-US" smtClean="0"/>
-              <a:t>10/23/2020</a:t>
+              <a:t>10/26/2020</a:t>
             </a:fld>
             <a:endParaRPr lang="en-US" dirty="0"/>
           </a:p>
@@ -6176,7 +6166,7 @@
           <a:p>
             <a:fld id="{2C03F969-3CA1-4329-80D4-97FA07558DE8}" type="datetime1">
               <a:rPr lang="en-US" smtClean="0"/>
-              <a:t>10/23/2020</a:t>
+              <a:t>10/26/2020</a:t>
             </a:fld>
             <a:endParaRPr lang="en-US" dirty="0"/>
           </a:p>
@@ -6574,7 +6564,7 @@
           <a:p>
             <a:fld id="{2C03F969-3CA1-4329-80D4-97FA07558DE8}" type="datetime1">
               <a:rPr lang="en-US" smtClean="0"/>
-              <a:t>10/23/2020</a:t>
+              <a:t>10/26/2020</a:t>
             </a:fld>
             <a:endParaRPr lang="en-US" dirty="0"/>
           </a:p>
@@ -6865,8 +6855,8 @@
           </a:p>
         </p:txBody>
       </p:sp>
-      <mc:AlternateContent xmlns:mc="http://schemas.openxmlformats.org/markup-compatibility/2006">
-        <mc:Choice xmlns:a14="http://schemas.microsoft.com/office/drawing/2010/main" Requires="a14">
+      <mc:AlternateContent xmlns:mc="http://schemas.openxmlformats.org/markup-compatibility/2006" xmlns:a14="http://schemas.microsoft.com/office/drawing/2010/main">
+        <mc:Choice Requires="a14">
           <p:sp>
             <p:nvSpPr>
               <p:cNvPr id="3" name="Content Placeholder 2">
@@ -7467,7 +7457,7 @@
             </p:txBody>
           </p:sp>
         </mc:Choice>
-        <mc:Fallback>
+        <mc:Fallback xmlns="">
           <p:sp>
             <p:nvSpPr>
               <p:cNvPr id="3" name="Content Placeholder 2">
@@ -7530,7 +7520,7 @@
           <a:p>
             <a:fld id="{2C03F969-3CA1-4329-80D4-97FA07558DE8}" type="datetime1">
               <a:rPr lang="en-US" smtClean="0"/>
-              <a:t>10/23/2020</a:t>
+              <a:t>10/26/2020</a:t>
             </a:fld>
             <a:endParaRPr lang="en-US" dirty="0"/>
           </a:p>
@@ -7675,7 +7665,7 @@
           <a:p>
             <a:fld id="{2C03F969-3CA1-4329-80D4-97FA07558DE8}" type="datetime1">
               <a:rPr lang="en-US" smtClean="0"/>
-              <a:t>10/23/2020</a:t>
+              <a:t>10/26/2020</a:t>
             </a:fld>
             <a:endParaRPr lang="en-US" dirty="0"/>
           </a:p>
@@ -7991,8 +7981,8 @@
           </a:p>
         </p:txBody>
       </p:sp>
-      <mc:AlternateContent xmlns:mc="http://schemas.openxmlformats.org/markup-compatibility/2006">
-        <mc:Choice xmlns:a14="http://schemas.microsoft.com/office/drawing/2010/main" Requires="a14">
+      <mc:AlternateContent xmlns:mc="http://schemas.openxmlformats.org/markup-compatibility/2006" xmlns:a14="http://schemas.microsoft.com/office/drawing/2010/main">
+        <mc:Choice Requires="a14">
           <p:sp>
             <p:nvSpPr>
               <p:cNvPr id="3" name="Content Placeholder 2">
@@ -8055,7 +8045,7 @@
                     <m:sSub>
                       <m:sSubPr>
                         <m:ctrlPr>
-                          <a:rPr lang="en-US" b="0" i="0" smtClean="0">
+                          <a:rPr lang="en-US" b="0" i="1" smtClean="0">
                             <a:latin typeface="Cambria Math" panose="02040503050406030204" pitchFamily="18" charset="0"/>
                           </a:rPr>
                         </m:ctrlPr>
@@ -8086,7 +8076,7 @@
                     <m:d>
                       <m:dPr>
                         <m:ctrlPr>
-                          <a:rPr lang="en-US" b="0" i="0" smtClean="0">
+                          <a:rPr lang="en-US" b="0" i="1" smtClean="0">
                             <a:latin typeface="Cambria Math" panose="02040503050406030204" pitchFamily="18" charset="0"/>
                           </a:rPr>
                         </m:ctrlPr>
@@ -8112,7 +8102,7 @@
                     <m:f>
                       <m:fPr>
                         <m:ctrlPr>
-                          <a:rPr lang="en-US" b="0" i="0" smtClean="0">
+                          <a:rPr lang="en-US" b="0" i="1" smtClean="0">
                             <a:latin typeface="Cambria Math" panose="02040503050406030204" pitchFamily="18" charset="0"/>
                           </a:rPr>
                         </m:ctrlPr>
@@ -8122,18 +8112,12 @@
                           <a:rPr lang="en-US" b="0" i="0" smtClean="0">
                             <a:latin typeface="Cambria Math" panose="02040503050406030204" pitchFamily="18" charset="0"/>
                           </a:rPr>
-                          <m:t>9.216</m:t>
-                        </m:r>
-                        <m:r>
-                          <a:rPr lang="en-US" b="0" i="0" smtClean="0">
-                            <a:latin typeface="Cambria Math" panose="02040503050406030204" pitchFamily="18" charset="0"/>
-                          </a:rPr>
-                          <m:t>×</m:t>
+                          <m:t>9.216×</m:t>
                         </m:r>
                         <m:sSup>
                           <m:sSupPr>
                             <m:ctrlPr>
-                              <a:rPr lang="en-US" b="0" i="0" smtClean="0">
+                              <a:rPr lang="en-US" b="0" i="1" smtClean="0">
                                 <a:latin typeface="Cambria Math" panose="02040503050406030204" pitchFamily="18" charset="0"/>
                               </a:rPr>
                             </m:ctrlPr>
@@ -8160,7 +8144,7 @@
                         <m:sSup>
                           <m:sSupPr>
                             <m:ctrlPr>
-                              <a:rPr lang="en-US" b="0" i="0" smtClean="0">
+                              <a:rPr lang="en-US" b="0" i="1" smtClean="0">
                                 <a:latin typeface="Cambria Math" panose="02040503050406030204" pitchFamily="18" charset="0"/>
                               </a:rPr>
                             </m:ctrlPr>
@@ -8169,7 +8153,7 @@
                             <m:d>
                               <m:dPr>
                                 <m:ctrlPr>
-                                  <a:rPr lang="en-US" b="0" i="0" smtClean="0">
+                                  <a:rPr lang="en-US" b="0" i="1" smtClean="0">
                                     <a:latin typeface="Cambria Math" panose="02040503050406030204" pitchFamily="18" charset="0"/>
                                   </a:rPr>
                                 </m:ctrlPr>
@@ -8178,7 +8162,7 @@
                                 <m:f>
                                   <m:fPr>
                                     <m:ctrlPr>
-                                      <a:rPr lang="en-US" b="0" i="0" smtClean="0">
+                                      <a:rPr lang="en-US" b="0" i="1" smtClean="0">
                                         <a:latin typeface="Cambria Math" panose="02040503050406030204" pitchFamily="18" charset="0"/>
                                       </a:rPr>
                                     </m:ctrlPr>
@@ -8224,7 +8208,7 @@
                         <m:sSup>
                           <m:sSupPr>
                             <m:ctrlPr>
-                              <a:rPr lang="en-US" b="0" i="0" smtClean="0">
+                              <a:rPr lang="en-US" b="0" i="1" smtClean="0">
                                 <a:latin typeface="Cambria Math" panose="02040503050406030204" pitchFamily="18" charset="0"/>
                               </a:rPr>
                             </m:ctrlPr>
@@ -8266,7 +8250,7 @@
                     <m:sSub>
                       <m:sSubPr>
                         <m:ctrlPr>
-                          <a:rPr lang="en-US">
+                          <a:rPr lang="en-US" i="1">
                             <a:latin typeface="Cambria Math" panose="02040503050406030204" pitchFamily="18" charset="0"/>
                           </a:rPr>
                         </m:ctrlPr>
@@ -8297,7 +8281,7 @@
                     <m:d>
                       <m:dPr>
                         <m:ctrlPr>
-                          <a:rPr lang="en-US">
+                          <a:rPr lang="en-US" i="1">
                             <a:latin typeface="Cambria Math" panose="02040503050406030204" pitchFamily="18" charset="0"/>
                           </a:rPr>
                         </m:ctrlPr>
@@ -8323,7 +8307,7 @@
                     <m:sSup>
                       <m:sSupPr>
                         <m:ctrlPr>
-                          <a:rPr lang="en-US" b="0" i="0" smtClean="0">
+                          <a:rPr lang="en-US" b="0" i="1" smtClean="0">
                             <a:latin typeface="Cambria Math" panose="02040503050406030204" pitchFamily="18" charset="0"/>
                           </a:rPr>
                         </m:ctrlPr>
@@ -8359,7 +8343,7 @@
             </p:txBody>
           </p:sp>
         </mc:Choice>
-        <mc:Fallback>
+        <mc:Fallback xmlns="">
           <p:sp>
             <p:nvSpPr>
               <p:cNvPr id="3" name="Content Placeholder 2">
@@ -8426,7 +8410,7 @@
           <a:p>
             <a:fld id="{2C03F969-3CA1-4329-80D4-97FA07558DE8}" type="datetime1">
               <a:rPr lang="en-US" smtClean="0"/>
-              <a:t>10/23/2020</a:t>
+              <a:t>10/26/2020</a:t>
             </a:fld>
             <a:endParaRPr lang="en-US" dirty="0"/>
           </a:p>
@@ -8683,7 +8667,7 @@
           <a:p>
             <a:fld id="{2C03F969-3CA1-4329-80D4-97FA07558DE8}" type="datetime1">
               <a:rPr lang="en-US" smtClean="0"/>
-              <a:t>10/23/2020</a:t>
+              <a:t>10/26/2020</a:t>
             </a:fld>
             <a:endParaRPr lang="en-US" dirty="0"/>
           </a:p>
@@ -9259,7 +9243,7 @@
           <a:p>
             <a:fld id="{2C03F969-3CA1-4329-80D4-97FA07558DE8}" type="datetime1">
               <a:rPr lang="en-US" smtClean="0"/>
-              <a:t>10/23/2020</a:t>
+              <a:t>10/26/2020</a:t>
             </a:fld>
             <a:endParaRPr lang="en-US" dirty="0"/>
           </a:p>
@@ -9413,8 +9397,8 @@
           </a:prstGeom>
         </p:spPr>
       </p:pic>
-      <mc:AlternateContent xmlns:mc="http://schemas.openxmlformats.org/markup-compatibility/2006">
-        <mc:Choice xmlns:a14="http://schemas.microsoft.com/office/drawing/2010/main" Requires="a14">
+      <mc:AlternateContent xmlns:mc="http://schemas.openxmlformats.org/markup-compatibility/2006" xmlns:a14="http://schemas.microsoft.com/office/drawing/2010/main">
+        <mc:Choice Requires="a14">
           <p:sp>
             <p:nvSpPr>
               <p:cNvPr id="11" name="Content Placeholder 2">
@@ -9705,7 +9689,7 @@
             </p:txBody>
           </p:sp>
         </mc:Choice>
-        <mc:Fallback>
+        <mc:Fallback xmlns="">
           <p:sp>
             <p:nvSpPr>
               <p:cNvPr id="11" name="Content Placeholder 2">
@@ -10084,7 +10068,7 @@
           <a:p>
             <a:fld id="{A952CE28-3BBD-4E63-98C1-32CE6D05C1AF}" type="datetime1">
               <a:rPr lang="en-US" smtClean="0"/>
-              <a:t>10/23/2020</a:t>
+              <a:t>10/26/2020</a:t>
             </a:fld>
             <a:endParaRPr lang="en-US" dirty="0"/>
           </a:p>
@@ -10704,7 +10688,7 @@
           <a:p>
             <a:fld id="{D5B96D59-8BD3-47D1-A6B5-FA48D0A60242}" type="datetime1">
               <a:rPr lang="en-US" smtClean="0"/>
-              <a:t>10/23/2020</a:t>
+              <a:t>10/26/2020</a:t>
             </a:fld>
             <a:endParaRPr lang="en-US" dirty="0"/>
           </a:p>
@@ -10913,7 +10897,7 @@
           <a:p>
             <a:fld id="{2C03F969-3CA1-4329-80D4-97FA07558DE8}" type="datetime1">
               <a:rPr lang="en-US" smtClean="0"/>
-              <a:t>10/23/2020</a:t>
+              <a:t>10/26/2020</a:t>
             </a:fld>
             <a:endParaRPr lang="en-US" dirty="0"/>
           </a:p>
@@ -11312,6 +11296,361 @@
           <p:cNvPr id="2" name="Title 1">
             <a:extLst>
               <a:ext uri="{FF2B5EF4-FFF2-40B4-BE49-F238E27FC236}">
+                <a16:creationId xmlns:a16="http://schemas.microsoft.com/office/drawing/2014/main" id="{92342EFB-9F6D-42D4-B621-2F9CD59BAC56}"/>
+              </a:ext>
+            </a:extLst>
+          </p:cNvPr>
+          <p:cNvSpPr>
+            <a:spLocks noGrp="1"/>
+          </p:cNvSpPr>
+          <p:nvPr>
+            <p:ph type="title"/>
+          </p:nvPr>
+        </p:nvSpPr>
+        <p:spPr>
+          <a:xfrm>
+            <a:off x="1295400" y="145157"/>
+            <a:ext cx="9601200" cy="1440557"/>
+          </a:xfrm>
+        </p:spPr>
+        <p:txBody>
+          <a:bodyPr/>
+          <a:lstStyle/>
+          <a:p>
+            <a:r>
+              <a:rPr lang="en-US" dirty="0"/>
+              <a:t>Distance distribution as a function of speed</a:t>
+            </a:r>
+          </a:p>
+        </p:txBody>
+      </p:sp>
+      <p:sp>
+        <p:nvSpPr>
+          <p:cNvPr id="3" name="Content Placeholder 2">
+            <a:extLst>
+              <a:ext uri="{FF2B5EF4-FFF2-40B4-BE49-F238E27FC236}">
+                <a16:creationId xmlns:a16="http://schemas.microsoft.com/office/drawing/2014/main" id="{E70BEE9E-EC3C-4CBA-8BB9-0FD075605211}"/>
+              </a:ext>
+            </a:extLst>
+          </p:cNvPr>
+          <p:cNvSpPr>
+            <a:spLocks noGrp="1"/>
+          </p:cNvSpPr>
+          <p:nvPr>
+            <p:ph idx="1"/>
+          </p:nvPr>
+        </p:nvSpPr>
+        <p:spPr>
+          <a:xfrm>
+            <a:off x="1371600" y="3689727"/>
+            <a:ext cx="9601200" cy="2609473"/>
+          </a:xfrm>
+        </p:spPr>
+        <p:txBody>
+          <a:bodyPr>
+            <a:normAutofit fontScale="92500" lnSpcReduction="20000"/>
+          </a:bodyPr>
+          <a:lstStyle/>
+          <a:p>
+            <a:r>
+              <a:rPr lang="en-US" dirty="0"/>
+              <a:t>For speeds less than sqrt(2)/2 (or &lt; 0.7071 * </a:t>
+            </a:r>
+            <a:r>
+              <a:rPr lang="en-US" dirty="0" err="1"/>
+              <a:t>v_esc</a:t>
+            </a:r>
+            <a:r>
+              <a:rPr lang="en-US" dirty="0"/>
+              <a:t>)</a:t>
+            </a:r>
+          </a:p>
+          <a:p>
+            <a:pPr lvl="1"/>
+            <a:r>
+              <a:rPr lang="en-US" i="0" dirty="0"/>
+              <a:t>A very specific distance (a ring around the ROI) contributes to a given ejecta speed</a:t>
+            </a:r>
+          </a:p>
+          <a:p>
+            <a:r>
+              <a:rPr lang="en-US" dirty="0"/>
+              <a:t>For speeds greater than 0.7071 * </a:t>
+            </a:r>
+            <a:r>
+              <a:rPr lang="en-US" dirty="0" err="1"/>
+              <a:t>v_esc</a:t>
+            </a:r>
+            <a:r>
+              <a:rPr lang="en-US" dirty="0"/>
+              <a:t> and less than ~0.9 * </a:t>
+            </a:r>
+            <a:r>
+              <a:rPr lang="en-US" dirty="0" err="1"/>
+              <a:t>v_esc</a:t>
+            </a:r>
+            <a:endParaRPr lang="en-US" dirty="0"/>
+          </a:p>
+          <a:p>
+            <a:pPr lvl="1"/>
+            <a:r>
+              <a:rPr lang="en-US" i="0" dirty="0"/>
+              <a:t>A range of distances from ~0.35 to 0.6 * circumference of Moon (like a hemispherical cap centered at the antipode) contribute to a given ejecta speed</a:t>
+            </a:r>
+          </a:p>
+          <a:p>
+            <a:r>
+              <a:rPr lang="en-US" dirty="0"/>
+              <a:t>For speeds greater than ~0.9 * </a:t>
+            </a:r>
+            <a:r>
+              <a:rPr lang="en-US" dirty="0" err="1"/>
+              <a:t>v_esc</a:t>
+            </a:r>
+            <a:endParaRPr lang="en-US" dirty="0"/>
+          </a:p>
+          <a:p>
+            <a:pPr lvl="1"/>
+            <a:r>
+              <a:rPr lang="en-US" i="0" dirty="0"/>
+              <a:t>Distances greater than ~0.4 * circumference of Moon, which is the entire Moon contributes to a given speed</a:t>
+            </a:r>
+          </a:p>
+          <a:p>
+            <a:pPr lvl="1"/>
+            <a:endParaRPr lang="en-US" i="0" dirty="0"/>
+          </a:p>
+        </p:txBody>
+      </p:sp>
+      <p:sp>
+        <p:nvSpPr>
+          <p:cNvPr id="4" name="Date Placeholder 3">
+            <a:extLst>
+              <a:ext uri="{FF2B5EF4-FFF2-40B4-BE49-F238E27FC236}">
+                <a16:creationId xmlns:a16="http://schemas.microsoft.com/office/drawing/2014/main" id="{84DFA701-68C8-4954-A96D-4F2B3C41A37F}"/>
+              </a:ext>
+            </a:extLst>
+          </p:cNvPr>
+          <p:cNvSpPr>
+            <a:spLocks noGrp="1"/>
+          </p:cNvSpPr>
+          <p:nvPr>
+            <p:ph type="dt" sz="half" idx="10"/>
+          </p:nvPr>
+        </p:nvSpPr>
+        <p:spPr/>
+        <p:txBody>
+          <a:bodyPr/>
+          <a:lstStyle/>
+          <a:p>
+            <a:fld id="{2C03F969-3CA1-4329-80D4-97FA07558DE8}" type="datetime1">
+              <a:rPr lang="en-US" smtClean="0"/>
+              <a:t>10/26/2020</a:t>
+            </a:fld>
+            <a:endParaRPr lang="en-US" dirty="0"/>
+          </a:p>
+        </p:txBody>
+      </p:sp>
+      <p:sp>
+        <p:nvSpPr>
+          <p:cNvPr id="5" name="Footer Placeholder 4">
+            <a:extLst>
+              <a:ext uri="{FF2B5EF4-FFF2-40B4-BE49-F238E27FC236}">
+                <a16:creationId xmlns:a16="http://schemas.microsoft.com/office/drawing/2014/main" id="{23B1A807-731E-4ED6-AB83-AC12F9E862EC}"/>
+              </a:ext>
+            </a:extLst>
+          </p:cNvPr>
+          <p:cNvSpPr>
+            <a:spLocks noGrp="1"/>
+          </p:cNvSpPr>
+          <p:nvPr>
+            <p:ph type="ftr" sz="quarter" idx="11"/>
+          </p:nvPr>
+        </p:nvSpPr>
+        <p:spPr/>
+        <p:txBody>
+          <a:bodyPr/>
+          <a:lstStyle/>
+          <a:p>
+            <a:r>
+              <a:rPr lang="en-US"/>
+              <a:t>Lunar Meteoroid Ejecta Model (LuMEM) -- DeStefano</a:t>
+            </a:r>
+            <a:endParaRPr lang="en-US" dirty="0"/>
+          </a:p>
+        </p:txBody>
+      </p:sp>
+      <p:sp>
+        <p:nvSpPr>
+          <p:cNvPr id="6" name="Slide Number Placeholder 5">
+            <a:extLst>
+              <a:ext uri="{FF2B5EF4-FFF2-40B4-BE49-F238E27FC236}">
+                <a16:creationId xmlns:a16="http://schemas.microsoft.com/office/drawing/2014/main" id="{A5E0D42D-2E21-4952-A04B-B30E5BA787A5}"/>
+              </a:ext>
+            </a:extLst>
+          </p:cNvPr>
+          <p:cNvSpPr>
+            <a:spLocks noGrp="1"/>
+          </p:cNvSpPr>
+          <p:nvPr>
+            <p:ph type="sldNum" sz="quarter" idx="12"/>
+          </p:nvPr>
+        </p:nvSpPr>
+        <p:spPr/>
+        <p:txBody>
+          <a:bodyPr/>
+          <a:lstStyle/>
+          <a:p>
+            <a:fld id="{69E57DC2-970A-4B3E-BB1C-7A09969E49DF}" type="slidenum">
+              <a:rPr lang="en-US" smtClean="0"/>
+              <a:t>22</a:t>
+            </a:fld>
+            <a:endParaRPr lang="en-US" dirty="0"/>
+          </a:p>
+        </p:txBody>
+      </p:sp>
+      <p:pic>
+        <p:nvPicPr>
+          <p:cNvPr id="7" name="Picture 6">
+            <a:extLst>
+              <a:ext uri="{FF2B5EF4-FFF2-40B4-BE49-F238E27FC236}">
+                <a16:creationId xmlns:a16="http://schemas.microsoft.com/office/drawing/2014/main" id="{E23D40B4-1EF3-4AB3-B209-6E68CB21E309}"/>
+              </a:ext>
+            </a:extLst>
+          </p:cNvPr>
+          <p:cNvPicPr>
+            <a:picLocks noChangeAspect="1"/>
+          </p:cNvPicPr>
+          <p:nvPr/>
+        </p:nvPicPr>
+        <p:blipFill>
+          <a:blip r:embed="rId2"/>
+          <a:stretch>
+            <a:fillRect/>
+          </a:stretch>
+        </p:blipFill>
+        <p:spPr>
+          <a:xfrm>
+            <a:off x="3846064" y="899776"/>
+            <a:ext cx="7743035" cy="2771655"/>
+          </a:xfrm>
+          <a:prstGeom prst="rect">
+            <a:avLst/>
+          </a:prstGeom>
+        </p:spPr>
+      </p:pic>
+      <p:cxnSp>
+        <p:nvCxnSpPr>
+          <p:cNvPr id="9" name="Straight Arrow Connector 8">
+            <a:extLst>
+              <a:ext uri="{FF2B5EF4-FFF2-40B4-BE49-F238E27FC236}">
+                <a16:creationId xmlns:a16="http://schemas.microsoft.com/office/drawing/2014/main" id="{FAC0A7AA-A2E1-49DA-999F-E2675D6B9F79}"/>
+              </a:ext>
+            </a:extLst>
+          </p:cNvPr>
+          <p:cNvCxnSpPr/>
+          <p:nvPr/>
+        </p:nvCxnSpPr>
+        <p:spPr>
+          <a:xfrm flipV="1">
+            <a:off x="3180715" y="1973620"/>
+            <a:ext cx="1869440" cy="965200"/>
+          </a:xfrm>
+          <a:prstGeom prst="straightConnector1">
+            <a:avLst/>
+          </a:prstGeom>
+          <a:ln w="38100">
+            <a:solidFill>
+              <a:schemeClr val="tx1"/>
+            </a:solidFill>
+            <a:tailEnd type="triangle"/>
+          </a:ln>
+        </p:spPr>
+        <p:style>
+          <a:lnRef idx="1">
+            <a:schemeClr val="accent1"/>
+          </a:lnRef>
+          <a:fillRef idx="0">
+            <a:schemeClr val="accent1"/>
+          </a:fillRef>
+          <a:effectRef idx="0">
+            <a:schemeClr val="accent1"/>
+          </a:effectRef>
+          <a:fontRef idx="minor">
+            <a:schemeClr val="tx1"/>
+          </a:fontRef>
+        </p:style>
+      </p:cxnSp>
+      <p:sp>
+        <p:nvSpPr>
+          <p:cNvPr id="10" name="TextBox 9">
+            <a:extLst>
+              <a:ext uri="{FF2B5EF4-FFF2-40B4-BE49-F238E27FC236}">
+                <a16:creationId xmlns:a16="http://schemas.microsoft.com/office/drawing/2014/main" id="{0D9984D6-BD46-4DD5-938F-05421CA2C6AC}"/>
+              </a:ext>
+            </a:extLst>
+          </p:cNvPr>
+          <p:cNvSpPr txBox="1"/>
+          <p:nvPr/>
+        </p:nvSpPr>
+        <p:spPr>
+          <a:xfrm>
+            <a:off x="1159379" y="2053361"/>
+            <a:ext cx="2724150" cy="923330"/>
+          </a:xfrm>
+          <a:prstGeom prst="rect">
+            <a:avLst/>
+          </a:prstGeom>
+          <a:noFill/>
+        </p:spPr>
+        <p:txBody>
+          <a:bodyPr wrap="square" rtlCol="0">
+            <a:spAutoFit/>
+          </a:bodyPr>
+          <a:lstStyle/>
+          <a:p>
+            <a:r>
+              <a:rPr lang="en-US" dirty="0"/>
+              <a:t>Each integral over the distance for each speed gives a weight of 1</a:t>
+            </a:r>
+          </a:p>
+        </p:txBody>
+      </p:sp>
+    </p:spTree>
+    <p:extLst>
+      <p:ext uri="{BB962C8B-B14F-4D97-AF65-F5344CB8AC3E}">
+        <p14:creationId xmlns:p14="http://schemas.microsoft.com/office/powerpoint/2010/main" val="4271948750"/>
+      </p:ext>
+    </p:extLst>
+  </p:cSld>
+  <p:clrMapOvr>
+    <a:masterClrMapping/>
+  </p:clrMapOvr>
+</p:sld>
+</file>
+
+<file path=ppt/slides/slide23.xml><?xml version="1.0" encoding="utf-8"?>
+<p:sld xmlns:a="http://schemas.openxmlformats.org/drawingml/2006/main" xmlns:r="http://schemas.openxmlformats.org/officeDocument/2006/relationships" xmlns:p="http://schemas.openxmlformats.org/presentationml/2006/main">
+  <p:cSld>
+    <p:spTree>
+      <p:nvGrpSpPr>
+        <p:cNvPr id="1" name=""/>
+        <p:cNvGrpSpPr/>
+        <p:nvPr/>
+      </p:nvGrpSpPr>
+      <p:grpSpPr>
+        <a:xfrm>
+          <a:off x="0" y="0"/>
+          <a:ext cx="0" cy="0"/>
+          <a:chOff x="0" y="0"/>
+          <a:chExt cx="0" cy="0"/>
+        </a:xfrm>
+      </p:grpSpPr>
+      <p:sp>
+        <p:nvSpPr>
+          <p:cNvPr id="2" name="Title 1">
+            <a:extLst>
+              <a:ext uri="{FF2B5EF4-FFF2-40B4-BE49-F238E27FC236}">
                 <a16:creationId xmlns:a16="http://schemas.microsoft.com/office/drawing/2014/main" id="{F7548237-671A-42E6-9F76-800DFE4A9A53}"/>
               </a:ext>
             </a:extLst>
@@ -11377,7 +11716,23 @@
             <a:pPr lvl="1"/>
             <a:r>
               <a:rPr lang="en-US" i="0" dirty="0"/>
-              <a:t>We see that the secondary fluxes are dominated by impacts that are close by</a:t>
+              <a:t>We see that the secondary fluxes are dominated by impacts that are close by (when taking into account the power-law speed distribution from </a:t>
+            </a:r>
+            <a:r>
+              <a:rPr lang="en-US" i="0" dirty="0" err="1"/>
+              <a:t>Housen</a:t>
+            </a:r>
+            <a:r>
+              <a:rPr lang="en-US" i="0" dirty="0"/>
+              <a:t> &amp; </a:t>
+            </a:r>
+            <a:r>
+              <a:rPr lang="en-US" i="0" dirty="0" err="1"/>
+              <a:t>Holsapple</a:t>
+            </a:r>
+            <a:r>
+              <a:rPr lang="en-US" i="0" dirty="0"/>
+              <a:t> 2011)</a:t>
             </a:r>
           </a:p>
         </p:txBody>
@@ -11405,7 +11760,7 @@
           <a:p>
             <a:fld id="{2C03F969-3CA1-4329-80D4-97FA07558DE8}" type="datetime1">
               <a:rPr lang="en-US" smtClean="0"/>
-              <a:t>10/23/2020</a:t>
+              <a:t>10/26/2020</a:t>
             </a:fld>
             <a:endParaRPr lang="en-US" dirty="0"/>
           </a:p>
@@ -11463,7 +11818,7 @@
           <a:p>
             <a:fld id="{69E57DC2-970A-4B3E-BB1C-7A09969E49DF}" type="slidenum">
               <a:rPr lang="en-US" smtClean="0"/>
-              <a:t>22</a:t>
+              <a:t>23</a:t>
             </a:fld>
             <a:endParaRPr lang="en-US" dirty="0"/>
           </a:p>
@@ -11512,7 +11867,393 @@
 </p:sld>
 </file>
 
-<file path=ppt/slides/slide23.xml><?xml version="1.0" encoding="utf-8"?>
+<file path=ppt/slides/slide24.xml><?xml version="1.0" encoding="utf-8"?>
+<p:sld xmlns:a="http://schemas.openxmlformats.org/drawingml/2006/main" xmlns:r="http://schemas.openxmlformats.org/officeDocument/2006/relationships" xmlns:p="http://schemas.openxmlformats.org/presentationml/2006/main">
+  <p:cSld>
+    <p:spTree>
+      <p:nvGrpSpPr>
+        <p:cNvPr id="1" name=""/>
+        <p:cNvGrpSpPr/>
+        <p:nvPr/>
+      </p:nvGrpSpPr>
+      <p:grpSpPr>
+        <a:xfrm>
+          <a:off x="0" y="0"/>
+          <a:ext cx="0" cy="0"/>
+          <a:chOff x="0" y="0"/>
+          <a:chExt cx="0" cy="0"/>
+        </a:xfrm>
+      </p:grpSpPr>
+      <p:sp>
+        <p:nvSpPr>
+          <p:cNvPr id="2" name="Title 1">
+            <a:extLst>
+              <a:ext uri="{FF2B5EF4-FFF2-40B4-BE49-F238E27FC236}">
+                <a16:creationId xmlns:a16="http://schemas.microsoft.com/office/drawing/2014/main" id="{68C6D896-3D10-4DFE-9B00-5349DEB82597}"/>
+              </a:ext>
+            </a:extLst>
+          </p:cNvPr>
+          <p:cNvSpPr>
+            <a:spLocks noGrp="1"/>
+          </p:cNvSpPr>
+          <p:nvPr>
+            <p:ph type="title"/>
+          </p:nvPr>
+        </p:nvSpPr>
+        <p:spPr>
+          <a:xfrm>
+            <a:off x="1295400" y="247650"/>
+            <a:ext cx="9601200" cy="1876424"/>
+          </a:xfrm>
+        </p:spPr>
+        <p:txBody>
+          <a:bodyPr>
+            <a:normAutofit fontScale="90000"/>
+          </a:bodyPr>
+          <a:lstStyle/>
+          <a:p>
+            <a:r>
+              <a:rPr lang="en-US" dirty="0"/>
+              <a:t>Secondary flux from impacts over the whole Moon in terms of secondary flux from a single impact on the Moon</a:t>
+            </a:r>
+          </a:p>
+        </p:txBody>
+      </p:sp>
+      <p:sp>
+        <p:nvSpPr>
+          <p:cNvPr id="3" name="Content Placeholder 2">
+            <a:extLst>
+              <a:ext uri="{FF2B5EF4-FFF2-40B4-BE49-F238E27FC236}">
+                <a16:creationId xmlns:a16="http://schemas.microsoft.com/office/drawing/2014/main" id="{05F8D38B-1B58-4D0A-810E-0E709676FF3E}"/>
+              </a:ext>
+            </a:extLst>
+          </p:cNvPr>
+          <p:cNvSpPr>
+            <a:spLocks noGrp="1"/>
+          </p:cNvSpPr>
+          <p:nvPr>
+            <p:ph idx="1"/>
+          </p:nvPr>
+        </p:nvSpPr>
+        <p:spPr>
+          <a:xfrm>
+            <a:off x="1295400" y="2124073"/>
+            <a:ext cx="5467350" cy="3848101"/>
+          </a:xfrm>
+        </p:spPr>
+        <p:txBody>
+          <a:bodyPr>
+            <a:normAutofit/>
+          </a:bodyPr>
+          <a:lstStyle/>
+          <a:p>
+            <a:r>
+              <a:rPr lang="en-US" dirty="0"/>
+              <a:t>Secondary flux as a function of ejected angle from zenith</a:t>
+            </a:r>
+          </a:p>
+          <a:p>
+            <a:r>
+              <a:rPr lang="en-US" dirty="0"/>
+              <a:t>Secondary flux if all ejecta is ejected at 45 degrees</a:t>
+            </a:r>
+          </a:p>
+          <a:p>
+            <a:endParaRPr lang="en-US" dirty="0"/>
+          </a:p>
+          <a:p>
+            <a:r>
+              <a:rPr lang="en-US" dirty="0"/>
+              <a:t>Secondary flux assuming isotopically ejected ejecta, shown to be comparable to ejecta only at 45 degrees</a:t>
+            </a:r>
+          </a:p>
+          <a:p>
+            <a:pPr lvl="1"/>
+            <a:r>
+              <a:rPr lang="en-US" i="0" dirty="0"/>
+              <a:t>E.g., if </a:t>
+            </a:r>
+            <a:r>
+              <a:rPr lang="en-US" i="0" dirty="0" err="1"/>
+              <a:t>v_min</a:t>
+            </a:r>
+            <a:r>
+              <a:rPr lang="en-US" i="0" dirty="0"/>
+              <a:t> = 100 m/s, then the size of the ROI must be &lt;&lt; 5.2 meters, otherwise higher terms come into play</a:t>
+            </a:r>
+          </a:p>
+        </p:txBody>
+      </p:sp>
+      <p:sp>
+        <p:nvSpPr>
+          <p:cNvPr id="4" name="Date Placeholder 3">
+            <a:extLst>
+              <a:ext uri="{FF2B5EF4-FFF2-40B4-BE49-F238E27FC236}">
+                <a16:creationId xmlns:a16="http://schemas.microsoft.com/office/drawing/2014/main" id="{37198356-0750-42E7-8158-E04E3B3F49F4}"/>
+              </a:ext>
+            </a:extLst>
+          </p:cNvPr>
+          <p:cNvSpPr>
+            <a:spLocks noGrp="1"/>
+          </p:cNvSpPr>
+          <p:nvPr>
+            <p:ph type="dt" sz="half" idx="10"/>
+          </p:nvPr>
+        </p:nvSpPr>
+        <p:spPr/>
+        <p:txBody>
+          <a:bodyPr/>
+          <a:lstStyle/>
+          <a:p>
+            <a:fld id="{2C03F969-3CA1-4329-80D4-97FA07558DE8}" type="datetime1">
+              <a:rPr lang="en-US" smtClean="0"/>
+              <a:t>10/26/2020</a:t>
+            </a:fld>
+            <a:endParaRPr lang="en-US" dirty="0"/>
+          </a:p>
+        </p:txBody>
+      </p:sp>
+      <p:sp>
+        <p:nvSpPr>
+          <p:cNvPr id="5" name="Footer Placeholder 4">
+            <a:extLst>
+              <a:ext uri="{FF2B5EF4-FFF2-40B4-BE49-F238E27FC236}">
+                <a16:creationId xmlns:a16="http://schemas.microsoft.com/office/drawing/2014/main" id="{84DEDC9E-004E-4181-86E8-362F1FDE84A5}"/>
+              </a:ext>
+            </a:extLst>
+          </p:cNvPr>
+          <p:cNvSpPr>
+            <a:spLocks noGrp="1"/>
+          </p:cNvSpPr>
+          <p:nvPr>
+            <p:ph type="ftr" sz="quarter" idx="11"/>
+          </p:nvPr>
+        </p:nvSpPr>
+        <p:spPr/>
+        <p:txBody>
+          <a:bodyPr/>
+          <a:lstStyle/>
+          <a:p>
+            <a:r>
+              <a:rPr lang="en-US"/>
+              <a:t>Lunar Meteoroid Ejecta Model (LuMEM) -- DeStefano</a:t>
+            </a:r>
+            <a:endParaRPr lang="en-US" dirty="0"/>
+          </a:p>
+        </p:txBody>
+      </p:sp>
+      <p:sp>
+        <p:nvSpPr>
+          <p:cNvPr id="6" name="Slide Number Placeholder 5">
+            <a:extLst>
+              <a:ext uri="{FF2B5EF4-FFF2-40B4-BE49-F238E27FC236}">
+                <a16:creationId xmlns:a16="http://schemas.microsoft.com/office/drawing/2014/main" id="{2B214586-CF4E-4E9F-8986-D2EEF5827468}"/>
+              </a:ext>
+            </a:extLst>
+          </p:cNvPr>
+          <p:cNvSpPr>
+            <a:spLocks noGrp="1"/>
+          </p:cNvSpPr>
+          <p:nvPr>
+            <p:ph type="sldNum" sz="quarter" idx="12"/>
+          </p:nvPr>
+        </p:nvSpPr>
+        <p:spPr/>
+        <p:txBody>
+          <a:bodyPr/>
+          <a:lstStyle/>
+          <a:p>
+            <a:fld id="{69E57DC2-970A-4B3E-BB1C-7A09969E49DF}" type="slidenum">
+              <a:rPr lang="en-US" smtClean="0"/>
+              <a:t>24</a:t>
+            </a:fld>
+            <a:endParaRPr lang="en-US" dirty="0"/>
+          </a:p>
+        </p:txBody>
+      </p:sp>
+      <p:pic>
+        <p:nvPicPr>
+          <p:cNvPr id="7" name="Picture 6">
+            <a:extLst>
+              <a:ext uri="{FF2B5EF4-FFF2-40B4-BE49-F238E27FC236}">
+                <a16:creationId xmlns:a16="http://schemas.microsoft.com/office/drawing/2014/main" id="{7AA6A6FE-C352-4E42-8580-BF31750E8B1E}"/>
+              </a:ext>
+            </a:extLst>
+          </p:cNvPr>
+          <p:cNvPicPr>
+            <a:picLocks noChangeAspect="1"/>
+          </p:cNvPicPr>
+          <p:nvPr/>
+        </p:nvPicPr>
+        <p:blipFill>
+          <a:blip r:embed="rId2"/>
+          <a:stretch>
+            <a:fillRect/>
+          </a:stretch>
+        </p:blipFill>
+        <p:spPr>
+          <a:xfrm>
+            <a:off x="6848475" y="2000248"/>
+            <a:ext cx="4457700" cy="723900"/>
+          </a:xfrm>
+          <a:prstGeom prst="rect">
+            <a:avLst/>
+          </a:prstGeom>
+        </p:spPr>
+      </p:pic>
+      <p:pic>
+        <p:nvPicPr>
+          <p:cNvPr id="8" name="Picture 7">
+            <a:extLst>
+              <a:ext uri="{FF2B5EF4-FFF2-40B4-BE49-F238E27FC236}">
+                <a16:creationId xmlns:a16="http://schemas.microsoft.com/office/drawing/2014/main" id="{5E9A4F56-4620-458A-816C-FD0E1E3C7838}"/>
+              </a:ext>
+            </a:extLst>
+          </p:cNvPr>
+          <p:cNvPicPr>
+            <a:picLocks noChangeAspect="1"/>
+          </p:cNvPicPr>
+          <p:nvPr/>
+        </p:nvPicPr>
+        <p:blipFill>
+          <a:blip r:embed="rId3"/>
+          <a:stretch>
+            <a:fillRect/>
+          </a:stretch>
+        </p:blipFill>
+        <p:spPr>
+          <a:xfrm>
+            <a:off x="6848475" y="2864691"/>
+            <a:ext cx="3429000" cy="428625"/>
+          </a:xfrm>
+          <a:prstGeom prst="rect">
+            <a:avLst/>
+          </a:prstGeom>
+        </p:spPr>
+      </p:pic>
+      <p:pic>
+        <p:nvPicPr>
+          <p:cNvPr id="9" name="Picture 8">
+            <a:extLst>
+              <a:ext uri="{FF2B5EF4-FFF2-40B4-BE49-F238E27FC236}">
+                <a16:creationId xmlns:a16="http://schemas.microsoft.com/office/drawing/2014/main" id="{5315DE69-6ACD-4A89-B5E8-210F94BDD1FC}"/>
+              </a:ext>
+            </a:extLst>
+          </p:cNvPr>
+          <p:cNvPicPr>
+            <a:picLocks noChangeAspect="1"/>
+          </p:cNvPicPr>
+          <p:nvPr/>
+        </p:nvPicPr>
+        <p:blipFill>
+          <a:blip r:embed="rId4"/>
+          <a:stretch>
+            <a:fillRect/>
+          </a:stretch>
+        </p:blipFill>
+        <p:spPr>
+          <a:xfrm>
+            <a:off x="6848475" y="3862486"/>
+            <a:ext cx="4114800" cy="790575"/>
+          </a:xfrm>
+          <a:prstGeom prst="rect">
+            <a:avLst/>
+          </a:prstGeom>
+        </p:spPr>
+      </p:pic>
+      <p:cxnSp>
+        <p:nvCxnSpPr>
+          <p:cNvPr id="11" name="Straight Arrow Connector 10">
+            <a:extLst>
+              <a:ext uri="{FF2B5EF4-FFF2-40B4-BE49-F238E27FC236}">
+                <a16:creationId xmlns:a16="http://schemas.microsoft.com/office/drawing/2014/main" id="{2FDB8610-473B-40EF-BB48-200322BFE864}"/>
+              </a:ext>
+            </a:extLst>
+          </p:cNvPr>
+          <p:cNvCxnSpPr>
+            <a:cxnSpLocks/>
+          </p:cNvCxnSpPr>
+          <p:nvPr/>
+        </p:nvCxnSpPr>
+        <p:spPr>
+          <a:xfrm flipH="1" flipV="1">
+            <a:off x="9877426" y="2693244"/>
+            <a:ext cx="628649" cy="302270"/>
+          </a:xfrm>
+          <a:prstGeom prst="straightConnector1">
+            <a:avLst/>
+          </a:prstGeom>
+          <a:ln w="28575">
+            <a:solidFill>
+              <a:schemeClr val="tx1"/>
+            </a:solidFill>
+            <a:tailEnd type="triangle"/>
+          </a:ln>
+        </p:spPr>
+        <p:style>
+          <a:lnRef idx="1">
+            <a:schemeClr val="accent1"/>
+          </a:lnRef>
+          <a:fillRef idx="0">
+            <a:schemeClr val="accent1"/>
+          </a:fillRef>
+          <a:effectRef idx="0">
+            <a:schemeClr val="accent1"/>
+          </a:effectRef>
+          <a:fontRef idx="minor">
+            <a:schemeClr val="tx1"/>
+          </a:fontRef>
+        </p:style>
+      </p:cxnSp>
+      <p:sp>
+        <p:nvSpPr>
+          <p:cNvPr id="14" name="TextBox 13">
+            <a:extLst>
+              <a:ext uri="{FF2B5EF4-FFF2-40B4-BE49-F238E27FC236}">
+                <a16:creationId xmlns:a16="http://schemas.microsoft.com/office/drawing/2014/main" id="{FBE99DD7-69DA-4F7A-946D-F99EF96A29D1}"/>
+              </a:ext>
+            </a:extLst>
+          </p:cNvPr>
+          <p:cNvSpPr txBox="1"/>
+          <p:nvPr/>
+        </p:nvSpPr>
+        <p:spPr>
+          <a:xfrm>
+            <a:off x="10601324" y="2864691"/>
+            <a:ext cx="1419225" cy="646331"/>
+          </a:xfrm>
+          <a:prstGeom prst="rect">
+            <a:avLst/>
+          </a:prstGeom>
+          <a:noFill/>
+        </p:spPr>
+        <p:txBody>
+          <a:bodyPr wrap="square" rtlCol="0">
+            <a:spAutoFit/>
+          </a:bodyPr>
+          <a:lstStyle/>
+          <a:p>
+            <a:r>
+              <a:rPr lang="en-US" dirty="0"/>
+              <a:t>From HH11 scaling laws</a:t>
+            </a:r>
+          </a:p>
+        </p:txBody>
+      </p:sp>
+    </p:spTree>
+    <p:extLst>
+      <p:ext uri="{BB962C8B-B14F-4D97-AF65-F5344CB8AC3E}">
+        <p14:creationId xmlns:p14="http://schemas.microsoft.com/office/powerpoint/2010/main" val="2846069770"/>
+      </p:ext>
+    </p:extLst>
+  </p:cSld>
+  <p:clrMapOvr>
+    <a:masterClrMapping/>
+  </p:clrMapOvr>
+</p:sld>
+</file>
+
+<file path=ppt/slides/slide25.xml><?xml version="1.0" encoding="utf-8"?>
 <p:sld xmlns:a="http://schemas.openxmlformats.org/drawingml/2006/main" xmlns:r="http://schemas.openxmlformats.org/officeDocument/2006/relationships" xmlns:p="http://schemas.openxmlformats.org/presentationml/2006/main">
   <p:cSld>
     <p:spTree>
@@ -12019,7 +12760,7 @@
           <a:p>
             <a:fld id="{F5D59A6E-ABEC-4B48-91F6-6D0798166395}" type="datetime1">
               <a:rPr lang="en-US" smtClean="0"/>
-              <a:t>10/23/2020</a:t>
+              <a:t>10/26/2020</a:t>
             </a:fld>
             <a:endParaRPr lang="en-US" dirty="0"/>
           </a:p>
@@ -12048,7 +12789,7 @@
           <a:p>
             <a:fld id="{69E57DC2-970A-4B3E-BB1C-7A09969E49DF}" type="slidenum">
               <a:rPr lang="en-US" smtClean="0"/>
-              <a:t>23</a:t>
+              <a:t>25</a:t>
             </a:fld>
             <a:endParaRPr lang="en-US" dirty="0"/>
           </a:p>
@@ -12651,7 +13392,7 @@
           <a:p>
             <a:fld id="{38E5E391-21C4-4D75-8816-07FDD7A433E6}" type="datetime1">
               <a:rPr lang="en-US" smtClean="0"/>
-              <a:t>10/23/2020</a:t>
+              <a:t>10/26/2020</a:t>
             </a:fld>
             <a:endParaRPr lang="en-US" dirty="0"/>
           </a:p>
@@ -12844,7 +13585,7 @@
           <a:p>
             <a:fld id="{668BDF01-66E7-498E-BCE9-62F68E49614E}" type="datetime1">
               <a:rPr lang="en-US" smtClean="0"/>
-              <a:t>10/23/2020</a:t>
+              <a:t>10/26/2020</a:t>
             </a:fld>
             <a:endParaRPr lang="en-US" dirty="0"/>
           </a:p>
@@ -13560,7 +14301,7 @@
           <a:p>
             <a:fld id="{667586B9-AC17-406A-8F1A-D664DC9B45B5}" type="datetime1">
               <a:rPr lang="en-US" smtClean="0"/>
-              <a:t>10/23/2020</a:t>
+              <a:t>10/26/2020</a:t>
             </a:fld>
             <a:endParaRPr lang="en-US" dirty="0"/>
           </a:p>
@@ -15195,7 +15936,7 @@
           <a:p>
             <a:fld id="{98AA1882-8BA2-4C85-8806-12D70CB7D77A}" type="datetime1">
               <a:rPr lang="en-US" smtClean="0"/>
-              <a:t>10/23/2020</a:t>
+              <a:t>10/26/2020</a:t>
             </a:fld>
             <a:endParaRPr lang="en-US" dirty="0"/>
           </a:p>
@@ -15386,7 +16127,7 @@
           <a:p>
             <a:fld id="{98AA1882-8BA2-4C85-8806-12D70CB7D77A}" type="datetime1">
               <a:rPr lang="en-US" smtClean="0"/>
-              <a:t>10/23/2020</a:t>
+              <a:t>10/26/2020</a:t>
             </a:fld>
             <a:endParaRPr lang="en-US" dirty="0"/>
           </a:p>
@@ -16852,7 +17593,7 @@
           <a:p>
             <a:fld id="{98AA1882-8BA2-4C85-8806-12D70CB7D77A}" type="datetime1">
               <a:rPr lang="en-US" smtClean="0"/>
-              <a:t>10/23/2020</a:t>
+              <a:t>10/26/2020</a:t>
             </a:fld>
             <a:endParaRPr lang="en-US" dirty="0"/>
           </a:p>
@@ -18442,7 +19183,7 @@
           <a:p>
             <a:fld id="{B89D2A76-87D9-450F-B52E-05F4138BDCAE}" type="datetime1">
               <a:rPr lang="en-US" smtClean="0"/>
-              <a:t>10/23/2020</a:t>
+              <a:t>10/26/2020</a:t>
             </a:fld>
             <a:endParaRPr lang="en-US" dirty="0"/>
           </a:p>

--- a/Presentation/Lunar_Secondary_Ejecta_Model.pptx
+++ b/Presentation/Lunar_Secondary_Ejecta_Model.pptx
@@ -221,7 +221,7 @@
           <a:p>
             <a:fld id="{D66CE0FA-CF16-48E5-A3CD-CEE8A404D375}" type="datetimeFigureOut">
               <a:rPr lang="en-US" smtClean="0"/>
-              <a:t>10/26/2020</a:t>
+              <a:t>10/27/2020</a:t>
             </a:fld>
             <a:endParaRPr lang="en-US"/>
           </a:p>
@@ -657,7 +657,7 @@
           <a:p>
             <a:fld id="{D64564BF-43B0-4E03-AB56-1E6EEBBB0E66}" type="datetime1">
               <a:rPr lang="en-US" smtClean="0"/>
-              <a:t>10/26/2020</a:t>
+              <a:t>10/27/2020</a:t>
             </a:fld>
             <a:endParaRPr lang="en-US" dirty="0"/>
           </a:p>
@@ -987,7 +987,7 @@
           <a:p>
             <a:fld id="{20ED8515-596C-4429-A5E3-60C19FEE9349}" type="datetime1">
               <a:rPr lang="en-US" smtClean="0"/>
-              <a:t>10/26/2020</a:t>
+              <a:t>10/27/2020</a:t>
             </a:fld>
             <a:endParaRPr lang="en-US" dirty="0"/>
           </a:p>
@@ -1166,7 +1166,7 @@
           <a:p>
             <a:fld id="{96ECA619-1251-4FE5-A008-8D6867A4E27F}" type="datetime1">
               <a:rPr lang="en-US" smtClean="0"/>
-              <a:t>10/26/2020</a:t>
+              <a:t>10/27/2020</a:t>
             </a:fld>
             <a:endParaRPr lang="en-US" dirty="0"/>
           </a:p>
@@ -1335,7 +1335,7 @@
           <a:p>
             <a:fld id="{2C03F969-3CA1-4329-80D4-97FA07558DE8}" type="datetime1">
               <a:rPr lang="en-US" smtClean="0"/>
-              <a:t>10/26/2020</a:t>
+              <a:t>10/27/2020</a:t>
             </a:fld>
             <a:endParaRPr lang="en-US" dirty="0"/>
           </a:p>
@@ -1611,7 +1611,7 @@
           <a:p>
             <a:fld id="{A472D5E3-86C3-4840-AEED-CEA38199AB51}" type="datetime1">
               <a:rPr lang="en-US" smtClean="0"/>
-              <a:t>10/26/2020</a:t>
+              <a:t>10/27/2020</a:t>
             </a:fld>
             <a:endParaRPr lang="en-US" dirty="0"/>
           </a:p>
@@ -2005,7 +2005,7 @@
           <a:p>
             <a:fld id="{39C7A0C8-05A4-4A3F-93B6-191D315A29CF}" type="datetime1">
               <a:rPr lang="en-US" smtClean="0"/>
-              <a:t>10/26/2020</a:t>
+              <a:t>10/27/2020</a:t>
             </a:fld>
             <a:endParaRPr lang="en-US" dirty="0"/>
           </a:p>
@@ -2481,7 +2481,7 @@
           <a:p>
             <a:fld id="{62B385BD-5A39-4BA1-BEFD-27F2E78E317D}" type="datetime1">
               <a:rPr lang="en-US" smtClean="0"/>
-              <a:t>10/26/2020</a:t>
+              <a:t>10/27/2020</a:t>
             </a:fld>
             <a:endParaRPr lang="en-US" dirty="0"/>
           </a:p>
@@ -2598,7 +2598,7 @@
           <a:p>
             <a:fld id="{6BB82FE9-0D29-4DFB-BC55-0FDD897EF4F1}" type="datetime1">
               <a:rPr lang="en-US" smtClean="0"/>
-              <a:t>10/26/2020</a:t>
+              <a:t>10/27/2020</a:t>
             </a:fld>
             <a:endParaRPr lang="en-US" dirty="0"/>
           </a:p>
@@ -2692,7 +2692,7 @@
           <a:p>
             <a:fld id="{679DFD58-5AB4-47EF-AC44-AAF5927F92AE}" type="datetime1">
               <a:rPr lang="en-US" smtClean="0"/>
-              <a:t>10/26/2020</a:t>
+              <a:t>10/27/2020</a:t>
             </a:fld>
             <a:endParaRPr lang="en-US" dirty="0"/>
           </a:p>
@@ -3037,7 +3037,7 @@
           <a:p>
             <a:fld id="{7BA31D8D-74D3-4DCD-ACC1-7C89FC10331C}" type="datetime1">
               <a:rPr lang="en-US" smtClean="0"/>
-              <a:t>10/26/2020</a:t>
+              <a:t>10/27/2020</a:t>
             </a:fld>
             <a:endParaRPr lang="en-US" dirty="0"/>
           </a:p>
@@ -3425,7 +3425,7 @@
           <a:p>
             <a:fld id="{7CE62E6B-D0F8-4013-9E1C-FD398708E4B5}" type="datetime1">
               <a:rPr lang="en-US" smtClean="0"/>
-              <a:t>10/26/2020</a:t>
+              <a:t>10/27/2020</a:t>
             </a:fld>
             <a:endParaRPr lang="en-US" dirty="0"/>
           </a:p>
@@ -3703,7 +3703,7 @@
           <a:p>
             <a:fld id="{31E3BC98-00F5-4D3F-8412-54ED942AE7BA}" type="datetime1">
               <a:rPr lang="en-US" smtClean="0"/>
-              <a:t>10/26/2020</a:t>
+              <a:t>10/27/2020</a:t>
             </a:fld>
             <a:endParaRPr lang="en-US" dirty="0"/>
           </a:p>
@@ -4319,7 +4319,7 @@
           <a:p>
             <a:fld id="{2D0411A3-5602-45C2-B4C5-DE9BA003B67D}" type="datetime1">
               <a:rPr lang="en-US" smtClean="0"/>
-              <a:t>10/26/2020</a:t>
+              <a:t>10/27/2020</a:t>
             </a:fld>
             <a:endParaRPr lang="en-US" dirty="0"/>
           </a:p>
@@ -5003,7 +5003,7 @@
           <a:p>
             <a:fld id="{2C03F969-3CA1-4329-80D4-97FA07558DE8}" type="datetime1">
               <a:rPr lang="en-US" smtClean="0"/>
-              <a:t>10/26/2020</a:t>
+              <a:t>10/27/2020</a:t>
             </a:fld>
             <a:endParaRPr lang="en-US" dirty="0"/>
           </a:p>
@@ -5183,7 +5183,7 @@
           <a:p>
             <a:fld id="{2C03F969-3CA1-4329-80D4-97FA07558DE8}" type="datetime1">
               <a:rPr lang="en-US" smtClean="0"/>
-              <a:t>10/26/2020</a:t>
+              <a:t>10/27/2020</a:t>
             </a:fld>
             <a:endParaRPr lang="en-US" dirty="0"/>
           </a:p>
@@ -5655,7 +5655,7 @@
           <a:p>
             <a:fld id="{2C03F969-3CA1-4329-80D4-97FA07558DE8}" type="datetime1">
               <a:rPr lang="en-US" smtClean="0"/>
-              <a:t>10/26/2020</a:t>
+              <a:t>10/27/2020</a:t>
             </a:fld>
             <a:endParaRPr lang="en-US" dirty="0"/>
           </a:p>
@@ -6166,7 +6166,7 @@
           <a:p>
             <a:fld id="{2C03F969-3CA1-4329-80D4-97FA07558DE8}" type="datetime1">
               <a:rPr lang="en-US" smtClean="0"/>
-              <a:t>10/26/2020</a:t>
+              <a:t>10/27/2020</a:t>
             </a:fld>
             <a:endParaRPr lang="en-US" dirty="0"/>
           </a:p>
@@ -6564,7 +6564,7 @@
           <a:p>
             <a:fld id="{2C03F969-3CA1-4329-80D4-97FA07558DE8}" type="datetime1">
               <a:rPr lang="en-US" smtClean="0"/>
-              <a:t>10/26/2020</a:t>
+              <a:t>10/27/2020</a:t>
             </a:fld>
             <a:endParaRPr lang="en-US" dirty="0"/>
           </a:p>
@@ -7520,7 +7520,7 @@
           <a:p>
             <a:fld id="{2C03F969-3CA1-4329-80D4-97FA07558DE8}" type="datetime1">
               <a:rPr lang="en-US" smtClean="0"/>
-              <a:t>10/26/2020</a:t>
+              <a:t>10/27/2020</a:t>
             </a:fld>
             <a:endParaRPr lang="en-US" dirty="0"/>
           </a:p>
@@ -7665,7 +7665,7 @@
           <a:p>
             <a:fld id="{2C03F969-3CA1-4329-80D4-97FA07558DE8}" type="datetime1">
               <a:rPr lang="en-US" smtClean="0"/>
-              <a:t>10/26/2020</a:t>
+              <a:t>10/27/2020</a:t>
             </a:fld>
             <a:endParaRPr lang="en-US" dirty="0"/>
           </a:p>
@@ -8410,7 +8410,7 @@
           <a:p>
             <a:fld id="{2C03F969-3CA1-4329-80D4-97FA07558DE8}" type="datetime1">
               <a:rPr lang="en-US" smtClean="0"/>
-              <a:t>10/26/2020</a:t>
+              <a:t>10/27/2020</a:t>
             </a:fld>
             <a:endParaRPr lang="en-US" dirty="0"/>
           </a:p>
@@ -8667,7 +8667,7 @@
           <a:p>
             <a:fld id="{2C03F969-3CA1-4329-80D4-97FA07558DE8}" type="datetime1">
               <a:rPr lang="en-US" smtClean="0"/>
-              <a:t>10/26/2020</a:t>
+              <a:t>10/27/2020</a:t>
             </a:fld>
             <a:endParaRPr lang="en-US" dirty="0"/>
           </a:p>
@@ -9243,7 +9243,7 @@
           <a:p>
             <a:fld id="{2C03F969-3CA1-4329-80D4-97FA07558DE8}" type="datetime1">
               <a:rPr lang="en-US" smtClean="0"/>
-              <a:t>10/26/2020</a:t>
+              <a:t>10/27/2020</a:t>
             </a:fld>
             <a:endParaRPr lang="en-US" dirty="0"/>
           </a:p>
@@ -10068,7 +10068,7 @@
           <a:p>
             <a:fld id="{A952CE28-3BBD-4E63-98C1-32CE6D05C1AF}" type="datetime1">
               <a:rPr lang="en-US" smtClean="0"/>
-              <a:t>10/26/2020</a:t>
+              <a:t>10/27/2020</a:t>
             </a:fld>
             <a:endParaRPr lang="en-US" dirty="0"/>
           </a:p>
@@ -10688,7 +10688,7 @@
           <a:p>
             <a:fld id="{D5B96D59-8BD3-47D1-A6B5-FA48D0A60242}" type="datetime1">
               <a:rPr lang="en-US" smtClean="0"/>
-              <a:t>10/26/2020</a:t>
+              <a:t>10/27/2020</a:t>
             </a:fld>
             <a:endParaRPr lang="en-US" dirty="0"/>
           </a:p>
@@ -10897,7 +10897,7 @@
           <a:p>
             <a:fld id="{2C03F969-3CA1-4329-80D4-97FA07558DE8}" type="datetime1">
               <a:rPr lang="en-US" smtClean="0"/>
-              <a:t>10/26/2020</a:t>
+              <a:t>10/27/2020</a:t>
             </a:fld>
             <a:endParaRPr lang="en-US" dirty="0"/>
           </a:p>
@@ -11445,7 +11445,7 @@
           <a:p>
             <a:fld id="{2C03F969-3CA1-4329-80D4-97FA07558DE8}" type="datetime1">
               <a:rPr lang="en-US" smtClean="0"/>
-              <a:t>10/26/2020</a:t>
+              <a:t>10/27/2020</a:t>
             </a:fld>
             <a:endParaRPr lang="en-US" dirty="0"/>
           </a:p>
@@ -11681,62 +11681,138 @@
           </a:p>
         </p:txBody>
       </p:sp>
-      <p:sp>
-        <p:nvSpPr>
-          <p:cNvPr id="3" name="Content Placeholder 2">
-            <a:extLst>
-              <a:ext uri="{FF2B5EF4-FFF2-40B4-BE49-F238E27FC236}">
-                <a16:creationId xmlns:a16="http://schemas.microsoft.com/office/drawing/2014/main" id="{2CC0DDCF-F26E-4932-8829-AC2EC5ECD1CD}"/>
-              </a:ext>
-            </a:extLst>
-          </p:cNvPr>
-          <p:cNvSpPr>
-            <a:spLocks noGrp="1"/>
-          </p:cNvSpPr>
-          <p:nvPr>
-            <p:ph idx="1"/>
-          </p:nvPr>
-        </p:nvSpPr>
-        <p:spPr>
-          <a:xfrm>
-            <a:off x="1371600" y="3086100"/>
-            <a:ext cx="6429375" cy="2781300"/>
-          </a:xfrm>
-        </p:spPr>
-        <p:txBody>
-          <a:bodyPr/>
-          <a:lstStyle/>
-          <a:p>
-            <a:r>
-              <a:rPr lang="en-US" dirty="0"/>
-              <a:t>The ejecta speed distribution as a function of distance from primary impact point follows a power-law for small distances</a:t>
-            </a:r>
-          </a:p>
-          <a:p>
-            <a:pPr lvl="1"/>
-            <a:r>
-              <a:rPr lang="en-US" i="0" dirty="0"/>
-              <a:t>We see that the secondary fluxes are dominated by impacts that are close by (when taking into account the power-law speed distribution from </a:t>
-            </a:r>
-            <a:r>
-              <a:rPr lang="en-US" i="0" dirty="0" err="1"/>
-              <a:t>Housen</a:t>
-            </a:r>
-            <a:r>
-              <a:rPr lang="en-US" i="0" dirty="0"/>
-              <a:t> &amp; </a:t>
-            </a:r>
-            <a:r>
-              <a:rPr lang="en-US" i="0" dirty="0" err="1"/>
-              <a:t>Holsapple</a:t>
-            </a:r>
-            <a:r>
-              <a:rPr lang="en-US" i="0" dirty="0"/>
-              <a:t> 2011)</a:t>
-            </a:r>
-          </a:p>
-        </p:txBody>
-      </p:sp>
+      <mc:AlternateContent xmlns:mc="http://schemas.openxmlformats.org/markup-compatibility/2006">
+        <mc:Choice xmlns:a14="http://schemas.microsoft.com/office/drawing/2010/main" Requires="a14">
+          <p:sp>
+            <p:nvSpPr>
+              <p:cNvPr id="3" name="Content Placeholder 2">
+                <a:extLst>
+                  <a:ext uri="{FF2B5EF4-FFF2-40B4-BE49-F238E27FC236}">
+                    <a16:creationId xmlns:a16="http://schemas.microsoft.com/office/drawing/2014/main" id="{2CC0DDCF-F26E-4932-8829-AC2EC5ECD1CD}"/>
+                  </a:ext>
+                </a:extLst>
+              </p:cNvPr>
+              <p:cNvSpPr>
+                <a:spLocks noGrp="1"/>
+              </p:cNvSpPr>
+              <p:nvPr>
+                <p:ph idx="1"/>
+              </p:nvPr>
+            </p:nvSpPr>
+            <p:spPr>
+              <a:xfrm>
+                <a:off x="2166829" y="3162299"/>
+                <a:ext cx="7734300" cy="2981325"/>
+              </a:xfrm>
+            </p:spPr>
+            <p:txBody>
+              <a:bodyPr>
+                <a:normAutofit/>
+              </a:bodyPr>
+              <a:lstStyle/>
+              <a:p>
+                <a:r>
+                  <a:rPr lang="en-US" dirty="0"/>
+                  <a:t>The ejecta speed distribution as a function of distance from primary impact point follows a power-law for all distances</a:t>
+                </a:r>
+              </a:p>
+              <a:p>
+                <a:pPr lvl="1"/>
+                <a:r>
+                  <a:rPr lang="en-US" i="0" dirty="0"/>
+                  <a:t>We see that the secondary fluxes are dominated by impacts that are close by (when taking into account the power-law speed distribution from </a:t>
+                </a:r>
+                <a:r>
+                  <a:rPr lang="en-US" i="0" dirty="0" err="1"/>
+                  <a:t>Housen</a:t>
+                </a:r>
+                <a:r>
+                  <a:rPr lang="en-US" i="0" dirty="0"/>
+                  <a:t> &amp; </a:t>
+                </a:r>
+                <a:r>
+                  <a:rPr lang="en-US" i="0" dirty="0" err="1"/>
+                  <a:t>Holsapple</a:t>
+                </a:r>
+                <a:r>
+                  <a:rPr lang="en-US" i="0" dirty="0"/>
+                  <a:t> 2011)</a:t>
+                </a:r>
+              </a:p>
+              <a:p>
+                <a:pPr lvl="1"/>
+                <a:r>
+                  <a:rPr lang="en-US" i="0" dirty="0"/>
+                  <a:t>There is a correction factor to the power-law relation that only varies by about 10% over the whole Moon for </a:t>
+                </a:r>
+                <a14:m>
+                  <m:oMath xmlns:m="http://schemas.openxmlformats.org/officeDocument/2006/math">
+                    <m:r>
+                      <a:rPr lang="en-US" b="0" i="1" smtClean="0">
+                        <a:latin typeface="Cambria Math" panose="02040503050406030204" pitchFamily="18" charset="0"/>
+                      </a:rPr>
+                      <m:t>𝜇</m:t>
+                    </m:r>
+                    <m:r>
+                      <a:rPr lang="en-US" b="0" i="1" smtClean="0">
+                        <a:latin typeface="Cambria Math" panose="02040503050406030204" pitchFamily="18" charset="0"/>
+                      </a:rPr>
+                      <m:t>=0.4</m:t>
+                    </m:r>
+                  </m:oMath>
+                </a14:m>
+                <a:r>
+                  <a:rPr lang="en-US" i="0" dirty="0"/>
+                  <a:t> (the antipodal location is underestimated, which is a minor contribution to the over flux)</a:t>
+                </a:r>
+              </a:p>
+            </p:txBody>
+          </p:sp>
+        </mc:Choice>
+        <mc:Fallback>
+          <p:sp>
+            <p:nvSpPr>
+              <p:cNvPr id="3" name="Content Placeholder 2">
+                <a:extLst>
+                  <a:ext uri="{FF2B5EF4-FFF2-40B4-BE49-F238E27FC236}">
+                    <a16:creationId xmlns:a16="http://schemas.microsoft.com/office/drawing/2014/main" id="{2CC0DDCF-F26E-4932-8829-AC2EC5ECD1CD}"/>
+                  </a:ext>
+                </a:extLst>
+              </p:cNvPr>
+              <p:cNvSpPr>
+                <a:spLocks noGrp="1" noRot="1" noChangeAspect="1" noMove="1" noResize="1" noEditPoints="1" noAdjustHandles="1" noChangeArrowheads="1" noChangeShapeType="1" noTextEdit="1"/>
+              </p:cNvSpPr>
+              <p:nvPr>
+                <p:ph idx="1"/>
+              </p:nvPr>
+            </p:nvSpPr>
+            <p:spPr>
+              <a:xfrm>
+                <a:off x="2166829" y="3162299"/>
+                <a:ext cx="7734300" cy="2981325"/>
+              </a:xfrm>
+              <a:blipFill>
+                <a:blip r:embed="rId2"/>
+                <a:stretch>
+                  <a:fillRect l="-709" t="-1840"/>
+                </a:stretch>
+              </a:blipFill>
+            </p:spPr>
+            <p:txBody>
+              <a:bodyPr/>
+              <a:lstStyle/>
+              <a:p>
+                <a:r>
+                  <a:rPr lang="en-US">
+                    <a:noFill/>
+                  </a:rPr>
+                  <a:t> </a:t>
+                </a:r>
+              </a:p>
+            </p:txBody>
+          </p:sp>
+        </mc:Fallback>
+      </mc:AlternateContent>
       <p:sp>
         <p:nvSpPr>
           <p:cNvPr id="4" name="Date Placeholder 3">
@@ -11760,7 +11836,7 @@
           <a:p>
             <a:fld id="{2C03F969-3CA1-4329-80D4-97FA07558DE8}" type="datetime1">
               <a:rPr lang="en-US" smtClean="0"/>
-              <a:t>10/26/2020</a:t>
+              <a:t>10/27/2020</a:t>
             </a:fld>
             <a:endParaRPr lang="en-US" dirty="0"/>
           </a:p>
@@ -11839,14 +11915,14 @@
           <p:nvPr/>
         </p:nvPicPr>
         <p:blipFill>
-          <a:blip r:embed="rId2"/>
+          <a:blip r:embed="rId3"/>
           <a:stretch>
             <a:fillRect/>
           </a:stretch>
         </p:blipFill>
         <p:spPr>
           <a:xfrm>
-            <a:off x="2893564" y="1195387"/>
+            <a:off x="2705100" y="1126431"/>
             <a:ext cx="6781800" cy="1800225"/>
           </a:xfrm>
           <a:prstGeom prst="rect">
@@ -12007,7 +12083,7 @@
           <a:p>
             <a:fld id="{2C03F969-3CA1-4329-80D4-97FA07558DE8}" type="datetime1">
               <a:rPr lang="en-US" smtClean="0"/>
-              <a:t>10/26/2020</a:t>
+              <a:t>10/27/2020</a:t>
             </a:fld>
             <a:endParaRPr lang="en-US" dirty="0"/>
           </a:p>
@@ -12760,7 +12836,7 @@
           <a:p>
             <a:fld id="{F5D59A6E-ABEC-4B48-91F6-6D0798166395}" type="datetime1">
               <a:rPr lang="en-US" smtClean="0"/>
-              <a:t>10/26/2020</a:t>
+              <a:t>10/27/2020</a:t>
             </a:fld>
             <a:endParaRPr lang="en-US" dirty="0"/>
           </a:p>
@@ -13392,7 +13468,7 @@
           <a:p>
             <a:fld id="{38E5E391-21C4-4D75-8816-07FDD7A433E6}" type="datetime1">
               <a:rPr lang="en-US" smtClean="0"/>
-              <a:t>10/26/2020</a:t>
+              <a:t>10/27/2020</a:t>
             </a:fld>
             <a:endParaRPr lang="en-US" dirty="0"/>
           </a:p>
@@ -13585,7 +13661,7 @@
           <a:p>
             <a:fld id="{668BDF01-66E7-498E-BCE9-62F68E49614E}" type="datetime1">
               <a:rPr lang="en-US" smtClean="0"/>
-              <a:t>10/26/2020</a:t>
+              <a:t>10/27/2020</a:t>
             </a:fld>
             <a:endParaRPr lang="en-US" dirty="0"/>
           </a:p>
@@ -14301,7 +14377,7 @@
           <a:p>
             <a:fld id="{667586B9-AC17-406A-8F1A-D664DC9B45B5}" type="datetime1">
               <a:rPr lang="en-US" smtClean="0"/>
-              <a:t>10/26/2020</a:t>
+              <a:t>10/27/2020</a:t>
             </a:fld>
             <a:endParaRPr lang="en-US" dirty="0"/>
           </a:p>
@@ -15936,7 +16012,7 @@
           <a:p>
             <a:fld id="{98AA1882-8BA2-4C85-8806-12D70CB7D77A}" type="datetime1">
               <a:rPr lang="en-US" smtClean="0"/>
-              <a:t>10/26/2020</a:t>
+              <a:t>10/27/2020</a:t>
             </a:fld>
             <a:endParaRPr lang="en-US" dirty="0"/>
           </a:p>
@@ -16127,7 +16203,7 @@
           <a:p>
             <a:fld id="{98AA1882-8BA2-4C85-8806-12D70CB7D77A}" type="datetime1">
               <a:rPr lang="en-US" smtClean="0"/>
-              <a:t>10/26/2020</a:t>
+              <a:t>10/27/2020</a:t>
             </a:fld>
             <a:endParaRPr lang="en-US" dirty="0"/>
           </a:p>
@@ -17593,7 +17669,7 @@
           <a:p>
             <a:fld id="{98AA1882-8BA2-4C85-8806-12D70CB7D77A}" type="datetime1">
               <a:rPr lang="en-US" smtClean="0"/>
-              <a:t>10/26/2020</a:t>
+              <a:t>10/27/2020</a:t>
             </a:fld>
             <a:endParaRPr lang="en-US" dirty="0"/>
           </a:p>
@@ -19183,7 +19259,7 @@
           <a:p>
             <a:fld id="{B89D2A76-87D9-450F-B52E-05F4138BDCAE}" type="datetime1">
               <a:rPr lang="en-US" smtClean="0"/>
-              <a:t>10/26/2020</a:t>
+              <a:t>10/27/2020</a:t>
             </a:fld>
             <a:endParaRPr lang="en-US" dirty="0"/>
           </a:p>

--- a/Presentation/Lunar_Secondary_Ejecta_Model.pptx
+++ b/Presentation/Lunar_Secondary_Ejecta_Model.pptx
@@ -5,7 +5,7 @@
     <p:sldMasterId id="2147483648" r:id="rId1"/>
   </p:sldMasterIdLst>
   <p:notesMasterIdLst>
-    <p:notesMasterId r:id="rId27"/>
+    <p:notesMasterId r:id="rId28"/>
   </p:notesMasterIdLst>
   <p:sldIdLst>
     <p:sldId id="256" r:id="rId2"/>
@@ -33,6 +33,7 @@
     <p:sldId id="279" r:id="rId24"/>
     <p:sldId id="281" r:id="rId25"/>
     <p:sldId id="264" r:id="rId26"/>
+    <p:sldId id="282" r:id="rId27"/>
   </p:sldIdLst>
   <p:sldSz cx="12192000" cy="6858000"/>
   <p:notesSz cx="6858000" cy="9144000"/>
@@ -221,7 +222,7 @@
           <a:p>
             <a:fld id="{D66CE0FA-CF16-48E5-A3CD-CEE8A404D375}" type="datetimeFigureOut">
               <a:rPr lang="en-US" smtClean="0"/>
-              <a:t>10/27/2020</a:t>
+              <a:t>10/29/2020</a:t>
             </a:fld>
             <a:endParaRPr lang="en-US"/>
           </a:p>
@@ -657,7 +658,7 @@
           <a:p>
             <a:fld id="{D64564BF-43B0-4E03-AB56-1E6EEBBB0E66}" type="datetime1">
               <a:rPr lang="en-US" smtClean="0"/>
-              <a:t>10/27/2020</a:t>
+              <a:t>10/29/2020</a:t>
             </a:fld>
             <a:endParaRPr lang="en-US" dirty="0"/>
           </a:p>
@@ -987,7 +988,7 @@
           <a:p>
             <a:fld id="{20ED8515-596C-4429-A5E3-60C19FEE9349}" type="datetime1">
               <a:rPr lang="en-US" smtClean="0"/>
-              <a:t>10/27/2020</a:t>
+              <a:t>10/29/2020</a:t>
             </a:fld>
             <a:endParaRPr lang="en-US" dirty="0"/>
           </a:p>
@@ -1166,7 +1167,7 @@
           <a:p>
             <a:fld id="{96ECA619-1251-4FE5-A008-8D6867A4E27F}" type="datetime1">
               <a:rPr lang="en-US" smtClean="0"/>
-              <a:t>10/27/2020</a:t>
+              <a:t>10/29/2020</a:t>
             </a:fld>
             <a:endParaRPr lang="en-US" dirty="0"/>
           </a:p>
@@ -1335,7 +1336,7 @@
           <a:p>
             <a:fld id="{2C03F969-3CA1-4329-80D4-97FA07558DE8}" type="datetime1">
               <a:rPr lang="en-US" smtClean="0"/>
-              <a:t>10/27/2020</a:t>
+              <a:t>10/29/2020</a:t>
             </a:fld>
             <a:endParaRPr lang="en-US" dirty="0"/>
           </a:p>
@@ -1611,7 +1612,7 @@
           <a:p>
             <a:fld id="{A472D5E3-86C3-4840-AEED-CEA38199AB51}" type="datetime1">
               <a:rPr lang="en-US" smtClean="0"/>
-              <a:t>10/27/2020</a:t>
+              <a:t>10/29/2020</a:t>
             </a:fld>
             <a:endParaRPr lang="en-US" dirty="0"/>
           </a:p>
@@ -2005,7 +2006,7 @@
           <a:p>
             <a:fld id="{39C7A0C8-05A4-4A3F-93B6-191D315A29CF}" type="datetime1">
               <a:rPr lang="en-US" smtClean="0"/>
-              <a:t>10/27/2020</a:t>
+              <a:t>10/29/2020</a:t>
             </a:fld>
             <a:endParaRPr lang="en-US" dirty="0"/>
           </a:p>
@@ -2481,7 +2482,7 @@
           <a:p>
             <a:fld id="{62B385BD-5A39-4BA1-BEFD-27F2E78E317D}" type="datetime1">
               <a:rPr lang="en-US" smtClean="0"/>
-              <a:t>10/27/2020</a:t>
+              <a:t>10/29/2020</a:t>
             </a:fld>
             <a:endParaRPr lang="en-US" dirty="0"/>
           </a:p>
@@ -2598,7 +2599,7 @@
           <a:p>
             <a:fld id="{6BB82FE9-0D29-4DFB-BC55-0FDD897EF4F1}" type="datetime1">
               <a:rPr lang="en-US" smtClean="0"/>
-              <a:t>10/27/2020</a:t>
+              <a:t>10/29/2020</a:t>
             </a:fld>
             <a:endParaRPr lang="en-US" dirty="0"/>
           </a:p>
@@ -2692,7 +2693,7 @@
           <a:p>
             <a:fld id="{679DFD58-5AB4-47EF-AC44-AAF5927F92AE}" type="datetime1">
               <a:rPr lang="en-US" smtClean="0"/>
-              <a:t>10/27/2020</a:t>
+              <a:t>10/29/2020</a:t>
             </a:fld>
             <a:endParaRPr lang="en-US" dirty="0"/>
           </a:p>
@@ -3037,7 +3038,7 @@
           <a:p>
             <a:fld id="{7BA31D8D-74D3-4DCD-ACC1-7C89FC10331C}" type="datetime1">
               <a:rPr lang="en-US" smtClean="0"/>
-              <a:t>10/27/2020</a:t>
+              <a:t>10/29/2020</a:t>
             </a:fld>
             <a:endParaRPr lang="en-US" dirty="0"/>
           </a:p>
@@ -3425,7 +3426,7 @@
           <a:p>
             <a:fld id="{7CE62E6B-D0F8-4013-9E1C-FD398708E4B5}" type="datetime1">
               <a:rPr lang="en-US" smtClean="0"/>
-              <a:t>10/27/2020</a:t>
+              <a:t>10/29/2020</a:t>
             </a:fld>
             <a:endParaRPr lang="en-US" dirty="0"/>
           </a:p>
@@ -3703,7 +3704,7 @@
           <a:p>
             <a:fld id="{31E3BC98-00F5-4D3F-8412-54ED942AE7BA}" type="datetime1">
               <a:rPr lang="en-US" smtClean="0"/>
-              <a:t>10/27/2020</a:t>
+              <a:t>10/29/2020</a:t>
             </a:fld>
             <a:endParaRPr lang="en-US" dirty="0"/>
           </a:p>
@@ -4319,7 +4320,7 @@
           <a:p>
             <a:fld id="{2D0411A3-5602-45C2-B4C5-DE9BA003B67D}" type="datetime1">
               <a:rPr lang="en-US" smtClean="0"/>
-              <a:t>10/27/2020</a:t>
+              <a:t>10/29/2020</a:t>
             </a:fld>
             <a:endParaRPr lang="en-US" dirty="0"/>
           </a:p>
@@ -5003,7 +5004,7 @@
           <a:p>
             <a:fld id="{2C03F969-3CA1-4329-80D4-97FA07558DE8}" type="datetime1">
               <a:rPr lang="en-US" smtClean="0"/>
-              <a:t>10/27/2020</a:t>
+              <a:t>10/29/2020</a:t>
             </a:fld>
             <a:endParaRPr lang="en-US" dirty="0"/>
           </a:p>
@@ -5183,7 +5184,7 @@
           <a:p>
             <a:fld id="{2C03F969-3CA1-4329-80D4-97FA07558DE8}" type="datetime1">
               <a:rPr lang="en-US" smtClean="0"/>
-              <a:t>10/27/2020</a:t>
+              <a:t>10/29/2020</a:t>
             </a:fld>
             <a:endParaRPr lang="en-US" dirty="0"/>
           </a:p>
@@ -5655,7 +5656,7 @@
           <a:p>
             <a:fld id="{2C03F969-3CA1-4329-80D4-97FA07558DE8}" type="datetime1">
               <a:rPr lang="en-US" smtClean="0"/>
-              <a:t>10/27/2020</a:t>
+              <a:t>10/29/2020</a:t>
             </a:fld>
             <a:endParaRPr lang="en-US" dirty="0"/>
           </a:p>
@@ -6166,7 +6167,7 @@
           <a:p>
             <a:fld id="{2C03F969-3CA1-4329-80D4-97FA07558DE8}" type="datetime1">
               <a:rPr lang="en-US" smtClean="0"/>
-              <a:t>10/27/2020</a:t>
+              <a:t>10/29/2020</a:t>
             </a:fld>
             <a:endParaRPr lang="en-US" dirty="0"/>
           </a:p>
@@ -6564,7 +6565,7 @@
           <a:p>
             <a:fld id="{2C03F969-3CA1-4329-80D4-97FA07558DE8}" type="datetime1">
               <a:rPr lang="en-US" smtClean="0"/>
-              <a:t>10/27/2020</a:t>
+              <a:t>10/29/2020</a:t>
             </a:fld>
             <a:endParaRPr lang="en-US" dirty="0"/>
           </a:p>
@@ -7520,7 +7521,7 @@
           <a:p>
             <a:fld id="{2C03F969-3CA1-4329-80D4-97FA07558DE8}" type="datetime1">
               <a:rPr lang="en-US" smtClean="0"/>
-              <a:t>10/27/2020</a:t>
+              <a:t>10/29/2020</a:t>
             </a:fld>
             <a:endParaRPr lang="en-US" dirty="0"/>
           </a:p>
@@ -7665,7 +7666,7 @@
           <a:p>
             <a:fld id="{2C03F969-3CA1-4329-80D4-97FA07558DE8}" type="datetime1">
               <a:rPr lang="en-US" smtClean="0"/>
-              <a:t>10/27/2020</a:t>
+              <a:t>10/29/2020</a:t>
             </a:fld>
             <a:endParaRPr lang="en-US" dirty="0"/>
           </a:p>
@@ -8410,7 +8411,7 @@
           <a:p>
             <a:fld id="{2C03F969-3CA1-4329-80D4-97FA07558DE8}" type="datetime1">
               <a:rPr lang="en-US" smtClean="0"/>
-              <a:t>10/27/2020</a:t>
+              <a:t>10/29/2020</a:t>
             </a:fld>
             <a:endParaRPr lang="en-US" dirty="0"/>
           </a:p>
@@ -8667,7 +8668,7 @@
           <a:p>
             <a:fld id="{2C03F969-3CA1-4329-80D4-97FA07558DE8}" type="datetime1">
               <a:rPr lang="en-US" smtClean="0"/>
-              <a:t>10/27/2020</a:t>
+              <a:t>10/29/2020</a:t>
             </a:fld>
             <a:endParaRPr lang="en-US" dirty="0"/>
           </a:p>
@@ -9243,7 +9244,7 @@
           <a:p>
             <a:fld id="{2C03F969-3CA1-4329-80D4-97FA07558DE8}" type="datetime1">
               <a:rPr lang="en-US" smtClean="0"/>
-              <a:t>10/27/2020</a:t>
+              <a:t>10/29/2020</a:t>
             </a:fld>
             <a:endParaRPr lang="en-US" dirty="0"/>
           </a:p>
@@ -10068,7 +10069,7 @@
           <a:p>
             <a:fld id="{A952CE28-3BBD-4E63-98C1-32CE6D05C1AF}" type="datetime1">
               <a:rPr lang="en-US" smtClean="0"/>
-              <a:t>10/27/2020</a:t>
+              <a:t>10/29/2020</a:t>
             </a:fld>
             <a:endParaRPr lang="en-US" dirty="0"/>
           </a:p>
@@ -10688,7 +10689,7 @@
           <a:p>
             <a:fld id="{D5B96D59-8BD3-47D1-A6B5-FA48D0A60242}" type="datetime1">
               <a:rPr lang="en-US" smtClean="0"/>
-              <a:t>10/27/2020</a:t>
+              <a:t>10/29/2020</a:t>
             </a:fld>
             <a:endParaRPr lang="en-US" dirty="0"/>
           </a:p>
@@ -10897,7 +10898,7 @@
           <a:p>
             <a:fld id="{2C03F969-3CA1-4329-80D4-97FA07558DE8}" type="datetime1">
               <a:rPr lang="en-US" smtClean="0"/>
-              <a:t>10/27/2020</a:t>
+              <a:t>10/29/2020</a:t>
             </a:fld>
             <a:endParaRPr lang="en-US" dirty="0"/>
           </a:p>
@@ -11445,7 +11446,7 @@
           <a:p>
             <a:fld id="{2C03F969-3CA1-4329-80D4-97FA07558DE8}" type="datetime1">
               <a:rPr lang="en-US" smtClean="0"/>
-              <a:t>10/27/2020</a:t>
+              <a:t>10/29/2020</a:t>
             </a:fld>
             <a:endParaRPr lang="en-US" dirty="0"/>
           </a:p>
@@ -11681,8 +11682,8 @@
           </a:p>
         </p:txBody>
       </p:sp>
-      <mc:AlternateContent xmlns:mc="http://schemas.openxmlformats.org/markup-compatibility/2006">
-        <mc:Choice xmlns:a14="http://schemas.microsoft.com/office/drawing/2010/main" Requires="a14">
+      <mc:AlternateContent xmlns:mc="http://schemas.openxmlformats.org/markup-compatibility/2006" xmlns:a14="http://schemas.microsoft.com/office/drawing/2010/main">
+        <mc:Choice Requires="a14">
           <p:sp>
             <p:nvSpPr>
               <p:cNvPr id="3" name="Content Placeholder 2">
@@ -11769,7 +11770,7 @@
             </p:txBody>
           </p:sp>
         </mc:Choice>
-        <mc:Fallback>
+        <mc:Fallback xmlns="">
           <p:sp>
             <p:nvSpPr>
               <p:cNvPr id="3" name="Content Placeholder 2">
@@ -11836,7 +11837,7 @@
           <a:p>
             <a:fld id="{2C03F969-3CA1-4329-80D4-97FA07558DE8}" type="datetime1">
               <a:rPr lang="en-US" smtClean="0"/>
-              <a:t>10/27/2020</a:t>
+              <a:t>10/29/2020</a:t>
             </a:fld>
             <a:endParaRPr lang="en-US" dirty="0"/>
           </a:p>
@@ -12083,7 +12084,7 @@
           <a:p>
             <a:fld id="{2C03F969-3CA1-4329-80D4-97FA07558DE8}" type="datetime1">
               <a:rPr lang="en-US" smtClean="0"/>
-              <a:t>10/27/2020</a:t>
+              <a:t>10/29/2020</a:t>
             </a:fld>
             <a:endParaRPr lang="en-US" dirty="0"/>
           </a:p>
@@ -12836,7 +12837,7 @@
           <a:p>
             <a:fld id="{F5D59A6E-ABEC-4B48-91F6-6D0798166395}" type="datetime1">
               <a:rPr lang="en-US" smtClean="0"/>
-              <a:t>10/27/2020</a:t>
+              <a:t>10/29/2020</a:t>
             </a:fld>
             <a:endParaRPr lang="en-US" dirty="0"/>
           </a:p>
@@ -12904,6 +12905,184 @@
     <p:extLst>
       <p:ext uri="{BB962C8B-B14F-4D97-AF65-F5344CB8AC3E}">
         <p14:creationId xmlns:p14="http://schemas.microsoft.com/office/powerpoint/2010/main" val="3005755291"/>
+      </p:ext>
+    </p:extLst>
+  </p:cSld>
+  <p:clrMapOvr>
+    <a:masterClrMapping/>
+  </p:clrMapOvr>
+</p:sld>
+</file>
+
+<file path=ppt/slides/slide26.xml><?xml version="1.0" encoding="utf-8"?>
+<p:sld xmlns:a="http://schemas.openxmlformats.org/drawingml/2006/main" xmlns:r="http://schemas.openxmlformats.org/officeDocument/2006/relationships" xmlns:p="http://schemas.openxmlformats.org/presentationml/2006/main">
+  <p:cSld>
+    <p:spTree>
+      <p:nvGrpSpPr>
+        <p:cNvPr id="1" name=""/>
+        <p:cNvGrpSpPr/>
+        <p:nvPr/>
+      </p:nvGrpSpPr>
+      <p:grpSpPr>
+        <a:xfrm>
+          <a:off x="0" y="0"/>
+          <a:ext cx="0" cy="0"/>
+          <a:chOff x="0" y="0"/>
+          <a:chExt cx="0" cy="0"/>
+        </a:xfrm>
+      </p:grpSpPr>
+      <p:sp>
+        <p:nvSpPr>
+          <p:cNvPr id="2" name="Title 1">
+            <a:extLst>
+              <a:ext uri="{FF2B5EF4-FFF2-40B4-BE49-F238E27FC236}">
+                <a16:creationId xmlns:a16="http://schemas.microsoft.com/office/drawing/2014/main" id="{9BE28E73-5F9C-4885-A393-D2943A920A24}"/>
+              </a:ext>
+            </a:extLst>
+          </p:cNvPr>
+          <p:cNvSpPr>
+            <a:spLocks noGrp="1"/>
+          </p:cNvSpPr>
+          <p:nvPr>
+            <p:ph type="title"/>
+          </p:nvPr>
+        </p:nvSpPr>
+        <p:spPr/>
+        <p:txBody>
+          <a:bodyPr/>
+          <a:lstStyle/>
+          <a:p>
+            <a:r>
+              <a:rPr lang="en-US" dirty="0"/>
+              <a:t>Results from the Lunar Meteoroid Ejecta Model (</a:t>
+            </a:r>
+            <a:r>
+              <a:rPr lang="en-US" dirty="0" err="1"/>
+              <a:t>LuMEM</a:t>
+            </a:r>
+            <a:r>
+              <a:rPr lang="en-US" dirty="0"/>
+              <a:t>)</a:t>
+            </a:r>
+          </a:p>
+        </p:txBody>
+      </p:sp>
+      <p:sp>
+        <p:nvSpPr>
+          <p:cNvPr id="3" name="Content Placeholder 2">
+            <a:extLst>
+              <a:ext uri="{FF2B5EF4-FFF2-40B4-BE49-F238E27FC236}">
+                <a16:creationId xmlns:a16="http://schemas.microsoft.com/office/drawing/2014/main" id="{353A717F-F7DE-448E-BA25-DDDE343C2A4F}"/>
+              </a:ext>
+            </a:extLst>
+          </p:cNvPr>
+          <p:cNvSpPr>
+            <a:spLocks noGrp="1"/>
+          </p:cNvSpPr>
+          <p:nvPr>
+            <p:ph idx="1"/>
+          </p:nvPr>
+        </p:nvSpPr>
+        <p:spPr/>
+        <p:txBody>
+          <a:bodyPr/>
+          <a:lstStyle/>
+          <a:p>
+            <a:endParaRPr lang="en-US"/>
+          </a:p>
+        </p:txBody>
+      </p:sp>
+      <p:sp>
+        <p:nvSpPr>
+          <p:cNvPr id="4" name="Date Placeholder 3">
+            <a:extLst>
+              <a:ext uri="{FF2B5EF4-FFF2-40B4-BE49-F238E27FC236}">
+                <a16:creationId xmlns:a16="http://schemas.microsoft.com/office/drawing/2014/main" id="{F62239C1-FB8F-428E-8458-34D9980A4CE6}"/>
+              </a:ext>
+            </a:extLst>
+          </p:cNvPr>
+          <p:cNvSpPr>
+            <a:spLocks noGrp="1"/>
+          </p:cNvSpPr>
+          <p:nvPr>
+            <p:ph type="dt" sz="half" idx="10"/>
+          </p:nvPr>
+        </p:nvSpPr>
+        <p:spPr/>
+        <p:txBody>
+          <a:bodyPr/>
+          <a:lstStyle/>
+          <a:p>
+            <a:fld id="{2C03F969-3CA1-4329-80D4-97FA07558DE8}" type="datetime1">
+              <a:rPr lang="en-US" smtClean="0"/>
+              <a:t>10/30/2020</a:t>
+            </a:fld>
+            <a:endParaRPr lang="en-US" dirty="0"/>
+          </a:p>
+        </p:txBody>
+      </p:sp>
+      <p:sp>
+        <p:nvSpPr>
+          <p:cNvPr id="5" name="Footer Placeholder 4">
+            <a:extLst>
+              <a:ext uri="{FF2B5EF4-FFF2-40B4-BE49-F238E27FC236}">
+                <a16:creationId xmlns:a16="http://schemas.microsoft.com/office/drawing/2014/main" id="{94F639B3-8D19-416A-AF8F-6EE463E79ABF}"/>
+              </a:ext>
+            </a:extLst>
+          </p:cNvPr>
+          <p:cNvSpPr>
+            <a:spLocks noGrp="1"/>
+          </p:cNvSpPr>
+          <p:nvPr>
+            <p:ph type="ftr" sz="quarter" idx="11"/>
+          </p:nvPr>
+        </p:nvSpPr>
+        <p:spPr/>
+        <p:txBody>
+          <a:bodyPr/>
+          <a:lstStyle/>
+          <a:p>
+            <a:r>
+              <a:rPr lang="en-US"/>
+              <a:t>Lunar Meteoroid Ejecta Model (LuMEM) -- DeStefano</a:t>
+            </a:r>
+            <a:endParaRPr lang="en-US" dirty="0"/>
+          </a:p>
+        </p:txBody>
+      </p:sp>
+      <p:sp>
+        <p:nvSpPr>
+          <p:cNvPr id="6" name="Slide Number Placeholder 5">
+            <a:extLst>
+              <a:ext uri="{FF2B5EF4-FFF2-40B4-BE49-F238E27FC236}">
+                <a16:creationId xmlns:a16="http://schemas.microsoft.com/office/drawing/2014/main" id="{59CA5A32-8B3E-4422-8953-D64E7099670A}"/>
+              </a:ext>
+            </a:extLst>
+          </p:cNvPr>
+          <p:cNvSpPr>
+            <a:spLocks noGrp="1"/>
+          </p:cNvSpPr>
+          <p:nvPr>
+            <p:ph type="sldNum" sz="quarter" idx="12"/>
+          </p:nvPr>
+        </p:nvSpPr>
+        <p:spPr/>
+        <p:txBody>
+          <a:bodyPr/>
+          <a:lstStyle/>
+          <a:p>
+            <a:fld id="{69E57DC2-970A-4B3E-BB1C-7A09969E49DF}" type="slidenum">
+              <a:rPr lang="en-US" smtClean="0"/>
+              <a:t>26</a:t>
+            </a:fld>
+            <a:endParaRPr lang="en-US" dirty="0"/>
+          </a:p>
+        </p:txBody>
+      </p:sp>
+    </p:spTree>
+    <p:extLst>
+      <p:ext uri="{BB962C8B-B14F-4D97-AF65-F5344CB8AC3E}">
+        <p14:creationId xmlns:p14="http://schemas.microsoft.com/office/powerpoint/2010/main" val="324836753"/>
       </p:ext>
     </p:extLst>
   </p:cSld>
@@ -13468,7 +13647,7 @@
           <a:p>
             <a:fld id="{38E5E391-21C4-4D75-8816-07FDD7A433E6}" type="datetime1">
               <a:rPr lang="en-US" smtClean="0"/>
-              <a:t>10/27/2020</a:t>
+              <a:t>10/29/2020</a:t>
             </a:fld>
             <a:endParaRPr lang="en-US" dirty="0"/>
           </a:p>
@@ -13661,7 +13840,7 @@
           <a:p>
             <a:fld id="{668BDF01-66E7-498E-BCE9-62F68E49614E}" type="datetime1">
               <a:rPr lang="en-US" smtClean="0"/>
-              <a:t>10/27/2020</a:t>
+              <a:t>10/29/2020</a:t>
             </a:fld>
             <a:endParaRPr lang="en-US" dirty="0"/>
           </a:p>
@@ -14377,7 +14556,7 @@
           <a:p>
             <a:fld id="{667586B9-AC17-406A-8F1A-D664DC9B45B5}" type="datetime1">
               <a:rPr lang="en-US" smtClean="0"/>
-              <a:t>10/27/2020</a:t>
+              <a:t>10/29/2020</a:t>
             </a:fld>
             <a:endParaRPr lang="en-US" dirty="0"/>
           </a:p>
@@ -16012,7 +16191,7 @@
           <a:p>
             <a:fld id="{98AA1882-8BA2-4C85-8806-12D70CB7D77A}" type="datetime1">
               <a:rPr lang="en-US" smtClean="0"/>
-              <a:t>10/27/2020</a:t>
+              <a:t>10/29/2020</a:t>
             </a:fld>
             <a:endParaRPr lang="en-US" dirty="0"/>
           </a:p>
@@ -16203,7 +16382,7 @@
           <a:p>
             <a:fld id="{98AA1882-8BA2-4C85-8806-12D70CB7D77A}" type="datetime1">
               <a:rPr lang="en-US" smtClean="0"/>
-              <a:t>10/27/2020</a:t>
+              <a:t>10/29/2020</a:t>
             </a:fld>
             <a:endParaRPr lang="en-US" dirty="0"/>
           </a:p>
@@ -17669,7 +17848,7 @@
           <a:p>
             <a:fld id="{98AA1882-8BA2-4C85-8806-12D70CB7D77A}" type="datetime1">
               <a:rPr lang="en-US" smtClean="0"/>
-              <a:t>10/27/2020</a:t>
+              <a:t>10/29/2020</a:t>
             </a:fld>
             <a:endParaRPr lang="en-US" dirty="0"/>
           </a:p>
@@ -19259,7 +19438,7 @@
           <a:p>
             <a:fld id="{B89D2A76-87D9-450F-B52E-05F4138BDCAE}" type="datetime1">
               <a:rPr lang="en-US" smtClean="0"/>
-              <a:t>10/27/2020</a:t>
+              <a:t>10/29/2020</a:t>
             </a:fld>
             <a:endParaRPr lang="en-US" dirty="0"/>
           </a:p>
